--- a/docs/15. ПЗ. ГЧ. Презентация.pptx
+++ b/docs/15. ПЗ. ГЧ. Презентация.pptx
@@ -123,7 +123,7 @@
   </p:defaultTextStyle>
   <p:extLst>
     <p:ext uri="{EFAFB233-063F-42B5-8137-9DF3F51BA10A}">
-      <p15:sldGuideLst xmlns:p15="http://schemas.microsoft.com/office/powerpoint/2012/main" xmlns=""/>
+      <p15:sldGuideLst xmlns="" xmlns:p15="http://schemas.microsoft.com/office/powerpoint/2012/main"/>
     </p:ext>
   </p:extLst>
 </p:presentation>
@@ -2538,7 +2538,6 @@
             <a:rPr lang="ru-RU" sz="2000" dirty="0" smtClean="0"/>
             <a:t>Подготовка тестов</a:t>
           </a:r>
-          <a:endParaRPr lang="ru-RU" sz="2000" dirty="0" smtClean="0"/>
         </a:p>
       </dgm:t>
     </dgm:pt>
@@ -3080,27 +3079,27 @@
     </dgm:pt>
   </dgm:ptLst>
   <dgm:cxnLst>
-    <dgm:cxn modelId="{206CC5BE-3C0C-49FB-9FD7-A73FBB8322F2}" type="presOf" srcId="{59BCF530-1F1D-4F35-9C93-6FBCB51AA98A}" destId="{66465B80-E317-4550-8134-CBE8DD67227C}" srcOrd="0" destOrd="0" presId="urn:microsoft.com/office/officeart/2005/8/layout/chevron1"/>
-    <dgm:cxn modelId="{29840EF6-FD20-4F2C-9F2E-40A37AF1CE9D}" type="presOf" srcId="{3AE6120E-1B69-468B-9EE2-5EF38B301F5A}" destId="{36341D34-B694-4E11-B2F8-533CF398B3D4}" srcOrd="0" destOrd="0" presId="urn:microsoft.com/office/officeart/2005/8/layout/chevron1"/>
+    <dgm:cxn modelId="{55705BF2-4D8E-4B28-8EF2-4A64632E9F72}" srcId="{134DA034-8437-4FFF-9A8D-9EAA91E0A4C3}" destId="{4CD5B14E-438E-4AE2-AB78-E4EE71A26A83}" srcOrd="0" destOrd="0" parTransId="{E92546F4-2A26-4F6F-850F-BB7CD2CFAA17}" sibTransId="{00841FB0-587E-4CFE-9718-DB8D2DEC4BB7}"/>
+    <dgm:cxn modelId="{B2E9DEF8-5CE6-40E6-B0BB-C51FBF5F93AB}" type="presOf" srcId="{4CD5B14E-438E-4AE2-AB78-E4EE71A26A83}" destId="{32322775-38D7-4881-925D-F12172F31191}" srcOrd="0" destOrd="0" presId="urn:microsoft.com/office/officeart/2005/8/layout/chevron1"/>
     <dgm:cxn modelId="{B5C0A292-A0BB-4D6D-8AC5-82D865BC03CE}" srcId="{47E8FFA3-6D94-45FE-9EAC-A1E1B2E4917C}" destId="{134DA034-8437-4FFF-9A8D-9EAA91E0A4C3}" srcOrd="4" destOrd="0" parTransId="{EE7610DD-9A79-4951-9B82-6FB76172EA26}" sibTransId="{F6106EF9-4654-4DF4-B833-B0C0426D80BB}"/>
-    <dgm:cxn modelId="{55705BF2-4D8E-4B28-8EF2-4A64632E9F72}" srcId="{134DA034-8437-4FFF-9A8D-9EAA91E0A4C3}" destId="{4CD5B14E-438E-4AE2-AB78-E4EE71A26A83}" srcOrd="0" destOrd="0" parTransId="{E92546F4-2A26-4F6F-850F-BB7CD2CFAA17}" sibTransId="{00841FB0-587E-4CFE-9718-DB8D2DEC4BB7}"/>
     <dgm:cxn modelId="{FE74B04D-E07A-4F4F-9A28-D9AE9D3E2649}" srcId="{47E8FFA3-6D94-45FE-9EAC-A1E1B2E4917C}" destId="{59BCF530-1F1D-4F35-9C93-6FBCB51AA98A}" srcOrd="1" destOrd="0" parTransId="{8D3A01AA-7F9B-4D37-B82A-1AE891BE8B9B}" sibTransId="{0E978C35-43F6-4155-97EE-17240361C741}"/>
-    <dgm:cxn modelId="{18B4D1C9-86AB-4045-A197-35C087254467}" srcId="{59BCF530-1F1D-4F35-9C93-6FBCB51AA98A}" destId="{A19216B7-D9A4-444D-B82B-63F273099A46}" srcOrd="0" destOrd="0" parTransId="{28002B4C-28CC-48C2-A8B8-4A54B7CDF96D}" sibTransId="{048DE6E3-7FEF-4AD7-B8CF-0D65D7EF6B36}"/>
-    <dgm:cxn modelId="{B0954221-A8B3-437E-92F7-3D0D56A3FB38}" srcId="{C2FC4F04-259D-444D-B695-F44F9E0F896D}" destId="{12182D51-8B63-44E5-9E94-6B00F12E3E2B}" srcOrd="0" destOrd="0" parTransId="{4ED8FDAC-07DE-4B6B-BBF2-E0C957A6E316}" sibTransId="{F23FFA9C-44C5-4888-B764-8F961373FE10}"/>
-    <dgm:cxn modelId="{B421E097-CFBF-47D1-85E0-B64F610E1ED4}" type="presOf" srcId="{C2FC4F04-259D-444D-B695-F44F9E0F896D}" destId="{63062F87-1677-4D5E-82A6-5FFBEBADC418}" srcOrd="0" destOrd="0" presId="urn:microsoft.com/office/officeart/2005/8/layout/chevron1"/>
-    <dgm:cxn modelId="{59AABEA4-8301-4D44-92D2-1236CAD86F34}" type="presOf" srcId="{134DA034-8437-4FFF-9A8D-9EAA91E0A4C3}" destId="{BD1CC673-2522-419A-A79C-3CC13554A484}" srcOrd="0" destOrd="0" presId="urn:microsoft.com/office/officeart/2005/8/layout/chevron1"/>
-    <dgm:cxn modelId="{E0EB84CB-333B-4E23-ADCC-6B00FFA89C03}" srcId="{DDD39895-9211-4626-AD17-77BD1D38C923}" destId="{05E0D229-A6B3-48FE-AE7B-B909D3B32BCC}" srcOrd="0" destOrd="0" parTransId="{9ADC9B89-5F6B-41C3-A7A1-AC60BCFF88CF}" sibTransId="{174909BE-DF2D-4D6C-AC75-ECD233AC5CC5}"/>
-    <dgm:cxn modelId="{429D35EC-E9B8-44DE-A513-098C47D85253}" type="presOf" srcId="{8F3963D5-87E7-4524-8A19-268BB9C63D1C}" destId="{2580E875-1F33-40FC-8EE6-F5FF47DDA27D}" srcOrd="0" destOrd="0" presId="urn:microsoft.com/office/officeart/2005/8/layout/chevron1"/>
-    <dgm:cxn modelId="{432A51C8-907E-4A73-A8C5-9679B0C39E27}" srcId="{47E8FFA3-6D94-45FE-9EAC-A1E1B2E4917C}" destId="{C2FC4F04-259D-444D-B695-F44F9E0F896D}" srcOrd="2" destOrd="0" parTransId="{59ABBE0C-ABB9-4450-9A9F-9C97F0888BF7}" sibTransId="{1D5D1A68-63E9-4906-A68F-9FB0EC8E442F}"/>
+    <dgm:cxn modelId="{6E8F8597-3E0C-47FA-A424-3A7AA92A0907}" type="presOf" srcId="{12182D51-8B63-44E5-9E94-6B00F12E3E2B}" destId="{178938AA-5DA9-40AC-9F24-24C01B4040E9}" srcOrd="0" destOrd="0" presId="urn:microsoft.com/office/officeart/2005/8/layout/chevron1"/>
     <dgm:cxn modelId="{25EDBD4E-EA20-4FDC-A305-92B7D6C33271}" type="presOf" srcId="{47E8FFA3-6D94-45FE-9EAC-A1E1B2E4917C}" destId="{71444C87-DB75-4C6C-9FB6-ED7AB231DA4F}" srcOrd="0" destOrd="0" presId="urn:microsoft.com/office/officeart/2005/8/layout/chevron1"/>
     <dgm:cxn modelId="{08ECCE39-8F31-40EC-BA23-D90DD572111D}" srcId="{3AE6120E-1B69-468B-9EE2-5EF38B301F5A}" destId="{8F3963D5-87E7-4524-8A19-268BB9C63D1C}" srcOrd="0" destOrd="0" parTransId="{280336DE-2BFE-45A5-A5D9-6A1F84C547DB}" sibTransId="{7B1542FC-90B5-4B79-8338-ED60FF500F33}"/>
-    <dgm:cxn modelId="{B2E9DEF8-5CE6-40E6-B0BB-C51FBF5F93AB}" type="presOf" srcId="{4CD5B14E-438E-4AE2-AB78-E4EE71A26A83}" destId="{32322775-38D7-4881-925D-F12172F31191}" srcOrd="0" destOrd="0" presId="urn:microsoft.com/office/officeart/2005/8/layout/chevron1"/>
+    <dgm:cxn modelId="{18B4D1C9-86AB-4045-A197-35C087254467}" srcId="{59BCF530-1F1D-4F35-9C93-6FBCB51AA98A}" destId="{A19216B7-D9A4-444D-B82B-63F273099A46}" srcOrd="0" destOrd="0" parTransId="{28002B4C-28CC-48C2-A8B8-4A54B7CDF96D}" sibTransId="{048DE6E3-7FEF-4AD7-B8CF-0D65D7EF6B36}"/>
+    <dgm:cxn modelId="{59AABEA4-8301-4D44-92D2-1236CAD86F34}" type="presOf" srcId="{134DA034-8437-4FFF-9A8D-9EAA91E0A4C3}" destId="{BD1CC673-2522-419A-A79C-3CC13554A484}" srcOrd="0" destOrd="0" presId="urn:microsoft.com/office/officeart/2005/8/layout/chevron1"/>
+    <dgm:cxn modelId="{432A51C8-907E-4A73-A8C5-9679B0C39E27}" srcId="{47E8FFA3-6D94-45FE-9EAC-A1E1B2E4917C}" destId="{C2FC4F04-259D-444D-B695-F44F9E0F896D}" srcOrd="2" destOrd="0" parTransId="{59ABBE0C-ABB9-4450-9A9F-9C97F0888BF7}" sibTransId="{1D5D1A68-63E9-4906-A68F-9FB0EC8E442F}"/>
+    <dgm:cxn modelId="{206CC5BE-3C0C-49FB-9FD7-A73FBB8322F2}" type="presOf" srcId="{59BCF530-1F1D-4F35-9C93-6FBCB51AA98A}" destId="{66465B80-E317-4550-8134-CBE8DD67227C}" srcOrd="0" destOrd="0" presId="urn:microsoft.com/office/officeart/2005/8/layout/chevron1"/>
+    <dgm:cxn modelId="{B2E41158-3C53-43C0-A018-1403089C2B80}" srcId="{47E8FFA3-6D94-45FE-9EAC-A1E1B2E4917C}" destId="{3AE6120E-1B69-468B-9EE2-5EF38B301F5A}" srcOrd="3" destOrd="0" parTransId="{0A3DA87F-39C5-4C44-B31E-6B0DB583A66D}" sibTransId="{7A3F2916-6250-4910-B488-4BBDB62538C6}"/>
+    <dgm:cxn modelId="{429D35EC-E9B8-44DE-A513-098C47D85253}" type="presOf" srcId="{8F3963D5-87E7-4524-8A19-268BB9C63D1C}" destId="{2580E875-1F33-40FC-8EE6-F5FF47DDA27D}" srcOrd="0" destOrd="0" presId="urn:microsoft.com/office/officeart/2005/8/layout/chevron1"/>
     <dgm:cxn modelId="{E2379765-9445-4842-9A46-9EDC9CA344D3}" type="presOf" srcId="{05E0D229-A6B3-48FE-AE7B-B909D3B32BCC}" destId="{4B9862D9-2FBE-47B9-9D10-647A2E1A3ACF}" srcOrd="0" destOrd="0" presId="urn:microsoft.com/office/officeart/2005/8/layout/chevron1"/>
-    <dgm:cxn modelId="{6E8F8597-3E0C-47FA-A424-3A7AA92A0907}" type="presOf" srcId="{12182D51-8B63-44E5-9E94-6B00F12E3E2B}" destId="{178938AA-5DA9-40AC-9F24-24C01B4040E9}" srcOrd="0" destOrd="0" presId="urn:microsoft.com/office/officeart/2005/8/layout/chevron1"/>
+    <dgm:cxn modelId="{D737A32B-9F2D-4687-9FC5-70EB5267CCA7}" type="presOf" srcId="{DDD39895-9211-4626-AD17-77BD1D38C923}" destId="{4CE69780-4892-4570-80F9-CCBB6AF84B68}" srcOrd="0" destOrd="0" presId="urn:microsoft.com/office/officeart/2005/8/layout/chevron1"/>
     <dgm:cxn modelId="{366FA6DA-F100-4B9E-9157-DC1925F2C123}" srcId="{47E8FFA3-6D94-45FE-9EAC-A1E1B2E4917C}" destId="{DDD39895-9211-4626-AD17-77BD1D38C923}" srcOrd="0" destOrd="0" parTransId="{CE4D5885-3B16-4A23-8EDE-C804E2E74EA3}" sibTransId="{4D70680B-2742-49CB-80BC-164D4C111683}"/>
-    <dgm:cxn modelId="{B2E41158-3C53-43C0-A018-1403089C2B80}" srcId="{47E8FFA3-6D94-45FE-9EAC-A1E1B2E4917C}" destId="{3AE6120E-1B69-468B-9EE2-5EF38B301F5A}" srcOrd="3" destOrd="0" parTransId="{0A3DA87F-39C5-4C44-B31E-6B0DB583A66D}" sibTransId="{7A3F2916-6250-4910-B488-4BBDB62538C6}"/>
-    <dgm:cxn modelId="{D737A32B-9F2D-4687-9FC5-70EB5267CCA7}" type="presOf" srcId="{DDD39895-9211-4626-AD17-77BD1D38C923}" destId="{4CE69780-4892-4570-80F9-CCBB6AF84B68}" srcOrd="0" destOrd="0" presId="urn:microsoft.com/office/officeart/2005/8/layout/chevron1"/>
+    <dgm:cxn modelId="{B421E097-CFBF-47D1-85E0-B64F610E1ED4}" type="presOf" srcId="{C2FC4F04-259D-444D-B695-F44F9E0F896D}" destId="{63062F87-1677-4D5E-82A6-5FFBEBADC418}" srcOrd="0" destOrd="0" presId="urn:microsoft.com/office/officeart/2005/8/layout/chevron1"/>
+    <dgm:cxn modelId="{29840EF6-FD20-4F2C-9F2E-40A37AF1CE9D}" type="presOf" srcId="{3AE6120E-1B69-468B-9EE2-5EF38B301F5A}" destId="{36341D34-B694-4E11-B2F8-533CF398B3D4}" srcOrd="0" destOrd="0" presId="urn:microsoft.com/office/officeart/2005/8/layout/chevron1"/>
+    <dgm:cxn modelId="{E0EB84CB-333B-4E23-ADCC-6B00FFA89C03}" srcId="{DDD39895-9211-4626-AD17-77BD1D38C923}" destId="{05E0D229-A6B3-48FE-AE7B-B909D3B32BCC}" srcOrd="0" destOrd="0" parTransId="{9ADC9B89-5F6B-41C3-A7A1-AC60BCFF88CF}" sibTransId="{174909BE-DF2D-4D6C-AC75-ECD233AC5CC5}"/>
     <dgm:cxn modelId="{3CBD48F5-A9EC-4A0B-96F9-392BEC019435}" type="presOf" srcId="{A19216B7-D9A4-444D-B82B-63F273099A46}" destId="{F6F364FB-E075-4A3B-BA53-96555195B3C7}" srcOrd="0" destOrd="0" presId="urn:microsoft.com/office/officeart/2005/8/layout/chevron1"/>
+    <dgm:cxn modelId="{B0954221-A8B3-437E-92F7-3D0D56A3FB38}" srcId="{C2FC4F04-259D-444D-B695-F44F9E0F896D}" destId="{12182D51-8B63-44E5-9E94-6B00F12E3E2B}" srcOrd="0" destOrd="0" parTransId="{4ED8FDAC-07DE-4B6B-BBF2-E0C957A6E316}" sibTransId="{F23FFA9C-44C5-4888-B764-8F961373FE10}"/>
     <dgm:cxn modelId="{0E9C406E-0CE2-4949-B5AA-0A248E418276}" type="presParOf" srcId="{71444C87-DB75-4C6C-9FB6-ED7AB231DA4F}" destId="{87905981-C486-4ADB-8B27-23CEA723B50E}" srcOrd="0" destOrd="0" presId="urn:microsoft.com/office/officeart/2005/8/layout/chevron1"/>
     <dgm:cxn modelId="{F6AE0CCC-6879-46F3-BCE8-BC6AD2D0DD6C}" type="presParOf" srcId="{87905981-C486-4ADB-8B27-23CEA723B50E}" destId="{4CE69780-4892-4570-80F9-CCBB6AF84B68}" srcOrd="0" destOrd="0" presId="urn:microsoft.com/office/officeart/2005/8/layout/chevron1"/>
     <dgm:cxn modelId="{AF2FD792-7F23-4B0C-852C-3E58AE3A3418}" type="presParOf" srcId="{87905981-C486-4ADB-8B27-23CEA723B50E}" destId="{4B9862D9-2FBE-47B9-9D10-647A2E1A3ACF}" srcOrd="1" destOrd="0" presId="urn:microsoft.com/office/officeart/2005/8/layout/chevron1"/>
@@ -4106,7 +4105,6 @@
             <a:rPr lang="ru-RU" sz="2000" kern="1200" dirty="0" smtClean="0"/>
             <a:t>Подготовка тестов</a:t>
           </a:r>
-          <a:endParaRPr lang="ru-RU" sz="2000" kern="1200" dirty="0" smtClean="0"/>
         </a:p>
       </dsp:txBody>
       <dsp:txXfrm>
@@ -10867,7 +10865,7 @@
           <a:p>
             <a:fld id="{3D129705-407E-46FB-9913-F82E9030BE01}" type="datetimeFigureOut">
               <a:rPr lang="ru-RU" smtClean="0"/>
-              <a:t>09.06.18</a:t>
+              <a:t>14.06.18</a:t>
             </a:fld>
             <a:endParaRPr lang="ru-RU"/>
           </a:p>
@@ -11529,7 +11527,7 @@
           <a:p>
             <a:fld id="{96D32B65-BF58-42C2-98CF-AFF9CEAC039B}" type="datetime1">
               <a:rPr lang="ru-RU" smtClean="0"/>
-              <a:t>09.06.18</a:t>
+              <a:t>14.06.18</a:t>
             </a:fld>
             <a:endParaRPr lang="ru-RU"/>
           </a:p>
@@ -11737,7 +11735,7 @@
           <a:p>
             <a:fld id="{96821842-91B1-460F-A9E6-FF7518FB6898}" type="datetime1">
               <a:rPr lang="ru-RU" smtClean="0"/>
-              <a:t>09.06.18</a:t>
+              <a:t>14.06.18</a:t>
             </a:fld>
             <a:endParaRPr lang="ru-RU"/>
           </a:p>
@@ -11993,7 +11991,7 @@
           <a:p>
             <a:fld id="{11EF33EC-89F1-4328-89F2-BD81970CBDF0}" type="datetime1">
               <a:rPr lang="ru-RU" smtClean="0"/>
-              <a:t>09.06.18</a:t>
+              <a:t>14.06.18</a:t>
             </a:fld>
             <a:endParaRPr lang="ru-RU"/>
           </a:p>
@@ -12167,7 +12165,7 @@
           <a:p>
             <a:fld id="{89748951-148D-4321-9A66-4EAB41DA11D7}" type="datetime1">
               <a:rPr lang="ru-RU" smtClean="0"/>
-              <a:t>09.06.18</a:t>
+              <a:t>14.06.18</a:t>
             </a:fld>
             <a:endParaRPr lang="ru-RU"/>
           </a:p>
@@ -12510,7 +12508,7 @@
           <a:p>
             <a:fld id="{8F3BE15F-0D18-479B-89F1-1F5FEAB2363B}" type="datetime1">
               <a:rPr lang="ru-RU" smtClean="0"/>
-              <a:t>09.06.18</a:t>
+              <a:t>14.06.18</a:t>
             </a:fld>
             <a:endParaRPr lang="ru-RU"/>
           </a:p>
@@ -12785,7 +12783,7 @@
           <a:p>
             <a:fld id="{56F46041-93EA-4704-B09A-D77CA4AD76A0}" type="datetime1">
               <a:rPr lang="ru-RU" smtClean="0"/>
-              <a:t>09.06.18</a:t>
+              <a:t>14.06.18</a:t>
             </a:fld>
             <a:endParaRPr lang="ru-RU"/>
           </a:p>
@@ -13164,7 +13162,7 @@
           <a:p>
             <a:fld id="{2A7B1594-E278-4F2B-A131-A235F63F43D4}" type="datetime1">
               <a:rPr lang="ru-RU" smtClean="0"/>
-              <a:t>09.06.18</a:t>
+              <a:t>14.06.18</a:t>
             </a:fld>
             <a:endParaRPr lang="ru-RU"/>
           </a:p>
@@ -13282,7 +13280,7 @@
           <a:p>
             <a:fld id="{F22C72EF-5AF1-4B38-AC3A-D8D76248F6DA}" type="datetime1">
               <a:rPr lang="ru-RU" smtClean="0"/>
-              <a:t>09.06.18</a:t>
+              <a:t>14.06.18</a:t>
             </a:fld>
             <a:endParaRPr lang="ru-RU"/>
           </a:p>
@@ -13453,7 +13451,7 @@
           <a:p>
             <a:fld id="{97C586DB-2075-4BC1-8D5A-F67C8F36ABC6}" type="datetime1">
               <a:rPr lang="ru-RU" smtClean="0"/>
-              <a:t>09.06.18</a:t>
+              <a:t>14.06.18</a:t>
             </a:fld>
             <a:endParaRPr lang="ru-RU"/>
           </a:p>
@@ -13807,7 +13805,7 @@
           <a:p>
             <a:fld id="{A2860288-5F89-489D-87AA-9A25591AA6B9}" type="datetime1">
               <a:rPr lang="ru-RU" smtClean="0"/>
-              <a:t>09.06.18</a:t>
+              <a:t>14.06.18</a:t>
             </a:fld>
             <a:endParaRPr lang="ru-RU"/>
           </a:p>
@@ -14189,7 +14187,7 @@
           <a:p>
             <a:fld id="{DCEDE842-CA48-4E68-949B-02CE7DA9D0B8}" type="datetime1">
               <a:rPr lang="ru-RU" smtClean="0"/>
-              <a:t>09.06.18</a:t>
+              <a:t>14.06.18</a:t>
             </a:fld>
             <a:endParaRPr lang="ru-RU"/>
           </a:p>
@@ -14476,7 +14474,7 @@
           <a:p>
             <a:fld id="{6F3B2460-2099-421D-AF39-7833F5DD7ADA}" type="datetime1">
               <a:rPr lang="ru-RU" smtClean="0"/>
-              <a:t>09.06.18</a:t>
+              <a:t>14.06.18</a:t>
             </a:fld>
             <a:endParaRPr lang="ru-RU"/>
           </a:p>
@@ -15090,68 +15088,103 @@
             <a:pPr algn="ctr"/>
             <a:r>
               <a:rPr lang="ru-RU" sz="2800" dirty="0" smtClean="0">
-                <a:latin typeface="Times New Roman" pitchFamily="18" charset="0"/>
-                <a:cs typeface="Times New Roman" pitchFamily="18" charset="0"/>
+                <a:latin typeface="Tahoma" pitchFamily="34" charset="0"/>
+                <a:ea typeface="Tahoma" pitchFamily="34" charset="0"/>
+                <a:cs typeface="Tahoma" pitchFamily="34" charset="0"/>
               </a:rPr>
-              <a:t>Дипломный проект</a:t>
+              <a:t>Дипломная работа</a:t>
             </a:r>
-          </a:p>
-          <a:p>
-            <a:pPr algn="ctr"/>
-            <a:r>
-              <a:rPr lang="ru-RU" dirty="0" smtClean="0">
-                <a:latin typeface="Times New Roman" pitchFamily="18" charset="0"/>
-                <a:cs typeface="Times New Roman" pitchFamily="18" charset="0"/>
-              </a:rPr>
-              <a:t>На тему:</a:t>
-            </a:r>
-            <a:endParaRPr lang="en-US" dirty="0" smtClean="0">
-              <a:latin typeface="Times New Roman" pitchFamily="18" charset="0"/>
-              <a:cs typeface="Times New Roman" pitchFamily="18" charset="0"/>
+            <a:endParaRPr lang="ru-RU" sz="2800" dirty="0" smtClean="0">
+              <a:latin typeface="Tahoma" pitchFamily="34" charset="0"/>
+              <a:ea typeface="Tahoma" pitchFamily="34" charset="0"/>
+              <a:cs typeface="Tahoma" pitchFamily="34" charset="0"/>
             </a:endParaRPr>
           </a:p>
           <a:p>
             <a:pPr algn="ctr"/>
             <a:r>
               <a:rPr lang="ru-RU" dirty="0" smtClean="0">
-                <a:latin typeface="Times New Roman" pitchFamily="18" charset="0"/>
-                <a:cs typeface="Times New Roman" pitchFamily="18" charset="0"/>
+                <a:latin typeface="Tahoma" pitchFamily="34" charset="0"/>
+                <a:ea typeface="Tahoma" pitchFamily="34" charset="0"/>
+                <a:cs typeface="Tahoma" pitchFamily="34" charset="0"/>
               </a:rPr>
-              <a:t>Модернизация </a:t>
+              <a:t>на </a:t>
             </a:r>
             <a:r>
-              <a:rPr lang="ru-RU" dirty="0">
-                <a:latin typeface="Times New Roman" pitchFamily="18" charset="0"/>
-                <a:cs typeface="Times New Roman" pitchFamily="18" charset="0"/>
+              <a:rPr lang="ru-RU" dirty="0" smtClean="0">
+                <a:latin typeface="Tahoma" pitchFamily="34" charset="0"/>
+                <a:ea typeface="Tahoma" pitchFamily="34" charset="0"/>
+                <a:cs typeface="Tahoma" pitchFamily="34" charset="0"/>
               </a:rPr>
-              <a:t>информационно-образовательного портала </a:t>
+              <a:t>тему:</a:t>
             </a:r>
             <a:endParaRPr lang="en-US" dirty="0" smtClean="0">
-              <a:latin typeface="Times New Roman" pitchFamily="18" charset="0"/>
-              <a:cs typeface="Times New Roman" pitchFamily="18" charset="0"/>
+              <a:latin typeface="Tahoma" pitchFamily="34" charset="0"/>
+              <a:ea typeface="Tahoma" pitchFamily="34" charset="0"/>
+              <a:cs typeface="Tahoma" pitchFamily="34" charset="0"/>
             </a:endParaRPr>
           </a:p>
           <a:p>
             <a:pPr algn="ctr"/>
             <a:r>
               <a:rPr lang="ru-RU" dirty="0" smtClean="0">
-                <a:latin typeface="Times New Roman" pitchFamily="18" charset="0"/>
-                <a:cs typeface="Times New Roman" pitchFamily="18" charset="0"/>
+                <a:latin typeface="Tahoma" pitchFamily="34" charset="0"/>
+                <a:ea typeface="Tahoma" pitchFamily="34" charset="0"/>
+                <a:cs typeface="Tahoma" pitchFamily="34" charset="0"/>
+              </a:rPr>
+              <a:t>«Модернизация </a:t>
+            </a:r>
+            <a:r>
+              <a:rPr lang="ru-RU" dirty="0">
+                <a:latin typeface="Tahoma" pitchFamily="34" charset="0"/>
+                <a:ea typeface="Tahoma" pitchFamily="34" charset="0"/>
+                <a:cs typeface="Tahoma" pitchFamily="34" charset="0"/>
+              </a:rPr>
+              <a:t>информационно-образовательного портала </a:t>
+            </a:r>
+            <a:endParaRPr lang="en-US" dirty="0" smtClean="0">
+              <a:latin typeface="Tahoma" pitchFamily="34" charset="0"/>
+              <a:ea typeface="Tahoma" pitchFamily="34" charset="0"/>
+              <a:cs typeface="Tahoma" pitchFamily="34" charset="0"/>
+            </a:endParaRPr>
+          </a:p>
+          <a:p>
+            <a:pPr algn="ctr"/>
+            <a:r>
+              <a:rPr lang="ru-RU" dirty="0" smtClean="0">
+                <a:latin typeface="Tahoma" pitchFamily="34" charset="0"/>
+                <a:ea typeface="Tahoma" pitchFamily="34" charset="0"/>
+                <a:cs typeface="Tahoma" pitchFamily="34" charset="0"/>
               </a:rPr>
               <a:t>(</a:t>
             </a:r>
             <a:r>
               <a:rPr lang="ru-RU" dirty="0">
-                <a:latin typeface="Times New Roman" pitchFamily="18" charset="0"/>
-                <a:cs typeface="Times New Roman" pitchFamily="18" charset="0"/>
+                <a:latin typeface="Tahoma" pitchFamily="34" charset="0"/>
+                <a:ea typeface="Tahoma" pitchFamily="34" charset="0"/>
+                <a:cs typeface="Tahoma" pitchFamily="34" charset="0"/>
               </a:rPr>
-              <a:t>на примере ФГБОУ ВО «МГУТУ им. К.Г. Разумовского (ПКУ)»)</a:t>
+              <a:t>на примере ФГБОУ ВО «МГУТУ им. К.Г. Разумовского (ПКУ</a:t>
             </a:r>
+            <a:r>
+              <a:rPr lang="ru-RU" dirty="0" smtClean="0">
+                <a:latin typeface="Tahoma" pitchFamily="34" charset="0"/>
+                <a:ea typeface="Tahoma" pitchFamily="34" charset="0"/>
+                <a:cs typeface="Tahoma" pitchFamily="34" charset="0"/>
+              </a:rPr>
+              <a:t>)»)»</a:t>
+            </a:r>
+            <a:endParaRPr lang="ru-RU" dirty="0">
+              <a:latin typeface="Tahoma" pitchFamily="34" charset="0"/>
+              <a:ea typeface="Tahoma" pitchFamily="34" charset="0"/>
+              <a:cs typeface="Tahoma" pitchFamily="34" charset="0"/>
+            </a:endParaRPr>
           </a:p>
           <a:p>
             <a:endParaRPr lang="ru-RU" dirty="0">
-              <a:latin typeface="Times New Roman" pitchFamily="18" charset="0"/>
-              <a:cs typeface="Times New Roman" pitchFamily="18" charset="0"/>
+              <a:latin typeface="Tahoma" pitchFamily="34" charset="0"/>
+              <a:ea typeface="Tahoma" pitchFamily="34" charset="0"/>
+              <a:cs typeface="Tahoma" pitchFamily="34" charset="0"/>
             </a:endParaRPr>
           </a:p>
         </p:txBody>
@@ -15165,14 +15198,14 @@
           <p:nvPr>
             <p:extLst>
               <p:ext uri="{D42A27DB-BD31-4B8C-83A1-F6EECF244321}">
-                <p14:modId xmlns:p14="http://schemas.microsoft.com/office/powerpoint/2010/main" val="234776979"/>
+                <p14:modId xmlns:p14="http://schemas.microsoft.com/office/powerpoint/2010/main" val="1212449656"/>
               </p:ext>
             </p:extLst>
           </p:nvPr>
         </p:nvGraphicFramePr>
         <p:xfrm>
-          <a:off x="8208817" y="4781166"/>
-          <a:ext cx="3821545" cy="1483360"/>
+          <a:off x="6397201" y="4845561"/>
+          <a:ext cx="5794799" cy="1483360"/>
         </p:xfrm>
         <a:graphic>
           <a:graphicData uri="http://schemas.openxmlformats.org/drawingml/2006/table">
@@ -15181,7 +15214,7 @@
                 <a:tableStyleId>{2D5ABB26-0587-4C30-8999-92F81FD0307C}</a:tableStyleId>
               </a:tblPr>
               <a:tblGrid>
-                <a:gridCol w="3821545"/>
+                <a:gridCol w="5794799"/>
               </a:tblGrid>
               <a:tr h="370840">
                 <a:tc>
@@ -15192,15 +15225,17 @@
                       <a:pPr algn="l"/>
                       <a:r>
                         <a:rPr lang="ru-RU" dirty="0" smtClean="0">
-                          <a:latin typeface="Times New Roman" pitchFamily="18" charset="0"/>
-                          <a:cs typeface="Times New Roman" pitchFamily="18" charset="0"/>
+                          <a:latin typeface="Tahoma" pitchFamily="34" charset="0"/>
+                          <a:ea typeface="Tahoma" pitchFamily="34" charset="0"/>
+                          <a:cs typeface="Tahoma" pitchFamily="34" charset="0"/>
                         </a:rPr>
                         <a:t>Студента</a:t>
                       </a:r>
                       <a:r>
                         <a:rPr lang="ru-RU" baseline="0" dirty="0" smtClean="0">
-                          <a:latin typeface="Times New Roman" pitchFamily="18" charset="0"/>
-                          <a:cs typeface="Times New Roman" pitchFamily="18" charset="0"/>
+                          <a:latin typeface="Tahoma" pitchFamily="34" charset="0"/>
+                          <a:ea typeface="Tahoma" pitchFamily="34" charset="0"/>
+                          <a:cs typeface="Tahoma" pitchFamily="34" charset="0"/>
                         </a:rPr>
                         <a:t> группы П-404к</a:t>
                       </a:r>
@@ -15218,21 +15253,24 @@
                       <a:pPr algn="r"/>
                       <a:r>
                         <a:rPr lang="ru-RU" dirty="0" smtClean="0">
-                          <a:latin typeface="Times New Roman" pitchFamily="18" charset="0"/>
-                          <a:cs typeface="Times New Roman" pitchFamily="18" charset="0"/>
+                          <a:latin typeface="Tahoma" pitchFamily="34" charset="0"/>
+                          <a:ea typeface="Tahoma" pitchFamily="34" charset="0"/>
+                          <a:cs typeface="Tahoma" pitchFamily="34" charset="0"/>
                         </a:rPr>
                         <a:t>Басырова</a:t>
                       </a:r>
                       <a:r>
                         <a:rPr lang="ru-RU" baseline="0" dirty="0" smtClean="0">
-                          <a:latin typeface="Times New Roman" pitchFamily="18" charset="0"/>
-                          <a:cs typeface="Times New Roman" pitchFamily="18" charset="0"/>
+                          <a:latin typeface="Tahoma" pitchFamily="34" charset="0"/>
+                          <a:ea typeface="Tahoma" pitchFamily="34" charset="0"/>
+                          <a:cs typeface="Tahoma" pitchFamily="34" charset="0"/>
                         </a:rPr>
                         <a:t> Сергея Амировича</a:t>
                       </a:r>
                       <a:endParaRPr lang="ru-RU" dirty="0">
-                        <a:latin typeface="Times New Roman" pitchFamily="18" charset="0"/>
-                        <a:cs typeface="Times New Roman" pitchFamily="18" charset="0"/>
+                        <a:latin typeface="Tahoma" pitchFamily="34" charset="0"/>
+                        <a:ea typeface="Tahoma" pitchFamily="34" charset="0"/>
+                        <a:cs typeface="Tahoma" pitchFamily="34" charset="0"/>
                       </a:endParaRPr>
                     </a:p>
                   </a:txBody>
@@ -15248,14 +15286,16 @@
                       <a:pPr algn="l"/>
                       <a:r>
                         <a:rPr lang="ru-RU" dirty="0" smtClean="0">
-                          <a:latin typeface="Times New Roman" pitchFamily="18" charset="0"/>
-                          <a:cs typeface="Times New Roman" pitchFamily="18" charset="0"/>
+                          <a:latin typeface="Tahoma" pitchFamily="34" charset="0"/>
+                          <a:ea typeface="Tahoma" pitchFamily="34" charset="0"/>
+                          <a:cs typeface="Tahoma" pitchFamily="34" charset="0"/>
                         </a:rPr>
                         <a:t>Руководитель дипломного проекта</a:t>
                       </a:r>
                       <a:endParaRPr lang="ru-RU" dirty="0">
-                        <a:latin typeface="Times New Roman" pitchFamily="18" charset="0"/>
-                        <a:cs typeface="Times New Roman" pitchFamily="18" charset="0"/>
+                        <a:latin typeface="Tahoma" pitchFamily="34" charset="0"/>
+                        <a:ea typeface="Tahoma" pitchFamily="34" charset="0"/>
+                        <a:cs typeface="Tahoma" pitchFamily="34" charset="0"/>
                       </a:endParaRPr>
                     </a:p>
                   </a:txBody>
@@ -15271,21 +15311,24 @@
                       <a:pPr algn="r"/>
                       <a:r>
                         <a:rPr lang="ru-RU" dirty="0" smtClean="0">
-                          <a:latin typeface="Times New Roman" pitchFamily="18" charset="0"/>
-                          <a:cs typeface="Times New Roman" pitchFamily="18" charset="0"/>
+                          <a:latin typeface="Tahoma" pitchFamily="34" charset="0"/>
+                          <a:ea typeface="Tahoma" pitchFamily="34" charset="0"/>
+                          <a:cs typeface="Tahoma" pitchFamily="34" charset="0"/>
                         </a:rPr>
                         <a:t>Глускер</a:t>
                       </a:r>
                       <a:r>
                         <a:rPr lang="ru-RU" baseline="0" dirty="0" smtClean="0">
-                          <a:latin typeface="Times New Roman" pitchFamily="18" charset="0"/>
-                          <a:cs typeface="Times New Roman" pitchFamily="18" charset="0"/>
+                          <a:latin typeface="Tahoma" pitchFamily="34" charset="0"/>
+                          <a:ea typeface="Tahoma" pitchFamily="34" charset="0"/>
+                          <a:cs typeface="Tahoma" pitchFamily="34" charset="0"/>
                         </a:rPr>
                         <a:t> Александр Игоревич</a:t>
                       </a:r>
                       <a:endParaRPr lang="ru-RU" dirty="0">
-                        <a:latin typeface="Times New Roman" pitchFamily="18" charset="0"/>
-                        <a:cs typeface="Times New Roman" pitchFamily="18" charset="0"/>
+                        <a:latin typeface="Tahoma" pitchFamily="34" charset="0"/>
+                        <a:ea typeface="Tahoma" pitchFamily="34" charset="0"/>
+                        <a:cs typeface="Tahoma" pitchFamily="34" charset="0"/>
                       </a:endParaRPr>
                     </a:p>
                   </a:txBody>
@@ -15313,7 +15356,7 @@
           <a:p>
             <a:fld id="{D9D8AB9F-2AFA-4438-BF61-343132D95C19}" type="datetime1">
               <a:rPr lang="ru-RU" smtClean="0"/>
-              <a:t>09.06.18</a:t>
+              <a:t>14.06.18</a:t>
             </a:fld>
             <a:endParaRPr lang="ru-RU"/>
           </a:p>
@@ -15438,7 +15481,7 @@
           <a:p>
             <a:fld id="{EF9284AD-6D29-471E-B2E0-46FCDC46B344}" type="datetime1">
               <a:rPr lang="ru-RU" smtClean="0"/>
-              <a:t>09.06.18</a:t>
+              <a:t>14.06.18</a:t>
             </a:fld>
             <a:endParaRPr lang="ru-RU"/>
           </a:p>
@@ -15563,7 +15606,7 @@
           <a:p>
             <a:fld id="{53C77163-00A7-48CB-9158-B7E33592FEFA}" type="datetime1">
               <a:rPr lang="ru-RU" smtClean="0"/>
-              <a:t>09.06.18</a:t>
+              <a:t>14.06.18</a:t>
             </a:fld>
             <a:endParaRPr lang="ru-RU"/>
           </a:p>
@@ -15681,7 +15724,7 @@
           <a:p>
             <a:fld id="{3DA18952-E552-4E3A-A11F-F79F9C96CD4E}" type="datetime1">
               <a:rPr lang="ru-RU" smtClean="0"/>
-              <a:t>09.06.18</a:t>
+              <a:t>14.06.18</a:t>
             </a:fld>
             <a:endParaRPr lang="ru-RU"/>
           </a:p>
@@ -16461,7 +16504,7 @@
           <a:p>
             <a:fld id="{8BAC4297-1FD4-4235-8FFA-33ED4565A7B5}" type="datetime1">
               <a:rPr lang="ru-RU" smtClean="0"/>
-              <a:t>09.06.18</a:t>
+              <a:t>14.06.18</a:t>
             </a:fld>
             <a:endParaRPr lang="ru-RU"/>
           </a:p>
@@ -16909,7 +16952,7 @@
           <a:p>
             <a:fld id="{89748951-148D-4321-9A66-4EAB41DA11D7}" type="datetime1">
               <a:rPr lang="ru-RU" smtClean="0"/>
-              <a:t>09.06.18</a:t>
+              <a:t>14.06.18</a:t>
             </a:fld>
             <a:endParaRPr lang="ru-RU"/>
           </a:p>
@@ -17039,7 +17082,7 @@
           <a:p>
             <a:fld id="{6537E4BD-7422-4D03-8205-150202B1087A}" type="datetime1">
               <a:rPr lang="ru-RU" smtClean="0"/>
-              <a:t>09.06.18</a:t>
+              <a:t>14.06.18</a:t>
             </a:fld>
             <a:endParaRPr lang="ru-RU"/>
           </a:p>
@@ -17162,7 +17205,6 @@
               <a:rPr lang="ru-RU" sz="3200" dirty="0"/>
               <a:t>ВО «МГУТУ им. К.Г. Разумовского (ПКУ)» УНИКИТ</a:t>
             </a:r>
-            <a:endParaRPr lang="ru-RU" sz="3200" dirty="0"/>
           </a:p>
         </p:txBody>
       </p:sp>
@@ -17183,7 +17225,7 @@
           <a:p>
             <a:fld id="{187D58E7-61B0-47C4-BA99-17966DE34546}" type="datetime1">
               <a:rPr lang="ru-RU" smtClean="0"/>
-              <a:t>09.06.18</a:t>
+              <a:t>14.06.18</a:t>
             </a:fld>
             <a:endParaRPr lang="ru-RU"/>
           </a:p>
@@ -17308,7 +17350,7 @@
           <a:p>
             <a:fld id="{187D58E7-61B0-47C4-BA99-17966DE34546}" type="datetime1">
               <a:rPr lang="ru-RU" smtClean="0"/>
-              <a:t>09.06.18</a:t>
+              <a:t>14.06.18</a:t>
             </a:fld>
             <a:endParaRPr lang="ru-RU"/>
           </a:p>
@@ -17414,7 +17456,7 @@
           <a:p>
             <a:fld id="{89748951-148D-4321-9A66-4EAB41DA11D7}" type="datetime1">
               <a:rPr lang="ru-RU" smtClean="0"/>
-              <a:t>09.06.18</a:t>
+              <a:t>14.06.18</a:t>
             </a:fld>
             <a:endParaRPr lang="ru-RU"/>
           </a:p>
@@ -17539,7 +17581,7 @@
           <a:p>
             <a:fld id="{8630057C-EE49-4A43-A806-F98C81E11D1E}" type="datetime1">
               <a:rPr lang="ru-RU" smtClean="0"/>
-              <a:t>09.06.18</a:t>
+              <a:t>14.06.18</a:t>
             </a:fld>
             <a:endParaRPr lang="ru-RU"/>
           </a:p>
@@ -17578,6 +17620,13 @@
   <p:clrMapOvr>
     <a:masterClrMapping/>
   </p:clrMapOvr>
+  <p:timing>
+    <p:tnLst>
+      <p:par>
+        <p:cTn id="1" dur="indefinite" restart="never" nodeType="tmRoot"/>
+      </p:par>
+    </p:tnLst>
+  </p:timing>
 </p:sld>
 </file>
 
@@ -17697,7 +17746,7 @@
           <a:p>
             <a:fld id="{E618C9E1-D56A-4DDA-A394-DD3730D43AE8}" type="datetime1">
               <a:rPr lang="ru-RU" smtClean="0"/>
-              <a:t>09.06.18</a:t>
+              <a:t>14.06.18</a:t>
             </a:fld>
             <a:endParaRPr lang="ru-RU"/>
           </a:p>
@@ -19105,7 +19154,7 @@
           <a:p>
             <a:fld id="{48A2849B-3087-4CD6-8DD9-86318559ADAA}" type="datetime1">
               <a:rPr lang="ru-RU" smtClean="0"/>
-              <a:t>09.06.18</a:t>
+              <a:t>14.06.18</a:t>
             </a:fld>
             <a:endParaRPr lang="ru-RU"/>
           </a:p>
@@ -19283,7 +19332,7 @@
           <a:p>
             <a:fld id="{471C3EE8-6881-43F3-BF9B-878DD07EBF13}" type="datetime1">
               <a:rPr lang="ru-RU" smtClean="0"/>
-              <a:t>09.06.18</a:t>
+              <a:t>14.06.18</a:t>
             </a:fld>
             <a:endParaRPr lang="ru-RU"/>
           </a:p>
@@ -20956,7 +21005,7 @@
           <a:p>
             <a:fld id="{B390AA64-2D5B-4383-9CEC-C278F0F06FB0}" type="datetime1">
               <a:rPr lang="ru-RU" smtClean="0"/>
-              <a:t>09.06.18</a:t>
+              <a:t>14.06.18</a:t>
             </a:fld>
             <a:endParaRPr lang="ru-RU"/>
           </a:p>
@@ -21275,7 +21324,7 @@
   <a:extraClrSchemeLst/>
   <a:extLst>
     <a:ext uri="{05A4C25C-085E-4340-85A3-A5531E510DB2}">
-      <thm15:themeFamily xmlns:thm15="http://schemas.microsoft.com/office/thememl/2012/main" xmlns="" name="Retrospect" id="{5F128B03-DCCA-4EEB-AB3B-CF2899314A46}" vid="{3F1AAB62-24C6-49D2-8E01-B56FAC9A3DCD}"/>
+      <thm15:themeFamily xmlns="" xmlns:thm15="http://schemas.microsoft.com/office/thememl/2012/main" name="Retrospect" id="{5F128B03-DCCA-4EEB-AB3B-CF2899314A46}" vid="{3F1AAB62-24C6-49D2-8E01-B56FAC9A3DCD}"/>
     </a:ext>
   </a:extLst>
 </a:theme>
@@ -21536,7 +21585,7 @@
   <a:extraClrSchemeLst/>
   <a:extLst>
     <a:ext uri="{05A4C25C-085E-4340-85A3-A5531E510DB2}">
-      <thm15:themeFamily xmlns:thm15="http://schemas.microsoft.com/office/thememl/2012/main" xmlns="" name="Office Theme" id="{62F939B6-93AF-4DB8-9C6B-D6C7DFDC589F}" vid="{4A3C46E8-61CC-4603-A589-7422A47A8E4A}"/>
+      <thm15:themeFamily xmlns="" xmlns:thm15="http://schemas.microsoft.com/office/thememl/2012/main" name="Office Theme" id="{62F939B6-93AF-4DB8-9C6B-D6C7DFDC589F}" vid="{4A3C46E8-61CC-4603-A589-7422A47A8E4A}"/>
     </a:ext>
   </a:extLst>
 </a:theme>

--- a/docs/15. ПЗ. ГЧ. Презентация.pptx
+++ b/docs/15. ПЗ. ГЧ. Презентация.pptx
@@ -5,7 +5,7 @@
     <p:sldMasterId id="2147483804" r:id="rId1"/>
   </p:sldMasterIdLst>
   <p:notesMasterIdLst>
-    <p:notesMasterId r:id="rId17"/>
+    <p:notesMasterId r:id="rId27"/>
   </p:notesMasterIdLst>
   <p:sldIdLst>
     <p:sldId id="256" r:id="rId2"/>
@@ -21,8 +21,18 @@
     <p:sldId id="267" r:id="rId12"/>
     <p:sldId id="268" r:id="rId13"/>
     <p:sldId id="272" r:id="rId14"/>
-    <p:sldId id="276" r:id="rId15"/>
-    <p:sldId id="273" r:id="rId16"/>
+    <p:sldId id="279" r:id="rId15"/>
+    <p:sldId id="278" r:id="rId16"/>
+    <p:sldId id="280" r:id="rId17"/>
+    <p:sldId id="281" r:id="rId18"/>
+    <p:sldId id="282" r:id="rId19"/>
+    <p:sldId id="283" r:id="rId20"/>
+    <p:sldId id="286" r:id="rId21"/>
+    <p:sldId id="284" r:id="rId22"/>
+    <p:sldId id="285" r:id="rId23"/>
+    <p:sldId id="287" r:id="rId24"/>
+    <p:sldId id="276" r:id="rId25"/>
+    <p:sldId id="273" r:id="rId26"/>
   </p:sldIdLst>
   <p:sldSz cx="12192000" cy="6858000"/>
   <p:notesSz cx="6858000" cy="9144000"/>
@@ -123,7 +133,7 @@
   </p:defaultTextStyle>
   <p:extLst>
     <p:ext uri="{EFAFB233-063F-42B5-8137-9DF3F51BA10A}">
-      <p15:sldGuideLst xmlns="" xmlns:p15="http://schemas.microsoft.com/office/powerpoint/2012/main"/>
+      <p15:sldGuideLst xmlns:p15="http://schemas.microsoft.com/office/powerpoint/2012/main" xmlns=""/>
     </p:ext>
   </p:extLst>
 </p:presentation>
@@ -2442,6 +2452,753 @@
     <dgm:fillClrLst meth="repeat">
       <a:schemeClr val="accent2">
         <a:tint val="40000"/>
+      </a:schemeClr>
+    </dgm:fillClrLst>
+    <dgm:linClrLst meth="repeat">
+      <a:schemeClr val="lt1"/>
+    </dgm:linClrLst>
+    <dgm:effectClrLst/>
+    <dgm:txLinClrLst/>
+    <dgm:txFillClrLst meth="repeat">
+      <a:schemeClr val="dk1"/>
+    </dgm:txFillClrLst>
+    <dgm:txEffectClrLst/>
+  </dgm:styleLbl>
+  <dgm:styleLbl name="revTx">
+    <dgm:fillClrLst meth="repeat">
+      <a:schemeClr val="lt1">
+        <a:alpha val="0"/>
+      </a:schemeClr>
+    </dgm:fillClrLst>
+    <dgm:linClrLst meth="repeat">
+      <a:schemeClr val="dk1">
+        <a:alpha val="0"/>
+      </a:schemeClr>
+    </dgm:linClrLst>
+    <dgm:effectClrLst/>
+    <dgm:txLinClrLst/>
+    <dgm:txFillClrLst meth="repeat">
+      <a:schemeClr val="tx1"/>
+    </dgm:txFillClrLst>
+    <dgm:txEffectClrLst/>
+  </dgm:styleLbl>
+</dgm:colorsDef>
+</file>
+
+<file path=ppt/diagrams/colors4.xml><?xml version="1.0" encoding="utf-8"?>
+<dgm:colorsDef xmlns:dgm="http://schemas.openxmlformats.org/drawingml/2006/diagram" xmlns:a="http://schemas.openxmlformats.org/drawingml/2006/main" uniqueId="urn:microsoft.com/office/officeart/2005/8/colors/accent1_2">
+  <dgm:title val=""/>
+  <dgm:desc val=""/>
+  <dgm:catLst>
+    <dgm:cat type="accent1" pri="11200"/>
+  </dgm:catLst>
+  <dgm:styleLbl name="node0">
+    <dgm:fillClrLst meth="repeat">
+      <a:schemeClr val="accent1"/>
+    </dgm:fillClrLst>
+    <dgm:linClrLst meth="repeat">
+      <a:schemeClr val="lt1"/>
+    </dgm:linClrLst>
+    <dgm:effectClrLst/>
+    <dgm:txLinClrLst/>
+    <dgm:txFillClrLst/>
+    <dgm:txEffectClrLst/>
+  </dgm:styleLbl>
+  <dgm:styleLbl name="alignNode1">
+    <dgm:fillClrLst meth="repeat">
+      <a:schemeClr val="accent1"/>
+    </dgm:fillClrLst>
+    <dgm:linClrLst meth="repeat">
+      <a:schemeClr val="accent1"/>
+    </dgm:linClrLst>
+    <dgm:effectClrLst/>
+    <dgm:txLinClrLst/>
+    <dgm:txFillClrLst/>
+    <dgm:txEffectClrLst/>
+  </dgm:styleLbl>
+  <dgm:styleLbl name="node1">
+    <dgm:fillClrLst meth="repeat">
+      <a:schemeClr val="accent1"/>
+    </dgm:fillClrLst>
+    <dgm:linClrLst meth="repeat">
+      <a:schemeClr val="lt1"/>
+    </dgm:linClrLst>
+    <dgm:effectClrLst/>
+    <dgm:txLinClrLst/>
+    <dgm:txFillClrLst/>
+    <dgm:txEffectClrLst/>
+  </dgm:styleLbl>
+  <dgm:styleLbl name="lnNode1">
+    <dgm:fillClrLst meth="repeat">
+      <a:schemeClr val="accent1"/>
+    </dgm:fillClrLst>
+    <dgm:linClrLst meth="repeat">
+      <a:schemeClr val="lt1"/>
+    </dgm:linClrLst>
+    <dgm:effectClrLst/>
+    <dgm:txLinClrLst/>
+    <dgm:txFillClrLst/>
+    <dgm:txEffectClrLst/>
+  </dgm:styleLbl>
+  <dgm:styleLbl name="vennNode1">
+    <dgm:fillClrLst meth="repeat">
+      <a:schemeClr val="accent1">
+        <a:alpha val="50000"/>
+      </a:schemeClr>
+    </dgm:fillClrLst>
+    <dgm:linClrLst meth="repeat">
+      <a:schemeClr val="lt1"/>
+    </dgm:linClrLst>
+    <dgm:effectClrLst/>
+    <dgm:txLinClrLst/>
+    <dgm:txFillClrLst/>
+    <dgm:txEffectClrLst/>
+  </dgm:styleLbl>
+  <dgm:styleLbl name="node2">
+    <dgm:fillClrLst meth="repeat">
+      <a:schemeClr val="accent1"/>
+    </dgm:fillClrLst>
+    <dgm:linClrLst meth="repeat">
+      <a:schemeClr val="lt1"/>
+    </dgm:linClrLst>
+    <dgm:effectClrLst/>
+    <dgm:txLinClrLst/>
+    <dgm:txFillClrLst/>
+    <dgm:txEffectClrLst/>
+  </dgm:styleLbl>
+  <dgm:styleLbl name="node3">
+    <dgm:fillClrLst meth="repeat">
+      <a:schemeClr val="accent1"/>
+    </dgm:fillClrLst>
+    <dgm:linClrLst meth="repeat">
+      <a:schemeClr val="lt1"/>
+    </dgm:linClrLst>
+    <dgm:effectClrLst/>
+    <dgm:txLinClrLst/>
+    <dgm:txFillClrLst/>
+    <dgm:txEffectClrLst/>
+  </dgm:styleLbl>
+  <dgm:styleLbl name="node4">
+    <dgm:fillClrLst meth="repeat">
+      <a:schemeClr val="accent1"/>
+    </dgm:fillClrLst>
+    <dgm:linClrLst meth="repeat">
+      <a:schemeClr val="lt1"/>
+    </dgm:linClrLst>
+    <dgm:effectClrLst/>
+    <dgm:txLinClrLst/>
+    <dgm:txFillClrLst/>
+    <dgm:txEffectClrLst/>
+  </dgm:styleLbl>
+  <dgm:styleLbl name="fgImgPlace1">
+    <dgm:fillClrLst meth="repeat">
+      <a:schemeClr val="accent1">
+        <a:tint val="50000"/>
+      </a:schemeClr>
+    </dgm:fillClrLst>
+    <dgm:linClrLst meth="repeat">
+      <a:schemeClr val="lt1"/>
+    </dgm:linClrLst>
+    <dgm:effectClrLst/>
+    <dgm:txLinClrLst/>
+    <dgm:txFillClrLst meth="repeat">
+      <a:schemeClr val="lt1"/>
+    </dgm:txFillClrLst>
+    <dgm:txEffectClrLst/>
+  </dgm:styleLbl>
+  <dgm:styleLbl name="alignImgPlace1">
+    <dgm:fillClrLst meth="repeat">
+      <a:schemeClr val="accent1">
+        <a:tint val="50000"/>
+      </a:schemeClr>
+    </dgm:fillClrLst>
+    <dgm:linClrLst meth="repeat">
+      <a:schemeClr val="lt1"/>
+    </dgm:linClrLst>
+    <dgm:effectClrLst/>
+    <dgm:txLinClrLst/>
+    <dgm:txFillClrLst meth="repeat">
+      <a:schemeClr val="lt1"/>
+    </dgm:txFillClrLst>
+    <dgm:txEffectClrLst/>
+  </dgm:styleLbl>
+  <dgm:styleLbl name="bgImgPlace1">
+    <dgm:fillClrLst meth="repeat">
+      <a:schemeClr val="accent1">
+        <a:tint val="50000"/>
+      </a:schemeClr>
+    </dgm:fillClrLst>
+    <dgm:linClrLst meth="repeat">
+      <a:schemeClr val="lt1"/>
+    </dgm:linClrLst>
+    <dgm:effectClrLst/>
+    <dgm:txLinClrLst/>
+    <dgm:txFillClrLst meth="repeat">
+      <a:schemeClr val="lt1"/>
+    </dgm:txFillClrLst>
+    <dgm:txEffectClrLst/>
+  </dgm:styleLbl>
+  <dgm:styleLbl name="sibTrans2D1">
+    <dgm:fillClrLst meth="repeat">
+      <a:schemeClr val="accent1">
+        <a:tint val="60000"/>
+      </a:schemeClr>
+    </dgm:fillClrLst>
+    <dgm:linClrLst meth="repeat">
+      <a:schemeClr val="accent1">
+        <a:tint val="60000"/>
+      </a:schemeClr>
+    </dgm:linClrLst>
+    <dgm:effectClrLst/>
+    <dgm:txLinClrLst/>
+    <dgm:txFillClrLst/>
+    <dgm:txEffectClrLst/>
+  </dgm:styleLbl>
+  <dgm:styleLbl name="fgSibTrans2D1">
+    <dgm:fillClrLst meth="repeat">
+      <a:schemeClr val="accent1">
+        <a:tint val="60000"/>
+      </a:schemeClr>
+    </dgm:fillClrLst>
+    <dgm:linClrLst meth="repeat">
+      <a:schemeClr val="accent1">
+        <a:tint val="60000"/>
+      </a:schemeClr>
+    </dgm:linClrLst>
+    <dgm:effectClrLst/>
+    <dgm:txLinClrLst/>
+    <dgm:txFillClrLst/>
+    <dgm:txEffectClrLst/>
+  </dgm:styleLbl>
+  <dgm:styleLbl name="bgSibTrans2D1">
+    <dgm:fillClrLst meth="repeat">
+      <a:schemeClr val="accent1">
+        <a:tint val="60000"/>
+      </a:schemeClr>
+    </dgm:fillClrLst>
+    <dgm:linClrLst meth="repeat">
+      <a:schemeClr val="accent1">
+        <a:tint val="60000"/>
+      </a:schemeClr>
+    </dgm:linClrLst>
+    <dgm:effectClrLst/>
+    <dgm:txLinClrLst/>
+    <dgm:txFillClrLst/>
+    <dgm:txEffectClrLst/>
+  </dgm:styleLbl>
+  <dgm:styleLbl name="sibTrans1D1">
+    <dgm:fillClrLst meth="repeat">
+      <a:schemeClr val="accent1"/>
+    </dgm:fillClrLst>
+    <dgm:linClrLst meth="repeat">
+      <a:schemeClr val="accent1"/>
+    </dgm:linClrLst>
+    <dgm:effectClrLst/>
+    <dgm:txLinClrLst/>
+    <dgm:txFillClrLst meth="repeat">
+      <a:schemeClr val="tx1"/>
+    </dgm:txFillClrLst>
+    <dgm:txEffectClrLst/>
+  </dgm:styleLbl>
+  <dgm:styleLbl name="callout">
+    <dgm:fillClrLst meth="repeat">
+      <a:schemeClr val="accent1"/>
+    </dgm:fillClrLst>
+    <dgm:linClrLst meth="repeat">
+      <a:schemeClr val="accent1">
+        <a:tint val="50000"/>
+      </a:schemeClr>
+    </dgm:linClrLst>
+    <dgm:effectClrLst/>
+    <dgm:txLinClrLst/>
+    <dgm:txFillClrLst meth="repeat">
+      <a:schemeClr val="tx1"/>
+    </dgm:txFillClrLst>
+    <dgm:txEffectClrLst/>
+  </dgm:styleLbl>
+  <dgm:styleLbl name="asst0">
+    <dgm:fillClrLst meth="repeat">
+      <a:schemeClr val="accent1"/>
+    </dgm:fillClrLst>
+    <dgm:linClrLst meth="repeat">
+      <a:schemeClr val="lt1"/>
+    </dgm:linClrLst>
+    <dgm:effectClrLst/>
+    <dgm:txLinClrLst/>
+    <dgm:txFillClrLst/>
+    <dgm:txEffectClrLst/>
+  </dgm:styleLbl>
+  <dgm:styleLbl name="asst1">
+    <dgm:fillClrLst meth="repeat">
+      <a:schemeClr val="accent1"/>
+    </dgm:fillClrLst>
+    <dgm:linClrLst meth="repeat">
+      <a:schemeClr val="lt1"/>
+    </dgm:linClrLst>
+    <dgm:effectClrLst/>
+    <dgm:txLinClrLst/>
+    <dgm:txFillClrLst/>
+    <dgm:txEffectClrLst/>
+  </dgm:styleLbl>
+  <dgm:styleLbl name="asst2">
+    <dgm:fillClrLst meth="repeat">
+      <a:schemeClr val="accent1"/>
+    </dgm:fillClrLst>
+    <dgm:linClrLst meth="repeat">
+      <a:schemeClr val="lt1"/>
+    </dgm:linClrLst>
+    <dgm:effectClrLst/>
+    <dgm:txLinClrLst/>
+    <dgm:txFillClrLst/>
+    <dgm:txEffectClrLst/>
+  </dgm:styleLbl>
+  <dgm:styleLbl name="asst3">
+    <dgm:fillClrLst meth="repeat">
+      <a:schemeClr val="accent1"/>
+    </dgm:fillClrLst>
+    <dgm:linClrLst meth="repeat">
+      <a:schemeClr val="lt1"/>
+    </dgm:linClrLst>
+    <dgm:effectClrLst/>
+    <dgm:txLinClrLst/>
+    <dgm:txFillClrLst/>
+    <dgm:txEffectClrLst/>
+  </dgm:styleLbl>
+  <dgm:styleLbl name="asst4">
+    <dgm:fillClrLst meth="repeat">
+      <a:schemeClr val="accent1"/>
+    </dgm:fillClrLst>
+    <dgm:linClrLst meth="repeat">
+      <a:schemeClr val="lt1"/>
+    </dgm:linClrLst>
+    <dgm:effectClrLst/>
+    <dgm:txLinClrLst/>
+    <dgm:txFillClrLst/>
+    <dgm:txEffectClrLst/>
+  </dgm:styleLbl>
+  <dgm:styleLbl name="parChTrans2D1">
+    <dgm:fillClrLst meth="repeat">
+      <a:schemeClr val="accent1">
+        <a:tint val="60000"/>
+      </a:schemeClr>
+    </dgm:fillClrLst>
+    <dgm:linClrLst meth="repeat">
+      <a:schemeClr val="accent1">
+        <a:tint val="60000"/>
+      </a:schemeClr>
+    </dgm:linClrLst>
+    <dgm:effectClrLst/>
+    <dgm:txLinClrLst/>
+    <dgm:txFillClrLst meth="repeat">
+      <a:schemeClr val="lt1"/>
+    </dgm:txFillClrLst>
+    <dgm:txEffectClrLst/>
+  </dgm:styleLbl>
+  <dgm:styleLbl name="parChTrans2D2">
+    <dgm:fillClrLst meth="repeat">
+      <a:schemeClr val="accent1"/>
+    </dgm:fillClrLst>
+    <dgm:linClrLst meth="repeat">
+      <a:schemeClr val="accent1"/>
+    </dgm:linClrLst>
+    <dgm:effectClrLst/>
+    <dgm:txLinClrLst/>
+    <dgm:txFillClrLst meth="repeat">
+      <a:schemeClr val="lt1"/>
+    </dgm:txFillClrLst>
+    <dgm:txEffectClrLst/>
+  </dgm:styleLbl>
+  <dgm:styleLbl name="parChTrans2D3">
+    <dgm:fillClrLst meth="repeat">
+      <a:schemeClr val="accent1"/>
+    </dgm:fillClrLst>
+    <dgm:linClrLst meth="repeat">
+      <a:schemeClr val="accent1"/>
+    </dgm:linClrLst>
+    <dgm:effectClrLst/>
+    <dgm:txLinClrLst/>
+    <dgm:txFillClrLst meth="repeat">
+      <a:schemeClr val="lt1"/>
+    </dgm:txFillClrLst>
+    <dgm:txEffectClrLst/>
+  </dgm:styleLbl>
+  <dgm:styleLbl name="parChTrans2D4">
+    <dgm:fillClrLst meth="repeat">
+      <a:schemeClr val="accent1"/>
+    </dgm:fillClrLst>
+    <dgm:linClrLst meth="repeat">
+      <a:schemeClr val="accent1"/>
+    </dgm:linClrLst>
+    <dgm:effectClrLst/>
+    <dgm:txLinClrLst/>
+    <dgm:txFillClrLst meth="repeat">
+      <a:schemeClr val="lt1"/>
+    </dgm:txFillClrLst>
+    <dgm:txEffectClrLst/>
+  </dgm:styleLbl>
+  <dgm:styleLbl name="parChTrans1D1">
+    <dgm:fillClrLst meth="repeat">
+      <a:schemeClr val="accent1"/>
+    </dgm:fillClrLst>
+    <dgm:linClrLst meth="repeat">
+      <a:schemeClr val="accent1">
+        <a:shade val="60000"/>
+      </a:schemeClr>
+    </dgm:linClrLst>
+    <dgm:effectClrLst/>
+    <dgm:txLinClrLst/>
+    <dgm:txFillClrLst meth="repeat">
+      <a:schemeClr val="tx1"/>
+    </dgm:txFillClrLst>
+    <dgm:txEffectClrLst/>
+  </dgm:styleLbl>
+  <dgm:styleLbl name="parChTrans1D2">
+    <dgm:fillClrLst meth="repeat">
+      <a:schemeClr val="accent1"/>
+    </dgm:fillClrLst>
+    <dgm:linClrLst meth="repeat">
+      <a:schemeClr val="accent1">
+        <a:shade val="60000"/>
+      </a:schemeClr>
+    </dgm:linClrLst>
+    <dgm:effectClrLst/>
+    <dgm:txLinClrLst/>
+    <dgm:txFillClrLst meth="repeat">
+      <a:schemeClr val="tx1"/>
+    </dgm:txFillClrLst>
+    <dgm:txEffectClrLst/>
+  </dgm:styleLbl>
+  <dgm:styleLbl name="parChTrans1D3">
+    <dgm:fillClrLst meth="repeat">
+      <a:schemeClr val="accent1"/>
+    </dgm:fillClrLst>
+    <dgm:linClrLst meth="repeat">
+      <a:schemeClr val="accent1">
+        <a:shade val="80000"/>
+      </a:schemeClr>
+    </dgm:linClrLst>
+    <dgm:effectClrLst/>
+    <dgm:txLinClrLst/>
+    <dgm:txFillClrLst meth="repeat">
+      <a:schemeClr val="tx1"/>
+    </dgm:txFillClrLst>
+    <dgm:txEffectClrLst/>
+  </dgm:styleLbl>
+  <dgm:styleLbl name="parChTrans1D4">
+    <dgm:fillClrLst meth="repeat">
+      <a:schemeClr val="accent1"/>
+    </dgm:fillClrLst>
+    <dgm:linClrLst meth="repeat">
+      <a:schemeClr val="accent1">
+        <a:shade val="80000"/>
+      </a:schemeClr>
+    </dgm:linClrLst>
+    <dgm:effectClrLst/>
+    <dgm:txLinClrLst/>
+    <dgm:txFillClrLst meth="repeat">
+      <a:schemeClr val="tx1"/>
+    </dgm:txFillClrLst>
+    <dgm:txEffectClrLst/>
+  </dgm:styleLbl>
+  <dgm:styleLbl name="fgAcc1">
+    <dgm:fillClrLst meth="repeat">
+      <a:schemeClr val="lt1">
+        <a:alpha val="90000"/>
+      </a:schemeClr>
+    </dgm:fillClrLst>
+    <dgm:linClrLst meth="repeat">
+      <a:schemeClr val="accent1"/>
+    </dgm:linClrLst>
+    <dgm:effectClrLst/>
+    <dgm:txLinClrLst/>
+    <dgm:txFillClrLst meth="repeat">
+      <a:schemeClr val="dk1"/>
+    </dgm:txFillClrLst>
+    <dgm:txEffectClrLst/>
+  </dgm:styleLbl>
+  <dgm:styleLbl name="conFgAcc1">
+    <dgm:fillClrLst meth="repeat">
+      <a:schemeClr val="lt1">
+        <a:alpha val="90000"/>
+      </a:schemeClr>
+    </dgm:fillClrLst>
+    <dgm:linClrLst meth="repeat">
+      <a:schemeClr val="accent1"/>
+    </dgm:linClrLst>
+    <dgm:effectClrLst/>
+    <dgm:txLinClrLst/>
+    <dgm:txFillClrLst meth="repeat">
+      <a:schemeClr val="dk1"/>
+    </dgm:txFillClrLst>
+    <dgm:txEffectClrLst/>
+  </dgm:styleLbl>
+  <dgm:styleLbl name="alignAcc1">
+    <dgm:fillClrLst meth="repeat">
+      <a:schemeClr val="lt1">
+        <a:alpha val="90000"/>
+      </a:schemeClr>
+    </dgm:fillClrLst>
+    <dgm:linClrLst meth="repeat">
+      <a:schemeClr val="accent1"/>
+    </dgm:linClrLst>
+    <dgm:effectClrLst/>
+    <dgm:txLinClrLst/>
+    <dgm:txFillClrLst meth="repeat">
+      <a:schemeClr val="dk1"/>
+    </dgm:txFillClrLst>
+    <dgm:txEffectClrLst/>
+  </dgm:styleLbl>
+  <dgm:styleLbl name="trAlignAcc1">
+    <dgm:fillClrLst meth="repeat">
+      <a:schemeClr val="lt1">
+        <a:alpha val="40000"/>
+      </a:schemeClr>
+    </dgm:fillClrLst>
+    <dgm:linClrLst meth="repeat">
+      <a:schemeClr val="accent1"/>
+    </dgm:linClrLst>
+    <dgm:effectClrLst/>
+    <dgm:txLinClrLst/>
+    <dgm:txFillClrLst meth="repeat">
+      <a:schemeClr val="dk1"/>
+    </dgm:txFillClrLst>
+    <dgm:txEffectClrLst/>
+  </dgm:styleLbl>
+  <dgm:styleLbl name="bgAcc1">
+    <dgm:fillClrLst meth="repeat">
+      <a:schemeClr val="lt1">
+        <a:alpha val="90000"/>
+      </a:schemeClr>
+    </dgm:fillClrLst>
+    <dgm:linClrLst meth="repeat">
+      <a:schemeClr val="accent1"/>
+    </dgm:linClrLst>
+    <dgm:effectClrLst/>
+    <dgm:txLinClrLst/>
+    <dgm:txFillClrLst meth="repeat">
+      <a:schemeClr val="dk1"/>
+    </dgm:txFillClrLst>
+    <dgm:txEffectClrLst/>
+  </dgm:styleLbl>
+  <dgm:styleLbl name="solidFgAcc1">
+    <dgm:fillClrLst meth="repeat">
+      <a:schemeClr val="lt1"/>
+    </dgm:fillClrLst>
+    <dgm:linClrLst meth="repeat">
+      <a:schemeClr val="accent1"/>
+    </dgm:linClrLst>
+    <dgm:effectClrLst/>
+    <dgm:txLinClrLst/>
+    <dgm:txFillClrLst meth="repeat">
+      <a:schemeClr val="dk1"/>
+    </dgm:txFillClrLst>
+    <dgm:txEffectClrLst/>
+  </dgm:styleLbl>
+  <dgm:styleLbl name="solidAlignAcc1">
+    <dgm:fillClrLst meth="repeat">
+      <a:schemeClr val="lt1"/>
+    </dgm:fillClrLst>
+    <dgm:linClrLst meth="repeat">
+      <a:schemeClr val="accent1"/>
+    </dgm:linClrLst>
+    <dgm:effectClrLst/>
+    <dgm:txLinClrLst/>
+    <dgm:txFillClrLst meth="repeat">
+      <a:schemeClr val="dk1"/>
+    </dgm:txFillClrLst>
+    <dgm:txEffectClrLst/>
+  </dgm:styleLbl>
+  <dgm:styleLbl name="solidBgAcc1">
+    <dgm:fillClrLst meth="repeat">
+      <a:schemeClr val="lt1"/>
+    </dgm:fillClrLst>
+    <dgm:linClrLst meth="repeat">
+      <a:schemeClr val="accent1"/>
+    </dgm:linClrLst>
+    <dgm:effectClrLst/>
+    <dgm:txLinClrLst/>
+    <dgm:txFillClrLst meth="repeat">
+      <a:schemeClr val="dk1"/>
+    </dgm:txFillClrLst>
+    <dgm:txEffectClrLst/>
+  </dgm:styleLbl>
+  <dgm:styleLbl name="fgAccFollowNode1">
+    <dgm:fillClrLst meth="repeat">
+      <a:schemeClr val="accent1">
+        <a:alpha val="90000"/>
+        <a:tint val="40000"/>
+      </a:schemeClr>
+    </dgm:fillClrLst>
+    <dgm:linClrLst meth="repeat">
+      <a:schemeClr val="accent1">
+        <a:alpha val="90000"/>
+        <a:tint val="40000"/>
+      </a:schemeClr>
+    </dgm:linClrLst>
+    <dgm:effectClrLst/>
+    <dgm:txLinClrLst/>
+    <dgm:txFillClrLst meth="repeat">
+      <a:schemeClr val="dk1"/>
+    </dgm:txFillClrLst>
+    <dgm:txEffectClrLst/>
+  </dgm:styleLbl>
+  <dgm:styleLbl name="alignAccFollowNode1">
+    <dgm:fillClrLst meth="repeat">
+      <a:schemeClr val="accent1">
+        <a:alpha val="90000"/>
+        <a:tint val="40000"/>
+      </a:schemeClr>
+    </dgm:fillClrLst>
+    <dgm:linClrLst meth="repeat">
+      <a:schemeClr val="accent1">
+        <a:alpha val="90000"/>
+        <a:tint val="40000"/>
+      </a:schemeClr>
+    </dgm:linClrLst>
+    <dgm:effectClrLst/>
+    <dgm:txLinClrLst/>
+    <dgm:txFillClrLst meth="repeat">
+      <a:schemeClr val="dk1"/>
+    </dgm:txFillClrLst>
+    <dgm:txEffectClrLst/>
+  </dgm:styleLbl>
+  <dgm:styleLbl name="bgAccFollowNode1">
+    <dgm:fillClrLst meth="repeat">
+      <a:schemeClr val="accent1">
+        <a:alpha val="90000"/>
+        <a:tint val="40000"/>
+      </a:schemeClr>
+    </dgm:fillClrLst>
+    <dgm:linClrLst meth="repeat">
+      <a:schemeClr val="accent1">
+        <a:alpha val="90000"/>
+        <a:tint val="40000"/>
+      </a:schemeClr>
+    </dgm:linClrLst>
+    <dgm:effectClrLst/>
+    <dgm:txLinClrLst/>
+    <dgm:txFillClrLst meth="repeat">
+      <a:schemeClr val="dk1"/>
+    </dgm:txFillClrLst>
+    <dgm:txEffectClrLst/>
+  </dgm:styleLbl>
+  <dgm:styleLbl name="fgAcc0">
+    <dgm:fillClrLst meth="repeat">
+      <a:schemeClr val="lt1">
+        <a:alpha val="90000"/>
+      </a:schemeClr>
+    </dgm:fillClrLst>
+    <dgm:linClrLst meth="repeat">
+      <a:schemeClr val="accent1"/>
+    </dgm:linClrLst>
+    <dgm:effectClrLst/>
+    <dgm:txLinClrLst/>
+    <dgm:txFillClrLst meth="repeat">
+      <a:schemeClr val="dk1"/>
+    </dgm:txFillClrLst>
+    <dgm:txEffectClrLst/>
+  </dgm:styleLbl>
+  <dgm:styleLbl name="fgAcc2">
+    <dgm:fillClrLst meth="repeat">
+      <a:schemeClr val="lt1">
+        <a:alpha val="90000"/>
+      </a:schemeClr>
+    </dgm:fillClrLst>
+    <dgm:linClrLst meth="repeat">
+      <a:schemeClr val="accent1"/>
+    </dgm:linClrLst>
+    <dgm:effectClrLst/>
+    <dgm:txLinClrLst/>
+    <dgm:txFillClrLst meth="repeat">
+      <a:schemeClr val="dk1"/>
+    </dgm:txFillClrLst>
+    <dgm:txEffectClrLst/>
+  </dgm:styleLbl>
+  <dgm:styleLbl name="fgAcc3">
+    <dgm:fillClrLst meth="repeat">
+      <a:schemeClr val="lt1">
+        <a:alpha val="90000"/>
+      </a:schemeClr>
+    </dgm:fillClrLst>
+    <dgm:linClrLst meth="repeat">
+      <a:schemeClr val="accent1"/>
+    </dgm:linClrLst>
+    <dgm:effectClrLst/>
+    <dgm:txLinClrLst/>
+    <dgm:txFillClrLst meth="repeat">
+      <a:schemeClr val="dk1"/>
+    </dgm:txFillClrLst>
+    <dgm:txEffectClrLst/>
+  </dgm:styleLbl>
+  <dgm:styleLbl name="fgAcc4">
+    <dgm:fillClrLst meth="repeat">
+      <a:schemeClr val="lt1">
+        <a:alpha val="90000"/>
+      </a:schemeClr>
+    </dgm:fillClrLst>
+    <dgm:linClrLst meth="repeat">
+      <a:schemeClr val="accent1"/>
+    </dgm:linClrLst>
+    <dgm:effectClrLst/>
+    <dgm:txLinClrLst/>
+    <dgm:txFillClrLst meth="repeat">
+      <a:schemeClr val="dk1"/>
+    </dgm:txFillClrLst>
+    <dgm:txEffectClrLst/>
+  </dgm:styleLbl>
+  <dgm:styleLbl name="bgShp">
+    <dgm:fillClrLst meth="repeat">
+      <a:schemeClr val="accent1">
+        <a:tint val="40000"/>
+      </a:schemeClr>
+    </dgm:fillClrLst>
+    <dgm:linClrLst meth="repeat">
+      <a:schemeClr val="accent1"/>
+    </dgm:linClrLst>
+    <dgm:effectClrLst/>
+    <dgm:txLinClrLst/>
+    <dgm:txFillClrLst meth="repeat">
+      <a:schemeClr val="dk1"/>
+    </dgm:txFillClrLst>
+    <dgm:txEffectClrLst/>
+  </dgm:styleLbl>
+  <dgm:styleLbl name="dkBgShp">
+    <dgm:fillClrLst meth="repeat">
+      <a:schemeClr val="accent1">
+        <a:shade val="80000"/>
+      </a:schemeClr>
+    </dgm:fillClrLst>
+    <dgm:linClrLst meth="repeat">
+      <a:schemeClr val="accent1"/>
+    </dgm:linClrLst>
+    <dgm:effectClrLst/>
+    <dgm:txLinClrLst/>
+    <dgm:txFillClrLst meth="repeat">
+      <a:schemeClr val="lt1"/>
+    </dgm:txFillClrLst>
+    <dgm:txEffectClrLst/>
+  </dgm:styleLbl>
+  <dgm:styleLbl name="trBgShp">
+    <dgm:fillClrLst meth="repeat">
+      <a:schemeClr val="accent1">
+        <a:tint val="50000"/>
+        <a:alpha val="40000"/>
+      </a:schemeClr>
+    </dgm:fillClrLst>
+    <dgm:linClrLst meth="repeat">
+      <a:schemeClr val="accent1"/>
+    </dgm:linClrLst>
+    <dgm:effectClrLst/>
+    <dgm:txLinClrLst/>
+    <dgm:txFillClrLst meth="repeat">
+      <a:schemeClr val="lt1"/>
+    </dgm:txFillClrLst>
+    <dgm:txEffectClrLst/>
+  </dgm:styleLbl>
+  <dgm:styleLbl name="fgShp">
+    <dgm:fillClrLst meth="repeat">
+      <a:schemeClr val="accent1">
+        <a:tint val="60000"/>
       </a:schemeClr>
     </dgm:fillClrLst>
     <dgm:linClrLst meth="repeat">
@@ -3089,9 +3846,9 @@
     <dgm:cxn modelId="{18B4D1C9-86AB-4045-A197-35C087254467}" srcId="{59BCF530-1F1D-4F35-9C93-6FBCB51AA98A}" destId="{A19216B7-D9A4-444D-B82B-63F273099A46}" srcOrd="0" destOrd="0" parTransId="{28002B4C-28CC-48C2-A8B8-4A54B7CDF96D}" sibTransId="{048DE6E3-7FEF-4AD7-B8CF-0D65D7EF6B36}"/>
     <dgm:cxn modelId="{59AABEA4-8301-4D44-92D2-1236CAD86F34}" type="presOf" srcId="{134DA034-8437-4FFF-9A8D-9EAA91E0A4C3}" destId="{BD1CC673-2522-419A-A79C-3CC13554A484}" srcOrd="0" destOrd="0" presId="urn:microsoft.com/office/officeart/2005/8/layout/chevron1"/>
     <dgm:cxn modelId="{432A51C8-907E-4A73-A8C5-9679B0C39E27}" srcId="{47E8FFA3-6D94-45FE-9EAC-A1E1B2E4917C}" destId="{C2FC4F04-259D-444D-B695-F44F9E0F896D}" srcOrd="2" destOrd="0" parTransId="{59ABBE0C-ABB9-4450-9A9F-9C97F0888BF7}" sibTransId="{1D5D1A68-63E9-4906-A68F-9FB0EC8E442F}"/>
-    <dgm:cxn modelId="{206CC5BE-3C0C-49FB-9FD7-A73FBB8322F2}" type="presOf" srcId="{59BCF530-1F1D-4F35-9C93-6FBCB51AA98A}" destId="{66465B80-E317-4550-8134-CBE8DD67227C}" srcOrd="0" destOrd="0" presId="urn:microsoft.com/office/officeart/2005/8/layout/chevron1"/>
     <dgm:cxn modelId="{B2E41158-3C53-43C0-A018-1403089C2B80}" srcId="{47E8FFA3-6D94-45FE-9EAC-A1E1B2E4917C}" destId="{3AE6120E-1B69-468B-9EE2-5EF38B301F5A}" srcOrd="3" destOrd="0" parTransId="{0A3DA87F-39C5-4C44-B31E-6B0DB583A66D}" sibTransId="{7A3F2916-6250-4910-B488-4BBDB62538C6}"/>
     <dgm:cxn modelId="{429D35EC-E9B8-44DE-A513-098C47D85253}" type="presOf" srcId="{8F3963D5-87E7-4524-8A19-268BB9C63D1C}" destId="{2580E875-1F33-40FC-8EE6-F5FF47DDA27D}" srcOrd="0" destOrd="0" presId="urn:microsoft.com/office/officeart/2005/8/layout/chevron1"/>
+    <dgm:cxn modelId="{206CC5BE-3C0C-49FB-9FD7-A73FBB8322F2}" type="presOf" srcId="{59BCF530-1F1D-4F35-9C93-6FBCB51AA98A}" destId="{66465B80-E317-4550-8134-CBE8DD67227C}" srcOrd="0" destOrd="0" presId="urn:microsoft.com/office/officeart/2005/8/layout/chevron1"/>
     <dgm:cxn modelId="{E2379765-9445-4842-9A46-9EDC9CA344D3}" type="presOf" srcId="{05E0D229-A6B3-48FE-AE7B-B909D3B32BCC}" destId="{4B9862D9-2FBE-47B9-9D10-647A2E1A3ACF}" srcOrd="0" destOrd="0" presId="urn:microsoft.com/office/officeart/2005/8/layout/chevron1"/>
     <dgm:cxn modelId="{D737A32B-9F2D-4687-9FC5-70EB5267CCA7}" type="presOf" srcId="{DDD39895-9211-4626-AD17-77BD1D38C923}" destId="{4CE69780-4892-4570-80F9-CCBB6AF84B68}" srcOrd="0" destOrd="0" presId="urn:microsoft.com/office/officeart/2005/8/layout/chevron1"/>
     <dgm:cxn modelId="{366FA6DA-F100-4B9E-9157-DC1925F2C123}" srcId="{47E8FFA3-6D94-45FE-9EAC-A1E1B2E4917C}" destId="{DDD39895-9211-4626-AD17-77BD1D38C923}" srcOrd="0" destOrd="0" parTransId="{CE4D5885-3B16-4A23-8EDE-C804E2E74EA3}" sibTransId="{4D70680B-2742-49CB-80BC-164D4C111683}"/>
@@ -3764,6 +4521,609 @@
   <dgm:extLst>
     <a:ext uri="http://schemas.microsoft.com/office/drawing/2008/diagram">
       <dsp:dataModelExt xmlns:dsp="http://schemas.microsoft.com/office/drawing/2008/diagram" relId="rId11" minVer="http://schemas.openxmlformats.org/drawingml/2006/diagram"/>
+    </a:ext>
+  </dgm:extLst>
+</dgm:dataModel>
+</file>
+
+<file path=ppt/diagrams/data4.xml><?xml version="1.0" encoding="utf-8"?>
+<dgm:dataModel xmlns:dgm="http://schemas.openxmlformats.org/drawingml/2006/diagram" xmlns:a="http://schemas.openxmlformats.org/drawingml/2006/main">
+  <dgm:ptLst>
+    <dgm:pt modelId="{90E039E8-A87C-4FD1-9A5F-59BC824BB471}" type="doc">
+      <dgm:prSet loTypeId="urn:microsoft.com/office/officeart/2005/8/layout/chevron1" loCatId="process" qsTypeId="urn:microsoft.com/office/officeart/2005/8/quickstyle/simple1" qsCatId="simple" csTypeId="urn:microsoft.com/office/officeart/2005/8/colors/accent1_2" csCatId="accent1" phldr="1"/>
+      <dgm:spPr/>
+    </dgm:pt>
+    <dgm:pt modelId="{DF36FF5B-AA2C-4DA6-B326-88B53E22F609}">
+      <dgm:prSet phldrT="[Текст]"/>
+      <dgm:spPr/>
+      <dgm:t>
+        <a:bodyPr/>
+        <a:lstStyle/>
+        <a:p>
+          <a:r>
+            <a:rPr lang="ru-RU" dirty="0" smtClean="0"/>
+            <a:t>Продукты 1С</a:t>
+          </a:r>
+          <a:endParaRPr lang="ru-RU" dirty="0"/>
+        </a:p>
+      </dgm:t>
+    </dgm:pt>
+    <dgm:pt modelId="{87228ACF-EEC6-4ACA-83B8-A1A4EBF492E1}" type="parTrans" cxnId="{F408BE5D-8B22-41D5-BAD1-BC773E8D3BC1}">
+      <dgm:prSet/>
+      <dgm:spPr/>
+      <dgm:t>
+        <a:bodyPr/>
+        <a:lstStyle/>
+        <a:p>
+          <a:endParaRPr lang="ru-RU"/>
+        </a:p>
+      </dgm:t>
+    </dgm:pt>
+    <dgm:pt modelId="{92CDC6C6-5B6E-47ED-84FB-129D98254ACE}" type="sibTrans" cxnId="{F408BE5D-8B22-41D5-BAD1-BC773E8D3BC1}">
+      <dgm:prSet/>
+      <dgm:spPr/>
+      <dgm:t>
+        <a:bodyPr/>
+        <a:lstStyle/>
+        <a:p>
+          <a:endParaRPr lang="ru-RU"/>
+        </a:p>
+      </dgm:t>
+    </dgm:pt>
+    <dgm:pt modelId="{013B1ED0-2946-421E-AD54-62D7F6672D32}">
+      <dgm:prSet phldrT="[Текст]"/>
+      <dgm:spPr/>
+      <dgm:t>
+        <a:bodyPr/>
+        <a:lstStyle/>
+        <a:p>
+          <a:r>
+            <a:rPr lang="ru-RU" dirty="0" smtClean="0"/>
+            <a:t>АСУ СПРУТ</a:t>
+          </a:r>
+          <a:endParaRPr lang="ru-RU" dirty="0"/>
+        </a:p>
+      </dgm:t>
+    </dgm:pt>
+    <dgm:pt modelId="{AA8AECCC-8744-470E-A9F7-CD6A70EC873E}" type="parTrans" cxnId="{B613B707-777D-4538-A129-F3B9123CF245}">
+      <dgm:prSet/>
+      <dgm:spPr/>
+      <dgm:t>
+        <a:bodyPr/>
+        <a:lstStyle/>
+        <a:p>
+          <a:endParaRPr lang="ru-RU"/>
+        </a:p>
+      </dgm:t>
+    </dgm:pt>
+    <dgm:pt modelId="{B66955FC-F941-4065-A3B9-CD5A92C61DAD}" type="sibTrans" cxnId="{B613B707-777D-4538-A129-F3B9123CF245}">
+      <dgm:prSet/>
+      <dgm:spPr/>
+      <dgm:t>
+        <a:bodyPr/>
+        <a:lstStyle/>
+        <a:p>
+          <a:endParaRPr lang="ru-RU"/>
+        </a:p>
+      </dgm:t>
+    </dgm:pt>
+    <dgm:pt modelId="{00BDA436-953D-4A20-B2A6-9CBEDC34705C}">
+      <dgm:prSet phldrT="[Текст]"/>
+      <dgm:spPr/>
+      <dgm:t>
+        <a:bodyPr/>
+        <a:lstStyle/>
+        <a:p>
+          <a:r>
+            <a:rPr lang="ru-RU" dirty="0" smtClean="0"/>
+            <a:t>Продукты от компании «Помощью образованию»</a:t>
+          </a:r>
+          <a:endParaRPr lang="ru-RU" dirty="0"/>
+        </a:p>
+      </dgm:t>
+    </dgm:pt>
+    <dgm:pt modelId="{780549B8-62A7-415E-BEF8-62478D14E1D5}" type="parTrans" cxnId="{F826954A-D7ED-4876-899E-35A30FA3EE96}">
+      <dgm:prSet/>
+      <dgm:spPr/>
+      <dgm:t>
+        <a:bodyPr/>
+        <a:lstStyle/>
+        <a:p>
+          <a:endParaRPr lang="ru-RU"/>
+        </a:p>
+      </dgm:t>
+    </dgm:pt>
+    <dgm:pt modelId="{2E7F7024-702B-4DCE-BA23-87C97D78E440}" type="sibTrans" cxnId="{F826954A-D7ED-4876-899E-35A30FA3EE96}">
+      <dgm:prSet/>
+      <dgm:spPr/>
+      <dgm:t>
+        <a:bodyPr/>
+        <a:lstStyle/>
+        <a:p>
+          <a:endParaRPr lang="ru-RU"/>
+        </a:p>
+      </dgm:t>
+    </dgm:pt>
+    <dgm:pt modelId="{E2F6FE03-1C5C-4F12-AFFC-A9255020279A}">
+      <dgm:prSet phldrT="[Текст]"/>
+      <dgm:spPr/>
+      <dgm:t>
+        <a:bodyPr/>
+        <a:lstStyle/>
+        <a:p>
+          <a:r>
+            <a:rPr lang="ru-RU" dirty="0" smtClean="0"/>
+            <a:t>1С:Колледж</a:t>
+          </a:r>
+          <a:endParaRPr lang="ru-RU" dirty="0"/>
+        </a:p>
+      </dgm:t>
+    </dgm:pt>
+    <dgm:pt modelId="{765D1C42-88F2-44B4-AD66-0AABDC6425B6}" type="parTrans" cxnId="{61DC51F3-1FA8-4142-94E1-0AF416990894}">
+      <dgm:prSet/>
+      <dgm:spPr/>
+      <dgm:t>
+        <a:bodyPr/>
+        <a:lstStyle/>
+        <a:p>
+          <a:endParaRPr lang="ru-RU"/>
+        </a:p>
+      </dgm:t>
+    </dgm:pt>
+    <dgm:pt modelId="{5B0CABAC-28E7-4890-8510-5E977C0A4D71}" type="sibTrans" cxnId="{61DC51F3-1FA8-4142-94E1-0AF416990894}">
+      <dgm:prSet/>
+      <dgm:spPr/>
+      <dgm:t>
+        <a:bodyPr/>
+        <a:lstStyle/>
+        <a:p>
+          <a:endParaRPr lang="ru-RU"/>
+        </a:p>
+      </dgm:t>
+    </dgm:pt>
+    <dgm:pt modelId="{D374E3D2-F338-4FB6-8185-9552DF5BB28C}">
+      <dgm:prSet phldrT="[Текст]"/>
+      <dgm:spPr/>
+      <dgm:t>
+        <a:bodyPr/>
+        <a:lstStyle/>
+        <a:p>
+          <a:r>
+            <a:rPr lang="ru-RU" dirty="0" smtClean="0"/>
+            <a:t>1С:Электронное обучение</a:t>
+          </a:r>
+          <a:endParaRPr lang="ru-RU" dirty="0"/>
+        </a:p>
+      </dgm:t>
+    </dgm:pt>
+    <dgm:pt modelId="{FA2F6283-CFB4-4581-AB34-BEB5F0B87B69}" type="parTrans" cxnId="{F078A9FE-467F-42F8-A879-C72ACE5FE7E6}">
+      <dgm:prSet/>
+      <dgm:spPr/>
+      <dgm:t>
+        <a:bodyPr/>
+        <a:lstStyle/>
+        <a:p>
+          <a:endParaRPr lang="ru-RU"/>
+        </a:p>
+      </dgm:t>
+    </dgm:pt>
+    <dgm:pt modelId="{06B6EA29-A5BB-482F-9CC3-7E4CD35CBDA9}" type="sibTrans" cxnId="{F078A9FE-467F-42F8-A879-C72ACE5FE7E6}">
+      <dgm:prSet/>
+      <dgm:spPr/>
+      <dgm:t>
+        <a:bodyPr/>
+        <a:lstStyle/>
+        <a:p>
+          <a:endParaRPr lang="ru-RU"/>
+        </a:p>
+      </dgm:t>
+    </dgm:pt>
+    <dgm:pt modelId="{F46B7E69-32BF-4271-9F6D-33ED8D6D2BE1}">
+      <dgm:prSet phldrT="[Текст]"/>
+      <dgm:spPr/>
+      <dgm:t>
+        <a:bodyPr/>
+        <a:lstStyle/>
+        <a:p>
+          <a:r>
+            <a:rPr lang="ru-RU" dirty="0" smtClean="0"/>
+            <a:t>Подсистема «Студента»</a:t>
+          </a:r>
+          <a:endParaRPr lang="ru-RU" dirty="0"/>
+        </a:p>
+      </dgm:t>
+    </dgm:pt>
+    <dgm:pt modelId="{83D24B13-80EE-4AAF-AFD7-47E4183439E2}" type="parTrans" cxnId="{BE82F7C8-D927-4F05-8949-ABD1112F67C3}">
+      <dgm:prSet/>
+      <dgm:spPr/>
+      <dgm:t>
+        <a:bodyPr/>
+        <a:lstStyle/>
+        <a:p>
+          <a:endParaRPr lang="ru-RU"/>
+        </a:p>
+      </dgm:t>
+    </dgm:pt>
+    <dgm:pt modelId="{61164A3C-E8F8-40DC-BFDF-642D47B55897}" type="sibTrans" cxnId="{BE82F7C8-D927-4F05-8949-ABD1112F67C3}">
+      <dgm:prSet/>
+      <dgm:spPr/>
+      <dgm:t>
+        <a:bodyPr/>
+        <a:lstStyle/>
+        <a:p>
+          <a:endParaRPr lang="ru-RU"/>
+        </a:p>
+      </dgm:t>
+    </dgm:pt>
+    <dgm:pt modelId="{B1397A5F-3C1B-445D-9039-7D71E54DC2F8}">
+      <dgm:prSet phldrT="[Текст]"/>
+      <dgm:spPr/>
+      <dgm:t>
+        <a:bodyPr/>
+        <a:lstStyle/>
+        <a:p>
+          <a:r>
+            <a:rPr lang="ru-RU" dirty="0" smtClean="0"/>
+            <a:t>Подсистема «Расписание»</a:t>
+          </a:r>
+          <a:endParaRPr lang="ru-RU" dirty="0"/>
+        </a:p>
+      </dgm:t>
+    </dgm:pt>
+    <dgm:pt modelId="{A0B24AAB-9B48-4DD4-AD67-9270B7904E00}" type="parTrans" cxnId="{AC4A7ABC-C9AA-477E-90BE-1E1D46A757BA}">
+      <dgm:prSet/>
+      <dgm:spPr/>
+      <dgm:t>
+        <a:bodyPr/>
+        <a:lstStyle/>
+        <a:p>
+          <a:endParaRPr lang="ru-RU"/>
+        </a:p>
+      </dgm:t>
+    </dgm:pt>
+    <dgm:pt modelId="{2ED97E74-FE54-45FA-A90C-6B9AAB318896}" type="sibTrans" cxnId="{AC4A7ABC-C9AA-477E-90BE-1E1D46A757BA}">
+      <dgm:prSet/>
+      <dgm:spPr/>
+      <dgm:t>
+        <a:bodyPr/>
+        <a:lstStyle/>
+        <a:p>
+          <a:endParaRPr lang="ru-RU"/>
+        </a:p>
+      </dgm:t>
+    </dgm:pt>
+    <dgm:pt modelId="{A9AEEDCC-33FE-4977-8DB6-5DDE2FC53513}">
+      <dgm:prSet phldrT="[Текст]"/>
+      <dgm:spPr/>
+      <dgm:t>
+        <a:bodyPr/>
+        <a:lstStyle/>
+        <a:p>
+          <a:r>
+            <a:rPr lang="ru-RU" dirty="0" smtClean="0"/>
+            <a:t>Организация обучения</a:t>
+          </a:r>
+          <a:endParaRPr lang="ru-RU" dirty="0"/>
+        </a:p>
+      </dgm:t>
+    </dgm:pt>
+    <dgm:pt modelId="{F0151B46-AF5F-4987-BD4B-512DBE503C4D}" type="parTrans" cxnId="{40BC0A40-ACE5-4A0C-88A0-B2E21B795A91}">
+      <dgm:prSet/>
+      <dgm:spPr/>
+      <dgm:t>
+        <a:bodyPr/>
+        <a:lstStyle/>
+        <a:p>
+          <a:endParaRPr lang="ru-RU"/>
+        </a:p>
+      </dgm:t>
+    </dgm:pt>
+    <dgm:pt modelId="{340B7297-556A-4A6E-B919-4107C3C54898}" type="sibTrans" cxnId="{40BC0A40-ACE5-4A0C-88A0-B2E21B795A91}">
+      <dgm:prSet/>
+      <dgm:spPr/>
+      <dgm:t>
+        <a:bodyPr/>
+        <a:lstStyle/>
+        <a:p>
+          <a:endParaRPr lang="ru-RU"/>
+        </a:p>
+      </dgm:t>
+    </dgm:pt>
+    <dgm:pt modelId="{FF2BE187-66F1-4DCE-ABF9-30606A92BAA3}">
+      <dgm:prSet phldrT="[Текст]"/>
+      <dgm:spPr/>
+      <dgm:t>
+        <a:bodyPr/>
+        <a:lstStyle/>
+        <a:p>
+          <a:r>
+            <a:rPr lang="ru-RU" dirty="0" smtClean="0"/>
+            <a:t>Помощью образованию</a:t>
+          </a:r>
+          <a:endParaRPr lang="ru-RU" dirty="0"/>
+        </a:p>
+      </dgm:t>
+    </dgm:pt>
+    <dgm:pt modelId="{24101A3C-318A-4FEC-9633-9746EDED23E4}" type="parTrans" cxnId="{60BF8543-ABD3-4DF5-88B1-17A52F04B008}">
+      <dgm:prSet/>
+      <dgm:spPr/>
+      <dgm:t>
+        <a:bodyPr/>
+        <a:lstStyle/>
+        <a:p>
+          <a:endParaRPr lang="ru-RU"/>
+        </a:p>
+      </dgm:t>
+    </dgm:pt>
+    <dgm:pt modelId="{019D375D-4253-4613-BE05-0D184676DEB8}" type="sibTrans" cxnId="{60BF8543-ABD3-4DF5-88B1-17A52F04B008}">
+      <dgm:prSet/>
+      <dgm:spPr/>
+      <dgm:t>
+        <a:bodyPr/>
+        <a:lstStyle/>
+        <a:p>
+          <a:endParaRPr lang="ru-RU"/>
+        </a:p>
+      </dgm:t>
+    </dgm:pt>
+    <dgm:pt modelId="{30F45771-5FDD-4F5F-A4A4-C675BCD50F73}">
+      <dgm:prSet phldrT="[Текст]"/>
+      <dgm:spPr/>
+      <dgm:t>
+        <a:bodyPr/>
+        <a:lstStyle/>
+        <a:p>
+          <a:r>
+            <a:rPr lang="ru-RU" dirty="0" smtClean="0"/>
+            <a:t>1С:Автоматизированное составление расписания. Колледж</a:t>
+          </a:r>
+          <a:endParaRPr lang="ru-RU" dirty="0"/>
+        </a:p>
+      </dgm:t>
+    </dgm:pt>
+    <dgm:pt modelId="{EE5E43D3-3A9B-424E-A368-50B795C1ED3B}" type="parTrans" cxnId="{A6F11D76-7DE9-488B-B7C8-EE24DE554FEA}">
+      <dgm:prSet/>
+      <dgm:spPr/>
+      <dgm:t>
+        <a:bodyPr/>
+        <a:lstStyle/>
+        <a:p>
+          <a:endParaRPr lang="ru-RU"/>
+        </a:p>
+      </dgm:t>
+    </dgm:pt>
+    <dgm:pt modelId="{53CEA53A-CC43-459D-B673-561A770D362C}" type="sibTrans" cxnId="{A6F11D76-7DE9-488B-B7C8-EE24DE554FEA}">
+      <dgm:prSet/>
+      <dgm:spPr/>
+      <dgm:t>
+        <a:bodyPr/>
+        <a:lstStyle/>
+        <a:p>
+          <a:endParaRPr lang="ru-RU"/>
+        </a:p>
+      </dgm:t>
+    </dgm:pt>
+    <dgm:pt modelId="{3BD467BF-896D-4AB2-99C3-85EFFC57C1B7}">
+      <dgm:prSet phldrT="[Текст]"/>
+      <dgm:spPr/>
+      <dgm:t>
+        <a:bodyPr/>
+        <a:lstStyle/>
+        <a:p>
+          <a:r>
+            <a:rPr lang="ru-RU" dirty="0" smtClean="0"/>
+            <a:t>МРКО</a:t>
+          </a:r>
+          <a:endParaRPr lang="ru-RU" dirty="0"/>
+        </a:p>
+      </dgm:t>
+    </dgm:pt>
+    <dgm:pt modelId="{C98C8E76-5667-4F20-AEA1-A95265C28987}" type="parTrans" cxnId="{AAEDBEDE-3BF6-4913-85EC-38859869B064}">
+      <dgm:prSet/>
+      <dgm:spPr/>
+      <dgm:t>
+        <a:bodyPr/>
+        <a:lstStyle/>
+        <a:p>
+          <a:endParaRPr lang="ru-RU"/>
+        </a:p>
+      </dgm:t>
+    </dgm:pt>
+    <dgm:pt modelId="{8449FCB5-482D-40E1-B333-219512F5607C}" type="sibTrans" cxnId="{AAEDBEDE-3BF6-4913-85EC-38859869B064}">
+      <dgm:prSet/>
+      <dgm:spPr/>
+      <dgm:t>
+        <a:bodyPr/>
+        <a:lstStyle/>
+        <a:p>
+          <a:endParaRPr lang="ru-RU"/>
+        </a:p>
+      </dgm:t>
+    </dgm:pt>
+    <dgm:pt modelId="{279D1A3B-4229-40A3-A8CB-085C6B491F01}" type="pres">
+      <dgm:prSet presAssocID="{90E039E8-A87C-4FD1-9A5F-59BC824BB471}" presName="Name0" presStyleCnt="0">
+        <dgm:presLayoutVars>
+          <dgm:dir/>
+          <dgm:animLvl val="lvl"/>
+          <dgm:resizeHandles val="exact"/>
+        </dgm:presLayoutVars>
+      </dgm:prSet>
+      <dgm:spPr/>
+    </dgm:pt>
+    <dgm:pt modelId="{95F8F198-95C8-4C41-8826-78B99A460F51}" type="pres">
+      <dgm:prSet presAssocID="{DF36FF5B-AA2C-4DA6-B326-88B53E22F609}" presName="composite" presStyleCnt="0"/>
+      <dgm:spPr/>
+    </dgm:pt>
+    <dgm:pt modelId="{6CC71531-9A15-45E2-AB1D-AECD433B2FEB}" type="pres">
+      <dgm:prSet presAssocID="{DF36FF5B-AA2C-4DA6-B326-88B53E22F609}" presName="parTx" presStyleLbl="node1" presStyleIdx="0" presStyleCnt="4">
+        <dgm:presLayoutVars>
+          <dgm:chMax val="0"/>
+          <dgm:chPref val="0"/>
+          <dgm:bulletEnabled val="1"/>
+        </dgm:presLayoutVars>
+      </dgm:prSet>
+      <dgm:spPr/>
+    </dgm:pt>
+    <dgm:pt modelId="{BD893F1D-BEAD-4944-8562-D6F64973B3D1}" type="pres">
+      <dgm:prSet presAssocID="{DF36FF5B-AA2C-4DA6-B326-88B53E22F609}" presName="desTx" presStyleLbl="revTx" presStyleIdx="0" presStyleCnt="3">
+        <dgm:presLayoutVars>
+          <dgm:bulletEnabled val="1"/>
+        </dgm:presLayoutVars>
+      </dgm:prSet>
+      <dgm:spPr/>
+      <dgm:t>
+        <a:bodyPr/>
+        <a:lstStyle/>
+        <a:p>
+          <a:endParaRPr lang="ru-RU"/>
+        </a:p>
+      </dgm:t>
+    </dgm:pt>
+    <dgm:pt modelId="{6A20D6EB-DF7F-4B72-A3C0-5E7246F8B0AA}" type="pres">
+      <dgm:prSet presAssocID="{92CDC6C6-5B6E-47ED-84FB-129D98254ACE}" presName="space" presStyleCnt="0"/>
+      <dgm:spPr/>
+    </dgm:pt>
+    <dgm:pt modelId="{CF209476-88CD-40D5-84F6-85ECEF5B5148}" type="pres">
+      <dgm:prSet presAssocID="{3BD467BF-896D-4AB2-99C3-85EFFC57C1B7}" presName="composite" presStyleCnt="0"/>
+      <dgm:spPr/>
+    </dgm:pt>
+    <dgm:pt modelId="{C5A53125-F600-402D-A784-C538B8585054}" type="pres">
+      <dgm:prSet presAssocID="{3BD467BF-896D-4AB2-99C3-85EFFC57C1B7}" presName="parTx" presStyleLbl="node1" presStyleIdx="1" presStyleCnt="4">
+        <dgm:presLayoutVars>
+          <dgm:chMax val="0"/>
+          <dgm:chPref val="0"/>
+          <dgm:bulletEnabled val="1"/>
+        </dgm:presLayoutVars>
+      </dgm:prSet>
+      <dgm:spPr/>
+    </dgm:pt>
+    <dgm:pt modelId="{DD7AE65B-6615-4507-B5D4-1F4D4FF5557A}" type="pres">
+      <dgm:prSet presAssocID="{3BD467BF-896D-4AB2-99C3-85EFFC57C1B7}" presName="desTx" presStyleLbl="revTx" presStyleIdx="0" presStyleCnt="3">
+        <dgm:presLayoutVars>
+          <dgm:bulletEnabled val="1"/>
+        </dgm:presLayoutVars>
+      </dgm:prSet>
+      <dgm:spPr/>
+    </dgm:pt>
+    <dgm:pt modelId="{20F517FD-3FA2-4696-A817-5F10EF88A39F}" type="pres">
+      <dgm:prSet presAssocID="{8449FCB5-482D-40E1-B333-219512F5607C}" presName="space" presStyleCnt="0"/>
+      <dgm:spPr/>
+    </dgm:pt>
+    <dgm:pt modelId="{2B1BB382-9F85-40F5-9643-CC42BAD63975}" type="pres">
+      <dgm:prSet presAssocID="{013B1ED0-2946-421E-AD54-62D7F6672D32}" presName="composite" presStyleCnt="0"/>
+      <dgm:spPr/>
+    </dgm:pt>
+    <dgm:pt modelId="{C4F9BA7A-4A4E-44D8-929B-5AA6EF3AF600}" type="pres">
+      <dgm:prSet presAssocID="{013B1ED0-2946-421E-AD54-62D7F6672D32}" presName="parTx" presStyleLbl="node1" presStyleIdx="2" presStyleCnt="4">
+        <dgm:presLayoutVars>
+          <dgm:chMax val="0"/>
+          <dgm:chPref val="0"/>
+          <dgm:bulletEnabled val="1"/>
+        </dgm:presLayoutVars>
+      </dgm:prSet>
+      <dgm:spPr/>
+    </dgm:pt>
+    <dgm:pt modelId="{B71CECED-C5C5-43D6-9343-1BF59327E2F0}" type="pres">
+      <dgm:prSet presAssocID="{013B1ED0-2946-421E-AD54-62D7F6672D32}" presName="desTx" presStyleLbl="revTx" presStyleIdx="1" presStyleCnt="3">
+        <dgm:presLayoutVars>
+          <dgm:bulletEnabled val="1"/>
+        </dgm:presLayoutVars>
+      </dgm:prSet>
+      <dgm:spPr/>
+      <dgm:t>
+        <a:bodyPr/>
+        <a:lstStyle/>
+        <a:p>
+          <a:endParaRPr lang="ru-RU"/>
+        </a:p>
+      </dgm:t>
+    </dgm:pt>
+    <dgm:pt modelId="{4DC1670B-D632-4AE6-931D-6385D96659B1}" type="pres">
+      <dgm:prSet presAssocID="{B66955FC-F941-4065-A3B9-CD5A92C61DAD}" presName="space" presStyleCnt="0"/>
+      <dgm:spPr/>
+    </dgm:pt>
+    <dgm:pt modelId="{40BBADF7-D994-4826-B4E7-A750748E83B8}" type="pres">
+      <dgm:prSet presAssocID="{00BDA436-953D-4A20-B2A6-9CBEDC34705C}" presName="composite" presStyleCnt="0"/>
+      <dgm:spPr/>
+    </dgm:pt>
+    <dgm:pt modelId="{B5A5F6E2-372E-4F04-A04A-407652D0EEF4}" type="pres">
+      <dgm:prSet presAssocID="{00BDA436-953D-4A20-B2A6-9CBEDC34705C}" presName="parTx" presStyleLbl="node1" presStyleIdx="3" presStyleCnt="4">
+        <dgm:presLayoutVars>
+          <dgm:chMax val="0"/>
+          <dgm:chPref val="0"/>
+          <dgm:bulletEnabled val="1"/>
+        </dgm:presLayoutVars>
+      </dgm:prSet>
+      <dgm:spPr/>
+      <dgm:t>
+        <a:bodyPr/>
+        <a:lstStyle/>
+        <a:p>
+          <a:endParaRPr lang="ru-RU"/>
+        </a:p>
+      </dgm:t>
+    </dgm:pt>
+    <dgm:pt modelId="{22889C11-E0EC-4101-B76A-01164AAC9C72}" type="pres">
+      <dgm:prSet presAssocID="{00BDA436-953D-4A20-B2A6-9CBEDC34705C}" presName="desTx" presStyleLbl="revTx" presStyleIdx="2" presStyleCnt="3">
+        <dgm:presLayoutVars>
+          <dgm:bulletEnabled val="1"/>
+        </dgm:presLayoutVars>
+      </dgm:prSet>
+      <dgm:spPr/>
+      <dgm:t>
+        <a:bodyPr/>
+        <a:lstStyle/>
+        <a:p>
+          <a:endParaRPr lang="ru-RU"/>
+        </a:p>
+      </dgm:t>
+    </dgm:pt>
+  </dgm:ptLst>
+  <dgm:cxnLst>
+    <dgm:cxn modelId="{F408BE5D-8B22-41D5-BAD1-BC773E8D3BC1}" srcId="{90E039E8-A87C-4FD1-9A5F-59BC824BB471}" destId="{DF36FF5B-AA2C-4DA6-B326-88B53E22F609}" srcOrd="0" destOrd="0" parTransId="{87228ACF-EEC6-4ACA-83B8-A1A4EBF492E1}" sibTransId="{92CDC6C6-5B6E-47ED-84FB-129D98254ACE}"/>
+    <dgm:cxn modelId="{4896704F-D686-4030-A4E0-CF75471271B4}" type="presOf" srcId="{00BDA436-953D-4A20-B2A6-9CBEDC34705C}" destId="{B5A5F6E2-372E-4F04-A04A-407652D0EEF4}" srcOrd="0" destOrd="0" presId="urn:microsoft.com/office/officeart/2005/8/layout/chevron1"/>
+    <dgm:cxn modelId="{B313C240-1C5C-440D-A44B-4B2331B819DF}" type="presOf" srcId="{013B1ED0-2946-421E-AD54-62D7F6672D32}" destId="{C4F9BA7A-4A4E-44D8-929B-5AA6EF3AF600}" srcOrd="0" destOrd="0" presId="urn:microsoft.com/office/officeart/2005/8/layout/chevron1"/>
+    <dgm:cxn modelId="{5F23A24D-5C45-4EE9-9675-0CBEF421A2B5}" type="presOf" srcId="{B1397A5F-3C1B-445D-9039-7D71E54DC2F8}" destId="{B71CECED-C5C5-43D6-9343-1BF59327E2F0}" srcOrd="0" destOrd="1" presId="urn:microsoft.com/office/officeart/2005/8/layout/chevron1"/>
+    <dgm:cxn modelId="{B613B707-777D-4538-A129-F3B9123CF245}" srcId="{90E039E8-A87C-4FD1-9A5F-59BC824BB471}" destId="{013B1ED0-2946-421E-AD54-62D7F6672D32}" srcOrd="2" destOrd="0" parTransId="{AA8AECCC-8744-470E-A9F7-CD6A70EC873E}" sibTransId="{B66955FC-F941-4065-A3B9-CD5A92C61DAD}"/>
+    <dgm:cxn modelId="{AAEDBEDE-3BF6-4913-85EC-38859869B064}" srcId="{90E039E8-A87C-4FD1-9A5F-59BC824BB471}" destId="{3BD467BF-896D-4AB2-99C3-85EFFC57C1B7}" srcOrd="1" destOrd="0" parTransId="{C98C8E76-5667-4F20-AEA1-A95265C28987}" sibTransId="{8449FCB5-482D-40E1-B333-219512F5607C}"/>
+    <dgm:cxn modelId="{F826954A-D7ED-4876-899E-35A30FA3EE96}" srcId="{90E039E8-A87C-4FD1-9A5F-59BC824BB471}" destId="{00BDA436-953D-4A20-B2A6-9CBEDC34705C}" srcOrd="3" destOrd="0" parTransId="{780549B8-62A7-415E-BEF8-62478D14E1D5}" sibTransId="{2E7F7024-702B-4DCE-BA23-87C97D78E440}"/>
+    <dgm:cxn modelId="{F078A9FE-467F-42F8-A879-C72ACE5FE7E6}" srcId="{DF36FF5B-AA2C-4DA6-B326-88B53E22F609}" destId="{D374E3D2-F338-4FB6-8185-9552DF5BB28C}" srcOrd="2" destOrd="0" parTransId="{FA2F6283-CFB4-4581-AB34-BEB5F0B87B69}" sibTransId="{06B6EA29-A5BB-482F-9CC3-7E4CD35CBDA9}"/>
+    <dgm:cxn modelId="{806E231B-934E-48EE-B6E5-A01465240637}" type="presOf" srcId="{E2F6FE03-1C5C-4F12-AFFC-A9255020279A}" destId="{BD893F1D-BEAD-4944-8562-D6F64973B3D1}" srcOrd="0" destOrd="0" presId="urn:microsoft.com/office/officeart/2005/8/layout/chevron1"/>
+    <dgm:cxn modelId="{8E96169B-7105-4159-A4AB-F91C901C67DA}" type="presOf" srcId="{F46B7E69-32BF-4271-9F6D-33ED8D6D2BE1}" destId="{B71CECED-C5C5-43D6-9343-1BF59327E2F0}" srcOrd="0" destOrd="0" presId="urn:microsoft.com/office/officeart/2005/8/layout/chevron1"/>
+    <dgm:cxn modelId="{A6F11D76-7DE9-488B-B7C8-EE24DE554FEA}" srcId="{DF36FF5B-AA2C-4DA6-B326-88B53E22F609}" destId="{30F45771-5FDD-4F5F-A4A4-C675BCD50F73}" srcOrd="1" destOrd="0" parTransId="{EE5E43D3-3A9B-424E-A368-50B795C1ED3B}" sibTransId="{53CEA53A-CC43-459D-B673-561A770D362C}"/>
+    <dgm:cxn modelId="{BE82F7C8-D927-4F05-8949-ABD1112F67C3}" srcId="{013B1ED0-2946-421E-AD54-62D7F6672D32}" destId="{F46B7E69-32BF-4271-9F6D-33ED8D6D2BE1}" srcOrd="0" destOrd="0" parTransId="{83D24B13-80EE-4AAF-AFD7-47E4183439E2}" sibTransId="{61164A3C-E8F8-40DC-BFDF-642D47B55897}"/>
+    <dgm:cxn modelId="{60BF8543-ABD3-4DF5-88B1-17A52F04B008}" srcId="{00BDA436-953D-4A20-B2A6-9CBEDC34705C}" destId="{FF2BE187-66F1-4DCE-ABF9-30606A92BAA3}" srcOrd="1" destOrd="0" parTransId="{24101A3C-318A-4FEC-9633-9746EDED23E4}" sibTransId="{019D375D-4253-4613-BE05-0D184676DEB8}"/>
+    <dgm:cxn modelId="{5FA23034-CDE0-4454-9592-94C155AA0D0D}" type="presOf" srcId="{FF2BE187-66F1-4DCE-ABF9-30606A92BAA3}" destId="{22889C11-E0EC-4101-B76A-01164AAC9C72}" srcOrd="0" destOrd="1" presId="urn:microsoft.com/office/officeart/2005/8/layout/chevron1"/>
+    <dgm:cxn modelId="{BCED131A-3610-4830-A185-E75054C247F8}" type="presOf" srcId="{A9AEEDCC-33FE-4977-8DB6-5DDE2FC53513}" destId="{22889C11-E0EC-4101-B76A-01164AAC9C72}" srcOrd="0" destOrd="0" presId="urn:microsoft.com/office/officeart/2005/8/layout/chevron1"/>
+    <dgm:cxn modelId="{AC4A7ABC-C9AA-477E-90BE-1E1D46A757BA}" srcId="{013B1ED0-2946-421E-AD54-62D7F6672D32}" destId="{B1397A5F-3C1B-445D-9039-7D71E54DC2F8}" srcOrd="1" destOrd="0" parTransId="{A0B24AAB-9B48-4DD4-AD67-9270B7904E00}" sibTransId="{2ED97E74-FE54-45FA-A90C-6B9AAB318896}"/>
+    <dgm:cxn modelId="{06DF4E76-6EA7-4961-95EB-EAB8A781883F}" type="presOf" srcId="{D374E3D2-F338-4FB6-8185-9552DF5BB28C}" destId="{BD893F1D-BEAD-4944-8562-D6F64973B3D1}" srcOrd="0" destOrd="2" presId="urn:microsoft.com/office/officeart/2005/8/layout/chevron1"/>
+    <dgm:cxn modelId="{61DC51F3-1FA8-4142-94E1-0AF416990894}" srcId="{DF36FF5B-AA2C-4DA6-B326-88B53E22F609}" destId="{E2F6FE03-1C5C-4F12-AFFC-A9255020279A}" srcOrd="0" destOrd="0" parTransId="{765D1C42-88F2-44B4-AD66-0AABDC6425B6}" sibTransId="{5B0CABAC-28E7-4890-8510-5E977C0A4D71}"/>
+    <dgm:cxn modelId="{A647E913-FFF9-41E0-9E0C-158E686393FD}" type="presOf" srcId="{30F45771-5FDD-4F5F-A4A4-C675BCD50F73}" destId="{BD893F1D-BEAD-4944-8562-D6F64973B3D1}" srcOrd="0" destOrd="1" presId="urn:microsoft.com/office/officeart/2005/8/layout/chevron1"/>
+    <dgm:cxn modelId="{F88E1116-8A75-495F-824A-BEE6E16BA75D}" type="presOf" srcId="{3BD467BF-896D-4AB2-99C3-85EFFC57C1B7}" destId="{C5A53125-F600-402D-A784-C538B8585054}" srcOrd="0" destOrd="0" presId="urn:microsoft.com/office/officeart/2005/8/layout/chevron1"/>
+    <dgm:cxn modelId="{DAB9CA56-B03C-4FEF-BCF5-E880334F2AB3}" type="presOf" srcId="{DF36FF5B-AA2C-4DA6-B326-88B53E22F609}" destId="{6CC71531-9A15-45E2-AB1D-AECD433B2FEB}" srcOrd="0" destOrd="0" presId="urn:microsoft.com/office/officeart/2005/8/layout/chevron1"/>
+    <dgm:cxn modelId="{40BC0A40-ACE5-4A0C-88A0-B2E21B795A91}" srcId="{00BDA436-953D-4A20-B2A6-9CBEDC34705C}" destId="{A9AEEDCC-33FE-4977-8DB6-5DDE2FC53513}" srcOrd="0" destOrd="0" parTransId="{F0151B46-AF5F-4987-BD4B-512DBE503C4D}" sibTransId="{340B7297-556A-4A6E-B919-4107C3C54898}"/>
+    <dgm:cxn modelId="{35EDD295-3F96-4587-B586-F5F49C595C36}" type="presOf" srcId="{90E039E8-A87C-4FD1-9A5F-59BC824BB471}" destId="{279D1A3B-4229-40A3-A8CB-085C6B491F01}" srcOrd="0" destOrd="0" presId="urn:microsoft.com/office/officeart/2005/8/layout/chevron1"/>
+    <dgm:cxn modelId="{C1456993-A094-4501-807D-C90BD3423485}" type="presParOf" srcId="{279D1A3B-4229-40A3-A8CB-085C6B491F01}" destId="{95F8F198-95C8-4C41-8826-78B99A460F51}" srcOrd="0" destOrd="0" presId="urn:microsoft.com/office/officeart/2005/8/layout/chevron1"/>
+    <dgm:cxn modelId="{046E9ADC-078B-48A3-AD46-DAD99254C0F1}" type="presParOf" srcId="{95F8F198-95C8-4C41-8826-78B99A460F51}" destId="{6CC71531-9A15-45E2-AB1D-AECD433B2FEB}" srcOrd="0" destOrd="0" presId="urn:microsoft.com/office/officeart/2005/8/layout/chevron1"/>
+    <dgm:cxn modelId="{15CABA0F-0BFA-4474-A183-872F8B0394C5}" type="presParOf" srcId="{95F8F198-95C8-4C41-8826-78B99A460F51}" destId="{BD893F1D-BEAD-4944-8562-D6F64973B3D1}" srcOrd="1" destOrd="0" presId="urn:microsoft.com/office/officeart/2005/8/layout/chevron1"/>
+    <dgm:cxn modelId="{E08A7A44-8C86-489E-984A-BFAB66BCB450}" type="presParOf" srcId="{279D1A3B-4229-40A3-A8CB-085C6B491F01}" destId="{6A20D6EB-DF7F-4B72-A3C0-5E7246F8B0AA}" srcOrd="1" destOrd="0" presId="urn:microsoft.com/office/officeart/2005/8/layout/chevron1"/>
+    <dgm:cxn modelId="{CA5122DA-2CB6-4808-A84B-2AA4B27F77EC}" type="presParOf" srcId="{279D1A3B-4229-40A3-A8CB-085C6B491F01}" destId="{CF209476-88CD-40D5-84F6-85ECEF5B5148}" srcOrd="2" destOrd="0" presId="urn:microsoft.com/office/officeart/2005/8/layout/chevron1"/>
+    <dgm:cxn modelId="{15C1E936-0AE9-46CD-85C1-F30F28459598}" type="presParOf" srcId="{CF209476-88CD-40D5-84F6-85ECEF5B5148}" destId="{C5A53125-F600-402D-A784-C538B8585054}" srcOrd="0" destOrd="0" presId="urn:microsoft.com/office/officeart/2005/8/layout/chevron1"/>
+    <dgm:cxn modelId="{A61F3C00-49F2-47E0-9CC1-8BAD9E86E030}" type="presParOf" srcId="{CF209476-88CD-40D5-84F6-85ECEF5B5148}" destId="{DD7AE65B-6615-4507-B5D4-1F4D4FF5557A}" srcOrd="1" destOrd="0" presId="urn:microsoft.com/office/officeart/2005/8/layout/chevron1"/>
+    <dgm:cxn modelId="{1848F360-52A9-46C0-BE88-E98EB034D5CB}" type="presParOf" srcId="{279D1A3B-4229-40A3-A8CB-085C6B491F01}" destId="{20F517FD-3FA2-4696-A817-5F10EF88A39F}" srcOrd="3" destOrd="0" presId="urn:microsoft.com/office/officeart/2005/8/layout/chevron1"/>
+    <dgm:cxn modelId="{9A9C82D3-BEF8-44C2-875B-B76122317F91}" type="presParOf" srcId="{279D1A3B-4229-40A3-A8CB-085C6B491F01}" destId="{2B1BB382-9F85-40F5-9643-CC42BAD63975}" srcOrd="4" destOrd="0" presId="urn:microsoft.com/office/officeart/2005/8/layout/chevron1"/>
+    <dgm:cxn modelId="{BDAF6D26-59F1-478C-B1BE-5F6D7E63AB68}" type="presParOf" srcId="{2B1BB382-9F85-40F5-9643-CC42BAD63975}" destId="{C4F9BA7A-4A4E-44D8-929B-5AA6EF3AF600}" srcOrd="0" destOrd="0" presId="urn:microsoft.com/office/officeart/2005/8/layout/chevron1"/>
+    <dgm:cxn modelId="{E0EC6B01-208A-40E1-B203-1E177C6AA0E1}" type="presParOf" srcId="{2B1BB382-9F85-40F5-9643-CC42BAD63975}" destId="{B71CECED-C5C5-43D6-9343-1BF59327E2F0}" srcOrd="1" destOrd="0" presId="urn:microsoft.com/office/officeart/2005/8/layout/chevron1"/>
+    <dgm:cxn modelId="{A3D6D67F-2A4A-4395-A328-0C3D8DADB483}" type="presParOf" srcId="{279D1A3B-4229-40A3-A8CB-085C6B491F01}" destId="{4DC1670B-D632-4AE6-931D-6385D96659B1}" srcOrd="5" destOrd="0" presId="urn:microsoft.com/office/officeart/2005/8/layout/chevron1"/>
+    <dgm:cxn modelId="{727D8665-7B6D-4C6E-9BFB-E055BAC21061}" type="presParOf" srcId="{279D1A3B-4229-40A3-A8CB-085C6B491F01}" destId="{40BBADF7-D994-4826-B4E7-A750748E83B8}" srcOrd="6" destOrd="0" presId="urn:microsoft.com/office/officeart/2005/8/layout/chevron1"/>
+    <dgm:cxn modelId="{D76C151E-8E5C-4411-87BD-3100E1D1CA6A}" type="presParOf" srcId="{40BBADF7-D994-4826-B4E7-A750748E83B8}" destId="{B5A5F6E2-372E-4F04-A04A-407652D0EEF4}" srcOrd="0" destOrd="0" presId="urn:microsoft.com/office/officeart/2005/8/layout/chevron1"/>
+    <dgm:cxn modelId="{E5259397-ADBC-4905-BA62-5926E5CD7574}" type="presParOf" srcId="{40BBADF7-D994-4826-B4E7-A750748E83B8}" destId="{22889C11-E0EC-4101-B76A-01164AAC9C72}" srcOrd="1" destOrd="0" presId="urn:microsoft.com/office/officeart/2005/8/layout/chevron1"/>
+  </dgm:cxnLst>
+  <dgm:bg/>
+  <dgm:whole/>
+  <dgm:extLst>
+    <a:ext uri="http://schemas.microsoft.com/office/drawing/2008/diagram">
+      <dsp:dataModelExt xmlns:dsp="http://schemas.microsoft.com/office/drawing/2008/diagram" relId="rId6" minVer="http://schemas.openxmlformats.org/drawingml/2006/diagram"/>
     </a:ext>
   </dgm:extLst>
 </dgm:dataModel>
@@ -5879,6 +7239,585 @@
 </dsp:drawing>
 </file>
 
+<file path=ppt/diagrams/drawing4.xml><?xml version="1.0" encoding="utf-8"?>
+<dsp:drawing xmlns:dgm="http://schemas.openxmlformats.org/drawingml/2006/diagram" xmlns:dsp="http://schemas.microsoft.com/office/drawing/2008/diagram" xmlns:a="http://schemas.openxmlformats.org/drawingml/2006/main">
+  <dsp:spTree>
+    <dsp:nvGrpSpPr>
+      <dsp:cNvPr id="0" name=""/>
+      <dsp:cNvGrpSpPr/>
+    </dsp:nvGrpSpPr>
+    <dsp:grpSpPr/>
+    <dsp:sp modelId="{6CC71531-9A15-45E2-AB1D-AECD433B2FEB}">
+      <dsp:nvSpPr>
+        <dsp:cNvPr id="0" name=""/>
+        <dsp:cNvSpPr/>
+      </dsp:nvSpPr>
+      <dsp:spPr>
+        <a:xfrm>
+          <a:off x="1944" y="729987"/>
+          <a:ext cx="3105532" cy="918000"/>
+        </a:xfrm>
+        <a:prstGeom prst="chevron">
+          <a:avLst/>
+        </a:prstGeom>
+        <a:solidFill>
+          <a:schemeClr val="accent1">
+            <a:hueOff val="0"/>
+            <a:satOff val="0"/>
+            <a:lumOff val="0"/>
+            <a:alphaOff val="0"/>
+          </a:schemeClr>
+        </a:solidFill>
+        <a:ln w="15875" cap="flat" cmpd="sng" algn="ctr">
+          <a:solidFill>
+            <a:schemeClr val="lt1">
+              <a:hueOff val="0"/>
+              <a:satOff val="0"/>
+              <a:lumOff val="0"/>
+              <a:alphaOff val="0"/>
+            </a:schemeClr>
+          </a:solidFill>
+          <a:prstDash val="solid"/>
+        </a:ln>
+        <a:effectLst/>
+      </dsp:spPr>
+      <dsp:style>
+        <a:lnRef idx="2">
+          <a:scrgbClr r="0" g="0" b="0"/>
+        </a:lnRef>
+        <a:fillRef idx="1">
+          <a:scrgbClr r="0" g="0" b="0"/>
+        </a:fillRef>
+        <a:effectRef idx="0">
+          <a:scrgbClr r="0" g="0" b="0"/>
+        </a:effectRef>
+        <a:fontRef idx="minor">
+          <a:schemeClr val="lt1"/>
+        </a:fontRef>
+      </dsp:style>
+      <dsp:txBody>
+        <a:bodyPr spcFirstLastPara="0" vert="horz" wrap="square" lIns="68009" tIns="22670" rIns="22670" bIns="22670" numCol="1" spcCol="1270" anchor="ctr" anchorCtr="0">
+          <a:noAutofit/>
+        </a:bodyPr>
+        <a:lstStyle/>
+        <a:p>
+          <a:pPr lvl="0" algn="ctr" defTabSz="755650">
+            <a:lnSpc>
+              <a:spcPct val="90000"/>
+            </a:lnSpc>
+            <a:spcBef>
+              <a:spcPct val="0"/>
+            </a:spcBef>
+            <a:spcAft>
+              <a:spcPct val="35000"/>
+            </a:spcAft>
+          </a:pPr>
+          <a:r>
+            <a:rPr lang="ru-RU" sz="1700" kern="1200" dirty="0" smtClean="0"/>
+            <a:t>Продукты 1С</a:t>
+          </a:r>
+          <a:endParaRPr lang="ru-RU" sz="1700" kern="1200" dirty="0"/>
+        </a:p>
+      </dsp:txBody>
+      <dsp:txXfrm>
+        <a:off x="460944" y="729987"/>
+        <a:ext cx="2187532" cy="918000"/>
+      </dsp:txXfrm>
+    </dsp:sp>
+    <dsp:sp modelId="{BD893F1D-BEAD-4944-8562-D6F64973B3D1}">
+      <dsp:nvSpPr>
+        <dsp:cNvPr id="0" name=""/>
+        <dsp:cNvSpPr/>
+      </dsp:nvSpPr>
+      <dsp:spPr>
+        <a:xfrm>
+          <a:off x="1944" y="1762737"/>
+          <a:ext cx="2484425" cy="1530000"/>
+        </a:xfrm>
+        <a:prstGeom prst="rect">
+          <a:avLst/>
+        </a:prstGeom>
+        <a:noFill/>
+        <a:ln>
+          <a:noFill/>
+        </a:ln>
+        <a:effectLst/>
+      </dsp:spPr>
+      <dsp:style>
+        <a:lnRef idx="0">
+          <a:scrgbClr r="0" g="0" b="0"/>
+        </a:lnRef>
+        <a:fillRef idx="0">
+          <a:scrgbClr r="0" g="0" b="0"/>
+        </a:fillRef>
+        <a:effectRef idx="0">
+          <a:scrgbClr r="0" g="0" b="0"/>
+        </a:effectRef>
+        <a:fontRef idx="minor"/>
+      </dsp:style>
+      <dsp:txBody>
+        <a:bodyPr spcFirstLastPara="0" vert="horz" wrap="square" lIns="0" tIns="0" rIns="0" bIns="0" numCol="1" spcCol="1270" anchor="t" anchorCtr="0">
+          <a:noAutofit/>
+        </a:bodyPr>
+        <a:lstStyle/>
+        <a:p>
+          <a:pPr marL="171450" lvl="1" indent="-171450" algn="l" defTabSz="755650">
+            <a:lnSpc>
+              <a:spcPct val="90000"/>
+            </a:lnSpc>
+            <a:spcBef>
+              <a:spcPct val="0"/>
+            </a:spcBef>
+            <a:spcAft>
+              <a:spcPct val="15000"/>
+            </a:spcAft>
+            <a:buChar char="••"/>
+          </a:pPr>
+          <a:r>
+            <a:rPr lang="ru-RU" sz="1700" kern="1200" dirty="0" smtClean="0"/>
+            <a:t>1С:Колледж</a:t>
+          </a:r>
+          <a:endParaRPr lang="ru-RU" sz="1700" kern="1200" dirty="0"/>
+        </a:p>
+        <a:p>
+          <a:pPr marL="171450" lvl="1" indent="-171450" algn="l" defTabSz="755650">
+            <a:lnSpc>
+              <a:spcPct val="90000"/>
+            </a:lnSpc>
+            <a:spcBef>
+              <a:spcPct val="0"/>
+            </a:spcBef>
+            <a:spcAft>
+              <a:spcPct val="15000"/>
+            </a:spcAft>
+            <a:buChar char="••"/>
+          </a:pPr>
+          <a:r>
+            <a:rPr lang="ru-RU" sz="1700" kern="1200" dirty="0" smtClean="0"/>
+            <a:t>1С:Автоматизированное составление расписания. Колледж</a:t>
+          </a:r>
+          <a:endParaRPr lang="ru-RU" sz="1700" kern="1200" dirty="0"/>
+        </a:p>
+        <a:p>
+          <a:pPr marL="171450" lvl="1" indent="-171450" algn="l" defTabSz="755650">
+            <a:lnSpc>
+              <a:spcPct val="90000"/>
+            </a:lnSpc>
+            <a:spcBef>
+              <a:spcPct val="0"/>
+            </a:spcBef>
+            <a:spcAft>
+              <a:spcPct val="15000"/>
+            </a:spcAft>
+            <a:buChar char="••"/>
+          </a:pPr>
+          <a:r>
+            <a:rPr lang="ru-RU" sz="1700" kern="1200" dirty="0" smtClean="0"/>
+            <a:t>1С:Электронное обучение</a:t>
+          </a:r>
+          <a:endParaRPr lang="ru-RU" sz="1700" kern="1200" dirty="0"/>
+        </a:p>
+      </dsp:txBody>
+      <dsp:txXfrm>
+        <a:off x="1944" y="1762737"/>
+        <a:ext cx="2484425" cy="1530000"/>
+      </dsp:txXfrm>
+    </dsp:sp>
+    <dsp:sp modelId="{C5A53125-F600-402D-A784-C538B8585054}">
+      <dsp:nvSpPr>
+        <dsp:cNvPr id="0" name=""/>
+        <dsp:cNvSpPr/>
+      </dsp:nvSpPr>
+      <dsp:spPr>
+        <a:xfrm>
+          <a:off x="2891476" y="729987"/>
+          <a:ext cx="3105532" cy="918000"/>
+        </a:xfrm>
+        <a:prstGeom prst="chevron">
+          <a:avLst/>
+        </a:prstGeom>
+        <a:solidFill>
+          <a:schemeClr val="accent1">
+            <a:hueOff val="0"/>
+            <a:satOff val="0"/>
+            <a:lumOff val="0"/>
+            <a:alphaOff val="0"/>
+          </a:schemeClr>
+        </a:solidFill>
+        <a:ln w="15875" cap="flat" cmpd="sng" algn="ctr">
+          <a:solidFill>
+            <a:schemeClr val="lt1">
+              <a:hueOff val="0"/>
+              <a:satOff val="0"/>
+              <a:lumOff val="0"/>
+              <a:alphaOff val="0"/>
+            </a:schemeClr>
+          </a:solidFill>
+          <a:prstDash val="solid"/>
+        </a:ln>
+        <a:effectLst/>
+      </dsp:spPr>
+      <dsp:style>
+        <a:lnRef idx="2">
+          <a:scrgbClr r="0" g="0" b="0"/>
+        </a:lnRef>
+        <a:fillRef idx="1">
+          <a:scrgbClr r="0" g="0" b="0"/>
+        </a:fillRef>
+        <a:effectRef idx="0">
+          <a:scrgbClr r="0" g="0" b="0"/>
+        </a:effectRef>
+        <a:fontRef idx="minor">
+          <a:schemeClr val="lt1"/>
+        </a:fontRef>
+      </dsp:style>
+      <dsp:txBody>
+        <a:bodyPr spcFirstLastPara="0" vert="horz" wrap="square" lIns="68009" tIns="22670" rIns="22670" bIns="22670" numCol="1" spcCol="1270" anchor="ctr" anchorCtr="0">
+          <a:noAutofit/>
+        </a:bodyPr>
+        <a:lstStyle/>
+        <a:p>
+          <a:pPr lvl="0" algn="ctr" defTabSz="755650">
+            <a:lnSpc>
+              <a:spcPct val="90000"/>
+            </a:lnSpc>
+            <a:spcBef>
+              <a:spcPct val="0"/>
+            </a:spcBef>
+            <a:spcAft>
+              <a:spcPct val="35000"/>
+            </a:spcAft>
+          </a:pPr>
+          <a:r>
+            <a:rPr lang="ru-RU" sz="1700" kern="1200" dirty="0" smtClean="0"/>
+            <a:t>МРКО</a:t>
+          </a:r>
+          <a:endParaRPr lang="ru-RU" sz="1700" kern="1200" dirty="0"/>
+        </a:p>
+      </dsp:txBody>
+      <dsp:txXfrm>
+        <a:off x="3350476" y="729987"/>
+        <a:ext cx="2187532" cy="918000"/>
+      </dsp:txXfrm>
+    </dsp:sp>
+    <dsp:sp modelId="{C4F9BA7A-4A4E-44D8-929B-5AA6EF3AF600}">
+      <dsp:nvSpPr>
+        <dsp:cNvPr id="0" name=""/>
+        <dsp:cNvSpPr/>
+      </dsp:nvSpPr>
+      <dsp:spPr>
+        <a:xfrm>
+          <a:off x="5781009" y="729987"/>
+          <a:ext cx="3105532" cy="918000"/>
+        </a:xfrm>
+        <a:prstGeom prst="chevron">
+          <a:avLst/>
+        </a:prstGeom>
+        <a:solidFill>
+          <a:schemeClr val="accent1">
+            <a:hueOff val="0"/>
+            <a:satOff val="0"/>
+            <a:lumOff val="0"/>
+            <a:alphaOff val="0"/>
+          </a:schemeClr>
+        </a:solidFill>
+        <a:ln w="15875" cap="flat" cmpd="sng" algn="ctr">
+          <a:solidFill>
+            <a:schemeClr val="lt1">
+              <a:hueOff val="0"/>
+              <a:satOff val="0"/>
+              <a:lumOff val="0"/>
+              <a:alphaOff val="0"/>
+            </a:schemeClr>
+          </a:solidFill>
+          <a:prstDash val="solid"/>
+        </a:ln>
+        <a:effectLst/>
+      </dsp:spPr>
+      <dsp:style>
+        <a:lnRef idx="2">
+          <a:scrgbClr r="0" g="0" b="0"/>
+        </a:lnRef>
+        <a:fillRef idx="1">
+          <a:scrgbClr r="0" g="0" b="0"/>
+        </a:fillRef>
+        <a:effectRef idx="0">
+          <a:scrgbClr r="0" g="0" b="0"/>
+        </a:effectRef>
+        <a:fontRef idx="minor">
+          <a:schemeClr val="lt1"/>
+        </a:fontRef>
+      </dsp:style>
+      <dsp:txBody>
+        <a:bodyPr spcFirstLastPara="0" vert="horz" wrap="square" lIns="68009" tIns="22670" rIns="22670" bIns="22670" numCol="1" spcCol="1270" anchor="ctr" anchorCtr="0">
+          <a:noAutofit/>
+        </a:bodyPr>
+        <a:lstStyle/>
+        <a:p>
+          <a:pPr lvl="0" algn="ctr" defTabSz="755650">
+            <a:lnSpc>
+              <a:spcPct val="90000"/>
+            </a:lnSpc>
+            <a:spcBef>
+              <a:spcPct val="0"/>
+            </a:spcBef>
+            <a:spcAft>
+              <a:spcPct val="35000"/>
+            </a:spcAft>
+          </a:pPr>
+          <a:r>
+            <a:rPr lang="ru-RU" sz="1700" kern="1200" dirty="0" smtClean="0"/>
+            <a:t>АСУ СПРУТ</a:t>
+          </a:r>
+          <a:endParaRPr lang="ru-RU" sz="1700" kern="1200" dirty="0"/>
+        </a:p>
+      </dsp:txBody>
+      <dsp:txXfrm>
+        <a:off x="6240009" y="729987"/>
+        <a:ext cx="2187532" cy="918000"/>
+      </dsp:txXfrm>
+    </dsp:sp>
+    <dsp:sp modelId="{B71CECED-C5C5-43D6-9343-1BF59327E2F0}">
+      <dsp:nvSpPr>
+        <dsp:cNvPr id="0" name=""/>
+        <dsp:cNvSpPr/>
+      </dsp:nvSpPr>
+      <dsp:spPr>
+        <a:xfrm>
+          <a:off x="5781009" y="1762737"/>
+          <a:ext cx="2484425" cy="1530000"/>
+        </a:xfrm>
+        <a:prstGeom prst="rect">
+          <a:avLst/>
+        </a:prstGeom>
+        <a:noFill/>
+        <a:ln>
+          <a:noFill/>
+        </a:ln>
+        <a:effectLst/>
+      </dsp:spPr>
+      <dsp:style>
+        <a:lnRef idx="0">
+          <a:scrgbClr r="0" g="0" b="0"/>
+        </a:lnRef>
+        <a:fillRef idx="0">
+          <a:scrgbClr r="0" g="0" b="0"/>
+        </a:fillRef>
+        <a:effectRef idx="0">
+          <a:scrgbClr r="0" g="0" b="0"/>
+        </a:effectRef>
+        <a:fontRef idx="minor"/>
+      </dsp:style>
+      <dsp:txBody>
+        <a:bodyPr spcFirstLastPara="0" vert="horz" wrap="square" lIns="0" tIns="0" rIns="0" bIns="0" numCol="1" spcCol="1270" anchor="t" anchorCtr="0">
+          <a:noAutofit/>
+        </a:bodyPr>
+        <a:lstStyle/>
+        <a:p>
+          <a:pPr marL="171450" lvl="1" indent="-171450" algn="l" defTabSz="755650">
+            <a:lnSpc>
+              <a:spcPct val="90000"/>
+            </a:lnSpc>
+            <a:spcBef>
+              <a:spcPct val="0"/>
+            </a:spcBef>
+            <a:spcAft>
+              <a:spcPct val="15000"/>
+            </a:spcAft>
+            <a:buChar char="••"/>
+          </a:pPr>
+          <a:r>
+            <a:rPr lang="ru-RU" sz="1700" kern="1200" dirty="0" smtClean="0"/>
+            <a:t>Подсистема «Студента»</a:t>
+          </a:r>
+          <a:endParaRPr lang="ru-RU" sz="1700" kern="1200" dirty="0"/>
+        </a:p>
+        <a:p>
+          <a:pPr marL="171450" lvl="1" indent="-171450" algn="l" defTabSz="755650">
+            <a:lnSpc>
+              <a:spcPct val="90000"/>
+            </a:lnSpc>
+            <a:spcBef>
+              <a:spcPct val="0"/>
+            </a:spcBef>
+            <a:spcAft>
+              <a:spcPct val="15000"/>
+            </a:spcAft>
+            <a:buChar char="••"/>
+          </a:pPr>
+          <a:r>
+            <a:rPr lang="ru-RU" sz="1700" kern="1200" dirty="0" smtClean="0"/>
+            <a:t>Подсистема «Расписание»</a:t>
+          </a:r>
+          <a:endParaRPr lang="ru-RU" sz="1700" kern="1200" dirty="0"/>
+        </a:p>
+      </dsp:txBody>
+      <dsp:txXfrm>
+        <a:off x="5781009" y="1762737"/>
+        <a:ext cx="2484425" cy="1530000"/>
+      </dsp:txXfrm>
+    </dsp:sp>
+    <dsp:sp modelId="{B5A5F6E2-372E-4F04-A04A-407652D0EEF4}">
+      <dsp:nvSpPr>
+        <dsp:cNvPr id="0" name=""/>
+        <dsp:cNvSpPr/>
+      </dsp:nvSpPr>
+      <dsp:spPr>
+        <a:xfrm>
+          <a:off x="8670541" y="729987"/>
+          <a:ext cx="3105532" cy="918000"/>
+        </a:xfrm>
+        <a:prstGeom prst="chevron">
+          <a:avLst/>
+        </a:prstGeom>
+        <a:solidFill>
+          <a:schemeClr val="accent1">
+            <a:hueOff val="0"/>
+            <a:satOff val="0"/>
+            <a:lumOff val="0"/>
+            <a:alphaOff val="0"/>
+          </a:schemeClr>
+        </a:solidFill>
+        <a:ln w="15875" cap="flat" cmpd="sng" algn="ctr">
+          <a:solidFill>
+            <a:schemeClr val="lt1">
+              <a:hueOff val="0"/>
+              <a:satOff val="0"/>
+              <a:lumOff val="0"/>
+              <a:alphaOff val="0"/>
+            </a:schemeClr>
+          </a:solidFill>
+          <a:prstDash val="solid"/>
+        </a:ln>
+        <a:effectLst/>
+      </dsp:spPr>
+      <dsp:style>
+        <a:lnRef idx="2">
+          <a:scrgbClr r="0" g="0" b="0"/>
+        </a:lnRef>
+        <a:fillRef idx="1">
+          <a:scrgbClr r="0" g="0" b="0"/>
+        </a:fillRef>
+        <a:effectRef idx="0">
+          <a:scrgbClr r="0" g="0" b="0"/>
+        </a:effectRef>
+        <a:fontRef idx="minor">
+          <a:schemeClr val="lt1"/>
+        </a:fontRef>
+      </dsp:style>
+      <dsp:txBody>
+        <a:bodyPr spcFirstLastPara="0" vert="horz" wrap="square" lIns="68009" tIns="22670" rIns="22670" bIns="22670" numCol="1" spcCol="1270" anchor="ctr" anchorCtr="0">
+          <a:noAutofit/>
+        </a:bodyPr>
+        <a:lstStyle/>
+        <a:p>
+          <a:pPr lvl="0" algn="ctr" defTabSz="755650">
+            <a:lnSpc>
+              <a:spcPct val="90000"/>
+            </a:lnSpc>
+            <a:spcBef>
+              <a:spcPct val="0"/>
+            </a:spcBef>
+            <a:spcAft>
+              <a:spcPct val="35000"/>
+            </a:spcAft>
+          </a:pPr>
+          <a:r>
+            <a:rPr lang="ru-RU" sz="1700" kern="1200" dirty="0" smtClean="0"/>
+            <a:t>Продукты от компании «Помощью образованию»</a:t>
+          </a:r>
+          <a:endParaRPr lang="ru-RU" sz="1700" kern="1200" dirty="0"/>
+        </a:p>
+      </dsp:txBody>
+      <dsp:txXfrm>
+        <a:off x="9129541" y="729987"/>
+        <a:ext cx="2187532" cy="918000"/>
+      </dsp:txXfrm>
+    </dsp:sp>
+    <dsp:sp modelId="{22889C11-E0EC-4101-B76A-01164AAC9C72}">
+      <dsp:nvSpPr>
+        <dsp:cNvPr id="0" name=""/>
+        <dsp:cNvSpPr/>
+      </dsp:nvSpPr>
+      <dsp:spPr>
+        <a:xfrm>
+          <a:off x="8670541" y="1762737"/>
+          <a:ext cx="2484425" cy="1530000"/>
+        </a:xfrm>
+        <a:prstGeom prst="rect">
+          <a:avLst/>
+        </a:prstGeom>
+        <a:noFill/>
+        <a:ln>
+          <a:noFill/>
+        </a:ln>
+        <a:effectLst/>
+      </dsp:spPr>
+      <dsp:style>
+        <a:lnRef idx="0">
+          <a:scrgbClr r="0" g="0" b="0"/>
+        </a:lnRef>
+        <a:fillRef idx="0">
+          <a:scrgbClr r="0" g="0" b="0"/>
+        </a:fillRef>
+        <a:effectRef idx="0">
+          <a:scrgbClr r="0" g="0" b="0"/>
+        </a:effectRef>
+        <a:fontRef idx="minor"/>
+      </dsp:style>
+      <dsp:txBody>
+        <a:bodyPr spcFirstLastPara="0" vert="horz" wrap="square" lIns="0" tIns="0" rIns="0" bIns="0" numCol="1" spcCol="1270" anchor="t" anchorCtr="0">
+          <a:noAutofit/>
+        </a:bodyPr>
+        <a:lstStyle/>
+        <a:p>
+          <a:pPr marL="171450" lvl="1" indent="-171450" algn="l" defTabSz="755650">
+            <a:lnSpc>
+              <a:spcPct val="90000"/>
+            </a:lnSpc>
+            <a:spcBef>
+              <a:spcPct val="0"/>
+            </a:spcBef>
+            <a:spcAft>
+              <a:spcPct val="15000"/>
+            </a:spcAft>
+            <a:buChar char="••"/>
+          </a:pPr>
+          <a:r>
+            <a:rPr lang="ru-RU" sz="1700" kern="1200" dirty="0" smtClean="0"/>
+            <a:t>Организация обучения</a:t>
+          </a:r>
+          <a:endParaRPr lang="ru-RU" sz="1700" kern="1200" dirty="0"/>
+        </a:p>
+        <a:p>
+          <a:pPr marL="171450" lvl="1" indent="-171450" algn="l" defTabSz="755650">
+            <a:lnSpc>
+              <a:spcPct val="90000"/>
+            </a:lnSpc>
+            <a:spcBef>
+              <a:spcPct val="0"/>
+            </a:spcBef>
+            <a:spcAft>
+              <a:spcPct val="15000"/>
+            </a:spcAft>
+            <a:buChar char="••"/>
+          </a:pPr>
+          <a:r>
+            <a:rPr lang="ru-RU" sz="1700" kern="1200" dirty="0" smtClean="0"/>
+            <a:t>Помощью образованию</a:t>
+          </a:r>
+          <a:endParaRPr lang="ru-RU" sz="1700" kern="1200" dirty="0"/>
+        </a:p>
+      </dsp:txBody>
+      <dsp:txXfrm>
+        <a:off x="8670541" y="1762737"/>
+        <a:ext cx="2484425" cy="1530000"/>
+      </dsp:txXfrm>
+    </dsp:sp>
+  </dsp:spTree>
+</dsp:drawing>
+</file>
+
 <file path=ppt/diagrams/layout1.xml><?xml version="1.0" encoding="utf-8"?>
 <dgm:layoutDef xmlns:dgm="http://schemas.openxmlformats.org/drawingml/2006/diagram" xmlns:a="http://schemas.openxmlformats.org/drawingml/2006/main" uniqueId="urn:microsoft.com/office/officeart/2005/8/layout/chevron1">
   <dgm:title val=""/>
@@ -7603,6 +9542,289 @@
 </dgm:layoutDef>
 </file>
 
+<file path=ppt/diagrams/layout4.xml><?xml version="1.0" encoding="utf-8"?>
+<dgm:layoutDef xmlns:dgm="http://schemas.openxmlformats.org/drawingml/2006/diagram" xmlns:a="http://schemas.openxmlformats.org/drawingml/2006/main" uniqueId="urn:microsoft.com/office/officeart/2005/8/layout/chevron1">
+  <dgm:title val=""/>
+  <dgm:desc val=""/>
+  <dgm:catLst>
+    <dgm:cat type="process" pri="9000"/>
+  </dgm:catLst>
+  <dgm:sampData useDef="1">
+    <dgm:dataModel>
+      <dgm:ptLst/>
+      <dgm:bg/>
+      <dgm:whole/>
+    </dgm:dataModel>
+  </dgm:sampData>
+  <dgm:styleData>
+    <dgm:dataModel>
+      <dgm:ptLst>
+        <dgm:pt modelId="0" type="doc"/>
+        <dgm:pt modelId="1"/>
+        <dgm:pt modelId="2"/>
+      </dgm:ptLst>
+      <dgm:cxnLst>
+        <dgm:cxn modelId="3" srcId="0" destId="1" srcOrd="0" destOrd="0"/>
+        <dgm:cxn modelId="4" srcId="0" destId="2" srcOrd="1" destOrd="0"/>
+      </dgm:cxnLst>
+      <dgm:bg/>
+      <dgm:whole/>
+    </dgm:dataModel>
+  </dgm:styleData>
+  <dgm:clrData>
+    <dgm:dataModel>
+      <dgm:ptLst>
+        <dgm:pt modelId="0" type="doc"/>
+        <dgm:pt modelId="1"/>
+        <dgm:pt modelId="2"/>
+        <dgm:pt modelId="3"/>
+        <dgm:pt modelId="4"/>
+      </dgm:ptLst>
+      <dgm:cxnLst>
+        <dgm:cxn modelId="5" srcId="0" destId="1" srcOrd="0" destOrd="0"/>
+        <dgm:cxn modelId="6" srcId="0" destId="2" srcOrd="1" destOrd="0"/>
+        <dgm:cxn modelId="7" srcId="0" destId="3" srcOrd="2" destOrd="0"/>
+        <dgm:cxn modelId="8" srcId="0" destId="4" srcOrd="3" destOrd="0"/>
+      </dgm:cxnLst>
+      <dgm:bg/>
+      <dgm:whole/>
+    </dgm:dataModel>
+  </dgm:clrData>
+  <dgm:layoutNode name="Name0">
+    <dgm:varLst>
+      <dgm:dir/>
+      <dgm:animLvl val="lvl"/>
+      <dgm:resizeHandles val="exact"/>
+    </dgm:varLst>
+    <dgm:choose name="Name1">
+      <dgm:if name="Name2" func="var" arg="dir" op="equ" val="norm">
+        <dgm:alg type="lin"/>
+      </dgm:if>
+      <dgm:else name="Name3">
+        <dgm:alg type="lin">
+          <dgm:param type="linDir" val="fromR"/>
+        </dgm:alg>
+      </dgm:else>
+    </dgm:choose>
+    <dgm:shape xmlns:r="http://schemas.openxmlformats.org/officeDocument/2006/relationships" r:blip="">
+      <dgm:adjLst/>
+    </dgm:shape>
+    <dgm:presOf/>
+    <dgm:choose name="Name4">
+      <dgm:if name="Name5" axis="des" func="maxDepth" op="gte" val="2">
+        <dgm:constrLst>
+          <dgm:constr type="h" for="ch" forName="composite" refType="h"/>
+          <dgm:constr type="w" for="ch" forName="composite" refType="w"/>
+          <dgm:constr type="w" for="des" forName="parTx"/>
+          <dgm:constr type="h" for="des" forName="parTx" op="equ"/>
+          <dgm:constr type="w" for="des" forName="desTx"/>
+          <dgm:constr type="h" for="des" forName="desTx" op="equ"/>
+          <dgm:constr type="primFontSz" for="des" forName="parTx" val="65"/>
+          <dgm:constr type="secFontSz" for="des" forName="desTx" refType="primFontSz" refFor="des" refForName="parTx" op="equ"/>
+          <dgm:constr type="h" for="des" forName="parTx" refType="primFontSz" refFor="des" refForName="parTx" fact="1.5"/>
+          <dgm:constr type="h" for="des" forName="desTx" refType="primFontSz" refFor="des" refForName="parTx" fact="0.5"/>
+          <dgm:constr type="w" for="ch" forName="space" op="equ" val="-6"/>
+        </dgm:constrLst>
+        <dgm:ruleLst>
+          <dgm:rule type="w" for="ch" forName="composite" val="0" fact="NaN" max="NaN"/>
+          <dgm:rule type="primFontSz" for="des" forName="parTx" val="5" fact="NaN" max="NaN"/>
+        </dgm:ruleLst>
+        <dgm:forEach name="Name6" axis="ch" ptType="node">
+          <dgm:layoutNode name="composite">
+            <dgm:alg type="composite"/>
+            <dgm:shape xmlns:r="http://schemas.openxmlformats.org/officeDocument/2006/relationships" r:blip="">
+              <dgm:adjLst/>
+            </dgm:shape>
+            <dgm:presOf/>
+            <dgm:choose name="Name7">
+              <dgm:if name="Name8" func="var" arg="dir" op="equ" val="norm">
+                <dgm:constrLst>
+                  <dgm:constr type="l" for="ch" forName="parTx"/>
+                  <dgm:constr type="w" for="ch" forName="parTx" refType="w"/>
+                  <dgm:constr type="t" for="ch" forName="parTx"/>
+                  <dgm:constr type="l" for="ch" forName="desTx"/>
+                  <dgm:constr type="w" for="ch" forName="desTx" refType="w" refFor="ch" refForName="parTx" fact="0.8"/>
+                  <dgm:constr type="t" for="ch" forName="desTx" refType="h" refFor="ch" refForName="parTx" fact="1.125"/>
+                </dgm:constrLst>
+              </dgm:if>
+              <dgm:else name="Name9">
+                <dgm:constrLst>
+                  <dgm:constr type="l" for="ch" forName="parTx"/>
+                  <dgm:constr type="w" for="ch" forName="parTx" refType="w"/>
+                  <dgm:constr type="t" for="ch" forName="parTx"/>
+                  <dgm:constr type="l" for="ch" forName="desTx" refType="w" fact="0.2"/>
+                  <dgm:constr type="w" for="ch" forName="desTx" refType="w" refFor="ch" refForName="parTx" fact="0.8"/>
+                  <dgm:constr type="t" for="ch" forName="desTx" refType="h" refFor="ch" refForName="parTx" fact="1.125"/>
+                </dgm:constrLst>
+              </dgm:else>
+            </dgm:choose>
+            <dgm:ruleLst>
+              <dgm:rule type="h" val="INF" fact="NaN" max="NaN"/>
+            </dgm:ruleLst>
+            <dgm:layoutNode name="parTx">
+              <dgm:varLst>
+                <dgm:chMax val="0"/>
+                <dgm:chPref val="0"/>
+                <dgm:bulletEnabled val="1"/>
+              </dgm:varLst>
+              <dgm:alg type="tx"/>
+              <dgm:choose name="Name10">
+                <dgm:if name="Name11" func="var" arg="dir" op="equ" val="norm">
+                  <dgm:shape xmlns:r="http://schemas.openxmlformats.org/officeDocument/2006/relationships" type="chevron" r:blip="">
+                    <dgm:adjLst/>
+                  </dgm:shape>
+                </dgm:if>
+                <dgm:else name="Name12">
+                  <dgm:shape xmlns:r="http://schemas.openxmlformats.org/officeDocument/2006/relationships" rot="180" type="chevron" r:blip="">
+                    <dgm:adjLst/>
+                  </dgm:shape>
+                </dgm:else>
+              </dgm:choose>
+              <dgm:presOf axis="self" ptType="node"/>
+              <dgm:choose name="Name13">
+                <dgm:if name="Name14" func="var" arg="dir" op="equ" val="norm">
+                  <dgm:constrLst>
+                    <dgm:constr type="h" refType="w" op="lte" fact="0.4"/>
+                    <dgm:constr type="h"/>
+                    <dgm:constr type="tMarg" refType="primFontSz" fact="0.105"/>
+                    <dgm:constr type="bMarg" refType="primFontSz" fact="0.105"/>
+                    <dgm:constr type="lMarg" refType="primFontSz" fact="0.315"/>
+                    <dgm:constr type="rMarg" refType="primFontSz" fact="0.105"/>
+                  </dgm:constrLst>
+                </dgm:if>
+                <dgm:else name="Name15">
+                  <dgm:constrLst>
+                    <dgm:constr type="h" refType="w" op="lte" fact="0.4"/>
+                    <dgm:constr type="h"/>
+                    <dgm:constr type="tMarg" refType="primFontSz" fact="0.105"/>
+                    <dgm:constr type="bMarg" refType="primFontSz" fact="0.105"/>
+                    <dgm:constr type="lMarg" refType="primFontSz" fact="0.105"/>
+                    <dgm:constr type="rMarg" refType="primFontSz" fact="0.315"/>
+                  </dgm:constrLst>
+                </dgm:else>
+              </dgm:choose>
+              <dgm:ruleLst>
+                <dgm:rule type="h" val="INF" fact="NaN" max="NaN"/>
+              </dgm:ruleLst>
+            </dgm:layoutNode>
+            <dgm:layoutNode name="desTx" styleLbl="revTx">
+              <dgm:varLst>
+                <dgm:bulletEnabled val="1"/>
+              </dgm:varLst>
+              <dgm:alg type="tx">
+                <dgm:param type="stBulletLvl" val="1"/>
+              </dgm:alg>
+              <dgm:choose name="Name16">
+                <dgm:if name="Name17" axis="ch" ptType="node" func="cnt" op="gte" val="1">
+                  <dgm:shape xmlns:r="http://schemas.openxmlformats.org/officeDocument/2006/relationships" type="rect" r:blip="">
+                    <dgm:adjLst/>
+                  </dgm:shape>
+                </dgm:if>
+                <dgm:else name="Name18">
+                  <dgm:shape xmlns:r="http://schemas.openxmlformats.org/officeDocument/2006/relationships" type="rect" r:blip="" hideGeom="1">
+                    <dgm:adjLst/>
+                  </dgm:shape>
+                </dgm:else>
+              </dgm:choose>
+              <dgm:presOf axis="des" ptType="node"/>
+              <dgm:constrLst>
+                <dgm:constr type="secFontSz" val="65"/>
+                <dgm:constr type="primFontSz" refType="secFontSz"/>
+                <dgm:constr type="h"/>
+                <dgm:constr type="tMarg"/>
+                <dgm:constr type="bMarg"/>
+                <dgm:constr type="rMarg"/>
+                <dgm:constr type="lMarg"/>
+              </dgm:constrLst>
+              <dgm:ruleLst>
+                <dgm:rule type="h" val="INF" fact="NaN" max="NaN"/>
+              </dgm:ruleLst>
+            </dgm:layoutNode>
+          </dgm:layoutNode>
+          <dgm:forEach name="Name19" axis="followSib" ptType="sibTrans" cnt="1">
+            <dgm:layoutNode name="space">
+              <dgm:alg type="sp"/>
+              <dgm:shape xmlns:r="http://schemas.openxmlformats.org/officeDocument/2006/relationships" r:blip="">
+                <dgm:adjLst/>
+              </dgm:shape>
+              <dgm:presOf/>
+              <dgm:constrLst/>
+              <dgm:ruleLst/>
+            </dgm:layoutNode>
+          </dgm:forEach>
+        </dgm:forEach>
+      </dgm:if>
+      <dgm:else name="Name20">
+        <dgm:constrLst>
+          <dgm:constr type="w" for="ch" forName="parTxOnly" refType="w"/>
+          <dgm:constr type="h" for="des" forName="parTxOnly" op="equ"/>
+          <dgm:constr type="primFontSz" for="des" forName="parTxOnly" op="equ" val="65"/>
+          <dgm:constr type="w" for="ch" forName="parTxOnlySpace" refType="w" refFor="ch" refForName="parTxOnly" fact="-0.1"/>
+        </dgm:constrLst>
+        <dgm:ruleLst/>
+        <dgm:forEach name="Name21" axis="ch" ptType="node">
+          <dgm:layoutNode name="parTxOnly">
+            <dgm:varLst>
+              <dgm:chMax val="0"/>
+              <dgm:chPref val="0"/>
+              <dgm:bulletEnabled val="1"/>
+            </dgm:varLst>
+            <dgm:alg type="tx"/>
+            <dgm:choose name="Name22">
+              <dgm:if name="Name23" func="var" arg="dir" op="equ" val="norm">
+                <dgm:shape xmlns:r="http://schemas.openxmlformats.org/officeDocument/2006/relationships" type="chevron" r:blip="">
+                  <dgm:adjLst/>
+                </dgm:shape>
+              </dgm:if>
+              <dgm:else name="Name24">
+                <dgm:shape xmlns:r="http://schemas.openxmlformats.org/officeDocument/2006/relationships" rot="180" type="chevron" r:blip="">
+                  <dgm:adjLst/>
+                </dgm:shape>
+              </dgm:else>
+            </dgm:choose>
+            <dgm:presOf axis="self" ptType="node"/>
+            <dgm:choose name="Name25">
+              <dgm:if name="Name26" func="var" arg="dir" op="equ" val="norm">
+                <dgm:constrLst>
+                  <dgm:constr type="h" refType="w" op="equ" fact="0.4"/>
+                  <dgm:constr type="tMarg" refType="primFontSz" fact="0.105"/>
+                  <dgm:constr type="bMarg" refType="primFontSz" fact="0.105"/>
+                  <dgm:constr type="lMarg" refType="primFontSz" fact="0.315"/>
+                  <dgm:constr type="rMarg" refType="primFontSz" fact="0.105"/>
+                </dgm:constrLst>
+              </dgm:if>
+              <dgm:else name="Name27">
+                <dgm:constrLst>
+                  <dgm:constr type="h" refType="w" op="equ" fact="0.4"/>
+                  <dgm:constr type="tMarg" refType="primFontSz" fact="0.105"/>
+                  <dgm:constr type="bMarg" refType="primFontSz" fact="0.105"/>
+                  <dgm:constr type="lMarg" refType="primFontSz" fact="0.105"/>
+                  <dgm:constr type="rMarg" refType="primFontSz" fact="0.315"/>
+                </dgm:constrLst>
+              </dgm:else>
+            </dgm:choose>
+            <dgm:ruleLst>
+              <dgm:rule type="primFontSz" val="5" fact="NaN" max="NaN"/>
+            </dgm:ruleLst>
+          </dgm:layoutNode>
+          <dgm:forEach name="Name28" axis="followSib" ptType="sibTrans" cnt="1">
+            <dgm:layoutNode name="parTxOnlySpace">
+              <dgm:alg type="sp"/>
+              <dgm:shape xmlns:r="http://schemas.openxmlformats.org/officeDocument/2006/relationships" r:blip="">
+                <dgm:adjLst/>
+              </dgm:shape>
+              <dgm:presOf/>
+              <dgm:constrLst/>
+              <dgm:ruleLst/>
+            </dgm:layoutNode>
+          </dgm:forEach>
+        </dgm:forEach>
+      </dgm:else>
+    </dgm:choose>
+  </dgm:layoutNode>
+</dgm:layoutDef>
+</file>
+
 <file path=ppt/diagrams/quickStyle1.xml><?xml version="1.0" encoding="utf-8"?>
 <dgm:styleDef xmlns:dgm="http://schemas.openxmlformats.org/drawingml/2006/diagram" xmlns:a="http://schemas.openxmlformats.org/drawingml/2006/main" uniqueId="urn:microsoft.com/office/officeart/2005/8/quickstyle/simple3">
   <dgm:title val=""/>
@@ -10755,6 +12977,1040 @@
         <a:scrgbClr r="0" g="0" b="0"/>
       </a:fillRef>
       <a:effectRef idx="1">
+        <a:scrgbClr r="0" g="0" b="0"/>
+      </a:effectRef>
+      <a:fontRef idx="minor"/>
+    </dgm:style>
+  </dgm:styleLbl>
+  <dgm:styleLbl name="revTx">
+    <dgm:scene3d>
+      <a:camera prst="orthographicFront"/>
+      <a:lightRig rig="threePt" dir="t"/>
+    </dgm:scene3d>
+    <dgm:sp3d/>
+    <dgm:txPr/>
+    <dgm:style>
+      <a:lnRef idx="0">
+        <a:scrgbClr r="0" g="0" b="0"/>
+      </a:lnRef>
+      <a:fillRef idx="0">
+        <a:scrgbClr r="0" g="0" b="0"/>
+      </a:fillRef>
+      <a:effectRef idx="0">
+        <a:scrgbClr r="0" g="0" b="0"/>
+      </a:effectRef>
+      <a:fontRef idx="minor"/>
+    </dgm:style>
+  </dgm:styleLbl>
+</dgm:styleDef>
+</file>
+
+<file path=ppt/diagrams/quickStyle4.xml><?xml version="1.0" encoding="utf-8"?>
+<dgm:styleDef xmlns:dgm="http://schemas.openxmlformats.org/drawingml/2006/diagram" xmlns:a="http://schemas.openxmlformats.org/drawingml/2006/main" uniqueId="urn:microsoft.com/office/officeart/2005/8/quickstyle/simple1">
+  <dgm:title val=""/>
+  <dgm:desc val=""/>
+  <dgm:catLst>
+    <dgm:cat type="simple" pri="10100"/>
+  </dgm:catLst>
+  <dgm:scene3d>
+    <a:camera prst="orthographicFront"/>
+    <a:lightRig rig="threePt" dir="t"/>
+  </dgm:scene3d>
+  <dgm:styleLbl name="node0">
+    <dgm:scene3d>
+      <a:camera prst="orthographicFront"/>
+      <a:lightRig rig="threePt" dir="t"/>
+    </dgm:scene3d>
+    <dgm:sp3d/>
+    <dgm:txPr/>
+    <dgm:style>
+      <a:lnRef idx="2">
+        <a:scrgbClr r="0" g="0" b="0"/>
+      </a:lnRef>
+      <a:fillRef idx="1">
+        <a:scrgbClr r="0" g="0" b="0"/>
+      </a:fillRef>
+      <a:effectRef idx="0">
+        <a:scrgbClr r="0" g="0" b="0"/>
+      </a:effectRef>
+      <a:fontRef idx="minor">
+        <a:schemeClr val="lt1"/>
+      </a:fontRef>
+    </dgm:style>
+  </dgm:styleLbl>
+  <dgm:styleLbl name="lnNode1">
+    <dgm:scene3d>
+      <a:camera prst="orthographicFront"/>
+      <a:lightRig rig="threePt" dir="t"/>
+    </dgm:scene3d>
+    <dgm:sp3d/>
+    <dgm:txPr/>
+    <dgm:style>
+      <a:lnRef idx="2">
+        <a:scrgbClr r="0" g="0" b="0"/>
+      </a:lnRef>
+      <a:fillRef idx="1">
+        <a:scrgbClr r="0" g="0" b="0"/>
+      </a:fillRef>
+      <a:effectRef idx="0">
+        <a:scrgbClr r="0" g="0" b="0"/>
+      </a:effectRef>
+      <a:fontRef idx="minor">
+        <a:schemeClr val="lt1"/>
+      </a:fontRef>
+    </dgm:style>
+  </dgm:styleLbl>
+  <dgm:styleLbl name="vennNode1">
+    <dgm:scene3d>
+      <a:camera prst="orthographicFront"/>
+      <a:lightRig rig="threePt" dir="t"/>
+    </dgm:scene3d>
+    <dgm:sp3d/>
+    <dgm:txPr/>
+    <dgm:style>
+      <a:lnRef idx="2">
+        <a:scrgbClr r="0" g="0" b="0"/>
+      </a:lnRef>
+      <a:fillRef idx="1">
+        <a:scrgbClr r="0" g="0" b="0"/>
+      </a:fillRef>
+      <a:effectRef idx="0">
+        <a:scrgbClr r="0" g="0" b="0"/>
+      </a:effectRef>
+      <a:fontRef idx="minor">
+        <a:schemeClr val="tx1"/>
+      </a:fontRef>
+    </dgm:style>
+  </dgm:styleLbl>
+  <dgm:styleLbl name="alignNode1">
+    <dgm:scene3d>
+      <a:camera prst="orthographicFront"/>
+      <a:lightRig rig="threePt" dir="t"/>
+    </dgm:scene3d>
+    <dgm:sp3d/>
+    <dgm:txPr/>
+    <dgm:style>
+      <a:lnRef idx="2">
+        <a:scrgbClr r="0" g="0" b="0"/>
+      </a:lnRef>
+      <a:fillRef idx="1">
+        <a:scrgbClr r="0" g="0" b="0"/>
+      </a:fillRef>
+      <a:effectRef idx="0">
+        <a:scrgbClr r="0" g="0" b="0"/>
+      </a:effectRef>
+      <a:fontRef idx="minor">
+        <a:schemeClr val="lt1"/>
+      </a:fontRef>
+    </dgm:style>
+  </dgm:styleLbl>
+  <dgm:styleLbl name="node1">
+    <dgm:scene3d>
+      <a:camera prst="orthographicFront"/>
+      <a:lightRig rig="threePt" dir="t"/>
+    </dgm:scene3d>
+    <dgm:sp3d/>
+    <dgm:txPr/>
+    <dgm:style>
+      <a:lnRef idx="2">
+        <a:scrgbClr r="0" g="0" b="0"/>
+      </a:lnRef>
+      <a:fillRef idx="1">
+        <a:scrgbClr r="0" g="0" b="0"/>
+      </a:fillRef>
+      <a:effectRef idx="0">
+        <a:scrgbClr r="0" g="0" b="0"/>
+      </a:effectRef>
+      <a:fontRef idx="minor">
+        <a:schemeClr val="lt1"/>
+      </a:fontRef>
+    </dgm:style>
+  </dgm:styleLbl>
+  <dgm:styleLbl name="node2">
+    <dgm:scene3d>
+      <a:camera prst="orthographicFront"/>
+      <a:lightRig rig="threePt" dir="t"/>
+    </dgm:scene3d>
+    <dgm:sp3d/>
+    <dgm:txPr/>
+    <dgm:style>
+      <a:lnRef idx="2">
+        <a:scrgbClr r="0" g="0" b="0"/>
+      </a:lnRef>
+      <a:fillRef idx="1">
+        <a:scrgbClr r="0" g="0" b="0"/>
+      </a:fillRef>
+      <a:effectRef idx="0">
+        <a:scrgbClr r="0" g="0" b="0"/>
+      </a:effectRef>
+      <a:fontRef idx="minor">
+        <a:schemeClr val="lt1"/>
+      </a:fontRef>
+    </dgm:style>
+  </dgm:styleLbl>
+  <dgm:styleLbl name="node3">
+    <dgm:scene3d>
+      <a:camera prst="orthographicFront"/>
+      <a:lightRig rig="threePt" dir="t"/>
+    </dgm:scene3d>
+    <dgm:sp3d/>
+    <dgm:txPr/>
+    <dgm:style>
+      <a:lnRef idx="2">
+        <a:scrgbClr r="0" g="0" b="0"/>
+      </a:lnRef>
+      <a:fillRef idx="1">
+        <a:scrgbClr r="0" g="0" b="0"/>
+      </a:fillRef>
+      <a:effectRef idx="0">
+        <a:scrgbClr r="0" g="0" b="0"/>
+      </a:effectRef>
+      <a:fontRef idx="minor">
+        <a:schemeClr val="lt1"/>
+      </a:fontRef>
+    </dgm:style>
+  </dgm:styleLbl>
+  <dgm:styleLbl name="node4">
+    <dgm:scene3d>
+      <a:camera prst="orthographicFront"/>
+      <a:lightRig rig="threePt" dir="t"/>
+    </dgm:scene3d>
+    <dgm:sp3d/>
+    <dgm:txPr/>
+    <dgm:style>
+      <a:lnRef idx="2">
+        <a:scrgbClr r="0" g="0" b="0"/>
+      </a:lnRef>
+      <a:fillRef idx="1">
+        <a:scrgbClr r="0" g="0" b="0"/>
+      </a:fillRef>
+      <a:effectRef idx="0">
+        <a:scrgbClr r="0" g="0" b="0"/>
+      </a:effectRef>
+      <a:fontRef idx="minor">
+        <a:schemeClr val="lt1"/>
+      </a:fontRef>
+    </dgm:style>
+  </dgm:styleLbl>
+  <dgm:styleLbl name="fgImgPlace1">
+    <dgm:scene3d>
+      <a:camera prst="orthographicFront"/>
+      <a:lightRig rig="threePt" dir="t"/>
+    </dgm:scene3d>
+    <dgm:sp3d/>
+    <dgm:txPr/>
+    <dgm:style>
+      <a:lnRef idx="2">
+        <a:scrgbClr r="0" g="0" b="0"/>
+      </a:lnRef>
+      <a:fillRef idx="1">
+        <a:scrgbClr r="0" g="0" b="0"/>
+      </a:fillRef>
+      <a:effectRef idx="0">
+        <a:scrgbClr r="0" g="0" b="0"/>
+      </a:effectRef>
+      <a:fontRef idx="minor"/>
+    </dgm:style>
+  </dgm:styleLbl>
+  <dgm:styleLbl name="alignImgPlace1">
+    <dgm:scene3d>
+      <a:camera prst="orthographicFront"/>
+      <a:lightRig rig="threePt" dir="t"/>
+    </dgm:scene3d>
+    <dgm:sp3d/>
+    <dgm:txPr/>
+    <dgm:style>
+      <a:lnRef idx="2">
+        <a:scrgbClr r="0" g="0" b="0"/>
+      </a:lnRef>
+      <a:fillRef idx="1">
+        <a:scrgbClr r="0" g="0" b="0"/>
+      </a:fillRef>
+      <a:effectRef idx="0">
+        <a:scrgbClr r="0" g="0" b="0"/>
+      </a:effectRef>
+      <a:fontRef idx="minor"/>
+    </dgm:style>
+  </dgm:styleLbl>
+  <dgm:styleLbl name="bgImgPlace1">
+    <dgm:scene3d>
+      <a:camera prst="orthographicFront"/>
+      <a:lightRig rig="threePt" dir="t"/>
+    </dgm:scene3d>
+    <dgm:sp3d/>
+    <dgm:txPr/>
+    <dgm:style>
+      <a:lnRef idx="2">
+        <a:scrgbClr r="0" g="0" b="0"/>
+      </a:lnRef>
+      <a:fillRef idx="1">
+        <a:scrgbClr r="0" g="0" b="0"/>
+      </a:fillRef>
+      <a:effectRef idx="0">
+        <a:scrgbClr r="0" g="0" b="0"/>
+      </a:effectRef>
+      <a:fontRef idx="minor"/>
+    </dgm:style>
+  </dgm:styleLbl>
+  <dgm:styleLbl name="sibTrans2D1">
+    <dgm:scene3d>
+      <a:camera prst="orthographicFront"/>
+      <a:lightRig rig="threePt" dir="t"/>
+    </dgm:scene3d>
+    <dgm:sp3d/>
+    <dgm:txPr/>
+    <dgm:style>
+      <a:lnRef idx="0">
+        <a:scrgbClr r="0" g="0" b="0"/>
+      </a:lnRef>
+      <a:fillRef idx="1">
+        <a:scrgbClr r="0" g="0" b="0"/>
+      </a:fillRef>
+      <a:effectRef idx="0">
+        <a:scrgbClr r="0" g="0" b="0"/>
+      </a:effectRef>
+      <a:fontRef idx="minor">
+        <a:schemeClr val="lt1"/>
+      </a:fontRef>
+    </dgm:style>
+  </dgm:styleLbl>
+  <dgm:styleLbl name="fgSibTrans2D1">
+    <dgm:scene3d>
+      <a:camera prst="orthographicFront"/>
+      <a:lightRig rig="threePt" dir="t"/>
+    </dgm:scene3d>
+    <dgm:sp3d/>
+    <dgm:txPr/>
+    <dgm:style>
+      <a:lnRef idx="0">
+        <a:scrgbClr r="0" g="0" b="0"/>
+      </a:lnRef>
+      <a:fillRef idx="1">
+        <a:scrgbClr r="0" g="0" b="0"/>
+      </a:fillRef>
+      <a:effectRef idx="0">
+        <a:scrgbClr r="0" g="0" b="0"/>
+      </a:effectRef>
+      <a:fontRef idx="minor">
+        <a:schemeClr val="lt1"/>
+      </a:fontRef>
+    </dgm:style>
+  </dgm:styleLbl>
+  <dgm:styleLbl name="bgSibTrans2D1">
+    <dgm:scene3d>
+      <a:camera prst="orthographicFront"/>
+      <a:lightRig rig="threePt" dir="t"/>
+    </dgm:scene3d>
+    <dgm:sp3d/>
+    <dgm:txPr/>
+    <dgm:style>
+      <a:lnRef idx="0">
+        <a:scrgbClr r="0" g="0" b="0"/>
+      </a:lnRef>
+      <a:fillRef idx="1">
+        <a:scrgbClr r="0" g="0" b="0"/>
+      </a:fillRef>
+      <a:effectRef idx="0">
+        <a:scrgbClr r="0" g="0" b="0"/>
+      </a:effectRef>
+      <a:fontRef idx="minor">
+        <a:schemeClr val="lt1"/>
+      </a:fontRef>
+    </dgm:style>
+  </dgm:styleLbl>
+  <dgm:styleLbl name="sibTrans1D1">
+    <dgm:scene3d>
+      <a:camera prst="orthographicFront"/>
+      <a:lightRig rig="threePt" dir="t"/>
+    </dgm:scene3d>
+    <dgm:sp3d/>
+    <dgm:txPr/>
+    <dgm:style>
+      <a:lnRef idx="1">
+        <a:scrgbClr r="0" g="0" b="0"/>
+      </a:lnRef>
+      <a:fillRef idx="0">
+        <a:scrgbClr r="0" g="0" b="0"/>
+      </a:fillRef>
+      <a:effectRef idx="0">
+        <a:scrgbClr r="0" g="0" b="0"/>
+      </a:effectRef>
+      <a:fontRef idx="minor"/>
+    </dgm:style>
+  </dgm:styleLbl>
+  <dgm:styleLbl name="callout">
+    <dgm:scene3d>
+      <a:camera prst="orthographicFront"/>
+      <a:lightRig rig="threePt" dir="t"/>
+    </dgm:scene3d>
+    <dgm:sp3d/>
+    <dgm:txPr/>
+    <dgm:style>
+      <a:lnRef idx="2">
+        <a:scrgbClr r="0" g="0" b="0"/>
+      </a:lnRef>
+      <a:fillRef idx="1">
+        <a:scrgbClr r="0" g="0" b="0"/>
+      </a:fillRef>
+      <a:effectRef idx="0">
+        <a:scrgbClr r="0" g="0" b="0"/>
+      </a:effectRef>
+      <a:fontRef idx="minor"/>
+    </dgm:style>
+  </dgm:styleLbl>
+  <dgm:styleLbl name="asst0">
+    <dgm:scene3d>
+      <a:camera prst="orthographicFront"/>
+      <a:lightRig rig="threePt" dir="t"/>
+    </dgm:scene3d>
+    <dgm:sp3d/>
+    <dgm:txPr/>
+    <dgm:style>
+      <a:lnRef idx="2">
+        <a:scrgbClr r="0" g="0" b="0"/>
+      </a:lnRef>
+      <a:fillRef idx="1">
+        <a:scrgbClr r="0" g="0" b="0"/>
+      </a:fillRef>
+      <a:effectRef idx="0">
+        <a:scrgbClr r="0" g="0" b="0"/>
+      </a:effectRef>
+      <a:fontRef idx="minor">
+        <a:schemeClr val="lt1"/>
+      </a:fontRef>
+    </dgm:style>
+  </dgm:styleLbl>
+  <dgm:styleLbl name="asst1">
+    <dgm:scene3d>
+      <a:camera prst="orthographicFront"/>
+      <a:lightRig rig="threePt" dir="t"/>
+    </dgm:scene3d>
+    <dgm:sp3d/>
+    <dgm:txPr/>
+    <dgm:style>
+      <a:lnRef idx="2">
+        <a:scrgbClr r="0" g="0" b="0"/>
+      </a:lnRef>
+      <a:fillRef idx="1">
+        <a:scrgbClr r="0" g="0" b="0"/>
+      </a:fillRef>
+      <a:effectRef idx="0">
+        <a:scrgbClr r="0" g="0" b="0"/>
+      </a:effectRef>
+      <a:fontRef idx="minor">
+        <a:schemeClr val="lt1"/>
+      </a:fontRef>
+    </dgm:style>
+  </dgm:styleLbl>
+  <dgm:styleLbl name="asst2">
+    <dgm:scene3d>
+      <a:camera prst="orthographicFront"/>
+      <a:lightRig rig="threePt" dir="t"/>
+    </dgm:scene3d>
+    <dgm:sp3d/>
+    <dgm:txPr/>
+    <dgm:style>
+      <a:lnRef idx="2">
+        <a:scrgbClr r="0" g="0" b="0"/>
+      </a:lnRef>
+      <a:fillRef idx="1">
+        <a:scrgbClr r="0" g="0" b="0"/>
+      </a:fillRef>
+      <a:effectRef idx="0">
+        <a:scrgbClr r="0" g="0" b="0"/>
+      </a:effectRef>
+      <a:fontRef idx="minor">
+        <a:schemeClr val="lt1"/>
+      </a:fontRef>
+    </dgm:style>
+  </dgm:styleLbl>
+  <dgm:styleLbl name="asst3">
+    <dgm:scene3d>
+      <a:camera prst="orthographicFront"/>
+      <a:lightRig rig="threePt" dir="t"/>
+    </dgm:scene3d>
+    <dgm:sp3d/>
+    <dgm:txPr/>
+    <dgm:style>
+      <a:lnRef idx="2">
+        <a:scrgbClr r="0" g="0" b="0"/>
+      </a:lnRef>
+      <a:fillRef idx="1">
+        <a:scrgbClr r="0" g="0" b="0"/>
+      </a:fillRef>
+      <a:effectRef idx="0">
+        <a:scrgbClr r="0" g="0" b="0"/>
+      </a:effectRef>
+      <a:fontRef idx="minor">
+        <a:schemeClr val="lt1"/>
+      </a:fontRef>
+    </dgm:style>
+  </dgm:styleLbl>
+  <dgm:styleLbl name="asst4">
+    <dgm:scene3d>
+      <a:camera prst="orthographicFront"/>
+      <a:lightRig rig="threePt" dir="t"/>
+    </dgm:scene3d>
+    <dgm:sp3d/>
+    <dgm:txPr/>
+    <dgm:style>
+      <a:lnRef idx="2">
+        <a:scrgbClr r="0" g="0" b="0"/>
+      </a:lnRef>
+      <a:fillRef idx="1">
+        <a:scrgbClr r="0" g="0" b="0"/>
+      </a:fillRef>
+      <a:effectRef idx="0">
+        <a:scrgbClr r="0" g="0" b="0"/>
+      </a:effectRef>
+      <a:fontRef idx="minor">
+        <a:schemeClr val="lt1"/>
+      </a:fontRef>
+    </dgm:style>
+  </dgm:styleLbl>
+  <dgm:styleLbl name="parChTrans2D1">
+    <dgm:scene3d>
+      <a:camera prst="orthographicFront"/>
+      <a:lightRig rig="threePt" dir="t"/>
+    </dgm:scene3d>
+    <dgm:sp3d/>
+    <dgm:txPr/>
+    <dgm:style>
+      <a:lnRef idx="2">
+        <a:scrgbClr r="0" g="0" b="0"/>
+      </a:lnRef>
+      <a:fillRef idx="1">
+        <a:scrgbClr r="0" g="0" b="0"/>
+      </a:fillRef>
+      <a:effectRef idx="0">
+        <a:scrgbClr r="0" g="0" b="0"/>
+      </a:effectRef>
+      <a:fontRef idx="minor">
+        <a:schemeClr val="lt1"/>
+      </a:fontRef>
+    </dgm:style>
+  </dgm:styleLbl>
+  <dgm:styleLbl name="parChTrans2D2">
+    <dgm:scene3d>
+      <a:camera prst="orthographicFront"/>
+      <a:lightRig rig="threePt" dir="t"/>
+    </dgm:scene3d>
+    <dgm:sp3d/>
+    <dgm:txPr/>
+    <dgm:style>
+      <a:lnRef idx="2">
+        <a:scrgbClr r="0" g="0" b="0"/>
+      </a:lnRef>
+      <a:fillRef idx="1">
+        <a:scrgbClr r="0" g="0" b="0"/>
+      </a:fillRef>
+      <a:effectRef idx="0">
+        <a:scrgbClr r="0" g="0" b="0"/>
+      </a:effectRef>
+      <a:fontRef idx="minor">
+        <a:schemeClr val="lt1"/>
+      </a:fontRef>
+    </dgm:style>
+  </dgm:styleLbl>
+  <dgm:styleLbl name="parChTrans2D3">
+    <dgm:scene3d>
+      <a:camera prst="orthographicFront"/>
+      <a:lightRig rig="threePt" dir="t"/>
+    </dgm:scene3d>
+    <dgm:sp3d/>
+    <dgm:txPr/>
+    <dgm:style>
+      <a:lnRef idx="2">
+        <a:scrgbClr r="0" g="0" b="0"/>
+      </a:lnRef>
+      <a:fillRef idx="1">
+        <a:scrgbClr r="0" g="0" b="0"/>
+      </a:fillRef>
+      <a:effectRef idx="0">
+        <a:scrgbClr r="0" g="0" b="0"/>
+      </a:effectRef>
+      <a:fontRef idx="minor">
+        <a:schemeClr val="lt1"/>
+      </a:fontRef>
+    </dgm:style>
+  </dgm:styleLbl>
+  <dgm:styleLbl name="parChTrans2D4">
+    <dgm:scene3d>
+      <a:camera prst="orthographicFront"/>
+      <a:lightRig rig="threePt" dir="t"/>
+    </dgm:scene3d>
+    <dgm:sp3d/>
+    <dgm:txPr/>
+    <dgm:style>
+      <a:lnRef idx="2">
+        <a:scrgbClr r="0" g="0" b="0"/>
+      </a:lnRef>
+      <a:fillRef idx="1">
+        <a:scrgbClr r="0" g="0" b="0"/>
+      </a:fillRef>
+      <a:effectRef idx="0">
+        <a:scrgbClr r="0" g="0" b="0"/>
+      </a:effectRef>
+      <a:fontRef idx="minor">
+        <a:schemeClr val="lt1"/>
+      </a:fontRef>
+    </dgm:style>
+  </dgm:styleLbl>
+  <dgm:styleLbl name="parChTrans1D1">
+    <dgm:scene3d>
+      <a:camera prst="orthographicFront"/>
+      <a:lightRig rig="threePt" dir="t"/>
+    </dgm:scene3d>
+    <dgm:sp3d/>
+    <dgm:txPr/>
+    <dgm:style>
+      <a:lnRef idx="2">
+        <a:scrgbClr r="0" g="0" b="0"/>
+      </a:lnRef>
+      <a:fillRef idx="0">
+        <a:scrgbClr r="0" g="0" b="0"/>
+      </a:fillRef>
+      <a:effectRef idx="0">
+        <a:scrgbClr r="0" g="0" b="0"/>
+      </a:effectRef>
+      <a:fontRef idx="minor"/>
+    </dgm:style>
+  </dgm:styleLbl>
+  <dgm:styleLbl name="parChTrans1D2">
+    <dgm:scene3d>
+      <a:camera prst="orthographicFront"/>
+      <a:lightRig rig="threePt" dir="t"/>
+    </dgm:scene3d>
+    <dgm:sp3d/>
+    <dgm:txPr/>
+    <dgm:style>
+      <a:lnRef idx="2">
+        <a:scrgbClr r="0" g="0" b="0"/>
+      </a:lnRef>
+      <a:fillRef idx="0">
+        <a:scrgbClr r="0" g="0" b="0"/>
+      </a:fillRef>
+      <a:effectRef idx="0">
+        <a:scrgbClr r="0" g="0" b="0"/>
+      </a:effectRef>
+      <a:fontRef idx="minor"/>
+    </dgm:style>
+  </dgm:styleLbl>
+  <dgm:styleLbl name="parChTrans1D3">
+    <dgm:scene3d>
+      <a:camera prst="orthographicFront"/>
+      <a:lightRig rig="threePt" dir="t"/>
+    </dgm:scene3d>
+    <dgm:sp3d/>
+    <dgm:txPr/>
+    <dgm:style>
+      <a:lnRef idx="2">
+        <a:scrgbClr r="0" g="0" b="0"/>
+      </a:lnRef>
+      <a:fillRef idx="0">
+        <a:scrgbClr r="0" g="0" b="0"/>
+      </a:fillRef>
+      <a:effectRef idx="0">
+        <a:scrgbClr r="0" g="0" b="0"/>
+      </a:effectRef>
+      <a:fontRef idx="minor"/>
+    </dgm:style>
+  </dgm:styleLbl>
+  <dgm:styleLbl name="parChTrans1D4">
+    <dgm:scene3d>
+      <a:camera prst="orthographicFront"/>
+      <a:lightRig rig="threePt" dir="t"/>
+    </dgm:scene3d>
+    <dgm:sp3d/>
+    <dgm:txPr/>
+    <dgm:style>
+      <a:lnRef idx="2">
+        <a:scrgbClr r="0" g="0" b="0"/>
+      </a:lnRef>
+      <a:fillRef idx="0">
+        <a:scrgbClr r="0" g="0" b="0"/>
+      </a:fillRef>
+      <a:effectRef idx="0">
+        <a:scrgbClr r="0" g="0" b="0"/>
+      </a:effectRef>
+      <a:fontRef idx="minor"/>
+    </dgm:style>
+  </dgm:styleLbl>
+  <dgm:styleLbl name="fgAcc1">
+    <dgm:scene3d>
+      <a:camera prst="orthographicFront"/>
+      <a:lightRig rig="threePt" dir="t"/>
+    </dgm:scene3d>
+    <dgm:sp3d/>
+    <dgm:txPr/>
+    <dgm:style>
+      <a:lnRef idx="2">
+        <a:scrgbClr r="0" g="0" b="0"/>
+      </a:lnRef>
+      <a:fillRef idx="1">
+        <a:scrgbClr r="0" g="0" b="0"/>
+      </a:fillRef>
+      <a:effectRef idx="0">
+        <a:scrgbClr r="0" g="0" b="0"/>
+      </a:effectRef>
+      <a:fontRef idx="minor"/>
+    </dgm:style>
+  </dgm:styleLbl>
+  <dgm:styleLbl name="conFgAcc1">
+    <dgm:scene3d>
+      <a:camera prst="orthographicFront"/>
+      <a:lightRig rig="threePt" dir="t"/>
+    </dgm:scene3d>
+    <dgm:sp3d/>
+    <dgm:txPr/>
+    <dgm:style>
+      <a:lnRef idx="2">
+        <a:scrgbClr r="0" g="0" b="0"/>
+      </a:lnRef>
+      <a:fillRef idx="1">
+        <a:scrgbClr r="0" g="0" b="0"/>
+      </a:fillRef>
+      <a:effectRef idx="0">
+        <a:scrgbClr r="0" g="0" b="0"/>
+      </a:effectRef>
+      <a:fontRef idx="minor"/>
+    </dgm:style>
+  </dgm:styleLbl>
+  <dgm:styleLbl name="alignAcc1">
+    <dgm:scene3d>
+      <a:camera prst="orthographicFront"/>
+      <a:lightRig rig="threePt" dir="t"/>
+    </dgm:scene3d>
+    <dgm:sp3d/>
+    <dgm:txPr/>
+    <dgm:style>
+      <a:lnRef idx="2">
+        <a:scrgbClr r="0" g="0" b="0"/>
+      </a:lnRef>
+      <a:fillRef idx="1">
+        <a:scrgbClr r="0" g="0" b="0"/>
+      </a:fillRef>
+      <a:effectRef idx="0">
+        <a:scrgbClr r="0" g="0" b="0"/>
+      </a:effectRef>
+      <a:fontRef idx="minor"/>
+    </dgm:style>
+  </dgm:styleLbl>
+  <dgm:styleLbl name="trAlignAcc1">
+    <dgm:scene3d>
+      <a:camera prst="orthographicFront"/>
+      <a:lightRig rig="threePt" dir="t"/>
+    </dgm:scene3d>
+    <dgm:sp3d/>
+    <dgm:txPr/>
+    <dgm:style>
+      <a:lnRef idx="1">
+        <a:scrgbClr r="0" g="0" b="0"/>
+      </a:lnRef>
+      <a:fillRef idx="1">
+        <a:scrgbClr r="0" g="0" b="0"/>
+      </a:fillRef>
+      <a:effectRef idx="0">
+        <a:scrgbClr r="0" g="0" b="0"/>
+      </a:effectRef>
+      <a:fontRef idx="minor"/>
+    </dgm:style>
+  </dgm:styleLbl>
+  <dgm:styleLbl name="bgAcc1">
+    <dgm:scene3d>
+      <a:camera prst="orthographicFront"/>
+      <a:lightRig rig="threePt" dir="t"/>
+    </dgm:scene3d>
+    <dgm:sp3d/>
+    <dgm:txPr/>
+    <dgm:style>
+      <a:lnRef idx="2">
+        <a:scrgbClr r="0" g="0" b="0"/>
+      </a:lnRef>
+      <a:fillRef idx="1">
+        <a:scrgbClr r="0" g="0" b="0"/>
+      </a:fillRef>
+      <a:effectRef idx="0">
+        <a:scrgbClr r="0" g="0" b="0"/>
+      </a:effectRef>
+      <a:fontRef idx="minor"/>
+    </dgm:style>
+  </dgm:styleLbl>
+  <dgm:styleLbl name="solidFgAcc1">
+    <dgm:scene3d>
+      <a:camera prst="orthographicFront"/>
+      <a:lightRig rig="threePt" dir="t"/>
+    </dgm:scene3d>
+    <dgm:sp3d/>
+    <dgm:txPr/>
+    <dgm:style>
+      <a:lnRef idx="2">
+        <a:scrgbClr r="0" g="0" b="0"/>
+      </a:lnRef>
+      <a:fillRef idx="1">
+        <a:scrgbClr r="0" g="0" b="0"/>
+      </a:fillRef>
+      <a:effectRef idx="0">
+        <a:scrgbClr r="0" g="0" b="0"/>
+      </a:effectRef>
+      <a:fontRef idx="minor"/>
+    </dgm:style>
+  </dgm:styleLbl>
+  <dgm:styleLbl name="solidAlignAcc1">
+    <dgm:scene3d>
+      <a:camera prst="orthographicFront"/>
+      <a:lightRig rig="threePt" dir="t"/>
+    </dgm:scene3d>
+    <dgm:sp3d/>
+    <dgm:txPr/>
+    <dgm:style>
+      <a:lnRef idx="2">
+        <a:scrgbClr r="0" g="0" b="0"/>
+      </a:lnRef>
+      <a:fillRef idx="1">
+        <a:scrgbClr r="0" g="0" b="0"/>
+      </a:fillRef>
+      <a:effectRef idx="0">
+        <a:scrgbClr r="0" g="0" b="0"/>
+      </a:effectRef>
+      <a:fontRef idx="minor"/>
+    </dgm:style>
+  </dgm:styleLbl>
+  <dgm:styleLbl name="solidBgAcc1">
+    <dgm:scene3d>
+      <a:camera prst="orthographicFront"/>
+      <a:lightRig rig="threePt" dir="t"/>
+    </dgm:scene3d>
+    <dgm:sp3d/>
+    <dgm:txPr/>
+    <dgm:style>
+      <a:lnRef idx="2">
+        <a:scrgbClr r="0" g="0" b="0"/>
+      </a:lnRef>
+      <a:fillRef idx="1">
+        <a:scrgbClr r="0" g="0" b="0"/>
+      </a:fillRef>
+      <a:effectRef idx="0">
+        <a:scrgbClr r="0" g="0" b="0"/>
+      </a:effectRef>
+      <a:fontRef idx="minor"/>
+    </dgm:style>
+  </dgm:styleLbl>
+  <dgm:styleLbl name="fgAccFollowNode1">
+    <dgm:scene3d>
+      <a:camera prst="orthographicFront"/>
+      <a:lightRig rig="threePt" dir="t"/>
+    </dgm:scene3d>
+    <dgm:sp3d/>
+    <dgm:txPr/>
+    <dgm:style>
+      <a:lnRef idx="2">
+        <a:scrgbClr r="0" g="0" b="0"/>
+      </a:lnRef>
+      <a:fillRef idx="1">
+        <a:scrgbClr r="0" g="0" b="0"/>
+      </a:fillRef>
+      <a:effectRef idx="0">
+        <a:scrgbClr r="0" g="0" b="0"/>
+      </a:effectRef>
+      <a:fontRef idx="minor"/>
+    </dgm:style>
+  </dgm:styleLbl>
+  <dgm:styleLbl name="alignAccFollowNode1">
+    <dgm:scene3d>
+      <a:camera prst="orthographicFront"/>
+      <a:lightRig rig="threePt" dir="t"/>
+    </dgm:scene3d>
+    <dgm:sp3d/>
+    <dgm:txPr/>
+    <dgm:style>
+      <a:lnRef idx="2">
+        <a:scrgbClr r="0" g="0" b="0"/>
+      </a:lnRef>
+      <a:fillRef idx="1">
+        <a:scrgbClr r="0" g="0" b="0"/>
+      </a:fillRef>
+      <a:effectRef idx="0">
+        <a:scrgbClr r="0" g="0" b="0"/>
+      </a:effectRef>
+      <a:fontRef idx="minor"/>
+    </dgm:style>
+  </dgm:styleLbl>
+  <dgm:styleLbl name="bgAccFollowNode1">
+    <dgm:scene3d>
+      <a:camera prst="orthographicFront"/>
+      <a:lightRig rig="threePt" dir="t"/>
+    </dgm:scene3d>
+    <dgm:sp3d/>
+    <dgm:txPr/>
+    <dgm:style>
+      <a:lnRef idx="2">
+        <a:scrgbClr r="0" g="0" b="0"/>
+      </a:lnRef>
+      <a:fillRef idx="1">
+        <a:scrgbClr r="0" g="0" b="0"/>
+      </a:fillRef>
+      <a:effectRef idx="0">
+        <a:scrgbClr r="0" g="0" b="0"/>
+      </a:effectRef>
+      <a:fontRef idx="minor"/>
+    </dgm:style>
+  </dgm:styleLbl>
+  <dgm:styleLbl name="fgAcc0">
+    <dgm:scene3d>
+      <a:camera prst="orthographicFront"/>
+      <a:lightRig rig="threePt" dir="t"/>
+    </dgm:scene3d>
+    <dgm:sp3d/>
+    <dgm:txPr/>
+    <dgm:style>
+      <a:lnRef idx="2">
+        <a:scrgbClr r="0" g="0" b="0"/>
+      </a:lnRef>
+      <a:fillRef idx="1">
+        <a:scrgbClr r="0" g="0" b="0"/>
+      </a:fillRef>
+      <a:effectRef idx="0">
+        <a:scrgbClr r="0" g="0" b="0"/>
+      </a:effectRef>
+      <a:fontRef idx="minor"/>
+    </dgm:style>
+  </dgm:styleLbl>
+  <dgm:styleLbl name="fgAcc2">
+    <dgm:scene3d>
+      <a:camera prst="orthographicFront"/>
+      <a:lightRig rig="threePt" dir="t"/>
+    </dgm:scene3d>
+    <dgm:sp3d/>
+    <dgm:txPr/>
+    <dgm:style>
+      <a:lnRef idx="2">
+        <a:scrgbClr r="0" g="0" b="0"/>
+      </a:lnRef>
+      <a:fillRef idx="1">
+        <a:scrgbClr r="0" g="0" b="0"/>
+      </a:fillRef>
+      <a:effectRef idx="0">
+        <a:scrgbClr r="0" g="0" b="0"/>
+      </a:effectRef>
+      <a:fontRef idx="minor"/>
+    </dgm:style>
+  </dgm:styleLbl>
+  <dgm:styleLbl name="fgAcc3">
+    <dgm:scene3d>
+      <a:camera prst="orthographicFront"/>
+      <a:lightRig rig="threePt" dir="t"/>
+    </dgm:scene3d>
+    <dgm:sp3d/>
+    <dgm:txPr/>
+    <dgm:style>
+      <a:lnRef idx="2">
+        <a:scrgbClr r="0" g="0" b="0"/>
+      </a:lnRef>
+      <a:fillRef idx="1">
+        <a:scrgbClr r="0" g="0" b="0"/>
+      </a:fillRef>
+      <a:effectRef idx="0">
+        <a:scrgbClr r="0" g="0" b="0"/>
+      </a:effectRef>
+      <a:fontRef idx="minor"/>
+    </dgm:style>
+  </dgm:styleLbl>
+  <dgm:styleLbl name="fgAcc4">
+    <dgm:scene3d>
+      <a:camera prst="orthographicFront"/>
+      <a:lightRig rig="threePt" dir="t"/>
+    </dgm:scene3d>
+    <dgm:sp3d/>
+    <dgm:txPr/>
+    <dgm:style>
+      <a:lnRef idx="2">
+        <a:scrgbClr r="0" g="0" b="0"/>
+      </a:lnRef>
+      <a:fillRef idx="1">
+        <a:scrgbClr r="0" g="0" b="0"/>
+      </a:fillRef>
+      <a:effectRef idx="0">
+        <a:scrgbClr r="0" g="0" b="0"/>
+      </a:effectRef>
+      <a:fontRef idx="minor"/>
+    </dgm:style>
+  </dgm:styleLbl>
+  <dgm:styleLbl name="bgShp">
+    <dgm:scene3d>
+      <a:camera prst="orthographicFront"/>
+      <a:lightRig rig="threePt" dir="t"/>
+    </dgm:scene3d>
+    <dgm:sp3d/>
+    <dgm:txPr/>
+    <dgm:style>
+      <a:lnRef idx="0">
+        <a:scrgbClr r="0" g="0" b="0"/>
+      </a:lnRef>
+      <a:fillRef idx="1">
+        <a:scrgbClr r="0" g="0" b="0"/>
+      </a:fillRef>
+      <a:effectRef idx="0">
+        <a:scrgbClr r="0" g="0" b="0"/>
+      </a:effectRef>
+      <a:fontRef idx="minor"/>
+    </dgm:style>
+  </dgm:styleLbl>
+  <dgm:styleLbl name="dkBgShp">
+    <dgm:scene3d>
+      <a:camera prst="orthographicFront"/>
+      <a:lightRig rig="threePt" dir="t"/>
+    </dgm:scene3d>
+    <dgm:sp3d/>
+    <dgm:txPr/>
+    <dgm:style>
+      <a:lnRef idx="0">
+        <a:scrgbClr r="0" g="0" b="0"/>
+      </a:lnRef>
+      <a:fillRef idx="1">
+        <a:scrgbClr r="0" g="0" b="0"/>
+      </a:fillRef>
+      <a:effectRef idx="0">
+        <a:scrgbClr r="0" g="0" b="0"/>
+      </a:effectRef>
+      <a:fontRef idx="minor"/>
+    </dgm:style>
+  </dgm:styleLbl>
+  <dgm:styleLbl name="trBgShp">
+    <dgm:scene3d>
+      <a:camera prst="orthographicFront"/>
+      <a:lightRig rig="threePt" dir="t"/>
+    </dgm:scene3d>
+    <dgm:sp3d/>
+    <dgm:txPr/>
+    <dgm:style>
+      <a:lnRef idx="0">
+        <a:scrgbClr r="0" g="0" b="0"/>
+      </a:lnRef>
+      <a:fillRef idx="1">
+        <a:scrgbClr r="0" g="0" b="0"/>
+      </a:fillRef>
+      <a:effectRef idx="0">
+        <a:scrgbClr r="0" g="0" b="0"/>
+      </a:effectRef>
+      <a:fontRef idx="minor"/>
+    </dgm:style>
+  </dgm:styleLbl>
+  <dgm:styleLbl name="fgShp">
+    <dgm:scene3d>
+      <a:camera prst="orthographicFront"/>
+      <a:lightRig rig="threePt" dir="t"/>
+    </dgm:scene3d>
+    <dgm:sp3d/>
+    <dgm:txPr/>
+    <dgm:style>
+      <a:lnRef idx="2">
+        <a:scrgbClr r="0" g="0" b="0"/>
+      </a:lnRef>
+      <a:fillRef idx="1">
+        <a:scrgbClr r="0" g="0" b="0"/>
+      </a:fillRef>
+      <a:effectRef idx="0">
         <a:scrgbClr r="0" g="0" b="0"/>
       </a:effectRef>
       <a:fontRef idx="minor"/>
@@ -10865,7 +14121,7 @@
           <a:p>
             <a:fld id="{3D129705-407E-46FB-9913-F82E9030BE01}" type="datetimeFigureOut">
               <a:rPr lang="ru-RU" smtClean="0"/>
-              <a:t>14.06.18</a:t>
+              <a:t>16.06.18</a:t>
             </a:fld>
             <a:endParaRPr lang="ru-RU"/>
           </a:p>
@@ -11527,7 +14783,7 @@
           <a:p>
             <a:fld id="{96D32B65-BF58-42C2-98CF-AFF9CEAC039B}" type="datetime1">
               <a:rPr lang="ru-RU" smtClean="0"/>
-              <a:t>14.06.18</a:t>
+              <a:t>16.06.18</a:t>
             </a:fld>
             <a:endParaRPr lang="ru-RU"/>
           </a:p>
@@ -11735,7 +14991,7 @@
           <a:p>
             <a:fld id="{96821842-91B1-460F-A9E6-FF7518FB6898}" type="datetime1">
               <a:rPr lang="ru-RU" smtClean="0"/>
-              <a:t>14.06.18</a:t>
+              <a:t>16.06.18</a:t>
             </a:fld>
             <a:endParaRPr lang="ru-RU"/>
           </a:p>
@@ -11991,7 +15247,7 @@
           <a:p>
             <a:fld id="{11EF33EC-89F1-4328-89F2-BD81970CBDF0}" type="datetime1">
               <a:rPr lang="ru-RU" smtClean="0"/>
-              <a:t>14.06.18</a:t>
+              <a:t>16.06.18</a:t>
             </a:fld>
             <a:endParaRPr lang="ru-RU"/>
           </a:p>
@@ -12165,7 +15421,7 @@
           <a:p>
             <a:fld id="{89748951-148D-4321-9A66-4EAB41DA11D7}" type="datetime1">
               <a:rPr lang="ru-RU" smtClean="0"/>
-              <a:t>14.06.18</a:t>
+              <a:t>16.06.18</a:t>
             </a:fld>
             <a:endParaRPr lang="ru-RU"/>
           </a:p>
@@ -12508,7 +15764,7 @@
           <a:p>
             <a:fld id="{8F3BE15F-0D18-479B-89F1-1F5FEAB2363B}" type="datetime1">
               <a:rPr lang="ru-RU" smtClean="0"/>
-              <a:t>14.06.18</a:t>
+              <a:t>16.06.18</a:t>
             </a:fld>
             <a:endParaRPr lang="ru-RU"/>
           </a:p>
@@ -12783,7 +16039,7 @@
           <a:p>
             <a:fld id="{56F46041-93EA-4704-B09A-D77CA4AD76A0}" type="datetime1">
               <a:rPr lang="ru-RU" smtClean="0"/>
-              <a:t>14.06.18</a:t>
+              <a:t>16.06.18</a:t>
             </a:fld>
             <a:endParaRPr lang="ru-RU"/>
           </a:p>
@@ -13162,7 +16418,7 @@
           <a:p>
             <a:fld id="{2A7B1594-E278-4F2B-A131-A235F63F43D4}" type="datetime1">
               <a:rPr lang="ru-RU" smtClean="0"/>
-              <a:t>14.06.18</a:t>
+              <a:t>16.06.18</a:t>
             </a:fld>
             <a:endParaRPr lang="ru-RU"/>
           </a:p>
@@ -13280,7 +16536,7 @@
           <a:p>
             <a:fld id="{F22C72EF-5AF1-4B38-AC3A-D8D76248F6DA}" type="datetime1">
               <a:rPr lang="ru-RU" smtClean="0"/>
-              <a:t>14.06.18</a:t>
+              <a:t>16.06.18</a:t>
             </a:fld>
             <a:endParaRPr lang="ru-RU"/>
           </a:p>
@@ -13451,7 +16707,7 @@
           <a:p>
             <a:fld id="{97C586DB-2075-4BC1-8D5A-F67C8F36ABC6}" type="datetime1">
               <a:rPr lang="ru-RU" smtClean="0"/>
-              <a:t>14.06.18</a:t>
+              <a:t>16.06.18</a:t>
             </a:fld>
             <a:endParaRPr lang="ru-RU"/>
           </a:p>
@@ -13805,7 +17061,7 @@
           <a:p>
             <a:fld id="{A2860288-5F89-489D-87AA-9A25591AA6B9}" type="datetime1">
               <a:rPr lang="ru-RU" smtClean="0"/>
-              <a:t>14.06.18</a:t>
+              <a:t>16.06.18</a:t>
             </a:fld>
             <a:endParaRPr lang="ru-RU"/>
           </a:p>
@@ -14187,7 +17443,7 @@
           <a:p>
             <a:fld id="{DCEDE842-CA48-4E68-949B-02CE7DA9D0B8}" type="datetime1">
               <a:rPr lang="ru-RU" smtClean="0"/>
-              <a:t>14.06.18</a:t>
+              <a:t>16.06.18</a:t>
             </a:fld>
             <a:endParaRPr lang="ru-RU"/>
           </a:p>
@@ -14474,7 +17730,7 @@
           <a:p>
             <a:fld id="{6F3B2460-2099-421D-AF39-7833F5DD7ADA}" type="datetime1">
               <a:rPr lang="ru-RU" smtClean="0"/>
-              <a:t>14.06.18</a:t>
+              <a:t>16.06.18</a:t>
             </a:fld>
             <a:endParaRPr lang="ru-RU"/>
           </a:p>
@@ -14999,70 +18255,6 @@
           <a:chExt cx="0" cy="0"/>
         </a:xfrm>
       </p:grpSpPr>
-      <p:pic>
-        <p:nvPicPr>
-          <p:cNvPr id="4" name="Picture 2"/>
-          <p:cNvPicPr>
-            <a:picLocks noChangeAspect="1" noChangeArrowheads="1"/>
-          </p:cNvPicPr>
-          <p:nvPr/>
-        </p:nvPicPr>
-        <p:blipFill>
-          <a:blip r:embed="rId3" cstate="print">
-            <a:extLst>
-              <a:ext uri="{28A0092B-C50C-407E-A947-70E740481C1C}">
-                <a14:useLocalDpi xmlns:a14="http://schemas.microsoft.com/office/drawing/2010/main" val="0"/>
-              </a:ext>
-            </a:extLst>
-          </a:blip>
-          <a:srcRect/>
-          <a:stretch>
-            <a:fillRect/>
-          </a:stretch>
-        </p:blipFill>
-        <p:spPr bwMode="auto">
-          <a:xfrm>
-            <a:off x="2211973" y="166402"/>
-            <a:ext cx="7768053" cy="1728192"/>
-          </a:xfrm>
-          <a:prstGeom prst="rect">
-            <a:avLst/>
-          </a:prstGeom>
-          <a:noFill/>
-          <a:ln>
-            <a:noFill/>
-          </a:ln>
-          <a:effectLst/>
-          <a:extLst>
-            <a:ext uri="{909E8E84-426E-40DD-AFC4-6F175D3DCCD1}">
-              <a14:hiddenFill xmlns:a14="http://schemas.microsoft.com/office/drawing/2010/main">
-                <a:solidFill>
-                  <a:schemeClr val="accent1"/>
-                </a:solidFill>
-              </a14:hiddenFill>
-            </a:ext>
-            <a:ext uri="{91240B29-F687-4F45-9708-019B960494DF}">
-              <a14:hiddenLine xmlns:a14="http://schemas.microsoft.com/office/drawing/2010/main" w="9525">
-                <a:solidFill>
-                  <a:schemeClr val="tx1"/>
-                </a:solidFill>
-                <a:miter lim="800000"/>
-                <a:headEnd/>
-                <a:tailEnd/>
-              </a14:hiddenLine>
-            </a:ext>
-            <a:ext uri="{AF507438-7753-43E0-B8FC-AC1667EBCBE1}">
-              <a14:hiddenEffects xmlns:a14="http://schemas.microsoft.com/office/drawing/2010/main">
-                <a:effectLst>
-                  <a:outerShdw dist="35921" dir="2700000" algn="ctr" rotWithShape="0">
-                    <a:schemeClr val="bg2"/>
-                  </a:outerShdw>
-                </a:effectLst>
-              </a14:hiddenEffects>
-            </a:ext>
-          </a:extLst>
-        </p:spPr>
-      </p:pic>
       <p:sp>
         <p:nvSpPr>
           <p:cNvPr id="5" name="TextBox 4"/>
@@ -15094,11 +18286,6 @@
               </a:rPr>
               <a:t>Дипломная работа</a:t>
             </a:r>
-            <a:endParaRPr lang="ru-RU" sz="2800" dirty="0" smtClean="0">
-              <a:latin typeface="Tahoma" pitchFamily="34" charset="0"/>
-              <a:ea typeface="Tahoma" pitchFamily="34" charset="0"/>
-              <a:cs typeface="Tahoma" pitchFamily="34" charset="0"/>
-            </a:endParaRPr>
           </a:p>
           <a:p>
             <a:pPr algn="ctr"/>
@@ -15108,15 +18295,7 @@
                 <a:ea typeface="Tahoma" pitchFamily="34" charset="0"/>
                 <a:cs typeface="Tahoma" pitchFamily="34" charset="0"/>
               </a:rPr>
-              <a:t>на </a:t>
-            </a:r>
-            <a:r>
-              <a:rPr lang="ru-RU" dirty="0" smtClean="0">
-                <a:latin typeface="Tahoma" pitchFamily="34" charset="0"/>
-                <a:ea typeface="Tahoma" pitchFamily="34" charset="0"/>
-                <a:cs typeface="Tahoma" pitchFamily="34" charset="0"/>
-              </a:rPr>
-              <a:t>тему:</a:t>
+              <a:t>на тему:</a:t>
             </a:r>
             <a:endParaRPr lang="en-US" dirty="0" smtClean="0">
               <a:latin typeface="Tahoma" pitchFamily="34" charset="0"/>
@@ -15356,7 +18535,7 @@
           <a:p>
             <a:fld id="{D9D8AB9F-2AFA-4438-BF61-343132D95C19}" type="datetime1">
               <a:rPr lang="ru-RU" smtClean="0"/>
-              <a:t>14.06.18</a:t>
+              <a:t>16.06.18</a:t>
             </a:fld>
             <a:endParaRPr lang="ru-RU"/>
           </a:p>
@@ -15382,6 +18561,78 @@
               <a:t>1</a:t>
             </a:fld>
             <a:endParaRPr lang="ru-RU"/>
+          </a:p>
+        </p:txBody>
+      </p:sp>
+      <p:sp>
+        <p:nvSpPr>
+          <p:cNvPr id="7" name="TextBox 6"/>
+          <p:cNvSpPr txBox="1"/>
+          <p:nvPr/>
+        </p:nvSpPr>
+        <p:spPr>
+          <a:xfrm>
+            <a:off x="697922" y="209940"/>
+            <a:ext cx="10796154" cy="1477328"/>
+          </a:xfrm>
+          <a:prstGeom prst="rect">
+            <a:avLst/>
+          </a:prstGeom>
+          <a:noFill/>
+        </p:spPr>
+        <p:txBody>
+          <a:bodyPr wrap="square" rtlCol="0">
+            <a:spAutoFit/>
+          </a:bodyPr>
+          <a:lstStyle/>
+          <a:p>
+            <a:pPr algn="ctr"/>
+            <a:r>
+              <a:rPr lang="ru-RU" b="1" dirty="0" smtClean="0">
+                <a:latin typeface="Tahoma" pitchFamily="34" charset="0"/>
+                <a:ea typeface="Tahoma" pitchFamily="34" charset="0"/>
+                <a:cs typeface="Tahoma" pitchFamily="34" charset="0"/>
+              </a:rPr>
+              <a:t>Министерство образования и науки Российской Федерации</a:t>
+            </a:r>
+          </a:p>
+          <a:p>
+            <a:pPr algn="ctr"/>
+            <a:r>
+              <a:rPr lang="ru-RU" dirty="0" smtClean="0">
+                <a:latin typeface="Tahoma" pitchFamily="34" charset="0"/>
+                <a:ea typeface="Tahoma" pitchFamily="34" charset="0"/>
+                <a:cs typeface="Tahoma" pitchFamily="34" charset="0"/>
+              </a:rPr>
+              <a:t>Федеральное государственное бюджетное образовательное Учреждение высшего образования</a:t>
+            </a:r>
+          </a:p>
+          <a:p>
+            <a:pPr algn="ctr"/>
+            <a:r>
+              <a:rPr lang="ru-RU" dirty="0" smtClean="0">
+                <a:latin typeface="Tahoma" pitchFamily="34" charset="0"/>
+                <a:ea typeface="Tahoma" pitchFamily="34" charset="0"/>
+                <a:cs typeface="Tahoma" pitchFamily="34" charset="0"/>
+              </a:rPr>
+              <a:t>«МОСКОВСКИЙ ГОСУДАРСТВЕННЫЙ УНИВЕРСИТЕТ ТЕХНОЛОГИЙ И УПРАВЛЕНИЯ ИМЕНИ К.Г. РАЗУМОВСКОГО (ПКУ)»</a:t>
+            </a:r>
+          </a:p>
+          <a:p>
+            <a:pPr algn="ctr"/>
+            <a:r>
+              <a:rPr lang="ru-RU" dirty="0" smtClean="0">
+                <a:latin typeface="Tahoma" pitchFamily="34" charset="0"/>
+                <a:ea typeface="Tahoma" pitchFamily="34" charset="0"/>
+                <a:cs typeface="Tahoma" pitchFamily="34" charset="0"/>
+              </a:rPr>
+              <a:t>Университетский колледж информационных технологий</a:t>
+            </a:r>
+            <a:endParaRPr lang="ru-RU" sz="1200" dirty="0">
+              <a:latin typeface="Tahoma" pitchFamily="34" charset="0"/>
+              <a:ea typeface="Tahoma" pitchFamily="34" charset="0"/>
+              <a:cs typeface="Tahoma" pitchFamily="34" charset="0"/>
+            </a:endParaRPr>
           </a:p>
         </p:txBody>
       </p:sp>
@@ -15481,7 +18732,7 @@
           <a:p>
             <a:fld id="{EF9284AD-6D29-471E-B2E0-46FCDC46B344}" type="datetime1">
               <a:rPr lang="ru-RU" smtClean="0"/>
-              <a:t>14.06.18</a:t>
+              <a:t>16.06.18</a:t>
             </a:fld>
             <a:endParaRPr lang="ru-RU"/>
           </a:p>
@@ -15606,7 +18857,7 @@
           <a:p>
             <a:fld id="{53C77163-00A7-48CB-9158-B7E33592FEFA}" type="datetime1">
               <a:rPr lang="ru-RU" smtClean="0"/>
-              <a:t>14.06.18</a:t>
+              <a:t>16.06.18</a:t>
             </a:fld>
             <a:endParaRPr lang="ru-RU"/>
           </a:p>
@@ -15645,6 +18896,13 @@
   <p:clrMapOvr>
     <a:masterClrMapping/>
   </p:clrMapOvr>
+  <p:timing>
+    <p:tnLst>
+      <p:par>
+        <p:cTn id="1" dur="indefinite" restart="never" nodeType="tmRoot"/>
+      </p:par>
+    </p:tnLst>
+  </p:timing>
 </p:sld>
 </file>
 
@@ -15724,7 +18982,7 @@
           <a:p>
             <a:fld id="{3DA18952-E552-4E3A-A11F-F79F9C96CD4E}" type="datetime1">
               <a:rPr lang="ru-RU" smtClean="0"/>
-              <a:t>14.06.18</a:t>
+              <a:t>16.06.18</a:t>
             </a:fld>
             <a:endParaRPr lang="ru-RU"/>
           </a:p>
@@ -15763,6 +19021,13 @@
   <p:clrMapOvr>
     <a:masterClrMapping/>
   </p:clrMapOvr>
+  <p:timing>
+    <p:tnLst>
+      <p:par>
+        <p:cTn id="1" dur="indefinite" restart="never" nodeType="tmRoot"/>
+      </p:par>
+    </p:tnLst>
+  </p:timing>
 </p:sld>
 </file>
 
@@ -15800,693 +19065,16 @@
           <a:p>
             <a:r>
               <a:rPr lang="ru-RU" dirty="0" smtClean="0"/>
-              <a:t>Сравнение с аналогичными системами</a:t>
+              <a:t>Сравнение </a:t>
+            </a:r>
+            <a:r>
+              <a:rPr lang="ru-RU" dirty="0" smtClean="0"/>
+              <a:t>с аналогами</a:t>
             </a:r>
             <a:endParaRPr lang="ru-RU" dirty="0"/>
           </a:p>
         </p:txBody>
       </p:sp>
-      <p:graphicFrame>
-        <p:nvGraphicFramePr>
-          <p:cNvPr id="5" name="Объект 6"/>
-          <p:cNvGraphicFramePr>
-            <a:graphicFrameLocks noGrp="1"/>
-          </p:cNvGraphicFramePr>
-          <p:nvPr>
-            <p:ph idx="1"/>
-            <p:extLst>
-              <p:ext uri="{D42A27DB-BD31-4B8C-83A1-F6EECF244321}">
-                <p14:modId xmlns:p14="http://schemas.microsoft.com/office/powerpoint/2010/main" val="1886725250"/>
-              </p:ext>
-            </p:extLst>
-          </p:nvPr>
-        </p:nvGraphicFramePr>
-        <p:xfrm>
-          <a:off x="1096962" y="1846264"/>
-          <a:ext cx="10058716" cy="4336821"/>
-        </p:xfrm>
-        <a:graphic>
-          <a:graphicData uri="http://schemas.openxmlformats.org/drawingml/2006/table">
-            <a:tbl>
-              <a:tblPr firstRow="1" bandRow="1">
-                <a:tableStyleId>{5940675A-B579-460E-94D1-54222C63F5DA}</a:tableStyleId>
-              </a:tblPr>
-              <a:tblGrid>
-                <a:gridCol w="2514679"/>
-                <a:gridCol w="2514679"/>
-                <a:gridCol w="2514679"/>
-                <a:gridCol w="2514679"/>
-              </a:tblGrid>
-              <a:tr h="579101">
-                <a:tc>
-                  <a:txBody>
-                    <a:bodyPr/>
-                    <a:lstStyle/>
-                    <a:p>
-                      <a:pPr algn="ctr"/>
-                      <a:endParaRPr lang="ru-RU" dirty="0"/>
-                    </a:p>
-                  </a:txBody>
-                  <a:tcPr/>
-                </a:tc>
-                <a:tc>
-                  <a:txBody>
-                    <a:bodyPr/>
-                    <a:lstStyle/>
-                    <a:p>
-                      <a:pPr algn="ctr"/>
-                      <a:r>
-                        <a:rPr lang="en-US" sz="2400" dirty="0" smtClean="0"/>
-                        <a:t>EDUKIT</a:t>
-                      </a:r>
-                      <a:endParaRPr lang="ru-RU" sz="2400" dirty="0"/>
-                    </a:p>
-                  </a:txBody>
-                  <a:tcPr anchor="ctr"/>
-                </a:tc>
-                <a:tc>
-                  <a:txBody>
-                    <a:bodyPr/>
-                    <a:lstStyle/>
-                    <a:p>
-                      <a:pPr algn="ctr"/>
-                      <a:r>
-                        <a:rPr lang="ru-RU" sz="2400" dirty="0" err="1" smtClean="0"/>
-                        <a:t>МРКО</a:t>
-                      </a:r>
-                      <a:endParaRPr lang="ru-RU" sz="2400" dirty="0"/>
-                    </a:p>
-                  </a:txBody>
-                  <a:tcPr anchor="ctr"/>
-                </a:tc>
-                <a:tc>
-                  <a:txBody>
-                    <a:bodyPr/>
-                    <a:lstStyle/>
-                    <a:p>
-                      <a:pPr algn="ctr"/>
-                      <a:r>
-                        <a:rPr lang="ru-RU" sz="2400" dirty="0" smtClean="0"/>
-                        <a:t>1С Колледж</a:t>
-                      </a:r>
-                      <a:endParaRPr lang="ru-RU" sz="2400" dirty="0"/>
-                    </a:p>
-                  </a:txBody>
-                  <a:tcPr anchor="ctr"/>
-                </a:tc>
-              </a:tr>
-              <a:tr h="469715">
-                <a:tc>
-                  <a:txBody>
-                    <a:bodyPr/>
-                    <a:lstStyle/>
-                    <a:p>
-                      <a:r>
-                        <a:rPr lang="ru-RU" dirty="0" smtClean="0"/>
-                        <a:t>Доступность</a:t>
-                      </a:r>
-                      <a:endParaRPr lang="ru-RU" dirty="0"/>
-                    </a:p>
-                  </a:txBody>
-                  <a:tcPr anchor="ctr"/>
-                </a:tc>
-                <a:tc>
-                  <a:txBody>
-                    <a:bodyPr/>
-                    <a:lstStyle/>
-                    <a:p>
-                      <a:pPr algn="ctr"/>
-                      <a:r>
-                        <a:rPr lang="ru-RU" dirty="0" smtClean="0"/>
-                        <a:t>+</a:t>
-                      </a:r>
-                      <a:endParaRPr lang="ru-RU" dirty="0"/>
-                    </a:p>
-                  </a:txBody>
-                  <a:tcPr anchor="ctr">
-                    <a:solidFill>
-                      <a:srgbClr val="92D050"/>
-                    </a:solidFill>
-                  </a:tcPr>
-                </a:tc>
-                <a:tc>
-                  <a:txBody>
-                    <a:bodyPr/>
-                    <a:lstStyle/>
-                    <a:p>
-                      <a:pPr algn="ctr"/>
-                      <a:r>
-                        <a:rPr lang="ru-RU" dirty="0" smtClean="0"/>
-                        <a:t>-</a:t>
-                      </a:r>
-                      <a:endParaRPr lang="ru-RU" dirty="0"/>
-                    </a:p>
-                  </a:txBody>
-                  <a:tcPr anchor="ctr">
-                    <a:solidFill>
-                      <a:srgbClr val="CC3300"/>
-                    </a:solidFill>
-                  </a:tcPr>
-                </a:tc>
-                <a:tc>
-                  <a:txBody>
-                    <a:bodyPr/>
-                    <a:lstStyle/>
-                    <a:p>
-                      <a:pPr algn="ctr"/>
-                      <a:r>
-                        <a:rPr lang="ru-RU" dirty="0" smtClean="0"/>
-                        <a:t>-</a:t>
-                      </a:r>
-                      <a:endParaRPr lang="ru-RU" dirty="0"/>
-                    </a:p>
-                  </a:txBody>
-                  <a:tcPr anchor="ctr">
-                    <a:solidFill>
-                      <a:srgbClr val="CC3300"/>
-                    </a:solidFill>
-                  </a:tcPr>
-                </a:tc>
-              </a:tr>
-              <a:tr h="469715">
-                <a:tc>
-                  <a:txBody>
-                    <a:bodyPr/>
-                    <a:lstStyle/>
-                    <a:p>
-                      <a:r>
-                        <a:rPr lang="ru-RU" dirty="0" smtClean="0"/>
-                        <a:t>Аккаунты</a:t>
-                      </a:r>
-                      <a:endParaRPr lang="ru-RU" dirty="0"/>
-                    </a:p>
-                  </a:txBody>
-                  <a:tcPr anchor="ctr"/>
-                </a:tc>
-                <a:tc>
-                  <a:txBody>
-                    <a:bodyPr/>
-                    <a:lstStyle/>
-                    <a:p>
-                      <a:pPr algn="ctr"/>
-                      <a:r>
-                        <a:rPr lang="ru-RU" dirty="0" smtClean="0"/>
-                        <a:t>+</a:t>
-                      </a:r>
-                      <a:endParaRPr lang="ru-RU" dirty="0"/>
-                    </a:p>
-                  </a:txBody>
-                  <a:tcPr anchor="ctr">
-                    <a:solidFill>
-                      <a:srgbClr val="92D050"/>
-                    </a:solidFill>
-                  </a:tcPr>
-                </a:tc>
-                <a:tc>
-                  <a:txBody>
-                    <a:bodyPr/>
-                    <a:lstStyle/>
-                    <a:p>
-                      <a:pPr algn="ctr"/>
-                      <a:r>
-                        <a:rPr lang="ru-RU" dirty="0" smtClean="0"/>
-                        <a:t>+</a:t>
-                      </a:r>
-                      <a:endParaRPr lang="ru-RU" dirty="0"/>
-                    </a:p>
-                  </a:txBody>
-                  <a:tcPr anchor="ctr">
-                    <a:solidFill>
-                      <a:srgbClr val="92D050"/>
-                    </a:solidFill>
-                  </a:tcPr>
-                </a:tc>
-                <a:tc>
-                  <a:txBody>
-                    <a:bodyPr/>
-                    <a:lstStyle/>
-                    <a:p>
-                      <a:pPr algn="ctr"/>
-                      <a:r>
-                        <a:rPr lang="ru-RU" dirty="0" smtClean="0"/>
-                        <a:t>+</a:t>
-                      </a:r>
-                      <a:endParaRPr lang="ru-RU" dirty="0"/>
-                    </a:p>
-                  </a:txBody>
-                  <a:tcPr anchor="ctr">
-                    <a:solidFill>
-                      <a:srgbClr val="92D050"/>
-                    </a:solidFill>
-                  </a:tcPr>
-                </a:tc>
-              </a:tr>
-              <a:tr h="469715">
-                <a:tc>
-                  <a:txBody>
-                    <a:bodyPr/>
-                    <a:lstStyle/>
-                    <a:p>
-                      <a:r>
-                        <a:rPr lang="ru-RU" dirty="0" smtClean="0"/>
-                        <a:t>Успеваемость</a:t>
-                      </a:r>
-                      <a:endParaRPr lang="ru-RU" dirty="0"/>
-                    </a:p>
-                  </a:txBody>
-                  <a:tcPr anchor="ctr"/>
-                </a:tc>
-                <a:tc>
-                  <a:txBody>
-                    <a:bodyPr/>
-                    <a:lstStyle/>
-                    <a:p>
-                      <a:pPr algn="ctr"/>
-                      <a:r>
-                        <a:rPr lang="ru-RU" dirty="0" smtClean="0"/>
-                        <a:t>+</a:t>
-                      </a:r>
-                      <a:endParaRPr lang="ru-RU" dirty="0"/>
-                    </a:p>
-                  </a:txBody>
-                  <a:tcPr anchor="ctr">
-                    <a:solidFill>
-                      <a:srgbClr val="92D050"/>
-                    </a:solidFill>
-                  </a:tcPr>
-                </a:tc>
-                <a:tc>
-                  <a:txBody>
-                    <a:bodyPr/>
-                    <a:lstStyle/>
-                    <a:p>
-                      <a:pPr algn="ctr"/>
-                      <a:r>
-                        <a:rPr lang="ru-RU" dirty="0" smtClean="0"/>
-                        <a:t>+</a:t>
-                      </a:r>
-                      <a:endParaRPr lang="ru-RU" dirty="0"/>
-                    </a:p>
-                  </a:txBody>
-                  <a:tcPr anchor="ctr">
-                    <a:solidFill>
-                      <a:srgbClr val="92D050"/>
-                    </a:solidFill>
-                  </a:tcPr>
-                </a:tc>
-                <a:tc>
-                  <a:txBody>
-                    <a:bodyPr/>
-                    <a:lstStyle/>
-                    <a:p>
-                      <a:pPr algn="ctr"/>
-                      <a:r>
-                        <a:rPr lang="ru-RU" dirty="0" smtClean="0"/>
-                        <a:t>+</a:t>
-                      </a:r>
-                      <a:endParaRPr lang="ru-RU" dirty="0"/>
-                    </a:p>
-                  </a:txBody>
-                  <a:tcPr anchor="ctr">
-                    <a:solidFill>
-                      <a:srgbClr val="92D050"/>
-                    </a:solidFill>
-                  </a:tcPr>
-                </a:tc>
-              </a:tr>
-              <a:tr h="469715">
-                <a:tc>
-                  <a:txBody>
-                    <a:bodyPr/>
-                    <a:lstStyle/>
-                    <a:p>
-                      <a:r>
-                        <a:rPr lang="ru-RU" dirty="0" smtClean="0"/>
-                        <a:t>Посещаемость</a:t>
-                      </a:r>
-                      <a:endParaRPr lang="ru-RU" dirty="0"/>
-                    </a:p>
-                  </a:txBody>
-                  <a:tcPr anchor="ctr"/>
-                </a:tc>
-                <a:tc>
-                  <a:txBody>
-                    <a:bodyPr/>
-                    <a:lstStyle/>
-                    <a:p>
-                      <a:pPr algn="ctr"/>
-                      <a:r>
-                        <a:rPr lang="ru-RU" dirty="0" smtClean="0"/>
-                        <a:t>+</a:t>
-                      </a:r>
-                      <a:endParaRPr lang="ru-RU" dirty="0"/>
-                    </a:p>
-                  </a:txBody>
-                  <a:tcPr anchor="ctr">
-                    <a:solidFill>
-                      <a:srgbClr val="92D050"/>
-                    </a:solidFill>
-                  </a:tcPr>
-                </a:tc>
-                <a:tc>
-                  <a:txBody>
-                    <a:bodyPr/>
-                    <a:lstStyle/>
-                    <a:p>
-                      <a:pPr algn="ctr"/>
-                      <a:r>
-                        <a:rPr lang="ru-RU" dirty="0" smtClean="0"/>
-                        <a:t>+</a:t>
-                      </a:r>
-                      <a:endParaRPr lang="ru-RU" dirty="0"/>
-                    </a:p>
-                  </a:txBody>
-                  <a:tcPr anchor="ctr">
-                    <a:solidFill>
-                      <a:srgbClr val="92D050"/>
-                    </a:solidFill>
-                  </a:tcPr>
-                </a:tc>
-                <a:tc>
-                  <a:txBody>
-                    <a:bodyPr/>
-                    <a:lstStyle/>
-                    <a:p>
-                      <a:pPr algn="ctr"/>
-                      <a:r>
-                        <a:rPr lang="ru-RU" dirty="0" smtClean="0"/>
-                        <a:t>+</a:t>
-                      </a:r>
-                      <a:endParaRPr lang="ru-RU" dirty="0"/>
-                    </a:p>
-                  </a:txBody>
-                  <a:tcPr anchor="ctr">
-                    <a:solidFill>
-                      <a:srgbClr val="92D050"/>
-                    </a:solidFill>
-                  </a:tcPr>
-                </a:tc>
-              </a:tr>
-              <a:tr h="469715">
-                <a:tc>
-                  <a:txBody>
-                    <a:bodyPr/>
-                    <a:lstStyle/>
-                    <a:p>
-                      <a:r>
-                        <a:rPr lang="ru-RU" dirty="0" smtClean="0"/>
-                        <a:t>Тестирование</a:t>
-                      </a:r>
-                      <a:endParaRPr lang="ru-RU" dirty="0"/>
-                    </a:p>
-                  </a:txBody>
-                  <a:tcPr anchor="ctr"/>
-                </a:tc>
-                <a:tc>
-                  <a:txBody>
-                    <a:bodyPr/>
-                    <a:lstStyle/>
-                    <a:p>
-                      <a:pPr algn="ctr"/>
-                      <a:r>
-                        <a:rPr lang="ru-RU" dirty="0" smtClean="0"/>
-                        <a:t>+</a:t>
-                      </a:r>
-                      <a:endParaRPr lang="ru-RU" dirty="0"/>
-                    </a:p>
-                  </a:txBody>
-                  <a:tcPr anchor="ctr">
-                    <a:solidFill>
-                      <a:srgbClr val="92D050"/>
-                    </a:solidFill>
-                  </a:tcPr>
-                </a:tc>
-                <a:tc>
-                  <a:txBody>
-                    <a:bodyPr/>
-                    <a:lstStyle/>
-                    <a:p>
-                      <a:pPr algn="ctr"/>
-                      <a:r>
-                        <a:rPr lang="ru-RU" dirty="0" smtClean="0"/>
-                        <a:t>-</a:t>
-                      </a:r>
-                      <a:endParaRPr lang="ru-RU" dirty="0"/>
-                    </a:p>
-                  </a:txBody>
-                  <a:tcPr anchor="ctr">
-                    <a:solidFill>
-                      <a:srgbClr val="CC3300"/>
-                    </a:solidFill>
-                  </a:tcPr>
-                </a:tc>
-                <a:tc>
-                  <a:txBody>
-                    <a:bodyPr/>
-                    <a:lstStyle/>
-                    <a:p>
-                      <a:pPr algn="ctr"/>
-                      <a:r>
-                        <a:rPr lang="ru-RU" dirty="0" smtClean="0"/>
-                        <a:t>-</a:t>
-                      </a:r>
-                      <a:endParaRPr lang="ru-RU" dirty="0"/>
-                    </a:p>
-                  </a:txBody>
-                  <a:tcPr anchor="ctr">
-                    <a:solidFill>
-                      <a:srgbClr val="CC3300"/>
-                    </a:solidFill>
-                  </a:tcPr>
-                </a:tc>
-              </a:tr>
-              <a:tr h="469715">
-                <a:tc>
-                  <a:txBody>
-                    <a:bodyPr/>
-                    <a:lstStyle/>
-                    <a:p>
-                      <a:r>
-                        <a:rPr lang="ru-RU" dirty="0" smtClean="0"/>
-                        <a:t>Оповещения</a:t>
-                      </a:r>
-                      <a:endParaRPr lang="ru-RU" dirty="0"/>
-                    </a:p>
-                  </a:txBody>
-                  <a:tcPr anchor="ctr"/>
-                </a:tc>
-                <a:tc>
-                  <a:txBody>
-                    <a:bodyPr/>
-                    <a:lstStyle/>
-                    <a:p>
-                      <a:pPr algn="ctr"/>
-                      <a:r>
-                        <a:rPr lang="ru-RU" dirty="0" smtClean="0"/>
-                        <a:t>+</a:t>
-                      </a:r>
-                      <a:endParaRPr lang="ru-RU" dirty="0"/>
-                    </a:p>
-                  </a:txBody>
-                  <a:tcPr anchor="ctr">
-                    <a:solidFill>
-                      <a:srgbClr val="92D050"/>
-                    </a:solidFill>
-                  </a:tcPr>
-                </a:tc>
-                <a:tc>
-                  <a:txBody>
-                    <a:bodyPr/>
-                    <a:lstStyle/>
-                    <a:p>
-                      <a:pPr algn="ctr"/>
-                      <a:r>
-                        <a:rPr lang="ru-RU" dirty="0" smtClean="0"/>
-                        <a:t>+</a:t>
-                      </a:r>
-                      <a:endParaRPr lang="ru-RU" dirty="0"/>
-                    </a:p>
-                  </a:txBody>
-                  <a:tcPr anchor="ctr">
-                    <a:solidFill>
-                      <a:srgbClr val="92D050"/>
-                    </a:solidFill>
-                  </a:tcPr>
-                </a:tc>
-                <a:tc>
-                  <a:txBody>
-                    <a:bodyPr/>
-                    <a:lstStyle/>
-                    <a:p>
-                      <a:pPr algn="ctr"/>
-                      <a:r>
-                        <a:rPr lang="ru-RU" dirty="0" smtClean="0"/>
-                        <a:t>+</a:t>
-                      </a:r>
-                      <a:endParaRPr lang="ru-RU" dirty="0"/>
-                    </a:p>
-                  </a:txBody>
-                  <a:tcPr anchor="ctr">
-                    <a:solidFill>
-                      <a:srgbClr val="92D050"/>
-                    </a:solidFill>
-                  </a:tcPr>
-                </a:tc>
-              </a:tr>
-              <a:tr h="469715">
-                <a:tc>
-                  <a:txBody>
-                    <a:bodyPr/>
-                    <a:lstStyle/>
-                    <a:p>
-                      <a:r>
-                        <a:rPr lang="ru-RU" dirty="0" smtClean="0"/>
-                        <a:t>Родительский контроль</a:t>
-                      </a:r>
-                      <a:endParaRPr lang="ru-RU" dirty="0"/>
-                    </a:p>
-                  </a:txBody>
-                  <a:tcPr anchor="ctr"/>
-                </a:tc>
-                <a:tc>
-                  <a:txBody>
-                    <a:bodyPr/>
-                    <a:lstStyle/>
-                    <a:p>
-                      <a:pPr algn="ctr"/>
-                      <a:r>
-                        <a:rPr lang="ru-RU" dirty="0" smtClean="0"/>
-                        <a:t>+</a:t>
-                      </a:r>
-                      <a:endParaRPr lang="ru-RU" dirty="0"/>
-                    </a:p>
-                  </a:txBody>
-                  <a:tcPr anchor="ctr">
-                    <a:solidFill>
-                      <a:srgbClr val="92D050"/>
-                    </a:solidFill>
-                  </a:tcPr>
-                </a:tc>
-                <a:tc>
-                  <a:txBody>
-                    <a:bodyPr/>
-                    <a:lstStyle/>
-                    <a:p>
-                      <a:pPr algn="ctr"/>
-                      <a:r>
-                        <a:rPr lang="ru-RU" dirty="0" smtClean="0"/>
-                        <a:t>+</a:t>
-                      </a:r>
-                      <a:endParaRPr lang="ru-RU" dirty="0"/>
-                    </a:p>
-                  </a:txBody>
-                  <a:tcPr anchor="ctr">
-                    <a:solidFill>
-                      <a:srgbClr val="92D050"/>
-                    </a:solidFill>
-                  </a:tcPr>
-                </a:tc>
-                <a:tc>
-                  <a:txBody>
-                    <a:bodyPr/>
-                    <a:lstStyle/>
-                    <a:p>
-                      <a:pPr algn="ctr"/>
-                      <a:r>
-                        <a:rPr lang="ru-RU" dirty="0" smtClean="0"/>
-                        <a:t>-</a:t>
-                      </a:r>
-                      <a:endParaRPr lang="ru-RU" dirty="0"/>
-                    </a:p>
-                  </a:txBody>
-                  <a:tcPr anchor="ctr">
-                    <a:solidFill>
-                      <a:srgbClr val="CC3300"/>
-                    </a:solidFill>
-                  </a:tcPr>
-                </a:tc>
-              </a:tr>
-              <a:tr h="469715">
-                <a:tc>
-                  <a:txBody>
-                    <a:bodyPr/>
-                    <a:lstStyle/>
-                    <a:p>
-                      <a:r>
-                        <a:rPr lang="ru-RU" dirty="0" smtClean="0"/>
-                        <a:t>Учебные</a:t>
-                      </a:r>
-                      <a:r>
-                        <a:rPr lang="ru-RU" baseline="0" dirty="0" smtClean="0"/>
-                        <a:t> план </a:t>
-                      </a:r>
-                      <a:endParaRPr lang="ru-RU" dirty="0"/>
-                    </a:p>
-                  </a:txBody>
-                  <a:tcPr anchor="ctr"/>
-                </a:tc>
-                <a:tc>
-                  <a:txBody>
-                    <a:bodyPr/>
-                    <a:lstStyle/>
-                    <a:p>
-                      <a:pPr algn="ctr"/>
-                      <a:r>
-                        <a:rPr lang="ru-RU" dirty="0" smtClean="0"/>
-                        <a:t>+</a:t>
-                      </a:r>
-                      <a:endParaRPr lang="ru-RU" dirty="0"/>
-                    </a:p>
-                  </a:txBody>
-                  <a:tcPr anchor="ctr">
-                    <a:solidFill>
-                      <a:srgbClr val="92D050"/>
-                    </a:solidFill>
-                  </a:tcPr>
-                </a:tc>
-                <a:tc>
-                  <a:txBody>
-                    <a:bodyPr/>
-                    <a:lstStyle/>
-                    <a:p>
-                      <a:pPr algn="ctr"/>
-                      <a:r>
-                        <a:rPr lang="ru-RU" dirty="0" smtClean="0"/>
-                        <a:t>+</a:t>
-                      </a:r>
-                      <a:endParaRPr lang="ru-RU" dirty="0"/>
-                    </a:p>
-                  </a:txBody>
-                  <a:tcPr anchor="ctr">
-                    <a:solidFill>
-                      <a:srgbClr val="92D050"/>
-                    </a:solidFill>
-                  </a:tcPr>
-                </a:tc>
-                <a:tc>
-                  <a:txBody>
-                    <a:bodyPr/>
-                    <a:lstStyle/>
-                    <a:p>
-                      <a:pPr algn="ctr"/>
-                      <a:r>
-                        <a:rPr lang="ru-RU" dirty="0" smtClean="0"/>
-                        <a:t>+</a:t>
-                      </a:r>
-                      <a:endParaRPr lang="ru-RU" dirty="0"/>
-                    </a:p>
-                  </a:txBody>
-                  <a:tcPr anchor="ctr">
-                    <a:solidFill>
-                      <a:srgbClr val="92D050"/>
-                    </a:solidFill>
-                  </a:tcPr>
-                </a:tc>
-              </a:tr>
-            </a:tbl>
-          </a:graphicData>
-        </a:graphic>
-      </p:graphicFrame>
       <p:sp>
         <p:nvSpPr>
           <p:cNvPr id="6" name="Дата 5"/>
@@ -16504,7 +19092,7 @@
           <a:p>
             <a:fld id="{8BAC4297-1FD4-4235-8FFA-33ED4565A7B5}" type="datetime1">
               <a:rPr lang="ru-RU" smtClean="0"/>
-              <a:t>14.06.18</a:t>
+              <a:t>16.06.18</a:t>
             </a:fld>
             <a:endParaRPr lang="ru-RU"/>
           </a:p>
@@ -16533,10 +19121,2401 @@
           </a:p>
         </p:txBody>
       </p:sp>
+      <p:graphicFrame>
+        <p:nvGraphicFramePr>
+          <p:cNvPr id="4" name="Объект 3"/>
+          <p:cNvGraphicFramePr>
+            <a:graphicFrameLocks noGrp="1"/>
+          </p:cNvGraphicFramePr>
+          <p:nvPr>
+            <p:ph idx="1"/>
+            <p:extLst>
+              <p:ext uri="{D42A27DB-BD31-4B8C-83A1-F6EECF244321}">
+                <p14:modId xmlns:p14="http://schemas.microsoft.com/office/powerpoint/2010/main" val="461086115"/>
+              </p:ext>
+            </p:extLst>
+          </p:nvPr>
+        </p:nvGraphicFramePr>
+        <p:xfrm>
+          <a:off x="191069" y="1846263"/>
+          <a:ext cx="11778018" cy="4022725"/>
+        </p:xfrm>
+        <a:graphic>
+          <a:graphicData uri="http://schemas.openxmlformats.org/drawingml/2006/diagram">
+            <dgm:relIds xmlns:dgm="http://schemas.openxmlformats.org/drawingml/2006/diagram" xmlns:r="http://schemas.openxmlformats.org/officeDocument/2006/relationships" r:dm="rId2" r:lo="rId3" r:qs="rId4" r:cs="rId5"/>
+          </a:graphicData>
+        </a:graphic>
+      </p:graphicFrame>
     </p:spTree>
     <p:extLst>
       <p:ext uri="{BB962C8B-B14F-4D97-AF65-F5344CB8AC3E}">
         <p14:creationId xmlns:p14="http://schemas.microsoft.com/office/powerpoint/2010/main" val="1083352745"/>
+      </p:ext>
+    </p:extLst>
+  </p:cSld>
+  <p:clrMapOvr>
+    <a:masterClrMapping/>
+  </p:clrMapOvr>
+  <p:timing>
+    <p:tnLst>
+      <p:par>
+        <p:cTn id="1" dur="indefinite" restart="never" nodeType="tmRoot"/>
+      </p:par>
+    </p:tnLst>
+  </p:timing>
+</p:sld>
+</file>
+
+<file path=ppt/slides/slide14.xml><?xml version="1.0" encoding="utf-8"?>
+<p:sld xmlns:a="http://schemas.openxmlformats.org/drawingml/2006/main" xmlns:r="http://schemas.openxmlformats.org/officeDocument/2006/relationships" xmlns:p="http://schemas.openxmlformats.org/presentationml/2006/main">
+  <p:cSld>
+    <p:spTree>
+      <p:nvGrpSpPr>
+        <p:cNvPr id="1" name=""/>
+        <p:cNvGrpSpPr/>
+        <p:nvPr/>
+      </p:nvGrpSpPr>
+      <p:grpSpPr>
+        <a:xfrm>
+          <a:off x="0" y="0"/>
+          <a:ext cx="0" cy="0"/>
+          <a:chOff x="0" y="0"/>
+          <a:chExt cx="0" cy="0"/>
+        </a:xfrm>
+      </p:grpSpPr>
+      <p:sp>
+        <p:nvSpPr>
+          <p:cNvPr id="2" name="Заголовок 1"/>
+          <p:cNvSpPr>
+            <a:spLocks noGrp="1"/>
+          </p:cNvSpPr>
+          <p:nvPr>
+            <p:ph type="title"/>
+          </p:nvPr>
+        </p:nvSpPr>
+        <p:spPr/>
+        <p:txBody>
+          <a:bodyPr>
+            <a:normAutofit/>
+          </a:bodyPr>
+          <a:lstStyle/>
+          <a:p>
+            <a:r>
+              <a:rPr lang="ru-RU" sz="4400" dirty="0" smtClean="0"/>
+              <a:t>Сравнение с «1С:Колледж»</a:t>
+            </a:r>
+            <a:endParaRPr lang="ru-RU" sz="4400" dirty="0"/>
+          </a:p>
+        </p:txBody>
+      </p:sp>
+      <p:graphicFrame>
+        <p:nvGraphicFramePr>
+          <p:cNvPr id="6" name="Объект 5"/>
+          <p:cNvGraphicFramePr>
+            <a:graphicFrameLocks noGrp="1"/>
+          </p:cNvGraphicFramePr>
+          <p:nvPr>
+            <p:ph idx="1"/>
+            <p:extLst>
+              <p:ext uri="{D42A27DB-BD31-4B8C-83A1-F6EECF244321}">
+                <p14:modId xmlns:p14="http://schemas.microsoft.com/office/powerpoint/2010/main" val="3245842587"/>
+              </p:ext>
+            </p:extLst>
+          </p:nvPr>
+        </p:nvGraphicFramePr>
+        <p:xfrm>
+          <a:off x="1096963" y="1947713"/>
+          <a:ext cx="10039610" cy="4152114"/>
+        </p:xfrm>
+        <a:graphic>
+          <a:graphicData uri="http://schemas.openxmlformats.org/drawingml/2006/table">
+            <a:tbl>
+              <a:tblPr firstRow="1" bandRow="1">
+                <a:tableStyleId>{5940675A-B579-460E-94D1-54222C63F5DA}</a:tableStyleId>
+              </a:tblPr>
+              <a:tblGrid>
+                <a:gridCol w="4798887"/>
+                <a:gridCol w="2176381"/>
+                <a:gridCol w="3064342"/>
+              </a:tblGrid>
+              <a:tr h="588228">
+                <a:tc>
+                  <a:txBody>
+                    <a:bodyPr/>
+                    <a:lstStyle/>
+                    <a:p>
+                      <a:pPr algn="ctr"/>
+                      <a:endParaRPr lang="ru-RU" dirty="0"/>
+                    </a:p>
+                  </a:txBody>
+                  <a:tcPr/>
+                </a:tc>
+                <a:tc>
+                  <a:txBody>
+                    <a:bodyPr/>
+                    <a:lstStyle/>
+                    <a:p>
+                      <a:pPr algn="ctr"/>
+                      <a:r>
+                        <a:rPr lang="en-US" sz="2400" baseline="0" dirty="0" smtClean="0"/>
+                        <a:t>EDUKIT</a:t>
+                      </a:r>
+                      <a:endParaRPr lang="ru-RU" sz="2400" dirty="0"/>
+                    </a:p>
+                  </a:txBody>
+                  <a:tcPr anchor="ctr"/>
+                </a:tc>
+                <a:tc>
+                  <a:txBody>
+                    <a:bodyPr/>
+                    <a:lstStyle/>
+                    <a:p>
+                      <a:pPr algn="ctr"/>
+                      <a:r>
+                        <a:rPr lang="ru-RU" sz="2400" dirty="0" smtClean="0"/>
+                        <a:t>1С:Колледж</a:t>
+                      </a:r>
+                      <a:endParaRPr lang="ru-RU" sz="2400" dirty="0"/>
+                    </a:p>
+                  </a:txBody>
+                  <a:tcPr anchor="ctr"/>
+                </a:tc>
+              </a:tr>
+              <a:tr h="578362">
+                <a:tc>
+                  <a:txBody>
+                    <a:bodyPr/>
+                    <a:lstStyle/>
+                    <a:p>
+                      <a:r>
+                        <a:rPr lang="ru-RU" sz="1800" kern="1200" dirty="0" smtClean="0">
+                          <a:solidFill>
+                            <a:schemeClr val="tx1"/>
+                          </a:solidFill>
+                          <a:effectLst/>
+                          <a:latin typeface="+mn-lt"/>
+                          <a:ea typeface="+mn-ea"/>
+                          <a:cs typeface="+mn-cs"/>
+                        </a:rPr>
+                        <a:t>Регистрация/аутентификация </a:t>
+                      </a:r>
+                      <a:endParaRPr lang="ru-RU" sz="1800" dirty="0"/>
+                    </a:p>
+                  </a:txBody>
+                  <a:tcPr anchor="ctr"/>
+                </a:tc>
+                <a:tc>
+                  <a:txBody>
+                    <a:bodyPr/>
+                    <a:lstStyle/>
+                    <a:p>
+                      <a:pPr algn="ctr"/>
+                      <a:r>
+                        <a:rPr lang="ru-RU" sz="2400" b="1" dirty="0" smtClean="0"/>
+                        <a:t>+</a:t>
+                      </a:r>
+                      <a:endParaRPr lang="ru-RU" sz="2400" b="1" dirty="0"/>
+                    </a:p>
+                  </a:txBody>
+                  <a:tcPr anchor="ctr">
+                    <a:noFill/>
+                  </a:tcPr>
+                </a:tc>
+                <a:tc>
+                  <a:txBody>
+                    <a:bodyPr/>
+                    <a:lstStyle/>
+                    <a:p>
+                      <a:pPr algn="ctr"/>
+                      <a:r>
+                        <a:rPr lang="ru-RU" sz="2400" b="1" dirty="0" smtClean="0"/>
+                        <a:t>-</a:t>
+                      </a:r>
+                      <a:endParaRPr lang="ru-RU" sz="2400" b="1" dirty="0"/>
+                    </a:p>
+                  </a:txBody>
+                  <a:tcPr anchor="ctr">
+                    <a:noFill/>
+                  </a:tcPr>
+                </a:tc>
+              </a:tr>
+              <a:tr h="344068">
+                <a:tc>
+                  <a:txBody>
+                    <a:bodyPr/>
+                    <a:lstStyle/>
+                    <a:p>
+                      <a:r>
+                        <a:rPr lang="ru-RU" sz="1800" kern="1200" dirty="0" smtClean="0">
+                          <a:solidFill>
+                            <a:schemeClr val="tx1"/>
+                          </a:solidFill>
+                          <a:effectLst/>
+                          <a:latin typeface="+mn-lt"/>
+                          <a:ea typeface="+mn-ea"/>
+                          <a:cs typeface="+mn-cs"/>
+                        </a:rPr>
+                        <a:t>Публикация новостей</a:t>
+                      </a:r>
+                      <a:endParaRPr lang="ru-RU" sz="1800" dirty="0"/>
+                    </a:p>
+                  </a:txBody>
+                  <a:tcPr anchor="ctr"/>
+                </a:tc>
+                <a:tc>
+                  <a:txBody>
+                    <a:bodyPr/>
+                    <a:lstStyle/>
+                    <a:p>
+                      <a:pPr algn="ctr"/>
+                      <a:r>
+                        <a:rPr lang="ru-RU" sz="2400" b="1" dirty="0" smtClean="0"/>
+                        <a:t>+</a:t>
+                      </a:r>
+                      <a:endParaRPr lang="ru-RU" sz="2400" b="1" dirty="0"/>
+                    </a:p>
+                  </a:txBody>
+                  <a:tcPr anchor="ctr">
+                    <a:noFill/>
+                  </a:tcPr>
+                </a:tc>
+                <a:tc>
+                  <a:txBody>
+                    <a:bodyPr/>
+                    <a:lstStyle/>
+                    <a:p>
+                      <a:pPr algn="ctr"/>
+                      <a:r>
+                        <a:rPr lang="ru-RU" sz="2400" b="1" dirty="0" smtClean="0"/>
+                        <a:t>-</a:t>
+                      </a:r>
+                      <a:endParaRPr lang="ru-RU" sz="2400" b="1" dirty="0"/>
+                    </a:p>
+                  </a:txBody>
+                  <a:tcPr anchor="ctr">
+                    <a:noFill/>
+                  </a:tcPr>
+                </a:tc>
+              </a:tr>
+              <a:tr h="344068">
+                <a:tc>
+                  <a:txBody>
+                    <a:bodyPr/>
+                    <a:lstStyle/>
+                    <a:p>
+                      <a:r>
+                        <a:rPr lang="ru-RU" sz="1800" kern="1200" dirty="0" smtClean="0">
+                          <a:solidFill>
+                            <a:schemeClr val="tx1"/>
+                          </a:solidFill>
+                          <a:effectLst/>
+                          <a:latin typeface="+mn-lt"/>
+                          <a:ea typeface="+mn-ea"/>
+                          <a:cs typeface="+mn-cs"/>
+                        </a:rPr>
+                        <a:t>Публикация расписания </a:t>
+                      </a:r>
+                      <a:endParaRPr lang="ru-RU" sz="1800" dirty="0"/>
+                    </a:p>
+                  </a:txBody>
+                  <a:tcPr anchor="ctr"/>
+                </a:tc>
+                <a:tc>
+                  <a:txBody>
+                    <a:bodyPr/>
+                    <a:lstStyle/>
+                    <a:p>
+                      <a:pPr algn="ctr"/>
+                      <a:r>
+                        <a:rPr lang="ru-RU" sz="2400" b="1" dirty="0" smtClean="0"/>
+                        <a:t>+</a:t>
+                      </a:r>
+                      <a:endParaRPr lang="ru-RU" sz="2400" b="1" dirty="0"/>
+                    </a:p>
+                  </a:txBody>
+                  <a:tcPr anchor="ctr">
+                    <a:noFill/>
+                  </a:tcPr>
+                </a:tc>
+                <a:tc>
+                  <a:txBody>
+                    <a:bodyPr/>
+                    <a:lstStyle/>
+                    <a:p>
+                      <a:pPr algn="ctr"/>
+                      <a:r>
+                        <a:rPr lang="ru-RU" sz="2400" b="1" dirty="0" smtClean="0"/>
+                        <a:t>+</a:t>
+                      </a:r>
+                      <a:endParaRPr lang="ru-RU" sz="2400" b="1" dirty="0"/>
+                    </a:p>
+                  </a:txBody>
+                  <a:tcPr anchor="ctr">
+                    <a:noFill/>
+                  </a:tcPr>
+                </a:tc>
+              </a:tr>
+              <a:tr h="578362">
+                <a:tc>
+                  <a:txBody>
+                    <a:bodyPr/>
+                    <a:lstStyle/>
+                    <a:p>
+                      <a:r>
+                        <a:rPr lang="ru-RU" sz="1800" kern="1200" dirty="0" smtClean="0">
+                          <a:solidFill>
+                            <a:schemeClr val="tx1"/>
+                          </a:solidFill>
+                          <a:effectLst/>
+                          <a:latin typeface="+mn-lt"/>
+                          <a:ea typeface="+mn-ea"/>
+                          <a:cs typeface="+mn-cs"/>
+                        </a:rPr>
+                        <a:t>Формирование тестовых заданий </a:t>
+                      </a:r>
+                      <a:endParaRPr lang="ru-RU" sz="1800" dirty="0"/>
+                    </a:p>
+                  </a:txBody>
+                  <a:tcPr anchor="ctr"/>
+                </a:tc>
+                <a:tc>
+                  <a:txBody>
+                    <a:bodyPr/>
+                    <a:lstStyle/>
+                    <a:p>
+                      <a:pPr algn="ctr"/>
+                      <a:r>
+                        <a:rPr lang="ru-RU" sz="2400" b="1" dirty="0" smtClean="0"/>
+                        <a:t>+</a:t>
+                      </a:r>
+                      <a:endParaRPr lang="ru-RU" sz="2400" b="1" dirty="0"/>
+                    </a:p>
+                  </a:txBody>
+                  <a:tcPr anchor="ctr">
+                    <a:noFill/>
+                  </a:tcPr>
+                </a:tc>
+                <a:tc>
+                  <a:txBody>
+                    <a:bodyPr/>
+                    <a:lstStyle/>
+                    <a:p>
+                      <a:pPr algn="ctr"/>
+                      <a:r>
+                        <a:rPr lang="ru-RU" sz="2400" b="1" dirty="0" smtClean="0"/>
+                        <a:t>-</a:t>
+                      </a:r>
+                      <a:endParaRPr lang="ru-RU" sz="2400" b="1" dirty="0"/>
+                    </a:p>
+                  </a:txBody>
+                  <a:tcPr anchor="ctr">
+                    <a:noFill/>
+                  </a:tcPr>
+                </a:tc>
+              </a:tr>
+              <a:tr h="578362">
+                <a:tc>
+                  <a:txBody>
+                    <a:bodyPr/>
+                    <a:lstStyle/>
+                    <a:p>
+                      <a:r>
+                        <a:rPr lang="ru-RU" sz="1800" kern="1200" dirty="0" smtClean="0">
+                          <a:solidFill>
+                            <a:schemeClr val="tx1"/>
+                          </a:solidFill>
+                          <a:effectLst/>
+                          <a:latin typeface="+mn-lt"/>
+                          <a:ea typeface="+mn-ea"/>
+                          <a:cs typeface="+mn-cs"/>
+                        </a:rPr>
+                        <a:t>Размещение учебных материалов</a:t>
+                      </a:r>
+                      <a:endParaRPr lang="ru-RU" sz="1800" dirty="0"/>
+                    </a:p>
+                  </a:txBody>
+                  <a:tcPr anchor="ctr"/>
+                </a:tc>
+                <a:tc>
+                  <a:txBody>
+                    <a:bodyPr/>
+                    <a:lstStyle/>
+                    <a:p>
+                      <a:pPr algn="ctr"/>
+                      <a:r>
+                        <a:rPr lang="ru-RU" sz="2400" b="1" dirty="0" smtClean="0"/>
+                        <a:t>+</a:t>
+                      </a:r>
+                      <a:endParaRPr lang="ru-RU" sz="2400" b="1" dirty="0"/>
+                    </a:p>
+                  </a:txBody>
+                  <a:tcPr anchor="ctr">
+                    <a:noFill/>
+                  </a:tcPr>
+                </a:tc>
+                <a:tc>
+                  <a:txBody>
+                    <a:bodyPr/>
+                    <a:lstStyle/>
+                    <a:p>
+                      <a:pPr algn="ctr"/>
+                      <a:r>
+                        <a:rPr lang="ru-RU" sz="2400" b="1" dirty="0" smtClean="0"/>
+                        <a:t>+</a:t>
+                      </a:r>
+                      <a:endParaRPr lang="ru-RU" sz="2400" b="1" dirty="0"/>
+                    </a:p>
+                  </a:txBody>
+                  <a:tcPr anchor="ctr">
+                    <a:noFill/>
+                  </a:tcPr>
+                </a:tc>
+              </a:tr>
+              <a:tr h="344068">
+                <a:tc>
+                  <a:txBody>
+                    <a:bodyPr/>
+                    <a:lstStyle/>
+                    <a:p>
+                      <a:r>
+                        <a:rPr lang="ru-RU" sz="1800" kern="1200" dirty="0" smtClean="0">
+                          <a:solidFill>
+                            <a:schemeClr val="tx1"/>
+                          </a:solidFill>
+                          <a:effectLst/>
+                          <a:latin typeface="+mn-lt"/>
+                          <a:ea typeface="+mn-ea"/>
+                          <a:cs typeface="+mn-cs"/>
+                        </a:rPr>
+                        <a:t>Оповещения по</a:t>
+                      </a:r>
+                      <a:r>
+                        <a:rPr lang="en-US" sz="1800" kern="1200" baseline="0" dirty="0" smtClean="0">
+                          <a:solidFill>
+                            <a:schemeClr val="tx1"/>
+                          </a:solidFill>
+                          <a:effectLst/>
+                          <a:latin typeface="+mn-lt"/>
+                          <a:ea typeface="+mn-ea"/>
+                          <a:cs typeface="+mn-cs"/>
+                        </a:rPr>
+                        <a:t> E-Mail</a:t>
+                      </a:r>
+                      <a:endParaRPr lang="ru-RU" sz="1800" dirty="0"/>
+                    </a:p>
+                  </a:txBody>
+                  <a:tcPr anchor="ctr"/>
+                </a:tc>
+                <a:tc>
+                  <a:txBody>
+                    <a:bodyPr/>
+                    <a:lstStyle/>
+                    <a:p>
+                      <a:pPr algn="ctr"/>
+                      <a:r>
+                        <a:rPr lang="ru-RU" sz="2400" b="1" dirty="0" smtClean="0"/>
+                        <a:t>+</a:t>
+                      </a:r>
+                      <a:endParaRPr lang="ru-RU" sz="2400" b="1" dirty="0"/>
+                    </a:p>
+                  </a:txBody>
+                  <a:tcPr anchor="ctr">
+                    <a:noFill/>
+                  </a:tcPr>
+                </a:tc>
+                <a:tc>
+                  <a:txBody>
+                    <a:bodyPr/>
+                    <a:lstStyle/>
+                    <a:p>
+                      <a:pPr algn="ctr"/>
+                      <a:r>
+                        <a:rPr lang="ru-RU" sz="2400" b="1" dirty="0" smtClean="0"/>
+                        <a:t>+</a:t>
+                      </a:r>
+                      <a:endParaRPr lang="ru-RU" sz="2400" b="1" dirty="0"/>
+                    </a:p>
+                  </a:txBody>
+                  <a:tcPr anchor="ctr">
+                    <a:noFill/>
+                  </a:tcPr>
+                </a:tc>
+              </a:tr>
+              <a:tr h="344068">
+                <a:tc>
+                  <a:txBody>
+                    <a:bodyPr/>
+                    <a:lstStyle/>
+                    <a:p>
+                      <a:r>
+                        <a:rPr lang="ru-RU" sz="1800" dirty="0" smtClean="0"/>
+                        <a:t>Родительский</a:t>
+                      </a:r>
+                      <a:r>
+                        <a:rPr lang="ru-RU" sz="1800" baseline="0" dirty="0" smtClean="0"/>
+                        <a:t> контроль</a:t>
+                      </a:r>
+                      <a:endParaRPr lang="ru-RU" sz="1800" dirty="0"/>
+                    </a:p>
+                  </a:txBody>
+                  <a:tcPr anchor="ctr"/>
+                </a:tc>
+                <a:tc>
+                  <a:txBody>
+                    <a:bodyPr/>
+                    <a:lstStyle/>
+                    <a:p>
+                      <a:pPr algn="ctr"/>
+                      <a:r>
+                        <a:rPr lang="ru-RU" sz="2400" b="1" dirty="0" smtClean="0"/>
+                        <a:t>+</a:t>
+                      </a:r>
+                      <a:endParaRPr lang="ru-RU" sz="2400" b="1" dirty="0"/>
+                    </a:p>
+                  </a:txBody>
+                  <a:tcPr anchor="ctr">
+                    <a:noFill/>
+                  </a:tcPr>
+                </a:tc>
+                <a:tc>
+                  <a:txBody>
+                    <a:bodyPr/>
+                    <a:lstStyle/>
+                    <a:p>
+                      <a:pPr algn="ctr"/>
+                      <a:r>
+                        <a:rPr lang="ru-RU" sz="2400" b="1" dirty="0" smtClean="0"/>
+                        <a:t>-</a:t>
+                      </a:r>
+                      <a:endParaRPr lang="ru-RU" sz="2400" b="1" dirty="0"/>
+                    </a:p>
+                  </a:txBody>
+                  <a:tcPr anchor="ctr">
+                    <a:noFill/>
+                  </a:tcPr>
+                </a:tc>
+              </a:tr>
+            </a:tbl>
+          </a:graphicData>
+        </a:graphic>
+      </p:graphicFrame>
+      <p:sp>
+        <p:nvSpPr>
+          <p:cNvPr id="4" name="Дата 3"/>
+          <p:cNvSpPr>
+            <a:spLocks noGrp="1"/>
+          </p:cNvSpPr>
+          <p:nvPr>
+            <p:ph type="dt" sz="half" idx="10"/>
+          </p:nvPr>
+        </p:nvSpPr>
+        <p:spPr/>
+        <p:txBody>
+          <a:bodyPr/>
+          <a:lstStyle/>
+          <a:p>
+            <a:fld id="{89748951-148D-4321-9A66-4EAB41DA11D7}" type="datetime1">
+              <a:rPr lang="ru-RU" smtClean="0"/>
+              <a:t>16.06.18</a:t>
+            </a:fld>
+            <a:endParaRPr lang="ru-RU"/>
+          </a:p>
+        </p:txBody>
+      </p:sp>
+      <p:sp>
+        <p:nvSpPr>
+          <p:cNvPr id="5" name="Номер слайда 4"/>
+          <p:cNvSpPr>
+            <a:spLocks noGrp="1"/>
+          </p:cNvSpPr>
+          <p:nvPr>
+            <p:ph type="sldNum" sz="quarter" idx="12"/>
+          </p:nvPr>
+        </p:nvSpPr>
+        <p:spPr/>
+        <p:txBody>
+          <a:bodyPr/>
+          <a:lstStyle/>
+          <a:p>
+            <a:fld id="{3A087E35-5216-4F41-90F2-2BFC9943FF68}" type="slidenum">
+              <a:rPr lang="ru-RU" smtClean="0"/>
+              <a:t>14</a:t>
+            </a:fld>
+            <a:endParaRPr lang="ru-RU"/>
+          </a:p>
+        </p:txBody>
+      </p:sp>
+    </p:spTree>
+    <p:extLst>
+      <p:ext uri="{BB962C8B-B14F-4D97-AF65-F5344CB8AC3E}">
+        <p14:creationId xmlns:p14="http://schemas.microsoft.com/office/powerpoint/2010/main" val="2459592169"/>
+      </p:ext>
+    </p:extLst>
+  </p:cSld>
+  <p:clrMapOvr>
+    <a:masterClrMapping/>
+  </p:clrMapOvr>
+  <p:timing>
+    <p:tnLst>
+      <p:par>
+        <p:cTn id="1" dur="indefinite" restart="never" nodeType="tmRoot"/>
+      </p:par>
+    </p:tnLst>
+  </p:timing>
+</p:sld>
+</file>
+
+<file path=ppt/slides/slide15.xml><?xml version="1.0" encoding="utf-8"?>
+<p:sld xmlns:a="http://schemas.openxmlformats.org/drawingml/2006/main" xmlns:r="http://schemas.openxmlformats.org/officeDocument/2006/relationships" xmlns:p="http://schemas.openxmlformats.org/presentationml/2006/main">
+  <p:cSld>
+    <p:spTree>
+      <p:nvGrpSpPr>
+        <p:cNvPr id="1" name=""/>
+        <p:cNvGrpSpPr/>
+        <p:nvPr/>
+      </p:nvGrpSpPr>
+      <p:grpSpPr>
+        <a:xfrm>
+          <a:off x="0" y="0"/>
+          <a:ext cx="0" cy="0"/>
+          <a:chOff x="0" y="0"/>
+          <a:chExt cx="0" cy="0"/>
+        </a:xfrm>
+      </p:grpSpPr>
+      <p:sp>
+        <p:nvSpPr>
+          <p:cNvPr id="2" name="Заголовок 1"/>
+          <p:cNvSpPr>
+            <a:spLocks noGrp="1"/>
+          </p:cNvSpPr>
+          <p:nvPr>
+            <p:ph type="title"/>
+          </p:nvPr>
+        </p:nvSpPr>
+        <p:spPr/>
+        <p:txBody>
+          <a:bodyPr>
+            <a:normAutofit/>
+          </a:bodyPr>
+          <a:lstStyle/>
+          <a:p>
+            <a:r>
+              <a:rPr lang="ru-RU" sz="4400" dirty="0" smtClean="0"/>
+              <a:t>Сравнение с «1С: Электронное обучение»</a:t>
+            </a:r>
+            <a:endParaRPr lang="ru-RU" sz="4400" dirty="0"/>
+          </a:p>
+        </p:txBody>
+      </p:sp>
+      <p:sp>
+        <p:nvSpPr>
+          <p:cNvPr id="4" name="Дата 3"/>
+          <p:cNvSpPr>
+            <a:spLocks noGrp="1"/>
+          </p:cNvSpPr>
+          <p:nvPr>
+            <p:ph type="dt" sz="half" idx="10"/>
+          </p:nvPr>
+        </p:nvSpPr>
+        <p:spPr/>
+        <p:txBody>
+          <a:bodyPr/>
+          <a:lstStyle/>
+          <a:p>
+            <a:fld id="{89748951-148D-4321-9A66-4EAB41DA11D7}" type="datetime1">
+              <a:rPr lang="ru-RU" smtClean="0"/>
+              <a:t>16.06.18</a:t>
+            </a:fld>
+            <a:endParaRPr lang="ru-RU"/>
+          </a:p>
+        </p:txBody>
+      </p:sp>
+      <p:sp>
+        <p:nvSpPr>
+          <p:cNvPr id="5" name="Номер слайда 4"/>
+          <p:cNvSpPr>
+            <a:spLocks noGrp="1"/>
+          </p:cNvSpPr>
+          <p:nvPr>
+            <p:ph type="sldNum" sz="quarter" idx="12"/>
+          </p:nvPr>
+        </p:nvSpPr>
+        <p:spPr/>
+        <p:txBody>
+          <a:bodyPr/>
+          <a:lstStyle/>
+          <a:p>
+            <a:fld id="{3A087E35-5216-4F41-90F2-2BFC9943FF68}" type="slidenum">
+              <a:rPr lang="ru-RU" smtClean="0"/>
+              <a:t>15</a:t>
+            </a:fld>
+            <a:endParaRPr lang="ru-RU"/>
+          </a:p>
+        </p:txBody>
+      </p:sp>
+      <p:graphicFrame>
+        <p:nvGraphicFramePr>
+          <p:cNvPr id="6" name="Таблица 5"/>
+          <p:cNvGraphicFramePr>
+            <a:graphicFrameLocks noGrp="1"/>
+          </p:cNvGraphicFramePr>
+          <p:nvPr>
+            <p:extLst>
+              <p:ext uri="{D42A27DB-BD31-4B8C-83A1-F6EECF244321}">
+                <p14:modId xmlns:p14="http://schemas.microsoft.com/office/powerpoint/2010/main" val="35211454"/>
+              </p:ext>
+            </p:extLst>
+          </p:nvPr>
+        </p:nvGraphicFramePr>
+        <p:xfrm>
+          <a:off x="1096963" y="1846263"/>
+          <a:ext cx="10025961" cy="4072933"/>
+        </p:xfrm>
+        <a:graphic>
+          <a:graphicData uri="http://schemas.openxmlformats.org/drawingml/2006/table">
+            <a:tbl>
+              <a:tblPr firstRow="1" bandRow="1">
+                <a:tableStyleId>{5940675A-B579-460E-94D1-54222C63F5DA}</a:tableStyleId>
+              </a:tblPr>
+              <a:tblGrid>
+                <a:gridCol w="4333473"/>
+                <a:gridCol w="1965307"/>
+                <a:gridCol w="3727181"/>
+              </a:tblGrid>
+              <a:tr h="782968">
+                <a:tc>
+                  <a:txBody>
+                    <a:bodyPr/>
+                    <a:lstStyle/>
+                    <a:p>
+                      <a:pPr algn="ctr"/>
+                      <a:endParaRPr lang="ru-RU" dirty="0"/>
+                    </a:p>
+                  </a:txBody>
+                  <a:tcPr/>
+                </a:tc>
+                <a:tc>
+                  <a:txBody>
+                    <a:bodyPr/>
+                    <a:lstStyle/>
+                    <a:p>
+                      <a:pPr algn="ctr"/>
+                      <a:r>
+                        <a:rPr lang="en-US" sz="2400" baseline="0" dirty="0" smtClean="0"/>
+                        <a:t>EDUKIT</a:t>
+                      </a:r>
+                      <a:endParaRPr lang="ru-RU" sz="2400" dirty="0"/>
+                    </a:p>
+                  </a:txBody>
+                  <a:tcPr anchor="ctr"/>
+                </a:tc>
+                <a:tc>
+                  <a:txBody>
+                    <a:bodyPr/>
+                    <a:lstStyle/>
+                    <a:p>
+                      <a:pPr algn="ctr"/>
+                      <a:r>
+                        <a:rPr lang="ru-RU" sz="2400" dirty="0" smtClean="0"/>
+                        <a:t>1С:Электронное</a:t>
+                      </a:r>
+                      <a:r>
+                        <a:rPr lang="ru-RU" sz="2400" baseline="0" dirty="0" smtClean="0"/>
+                        <a:t> обучение</a:t>
+                      </a:r>
+                      <a:endParaRPr lang="ru-RU" sz="2400" dirty="0"/>
+                    </a:p>
+                  </a:txBody>
+                  <a:tcPr anchor="ctr"/>
+                </a:tc>
+              </a:tr>
+              <a:tr h="608975">
+                <a:tc>
+                  <a:txBody>
+                    <a:bodyPr/>
+                    <a:lstStyle/>
+                    <a:p>
+                      <a:r>
+                        <a:rPr lang="ru-RU" sz="1800" kern="1200" dirty="0" smtClean="0">
+                          <a:solidFill>
+                            <a:schemeClr val="tx1"/>
+                          </a:solidFill>
+                          <a:effectLst/>
+                          <a:latin typeface="+mn-lt"/>
+                          <a:ea typeface="+mn-ea"/>
+                          <a:cs typeface="+mn-cs"/>
+                        </a:rPr>
+                        <a:t>Регистрация/аутентификация </a:t>
+                      </a:r>
+                      <a:endParaRPr lang="ru-RU" dirty="0"/>
+                    </a:p>
+                  </a:txBody>
+                  <a:tcPr anchor="ctr"/>
+                </a:tc>
+                <a:tc>
+                  <a:txBody>
+                    <a:bodyPr/>
+                    <a:lstStyle/>
+                    <a:p>
+                      <a:pPr algn="ctr"/>
+                      <a:r>
+                        <a:rPr lang="ru-RU" dirty="0" smtClean="0"/>
+                        <a:t>+</a:t>
+                      </a:r>
+                      <a:endParaRPr lang="ru-RU" dirty="0"/>
+                    </a:p>
+                  </a:txBody>
+                  <a:tcPr anchor="ctr">
+                    <a:noFill/>
+                  </a:tcPr>
+                </a:tc>
+                <a:tc>
+                  <a:txBody>
+                    <a:bodyPr/>
+                    <a:lstStyle/>
+                    <a:p>
+                      <a:pPr algn="ctr"/>
+                      <a:r>
+                        <a:rPr lang="ru-RU" dirty="0" smtClean="0"/>
+                        <a:t>+</a:t>
+                      </a:r>
+                      <a:endParaRPr lang="ru-RU" dirty="0"/>
+                    </a:p>
+                  </a:txBody>
+                  <a:tcPr anchor="ctr">
+                    <a:noFill/>
+                  </a:tcPr>
+                </a:tc>
+              </a:tr>
+              <a:tr h="347986">
+                <a:tc>
+                  <a:txBody>
+                    <a:bodyPr/>
+                    <a:lstStyle/>
+                    <a:p>
+                      <a:r>
+                        <a:rPr lang="ru-RU" sz="1800" kern="1200" dirty="0" smtClean="0">
+                          <a:solidFill>
+                            <a:schemeClr val="tx1"/>
+                          </a:solidFill>
+                          <a:effectLst/>
+                          <a:latin typeface="+mn-lt"/>
+                          <a:ea typeface="+mn-ea"/>
+                          <a:cs typeface="+mn-cs"/>
+                        </a:rPr>
+                        <a:t>Публикация новостей</a:t>
+                      </a:r>
+                      <a:endParaRPr lang="ru-RU" dirty="0"/>
+                    </a:p>
+                  </a:txBody>
+                  <a:tcPr anchor="ctr"/>
+                </a:tc>
+                <a:tc>
+                  <a:txBody>
+                    <a:bodyPr/>
+                    <a:lstStyle/>
+                    <a:p>
+                      <a:pPr algn="ctr"/>
+                      <a:r>
+                        <a:rPr lang="ru-RU" dirty="0" smtClean="0"/>
+                        <a:t>+</a:t>
+                      </a:r>
+                      <a:endParaRPr lang="ru-RU" dirty="0"/>
+                    </a:p>
+                  </a:txBody>
+                  <a:tcPr anchor="ctr">
+                    <a:noFill/>
+                  </a:tcPr>
+                </a:tc>
+                <a:tc>
+                  <a:txBody>
+                    <a:bodyPr/>
+                    <a:lstStyle/>
+                    <a:p>
+                      <a:pPr algn="ctr"/>
+                      <a:r>
+                        <a:rPr lang="ru-RU" dirty="0" smtClean="0"/>
+                        <a:t>+</a:t>
+                      </a:r>
+                      <a:endParaRPr lang="ru-RU" dirty="0"/>
+                    </a:p>
+                  </a:txBody>
+                  <a:tcPr anchor="ctr">
+                    <a:noFill/>
+                  </a:tcPr>
+                </a:tc>
+              </a:tr>
+              <a:tr h="347986">
+                <a:tc>
+                  <a:txBody>
+                    <a:bodyPr/>
+                    <a:lstStyle/>
+                    <a:p>
+                      <a:r>
+                        <a:rPr lang="ru-RU" sz="1800" kern="1200" dirty="0" smtClean="0">
+                          <a:solidFill>
+                            <a:schemeClr val="tx1"/>
+                          </a:solidFill>
+                          <a:effectLst/>
+                          <a:latin typeface="+mn-lt"/>
+                          <a:ea typeface="+mn-ea"/>
+                          <a:cs typeface="+mn-cs"/>
+                        </a:rPr>
+                        <a:t>Публикация расписания </a:t>
+                      </a:r>
+                      <a:endParaRPr lang="ru-RU" dirty="0"/>
+                    </a:p>
+                  </a:txBody>
+                  <a:tcPr anchor="ctr"/>
+                </a:tc>
+                <a:tc>
+                  <a:txBody>
+                    <a:bodyPr/>
+                    <a:lstStyle/>
+                    <a:p>
+                      <a:pPr algn="ctr"/>
+                      <a:r>
+                        <a:rPr lang="ru-RU" dirty="0" smtClean="0"/>
+                        <a:t>+</a:t>
+                      </a:r>
+                      <a:endParaRPr lang="ru-RU" dirty="0"/>
+                    </a:p>
+                  </a:txBody>
+                  <a:tcPr anchor="ctr">
+                    <a:noFill/>
+                  </a:tcPr>
+                </a:tc>
+                <a:tc>
+                  <a:txBody>
+                    <a:bodyPr/>
+                    <a:lstStyle/>
+                    <a:p>
+                      <a:pPr algn="ctr"/>
+                      <a:r>
+                        <a:rPr lang="ru-RU" dirty="0" smtClean="0"/>
+                        <a:t>+</a:t>
+                      </a:r>
+                      <a:endParaRPr lang="ru-RU" dirty="0"/>
+                    </a:p>
+                  </a:txBody>
+                  <a:tcPr anchor="ctr">
+                    <a:noFill/>
+                  </a:tcPr>
+                </a:tc>
+              </a:tr>
+              <a:tr h="608975">
+                <a:tc>
+                  <a:txBody>
+                    <a:bodyPr/>
+                    <a:lstStyle/>
+                    <a:p>
+                      <a:r>
+                        <a:rPr lang="ru-RU" sz="1800" kern="1200" dirty="0" smtClean="0">
+                          <a:solidFill>
+                            <a:schemeClr val="tx1"/>
+                          </a:solidFill>
+                          <a:effectLst/>
+                          <a:latin typeface="+mn-lt"/>
+                          <a:ea typeface="+mn-ea"/>
+                          <a:cs typeface="+mn-cs"/>
+                        </a:rPr>
+                        <a:t>Формирование тестовых заданий </a:t>
+                      </a:r>
+                      <a:endParaRPr lang="ru-RU" dirty="0"/>
+                    </a:p>
+                  </a:txBody>
+                  <a:tcPr anchor="ctr"/>
+                </a:tc>
+                <a:tc>
+                  <a:txBody>
+                    <a:bodyPr/>
+                    <a:lstStyle/>
+                    <a:p>
+                      <a:pPr algn="ctr"/>
+                      <a:r>
+                        <a:rPr lang="ru-RU" dirty="0" smtClean="0"/>
+                        <a:t>+</a:t>
+                      </a:r>
+                      <a:endParaRPr lang="ru-RU" dirty="0"/>
+                    </a:p>
+                  </a:txBody>
+                  <a:tcPr anchor="ctr">
+                    <a:noFill/>
+                  </a:tcPr>
+                </a:tc>
+                <a:tc>
+                  <a:txBody>
+                    <a:bodyPr/>
+                    <a:lstStyle/>
+                    <a:p>
+                      <a:pPr algn="ctr"/>
+                      <a:r>
+                        <a:rPr lang="ru-RU" dirty="0" smtClean="0"/>
+                        <a:t>+</a:t>
+                      </a:r>
+                      <a:endParaRPr lang="ru-RU" dirty="0"/>
+                    </a:p>
+                  </a:txBody>
+                  <a:tcPr anchor="ctr">
+                    <a:noFill/>
+                  </a:tcPr>
+                </a:tc>
+              </a:tr>
+              <a:tr h="608975">
+                <a:tc>
+                  <a:txBody>
+                    <a:bodyPr/>
+                    <a:lstStyle/>
+                    <a:p>
+                      <a:r>
+                        <a:rPr lang="ru-RU" sz="1800" kern="1200" dirty="0" smtClean="0">
+                          <a:solidFill>
+                            <a:schemeClr val="tx1"/>
+                          </a:solidFill>
+                          <a:effectLst/>
+                          <a:latin typeface="+mn-lt"/>
+                          <a:ea typeface="+mn-ea"/>
+                          <a:cs typeface="+mn-cs"/>
+                        </a:rPr>
+                        <a:t>Размещение учебных материалов</a:t>
+                      </a:r>
+                      <a:endParaRPr lang="ru-RU" dirty="0"/>
+                    </a:p>
+                  </a:txBody>
+                  <a:tcPr anchor="ctr"/>
+                </a:tc>
+                <a:tc>
+                  <a:txBody>
+                    <a:bodyPr/>
+                    <a:lstStyle/>
+                    <a:p>
+                      <a:pPr algn="ctr"/>
+                      <a:r>
+                        <a:rPr lang="ru-RU" dirty="0" smtClean="0"/>
+                        <a:t>+</a:t>
+                      </a:r>
+                      <a:endParaRPr lang="ru-RU" dirty="0"/>
+                    </a:p>
+                  </a:txBody>
+                  <a:tcPr anchor="ctr">
+                    <a:noFill/>
+                  </a:tcPr>
+                </a:tc>
+                <a:tc>
+                  <a:txBody>
+                    <a:bodyPr/>
+                    <a:lstStyle/>
+                    <a:p>
+                      <a:pPr algn="ctr"/>
+                      <a:r>
+                        <a:rPr lang="ru-RU" dirty="0" smtClean="0"/>
+                        <a:t>+</a:t>
+                      </a:r>
+                      <a:endParaRPr lang="ru-RU" dirty="0"/>
+                    </a:p>
+                  </a:txBody>
+                  <a:tcPr anchor="ctr">
+                    <a:noFill/>
+                  </a:tcPr>
+                </a:tc>
+              </a:tr>
+              <a:tr h="347986">
+                <a:tc>
+                  <a:txBody>
+                    <a:bodyPr/>
+                    <a:lstStyle/>
+                    <a:p>
+                      <a:r>
+                        <a:rPr lang="ru-RU" sz="1800" kern="1200" dirty="0" smtClean="0">
+                          <a:solidFill>
+                            <a:schemeClr val="tx1"/>
+                          </a:solidFill>
+                          <a:effectLst/>
+                          <a:latin typeface="+mn-lt"/>
+                          <a:ea typeface="+mn-ea"/>
+                          <a:cs typeface="+mn-cs"/>
+                        </a:rPr>
+                        <a:t>Оповещения по</a:t>
+                      </a:r>
+                      <a:r>
+                        <a:rPr lang="en-US" sz="1800" kern="1200" baseline="0" dirty="0" smtClean="0">
+                          <a:solidFill>
+                            <a:schemeClr val="tx1"/>
+                          </a:solidFill>
+                          <a:effectLst/>
+                          <a:latin typeface="+mn-lt"/>
+                          <a:ea typeface="+mn-ea"/>
+                          <a:cs typeface="+mn-cs"/>
+                        </a:rPr>
+                        <a:t> E-Mail</a:t>
+                      </a:r>
+                      <a:endParaRPr lang="ru-RU" dirty="0"/>
+                    </a:p>
+                  </a:txBody>
+                  <a:tcPr anchor="ctr"/>
+                </a:tc>
+                <a:tc>
+                  <a:txBody>
+                    <a:bodyPr/>
+                    <a:lstStyle/>
+                    <a:p>
+                      <a:pPr algn="ctr"/>
+                      <a:r>
+                        <a:rPr lang="ru-RU" dirty="0" smtClean="0"/>
+                        <a:t>+</a:t>
+                      </a:r>
+                      <a:endParaRPr lang="ru-RU" dirty="0"/>
+                    </a:p>
+                  </a:txBody>
+                  <a:tcPr anchor="ctr">
+                    <a:noFill/>
+                  </a:tcPr>
+                </a:tc>
+                <a:tc>
+                  <a:txBody>
+                    <a:bodyPr/>
+                    <a:lstStyle/>
+                    <a:p>
+                      <a:pPr algn="ctr"/>
+                      <a:r>
+                        <a:rPr lang="ru-RU" dirty="0" smtClean="0"/>
+                        <a:t>+</a:t>
+                      </a:r>
+                      <a:endParaRPr lang="ru-RU" dirty="0"/>
+                    </a:p>
+                  </a:txBody>
+                  <a:tcPr anchor="ctr">
+                    <a:noFill/>
+                  </a:tcPr>
+                </a:tc>
+              </a:tr>
+              <a:tr h="347986">
+                <a:tc>
+                  <a:txBody>
+                    <a:bodyPr/>
+                    <a:lstStyle/>
+                    <a:p>
+                      <a:r>
+                        <a:rPr lang="ru-RU" dirty="0" smtClean="0"/>
+                        <a:t>Родительский</a:t>
+                      </a:r>
+                      <a:r>
+                        <a:rPr lang="ru-RU" baseline="0" dirty="0" smtClean="0"/>
+                        <a:t> контроль</a:t>
+                      </a:r>
+                      <a:endParaRPr lang="ru-RU" dirty="0"/>
+                    </a:p>
+                  </a:txBody>
+                  <a:tcPr anchor="ctr"/>
+                </a:tc>
+                <a:tc>
+                  <a:txBody>
+                    <a:bodyPr/>
+                    <a:lstStyle/>
+                    <a:p>
+                      <a:pPr algn="ctr"/>
+                      <a:r>
+                        <a:rPr lang="ru-RU" dirty="0" smtClean="0"/>
+                        <a:t>+</a:t>
+                      </a:r>
+                      <a:endParaRPr lang="ru-RU" dirty="0"/>
+                    </a:p>
+                  </a:txBody>
+                  <a:tcPr anchor="ctr">
+                    <a:noFill/>
+                  </a:tcPr>
+                </a:tc>
+                <a:tc>
+                  <a:txBody>
+                    <a:bodyPr/>
+                    <a:lstStyle/>
+                    <a:p>
+                      <a:pPr algn="ctr"/>
+                      <a:r>
+                        <a:rPr lang="ru-RU" dirty="0" smtClean="0"/>
+                        <a:t>+</a:t>
+                      </a:r>
+                      <a:endParaRPr lang="ru-RU" dirty="0"/>
+                    </a:p>
+                  </a:txBody>
+                  <a:tcPr anchor="ctr">
+                    <a:noFill/>
+                  </a:tcPr>
+                </a:tc>
+              </a:tr>
+            </a:tbl>
+          </a:graphicData>
+        </a:graphic>
+      </p:graphicFrame>
+    </p:spTree>
+    <p:extLst>
+      <p:ext uri="{BB962C8B-B14F-4D97-AF65-F5344CB8AC3E}">
+        <p14:creationId xmlns:p14="http://schemas.microsoft.com/office/powerpoint/2010/main" val="2742777254"/>
+      </p:ext>
+    </p:extLst>
+  </p:cSld>
+  <p:clrMapOvr>
+    <a:masterClrMapping/>
+  </p:clrMapOvr>
+  <p:timing>
+    <p:tnLst>
+      <p:par>
+        <p:cTn id="1" dur="indefinite" restart="never" nodeType="tmRoot"/>
+      </p:par>
+    </p:tnLst>
+  </p:timing>
+</p:sld>
+</file>
+
+<file path=ppt/slides/slide16.xml><?xml version="1.0" encoding="utf-8"?>
+<p:sld xmlns:a="http://schemas.openxmlformats.org/drawingml/2006/main" xmlns:r="http://schemas.openxmlformats.org/officeDocument/2006/relationships" xmlns:p="http://schemas.openxmlformats.org/presentationml/2006/main">
+  <p:cSld>
+    <p:spTree>
+      <p:nvGrpSpPr>
+        <p:cNvPr id="1" name=""/>
+        <p:cNvGrpSpPr/>
+        <p:nvPr/>
+      </p:nvGrpSpPr>
+      <p:grpSpPr>
+        <a:xfrm>
+          <a:off x="0" y="0"/>
+          <a:ext cx="0" cy="0"/>
+          <a:chOff x="0" y="0"/>
+          <a:chExt cx="0" cy="0"/>
+        </a:xfrm>
+      </p:grpSpPr>
+      <p:sp>
+        <p:nvSpPr>
+          <p:cNvPr id="2" name="Заголовок 1"/>
+          <p:cNvSpPr>
+            <a:spLocks noGrp="1"/>
+          </p:cNvSpPr>
+          <p:nvPr>
+            <p:ph type="title"/>
+          </p:nvPr>
+        </p:nvSpPr>
+        <p:spPr/>
+        <p:txBody>
+          <a:bodyPr/>
+          <a:lstStyle/>
+          <a:p>
+            <a:r>
+              <a:rPr lang="ru-RU" dirty="0" smtClean="0"/>
+              <a:t>Сравнение с МРКО</a:t>
+            </a:r>
+            <a:endParaRPr lang="ru-RU" dirty="0"/>
+          </a:p>
+        </p:txBody>
+      </p:sp>
+      <p:sp>
+        <p:nvSpPr>
+          <p:cNvPr id="4" name="Дата 3"/>
+          <p:cNvSpPr>
+            <a:spLocks noGrp="1"/>
+          </p:cNvSpPr>
+          <p:nvPr>
+            <p:ph type="dt" sz="half" idx="10"/>
+          </p:nvPr>
+        </p:nvSpPr>
+        <p:spPr/>
+        <p:txBody>
+          <a:bodyPr/>
+          <a:lstStyle/>
+          <a:p>
+            <a:fld id="{89748951-148D-4321-9A66-4EAB41DA11D7}" type="datetime1">
+              <a:rPr lang="ru-RU" smtClean="0"/>
+              <a:t>16.06.18</a:t>
+            </a:fld>
+            <a:endParaRPr lang="ru-RU"/>
+          </a:p>
+        </p:txBody>
+      </p:sp>
+      <p:sp>
+        <p:nvSpPr>
+          <p:cNvPr id="5" name="Номер слайда 4"/>
+          <p:cNvSpPr>
+            <a:spLocks noGrp="1"/>
+          </p:cNvSpPr>
+          <p:nvPr>
+            <p:ph type="sldNum" sz="quarter" idx="12"/>
+          </p:nvPr>
+        </p:nvSpPr>
+        <p:spPr/>
+        <p:txBody>
+          <a:bodyPr/>
+          <a:lstStyle/>
+          <a:p>
+            <a:fld id="{3A087E35-5216-4F41-90F2-2BFC9943FF68}" type="slidenum">
+              <a:rPr lang="ru-RU" smtClean="0"/>
+              <a:t>16</a:t>
+            </a:fld>
+            <a:endParaRPr lang="ru-RU"/>
+          </a:p>
+        </p:txBody>
+      </p:sp>
+      <p:graphicFrame>
+        <p:nvGraphicFramePr>
+          <p:cNvPr id="6" name="Таблица 5"/>
+          <p:cNvGraphicFramePr>
+            <a:graphicFrameLocks noGrp="1"/>
+          </p:cNvGraphicFramePr>
+          <p:nvPr>
+            <p:extLst>
+              <p:ext uri="{D42A27DB-BD31-4B8C-83A1-F6EECF244321}">
+                <p14:modId xmlns:p14="http://schemas.microsoft.com/office/powerpoint/2010/main" val="431733603"/>
+              </p:ext>
+            </p:extLst>
+          </p:nvPr>
+        </p:nvGraphicFramePr>
+        <p:xfrm>
+          <a:off x="1096666" y="1977798"/>
+          <a:ext cx="9998667" cy="4199185"/>
+        </p:xfrm>
+        <a:graphic>
+          <a:graphicData uri="http://schemas.openxmlformats.org/drawingml/2006/table">
+            <a:tbl>
+              <a:tblPr firstRow="1" bandRow="1">
+                <a:tableStyleId>{5940675A-B579-460E-94D1-54222C63F5DA}</a:tableStyleId>
+              </a:tblPr>
+              <a:tblGrid>
+                <a:gridCol w="5512147"/>
+                <a:gridCol w="2499857"/>
+                <a:gridCol w="1986663"/>
+              </a:tblGrid>
+              <a:tr h="600145">
+                <a:tc>
+                  <a:txBody>
+                    <a:bodyPr/>
+                    <a:lstStyle/>
+                    <a:p>
+                      <a:pPr algn="ctr"/>
+                      <a:endParaRPr lang="ru-RU" dirty="0"/>
+                    </a:p>
+                  </a:txBody>
+                  <a:tcPr/>
+                </a:tc>
+                <a:tc>
+                  <a:txBody>
+                    <a:bodyPr/>
+                    <a:lstStyle/>
+                    <a:p>
+                      <a:pPr algn="ctr"/>
+                      <a:r>
+                        <a:rPr lang="en-US" sz="2400" baseline="0" dirty="0" smtClean="0"/>
+                        <a:t>EDUKIT</a:t>
+                      </a:r>
+                      <a:endParaRPr lang="ru-RU" sz="2400" dirty="0"/>
+                    </a:p>
+                  </a:txBody>
+                  <a:tcPr anchor="ctr"/>
+                </a:tc>
+                <a:tc>
+                  <a:txBody>
+                    <a:bodyPr/>
+                    <a:lstStyle/>
+                    <a:p>
+                      <a:pPr algn="ctr"/>
+                      <a:r>
+                        <a:rPr lang="ru-RU" sz="2400" dirty="0" smtClean="0"/>
+                        <a:t>МРКО</a:t>
+                      </a:r>
+                      <a:endParaRPr lang="ru-RU" sz="2400" dirty="0"/>
+                    </a:p>
+                  </a:txBody>
+                  <a:tcPr anchor="ctr"/>
+                </a:tc>
+              </a:tr>
+              <a:tr h="590080">
+                <a:tc>
+                  <a:txBody>
+                    <a:bodyPr/>
+                    <a:lstStyle/>
+                    <a:p>
+                      <a:r>
+                        <a:rPr lang="ru-RU" sz="1800" kern="1200" dirty="0" smtClean="0">
+                          <a:solidFill>
+                            <a:schemeClr val="tx1"/>
+                          </a:solidFill>
+                          <a:effectLst/>
+                          <a:latin typeface="+mn-lt"/>
+                          <a:ea typeface="+mn-ea"/>
+                          <a:cs typeface="+mn-cs"/>
+                        </a:rPr>
+                        <a:t>Регистрация/аутентификация </a:t>
+                      </a:r>
+                      <a:endParaRPr lang="ru-RU" dirty="0"/>
+                    </a:p>
+                  </a:txBody>
+                  <a:tcPr anchor="ctr"/>
+                </a:tc>
+                <a:tc>
+                  <a:txBody>
+                    <a:bodyPr/>
+                    <a:lstStyle/>
+                    <a:p>
+                      <a:pPr algn="ctr"/>
+                      <a:r>
+                        <a:rPr lang="ru-RU" sz="2400" dirty="0" smtClean="0"/>
+                        <a:t>+</a:t>
+                      </a:r>
+                      <a:endParaRPr lang="ru-RU" sz="2400" dirty="0"/>
+                    </a:p>
+                  </a:txBody>
+                  <a:tcPr anchor="ctr">
+                    <a:noFill/>
+                  </a:tcPr>
+                </a:tc>
+                <a:tc>
+                  <a:txBody>
+                    <a:bodyPr/>
+                    <a:lstStyle/>
+                    <a:p>
+                      <a:pPr algn="ctr"/>
+                      <a:r>
+                        <a:rPr lang="ru-RU" sz="2400" dirty="0" smtClean="0"/>
+                        <a:t>+</a:t>
+                      </a:r>
+                      <a:endParaRPr lang="ru-RU" sz="2400" dirty="0"/>
+                    </a:p>
+                  </a:txBody>
+                  <a:tcPr anchor="ctr">
+                    <a:noFill/>
+                  </a:tcPr>
+                </a:tc>
+              </a:tr>
+              <a:tr h="438091">
+                <a:tc>
+                  <a:txBody>
+                    <a:bodyPr/>
+                    <a:lstStyle/>
+                    <a:p>
+                      <a:r>
+                        <a:rPr lang="ru-RU" sz="1800" kern="1200" dirty="0" smtClean="0">
+                          <a:solidFill>
+                            <a:schemeClr val="tx1"/>
+                          </a:solidFill>
+                          <a:effectLst/>
+                          <a:latin typeface="+mn-lt"/>
+                          <a:ea typeface="+mn-ea"/>
+                          <a:cs typeface="+mn-cs"/>
+                        </a:rPr>
+                        <a:t>Публикация новостей</a:t>
+                      </a:r>
+                      <a:endParaRPr lang="ru-RU" dirty="0"/>
+                    </a:p>
+                  </a:txBody>
+                  <a:tcPr anchor="ctr"/>
+                </a:tc>
+                <a:tc>
+                  <a:txBody>
+                    <a:bodyPr/>
+                    <a:lstStyle/>
+                    <a:p>
+                      <a:pPr algn="ctr"/>
+                      <a:r>
+                        <a:rPr lang="ru-RU" sz="2400" dirty="0" smtClean="0"/>
+                        <a:t>+</a:t>
+                      </a:r>
+                      <a:endParaRPr lang="ru-RU" sz="2400" dirty="0"/>
+                    </a:p>
+                  </a:txBody>
+                  <a:tcPr anchor="ctr">
+                    <a:noFill/>
+                  </a:tcPr>
+                </a:tc>
+                <a:tc>
+                  <a:txBody>
+                    <a:bodyPr/>
+                    <a:lstStyle/>
+                    <a:p>
+                      <a:pPr algn="ctr"/>
+                      <a:r>
+                        <a:rPr lang="ru-RU" sz="2400" dirty="0" smtClean="0"/>
+                        <a:t>+</a:t>
+                      </a:r>
+                      <a:endParaRPr lang="ru-RU" sz="2400" dirty="0"/>
+                    </a:p>
+                  </a:txBody>
+                  <a:tcPr anchor="ctr">
+                    <a:noFill/>
+                  </a:tcPr>
+                </a:tc>
+              </a:tr>
+              <a:tr h="438091">
+                <a:tc>
+                  <a:txBody>
+                    <a:bodyPr/>
+                    <a:lstStyle/>
+                    <a:p>
+                      <a:r>
+                        <a:rPr lang="ru-RU" sz="1800" kern="1200" dirty="0" smtClean="0">
+                          <a:solidFill>
+                            <a:schemeClr val="tx1"/>
+                          </a:solidFill>
+                          <a:effectLst/>
+                          <a:latin typeface="+mn-lt"/>
+                          <a:ea typeface="+mn-ea"/>
+                          <a:cs typeface="+mn-cs"/>
+                        </a:rPr>
+                        <a:t>Публикация расписания </a:t>
+                      </a:r>
+                      <a:endParaRPr lang="ru-RU" dirty="0"/>
+                    </a:p>
+                  </a:txBody>
+                  <a:tcPr anchor="ctr"/>
+                </a:tc>
+                <a:tc>
+                  <a:txBody>
+                    <a:bodyPr/>
+                    <a:lstStyle/>
+                    <a:p>
+                      <a:pPr algn="ctr"/>
+                      <a:r>
+                        <a:rPr lang="ru-RU" sz="2400" dirty="0" smtClean="0"/>
+                        <a:t>+</a:t>
+                      </a:r>
+                      <a:endParaRPr lang="ru-RU" sz="2400" dirty="0"/>
+                    </a:p>
+                  </a:txBody>
+                  <a:tcPr anchor="ctr">
+                    <a:noFill/>
+                  </a:tcPr>
+                </a:tc>
+                <a:tc>
+                  <a:txBody>
+                    <a:bodyPr/>
+                    <a:lstStyle/>
+                    <a:p>
+                      <a:pPr algn="ctr"/>
+                      <a:r>
+                        <a:rPr lang="ru-RU" sz="2400" dirty="0" smtClean="0"/>
+                        <a:t>+</a:t>
+                      </a:r>
+                      <a:endParaRPr lang="ru-RU" sz="2400" dirty="0"/>
+                    </a:p>
+                  </a:txBody>
+                  <a:tcPr anchor="ctr">
+                    <a:noFill/>
+                  </a:tcPr>
+                </a:tc>
+              </a:tr>
+              <a:tr h="590080">
+                <a:tc>
+                  <a:txBody>
+                    <a:bodyPr/>
+                    <a:lstStyle/>
+                    <a:p>
+                      <a:r>
+                        <a:rPr lang="ru-RU" sz="1800" kern="1200" dirty="0" smtClean="0">
+                          <a:solidFill>
+                            <a:schemeClr val="tx1"/>
+                          </a:solidFill>
+                          <a:effectLst/>
+                          <a:latin typeface="+mn-lt"/>
+                          <a:ea typeface="+mn-ea"/>
+                          <a:cs typeface="+mn-cs"/>
+                        </a:rPr>
+                        <a:t>Формирование тестовых заданий </a:t>
+                      </a:r>
+                      <a:endParaRPr lang="ru-RU" dirty="0"/>
+                    </a:p>
+                  </a:txBody>
+                  <a:tcPr anchor="ctr"/>
+                </a:tc>
+                <a:tc>
+                  <a:txBody>
+                    <a:bodyPr/>
+                    <a:lstStyle/>
+                    <a:p>
+                      <a:pPr algn="ctr"/>
+                      <a:r>
+                        <a:rPr lang="ru-RU" sz="2400" dirty="0" smtClean="0"/>
+                        <a:t>+</a:t>
+                      </a:r>
+                      <a:endParaRPr lang="ru-RU" sz="2400" dirty="0"/>
+                    </a:p>
+                  </a:txBody>
+                  <a:tcPr anchor="ctr">
+                    <a:noFill/>
+                  </a:tcPr>
+                </a:tc>
+                <a:tc>
+                  <a:txBody>
+                    <a:bodyPr/>
+                    <a:lstStyle/>
+                    <a:p>
+                      <a:pPr algn="ctr"/>
+                      <a:r>
+                        <a:rPr lang="ru-RU" sz="2400" dirty="0" smtClean="0"/>
+                        <a:t>+</a:t>
+                      </a:r>
+                      <a:endParaRPr lang="ru-RU" sz="2400" dirty="0"/>
+                    </a:p>
+                  </a:txBody>
+                  <a:tcPr anchor="ctr">
+                    <a:noFill/>
+                  </a:tcPr>
+                </a:tc>
+              </a:tr>
+              <a:tr h="590080">
+                <a:tc>
+                  <a:txBody>
+                    <a:bodyPr/>
+                    <a:lstStyle/>
+                    <a:p>
+                      <a:r>
+                        <a:rPr lang="ru-RU" sz="1800" kern="1200" dirty="0" smtClean="0">
+                          <a:solidFill>
+                            <a:schemeClr val="tx1"/>
+                          </a:solidFill>
+                          <a:effectLst/>
+                          <a:latin typeface="+mn-lt"/>
+                          <a:ea typeface="+mn-ea"/>
+                          <a:cs typeface="+mn-cs"/>
+                        </a:rPr>
+                        <a:t>Размещение учебных материалов</a:t>
+                      </a:r>
+                      <a:endParaRPr lang="ru-RU" dirty="0"/>
+                    </a:p>
+                  </a:txBody>
+                  <a:tcPr anchor="ctr"/>
+                </a:tc>
+                <a:tc>
+                  <a:txBody>
+                    <a:bodyPr/>
+                    <a:lstStyle/>
+                    <a:p>
+                      <a:pPr algn="ctr"/>
+                      <a:r>
+                        <a:rPr lang="ru-RU" sz="2400" dirty="0" smtClean="0"/>
+                        <a:t>+</a:t>
+                      </a:r>
+                      <a:endParaRPr lang="ru-RU" sz="2400" dirty="0"/>
+                    </a:p>
+                  </a:txBody>
+                  <a:tcPr anchor="ctr">
+                    <a:noFill/>
+                  </a:tcPr>
+                </a:tc>
+                <a:tc>
+                  <a:txBody>
+                    <a:bodyPr/>
+                    <a:lstStyle/>
+                    <a:p>
+                      <a:pPr algn="ctr"/>
+                      <a:r>
+                        <a:rPr lang="ru-RU" sz="2400" dirty="0" smtClean="0"/>
+                        <a:t>+</a:t>
+                      </a:r>
+                      <a:endParaRPr lang="ru-RU" sz="2400" dirty="0"/>
+                    </a:p>
+                  </a:txBody>
+                  <a:tcPr anchor="ctr">
+                    <a:noFill/>
+                  </a:tcPr>
+                </a:tc>
+              </a:tr>
+              <a:tr h="438091">
+                <a:tc>
+                  <a:txBody>
+                    <a:bodyPr/>
+                    <a:lstStyle/>
+                    <a:p>
+                      <a:r>
+                        <a:rPr lang="ru-RU" sz="1800" kern="1200" dirty="0" smtClean="0">
+                          <a:solidFill>
+                            <a:schemeClr val="tx1"/>
+                          </a:solidFill>
+                          <a:effectLst/>
+                          <a:latin typeface="+mn-lt"/>
+                          <a:ea typeface="+mn-ea"/>
+                          <a:cs typeface="+mn-cs"/>
+                        </a:rPr>
+                        <a:t>Оповещения по</a:t>
+                      </a:r>
+                      <a:r>
+                        <a:rPr lang="en-US" sz="1800" kern="1200" baseline="0" dirty="0" smtClean="0">
+                          <a:solidFill>
+                            <a:schemeClr val="tx1"/>
+                          </a:solidFill>
+                          <a:effectLst/>
+                          <a:latin typeface="+mn-lt"/>
+                          <a:ea typeface="+mn-ea"/>
+                          <a:cs typeface="+mn-cs"/>
+                        </a:rPr>
+                        <a:t> E-Mail</a:t>
+                      </a:r>
+                      <a:endParaRPr lang="ru-RU" dirty="0"/>
+                    </a:p>
+                  </a:txBody>
+                  <a:tcPr anchor="ctr"/>
+                </a:tc>
+                <a:tc>
+                  <a:txBody>
+                    <a:bodyPr/>
+                    <a:lstStyle/>
+                    <a:p>
+                      <a:pPr algn="ctr"/>
+                      <a:r>
+                        <a:rPr lang="ru-RU" sz="2400" dirty="0" smtClean="0"/>
+                        <a:t>+</a:t>
+                      </a:r>
+                      <a:endParaRPr lang="ru-RU" sz="2400" dirty="0"/>
+                    </a:p>
+                  </a:txBody>
+                  <a:tcPr anchor="ctr">
+                    <a:noFill/>
+                  </a:tcPr>
+                </a:tc>
+                <a:tc>
+                  <a:txBody>
+                    <a:bodyPr/>
+                    <a:lstStyle/>
+                    <a:p>
+                      <a:pPr algn="ctr"/>
+                      <a:r>
+                        <a:rPr lang="ru-RU" sz="2400" dirty="0" smtClean="0"/>
+                        <a:t>+</a:t>
+                      </a:r>
+                      <a:endParaRPr lang="ru-RU" sz="2400" dirty="0"/>
+                    </a:p>
+                  </a:txBody>
+                  <a:tcPr anchor="ctr">
+                    <a:noFill/>
+                  </a:tcPr>
+                </a:tc>
+              </a:tr>
+              <a:tr h="438091">
+                <a:tc>
+                  <a:txBody>
+                    <a:bodyPr/>
+                    <a:lstStyle/>
+                    <a:p>
+                      <a:r>
+                        <a:rPr lang="ru-RU" dirty="0" smtClean="0"/>
+                        <a:t>Родительский</a:t>
+                      </a:r>
+                      <a:r>
+                        <a:rPr lang="ru-RU" baseline="0" dirty="0" smtClean="0"/>
+                        <a:t> контроль</a:t>
+                      </a:r>
+                      <a:endParaRPr lang="ru-RU" dirty="0"/>
+                    </a:p>
+                  </a:txBody>
+                  <a:tcPr anchor="ctr"/>
+                </a:tc>
+                <a:tc>
+                  <a:txBody>
+                    <a:bodyPr/>
+                    <a:lstStyle/>
+                    <a:p>
+                      <a:pPr algn="ctr"/>
+                      <a:r>
+                        <a:rPr lang="ru-RU" sz="2400" dirty="0" smtClean="0"/>
+                        <a:t>+</a:t>
+                      </a:r>
+                      <a:endParaRPr lang="ru-RU" sz="2400" dirty="0"/>
+                    </a:p>
+                  </a:txBody>
+                  <a:tcPr anchor="ctr">
+                    <a:noFill/>
+                  </a:tcPr>
+                </a:tc>
+                <a:tc>
+                  <a:txBody>
+                    <a:bodyPr/>
+                    <a:lstStyle/>
+                    <a:p>
+                      <a:pPr algn="ctr"/>
+                      <a:r>
+                        <a:rPr lang="ru-RU" sz="2400" dirty="0" smtClean="0"/>
+                        <a:t>+</a:t>
+                      </a:r>
+                      <a:endParaRPr lang="ru-RU" sz="2400" dirty="0"/>
+                    </a:p>
+                  </a:txBody>
+                  <a:tcPr anchor="ctr">
+                    <a:noFill/>
+                  </a:tcPr>
+                </a:tc>
+              </a:tr>
+            </a:tbl>
+          </a:graphicData>
+        </a:graphic>
+      </p:graphicFrame>
+    </p:spTree>
+    <p:extLst>
+      <p:ext uri="{BB962C8B-B14F-4D97-AF65-F5344CB8AC3E}">
+        <p14:creationId xmlns:p14="http://schemas.microsoft.com/office/powerpoint/2010/main" val="2472380656"/>
+      </p:ext>
+    </p:extLst>
+  </p:cSld>
+  <p:clrMapOvr>
+    <a:masterClrMapping/>
+  </p:clrMapOvr>
+  <p:timing>
+    <p:tnLst>
+      <p:par>
+        <p:cTn id="1" dur="indefinite" restart="never" nodeType="tmRoot"/>
+      </p:par>
+    </p:tnLst>
+  </p:timing>
+</p:sld>
+</file>
+
+<file path=ppt/slides/slide17.xml><?xml version="1.0" encoding="utf-8"?>
+<p:sld xmlns:a="http://schemas.openxmlformats.org/drawingml/2006/main" xmlns:r="http://schemas.openxmlformats.org/officeDocument/2006/relationships" xmlns:p="http://schemas.openxmlformats.org/presentationml/2006/main">
+  <p:cSld>
+    <p:spTree>
+      <p:nvGrpSpPr>
+        <p:cNvPr id="1" name=""/>
+        <p:cNvGrpSpPr/>
+        <p:nvPr/>
+      </p:nvGrpSpPr>
+      <p:grpSpPr>
+        <a:xfrm>
+          <a:off x="0" y="0"/>
+          <a:ext cx="0" cy="0"/>
+          <a:chOff x="0" y="0"/>
+          <a:chExt cx="0" cy="0"/>
+        </a:xfrm>
+      </p:grpSpPr>
+      <p:sp>
+        <p:nvSpPr>
+          <p:cNvPr id="2" name="Заголовок 1"/>
+          <p:cNvSpPr>
+            <a:spLocks noGrp="1"/>
+          </p:cNvSpPr>
+          <p:nvPr>
+            <p:ph type="title"/>
+          </p:nvPr>
+        </p:nvSpPr>
+        <p:spPr/>
+        <p:txBody>
+          <a:bodyPr/>
+          <a:lstStyle/>
+          <a:p>
+            <a:r>
+              <a:rPr lang="ru-RU" dirty="0" smtClean="0"/>
+              <a:t>Сравнение с АСУ «СПРУТ»</a:t>
+            </a:r>
+            <a:endParaRPr lang="ru-RU" dirty="0"/>
+          </a:p>
+        </p:txBody>
+      </p:sp>
+      <p:sp>
+        <p:nvSpPr>
+          <p:cNvPr id="4" name="Дата 3"/>
+          <p:cNvSpPr>
+            <a:spLocks noGrp="1"/>
+          </p:cNvSpPr>
+          <p:nvPr>
+            <p:ph type="dt" sz="half" idx="10"/>
+          </p:nvPr>
+        </p:nvSpPr>
+        <p:spPr/>
+        <p:txBody>
+          <a:bodyPr/>
+          <a:lstStyle/>
+          <a:p>
+            <a:fld id="{89748951-148D-4321-9A66-4EAB41DA11D7}" type="datetime1">
+              <a:rPr lang="ru-RU" smtClean="0"/>
+              <a:t>16.06.18</a:t>
+            </a:fld>
+            <a:endParaRPr lang="ru-RU"/>
+          </a:p>
+        </p:txBody>
+      </p:sp>
+      <p:sp>
+        <p:nvSpPr>
+          <p:cNvPr id="5" name="Номер слайда 4"/>
+          <p:cNvSpPr>
+            <a:spLocks noGrp="1"/>
+          </p:cNvSpPr>
+          <p:nvPr>
+            <p:ph type="sldNum" sz="quarter" idx="12"/>
+          </p:nvPr>
+        </p:nvSpPr>
+        <p:spPr/>
+        <p:txBody>
+          <a:bodyPr/>
+          <a:lstStyle/>
+          <a:p>
+            <a:fld id="{3A087E35-5216-4F41-90F2-2BFC9943FF68}" type="slidenum">
+              <a:rPr lang="ru-RU" smtClean="0"/>
+              <a:t>17</a:t>
+            </a:fld>
+            <a:endParaRPr lang="ru-RU"/>
+          </a:p>
+        </p:txBody>
+      </p:sp>
+      <p:graphicFrame>
+        <p:nvGraphicFramePr>
+          <p:cNvPr id="6" name="Объект 6"/>
+          <p:cNvGraphicFramePr>
+            <a:graphicFrameLocks noGrp="1"/>
+          </p:cNvGraphicFramePr>
+          <p:nvPr>
+            <p:ph idx="1"/>
+            <p:extLst>
+              <p:ext uri="{D42A27DB-BD31-4B8C-83A1-F6EECF244321}">
+                <p14:modId xmlns:p14="http://schemas.microsoft.com/office/powerpoint/2010/main" val="1630979765"/>
+              </p:ext>
+            </p:extLst>
+          </p:nvPr>
+        </p:nvGraphicFramePr>
+        <p:xfrm>
+          <a:off x="1064525" y="1978925"/>
+          <a:ext cx="10099344" cy="4152639"/>
+        </p:xfrm>
+        <a:graphic>
+          <a:graphicData uri="http://schemas.openxmlformats.org/drawingml/2006/table">
+            <a:tbl>
+              <a:tblPr firstRow="1" bandRow="1">
+                <a:tableStyleId>{5940675A-B579-460E-94D1-54222C63F5DA}</a:tableStyleId>
+              </a:tblPr>
+              <a:tblGrid>
+                <a:gridCol w="4961674"/>
+                <a:gridCol w="2306760"/>
+                <a:gridCol w="2830910"/>
+              </a:tblGrid>
+              <a:tr h="697152">
+                <a:tc>
+                  <a:txBody>
+                    <a:bodyPr/>
+                    <a:lstStyle/>
+                    <a:p>
+                      <a:pPr algn="ctr"/>
+                      <a:endParaRPr lang="ru-RU" dirty="0"/>
+                    </a:p>
+                  </a:txBody>
+                  <a:tcPr/>
+                </a:tc>
+                <a:tc>
+                  <a:txBody>
+                    <a:bodyPr/>
+                    <a:lstStyle/>
+                    <a:p>
+                      <a:pPr algn="ctr"/>
+                      <a:r>
+                        <a:rPr lang="en-US" sz="2400" baseline="0" dirty="0" smtClean="0"/>
+                        <a:t>EDUKIT</a:t>
+                      </a:r>
+                      <a:endParaRPr lang="ru-RU" sz="2400" dirty="0"/>
+                    </a:p>
+                  </a:txBody>
+                  <a:tcPr anchor="ctr"/>
+                </a:tc>
+                <a:tc>
+                  <a:txBody>
+                    <a:bodyPr/>
+                    <a:lstStyle/>
+                    <a:p>
+                      <a:pPr algn="ctr"/>
+                      <a:r>
+                        <a:rPr lang="ru-RU" sz="2400" dirty="0" smtClean="0"/>
+                        <a:t>АСУ «СПРУТ»</a:t>
+                      </a:r>
+                      <a:endParaRPr lang="ru-RU" sz="2400" dirty="0"/>
+                    </a:p>
+                  </a:txBody>
+                  <a:tcPr anchor="ctr"/>
+                </a:tc>
+              </a:tr>
+              <a:tr h="542229">
+                <a:tc>
+                  <a:txBody>
+                    <a:bodyPr/>
+                    <a:lstStyle/>
+                    <a:p>
+                      <a:r>
+                        <a:rPr lang="ru-RU" sz="1800" kern="1200" dirty="0" smtClean="0">
+                          <a:solidFill>
+                            <a:schemeClr val="tx1"/>
+                          </a:solidFill>
+                          <a:effectLst/>
+                          <a:latin typeface="+mn-lt"/>
+                          <a:ea typeface="+mn-ea"/>
+                          <a:cs typeface="+mn-cs"/>
+                        </a:rPr>
+                        <a:t>Регистрация/аутентификация </a:t>
+                      </a:r>
+                      <a:endParaRPr lang="ru-RU" dirty="0"/>
+                    </a:p>
+                  </a:txBody>
+                  <a:tcPr anchor="ctr"/>
+                </a:tc>
+                <a:tc>
+                  <a:txBody>
+                    <a:bodyPr/>
+                    <a:lstStyle/>
+                    <a:p>
+                      <a:pPr algn="ctr"/>
+                      <a:r>
+                        <a:rPr lang="ru-RU" sz="2400" dirty="0" smtClean="0"/>
+                        <a:t>+</a:t>
+                      </a:r>
+                      <a:endParaRPr lang="ru-RU" sz="2400" dirty="0"/>
+                    </a:p>
+                  </a:txBody>
+                  <a:tcPr anchor="ctr">
+                    <a:noFill/>
+                  </a:tcPr>
+                </a:tc>
+                <a:tc>
+                  <a:txBody>
+                    <a:bodyPr/>
+                    <a:lstStyle/>
+                    <a:p>
+                      <a:pPr algn="ctr"/>
+                      <a:endParaRPr lang="ru-RU" sz="2400" dirty="0"/>
+                    </a:p>
+                  </a:txBody>
+                  <a:tcPr anchor="ctr">
+                    <a:noFill/>
+                  </a:tcPr>
+                </a:tc>
+              </a:tr>
+              <a:tr h="442623">
+                <a:tc>
+                  <a:txBody>
+                    <a:bodyPr/>
+                    <a:lstStyle/>
+                    <a:p>
+                      <a:r>
+                        <a:rPr lang="ru-RU" sz="1800" kern="1200" dirty="0" smtClean="0">
+                          <a:solidFill>
+                            <a:schemeClr val="tx1"/>
+                          </a:solidFill>
+                          <a:effectLst/>
+                          <a:latin typeface="+mn-lt"/>
+                          <a:ea typeface="+mn-ea"/>
+                          <a:cs typeface="+mn-cs"/>
+                        </a:rPr>
+                        <a:t>Публикация новостей</a:t>
+                      </a:r>
+                      <a:endParaRPr lang="ru-RU" dirty="0"/>
+                    </a:p>
+                  </a:txBody>
+                  <a:tcPr anchor="ctr"/>
+                </a:tc>
+                <a:tc>
+                  <a:txBody>
+                    <a:bodyPr/>
+                    <a:lstStyle/>
+                    <a:p>
+                      <a:pPr algn="ctr"/>
+                      <a:r>
+                        <a:rPr lang="ru-RU" sz="2400" dirty="0" smtClean="0"/>
+                        <a:t>+</a:t>
+                      </a:r>
+                      <a:endParaRPr lang="ru-RU" sz="2400" dirty="0"/>
+                    </a:p>
+                  </a:txBody>
+                  <a:tcPr anchor="ctr">
+                    <a:noFill/>
+                  </a:tcPr>
+                </a:tc>
+                <a:tc>
+                  <a:txBody>
+                    <a:bodyPr/>
+                    <a:lstStyle/>
+                    <a:p>
+                      <a:pPr algn="ctr"/>
+                      <a:endParaRPr lang="ru-RU" sz="2400" dirty="0"/>
+                    </a:p>
+                  </a:txBody>
+                  <a:tcPr anchor="ctr">
+                    <a:noFill/>
+                  </a:tcPr>
+                </a:tc>
+              </a:tr>
+              <a:tr h="442623">
+                <a:tc>
+                  <a:txBody>
+                    <a:bodyPr/>
+                    <a:lstStyle/>
+                    <a:p>
+                      <a:r>
+                        <a:rPr lang="ru-RU" sz="1800" kern="1200" dirty="0" smtClean="0">
+                          <a:solidFill>
+                            <a:schemeClr val="tx1"/>
+                          </a:solidFill>
+                          <a:effectLst/>
+                          <a:latin typeface="+mn-lt"/>
+                          <a:ea typeface="+mn-ea"/>
+                          <a:cs typeface="+mn-cs"/>
+                        </a:rPr>
+                        <a:t>Публикация расписания </a:t>
+                      </a:r>
+                      <a:endParaRPr lang="ru-RU" dirty="0"/>
+                    </a:p>
+                  </a:txBody>
+                  <a:tcPr anchor="ctr"/>
+                </a:tc>
+                <a:tc>
+                  <a:txBody>
+                    <a:bodyPr/>
+                    <a:lstStyle/>
+                    <a:p>
+                      <a:pPr algn="ctr"/>
+                      <a:r>
+                        <a:rPr lang="ru-RU" sz="2400" dirty="0" smtClean="0"/>
+                        <a:t>+</a:t>
+                      </a:r>
+                      <a:endParaRPr lang="ru-RU" sz="2400" dirty="0"/>
+                    </a:p>
+                  </a:txBody>
+                  <a:tcPr anchor="ctr">
+                    <a:noFill/>
+                  </a:tcPr>
+                </a:tc>
+                <a:tc>
+                  <a:txBody>
+                    <a:bodyPr/>
+                    <a:lstStyle/>
+                    <a:p>
+                      <a:pPr algn="ctr"/>
+                      <a:endParaRPr lang="ru-RU" sz="2400" dirty="0"/>
+                    </a:p>
+                  </a:txBody>
+                  <a:tcPr anchor="ctr">
+                    <a:noFill/>
+                  </a:tcPr>
+                </a:tc>
+              </a:tr>
+              <a:tr h="542229">
+                <a:tc>
+                  <a:txBody>
+                    <a:bodyPr/>
+                    <a:lstStyle/>
+                    <a:p>
+                      <a:r>
+                        <a:rPr lang="ru-RU" sz="1800" kern="1200" dirty="0" smtClean="0">
+                          <a:solidFill>
+                            <a:schemeClr val="tx1"/>
+                          </a:solidFill>
+                          <a:effectLst/>
+                          <a:latin typeface="+mn-lt"/>
+                          <a:ea typeface="+mn-ea"/>
+                          <a:cs typeface="+mn-cs"/>
+                        </a:rPr>
+                        <a:t>Формирование тестовых заданий </a:t>
+                      </a:r>
+                      <a:endParaRPr lang="ru-RU" dirty="0"/>
+                    </a:p>
+                  </a:txBody>
+                  <a:tcPr anchor="ctr"/>
+                </a:tc>
+                <a:tc>
+                  <a:txBody>
+                    <a:bodyPr/>
+                    <a:lstStyle/>
+                    <a:p>
+                      <a:pPr algn="ctr"/>
+                      <a:r>
+                        <a:rPr lang="ru-RU" sz="2400" dirty="0" smtClean="0"/>
+                        <a:t>+</a:t>
+                      </a:r>
+                      <a:endParaRPr lang="ru-RU" sz="2400" dirty="0"/>
+                    </a:p>
+                  </a:txBody>
+                  <a:tcPr anchor="ctr">
+                    <a:noFill/>
+                  </a:tcPr>
+                </a:tc>
+                <a:tc>
+                  <a:txBody>
+                    <a:bodyPr/>
+                    <a:lstStyle/>
+                    <a:p>
+                      <a:pPr algn="ctr"/>
+                      <a:endParaRPr lang="ru-RU" sz="2400" dirty="0"/>
+                    </a:p>
+                  </a:txBody>
+                  <a:tcPr anchor="ctr">
+                    <a:noFill/>
+                  </a:tcPr>
+                </a:tc>
+              </a:tr>
+              <a:tr h="542229">
+                <a:tc>
+                  <a:txBody>
+                    <a:bodyPr/>
+                    <a:lstStyle/>
+                    <a:p>
+                      <a:r>
+                        <a:rPr lang="ru-RU" sz="1800" kern="1200" dirty="0" smtClean="0">
+                          <a:solidFill>
+                            <a:schemeClr val="tx1"/>
+                          </a:solidFill>
+                          <a:effectLst/>
+                          <a:latin typeface="+mn-lt"/>
+                          <a:ea typeface="+mn-ea"/>
+                          <a:cs typeface="+mn-cs"/>
+                        </a:rPr>
+                        <a:t>Размещение учебных материалов</a:t>
+                      </a:r>
+                      <a:endParaRPr lang="ru-RU" dirty="0"/>
+                    </a:p>
+                  </a:txBody>
+                  <a:tcPr anchor="ctr"/>
+                </a:tc>
+                <a:tc>
+                  <a:txBody>
+                    <a:bodyPr/>
+                    <a:lstStyle/>
+                    <a:p>
+                      <a:pPr algn="ctr"/>
+                      <a:r>
+                        <a:rPr lang="ru-RU" sz="2400" dirty="0" smtClean="0"/>
+                        <a:t>+</a:t>
+                      </a:r>
+                      <a:endParaRPr lang="ru-RU" sz="2400" dirty="0"/>
+                    </a:p>
+                  </a:txBody>
+                  <a:tcPr anchor="ctr">
+                    <a:noFill/>
+                  </a:tcPr>
+                </a:tc>
+                <a:tc>
+                  <a:txBody>
+                    <a:bodyPr/>
+                    <a:lstStyle/>
+                    <a:p>
+                      <a:pPr algn="ctr"/>
+                      <a:endParaRPr lang="ru-RU" sz="2400" dirty="0"/>
+                    </a:p>
+                  </a:txBody>
+                  <a:tcPr anchor="ctr">
+                    <a:noFill/>
+                  </a:tcPr>
+                </a:tc>
+              </a:tr>
+              <a:tr h="442623">
+                <a:tc>
+                  <a:txBody>
+                    <a:bodyPr/>
+                    <a:lstStyle/>
+                    <a:p>
+                      <a:r>
+                        <a:rPr lang="ru-RU" sz="1800" kern="1200" dirty="0" smtClean="0">
+                          <a:solidFill>
+                            <a:schemeClr val="tx1"/>
+                          </a:solidFill>
+                          <a:effectLst/>
+                          <a:latin typeface="+mn-lt"/>
+                          <a:ea typeface="+mn-ea"/>
+                          <a:cs typeface="+mn-cs"/>
+                        </a:rPr>
+                        <a:t>Оповещения по</a:t>
+                      </a:r>
+                      <a:r>
+                        <a:rPr lang="en-US" sz="1800" kern="1200" baseline="0" dirty="0" smtClean="0">
+                          <a:solidFill>
+                            <a:schemeClr val="tx1"/>
+                          </a:solidFill>
+                          <a:effectLst/>
+                          <a:latin typeface="+mn-lt"/>
+                          <a:ea typeface="+mn-ea"/>
+                          <a:cs typeface="+mn-cs"/>
+                        </a:rPr>
+                        <a:t> E-Mail</a:t>
+                      </a:r>
+                      <a:endParaRPr lang="ru-RU" dirty="0"/>
+                    </a:p>
+                  </a:txBody>
+                  <a:tcPr anchor="ctr"/>
+                </a:tc>
+                <a:tc>
+                  <a:txBody>
+                    <a:bodyPr/>
+                    <a:lstStyle/>
+                    <a:p>
+                      <a:pPr algn="ctr"/>
+                      <a:r>
+                        <a:rPr lang="ru-RU" sz="2400" dirty="0" smtClean="0"/>
+                        <a:t>+</a:t>
+                      </a:r>
+                      <a:endParaRPr lang="ru-RU" sz="2400" dirty="0"/>
+                    </a:p>
+                  </a:txBody>
+                  <a:tcPr anchor="ctr">
+                    <a:noFill/>
+                  </a:tcPr>
+                </a:tc>
+                <a:tc>
+                  <a:txBody>
+                    <a:bodyPr/>
+                    <a:lstStyle/>
+                    <a:p>
+                      <a:pPr algn="ctr"/>
+                      <a:endParaRPr lang="ru-RU" sz="2400" dirty="0"/>
+                    </a:p>
+                  </a:txBody>
+                  <a:tcPr anchor="ctr">
+                    <a:noFill/>
+                  </a:tcPr>
+                </a:tc>
+              </a:tr>
+              <a:tr h="442623">
+                <a:tc>
+                  <a:txBody>
+                    <a:bodyPr/>
+                    <a:lstStyle/>
+                    <a:p>
+                      <a:r>
+                        <a:rPr lang="ru-RU" dirty="0" smtClean="0"/>
+                        <a:t>Родительский</a:t>
+                      </a:r>
+                      <a:r>
+                        <a:rPr lang="ru-RU" baseline="0" dirty="0" smtClean="0"/>
+                        <a:t> контроль</a:t>
+                      </a:r>
+                      <a:endParaRPr lang="ru-RU" dirty="0"/>
+                    </a:p>
+                  </a:txBody>
+                  <a:tcPr anchor="ctr"/>
+                </a:tc>
+                <a:tc>
+                  <a:txBody>
+                    <a:bodyPr/>
+                    <a:lstStyle/>
+                    <a:p>
+                      <a:pPr algn="ctr"/>
+                      <a:r>
+                        <a:rPr lang="ru-RU" sz="2400" dirty="0" smtClean="0"/>
+                        <a:t>+</a:t>
+                      </a:r>
+                      <a:endParaRPr lang="ru-RU" sz="2400" dirty="0"/>
+                    </a:p>
+                  </a:txBody>
+                  <a:tcPr anchor="ctr">
+                    <a:noFill/>
+                  </a:tcPr>
+                </a:tc>
+                <a:tc>
+                  <a:txBody>
+                    <a:bodyPr/>
+                    <a:lstStyle/>
+                    <a:p>
+                      <a:pPr algn="ctr"/>
+                      <a:endParaRPr lang="ru-RU" sz="2400" dirty="0"/>
+                    </a:p>
+                  </a:txBody>
+                  <a:tcPr anchor="ctr">
+                    <a:noFill/>
+                  </a:tcPr>
+                </a:tc>
+              </a:tr>
+            </a:tbl>
+          </a:graphicData>
+        </a:graphic>
+      </p:graphicFrame>
+    </p:spTree>
+    <p:extLst>
+      <p:ext uri="{BB962C8B-B14F-4D97-AF65-F5344CB8AC3E}">
+        <p14:creationId xmlns:p14="http://schemas.microsoft.com/office/powerpoint/2010/main" val="2153954452"/>
       </p:ext>
     </p:extLst>
   </p:cSld>
@@ -16580,7 +21559,7 @@
                                           </p:stCondLst>
                                         </p:cTn>
                                         <p:tgtEl>
-                                          <p:spTgt spid="5"/>
+                                          <p:spTgt spid="6"/>
                                         </p:tgtEl>
                                         <p:attrNameLst>
                                           <p:attrName>style.visibility</p:attrName>
@@ -16594,7 +21573,7 @@
                                       <p:cBhvr>
                                         <p:cTn id="7" dur="500" fill="hold"/>
                                         <p:tgtEl>
-                                          <p:spTgt spid="5"/>
+                                          <p:spTgt spid="6"/>
                                         </p:tgtEl>
                                         <p:attrNameLst>
                                           <p:attrName>ppt_w</p:attrName>
@@ -16617,7 +21596,7 @@
                                       <p:cBhvr>
                                         <p:cTn id="8" dur="500" fill="hold"/>
                                         <p:tgtEl>
-                                          <p:spTgt spid="5"/>
+                                          <p:spTgt spid="6"/>
                                         </p:tgtEl>
                                         <p:attrNameLst>
                                           <p:attrName>ppt_h</p:attrName>
@@ -16640,7 +21619,7 @@
                                       <p:cBhvr>
                                         <p:cTn id="9" dur="500"/>
                                         <p:tgtEl>
-                                          <p:spTgt spid="5"/>
+                                          <p:spTgt spid="6"/>
                                         </p:tgtEl>
                                       </p:cBhvr>
                                     </p:animEffect>
@@ -16678,7 +21657,1893 @@
 </p:sld>
 </file>
 
-<file path=ppt/slides/slide14.xml><?xml version="1.0" encoding="utf-8"?>
+<file path=ppt/slides/slide18.xml><?xml version="1.0" encoding="utf-8"?>
+<p:sld xmlns:a="http://schemas.openxmlformats.org/drawingml/2006/main" xmlns:r="http://schemas.openxmlformats.org/officeDocument/2006/relationships" xmlns:p="http://schemas.openxmlformats.org/presentationml/2006/main">
+  <p:cSld>
+    <p:spTree>
+      <p:nvGrpSpPr>
+        <p:cNvPr id="1" name=""/>
+        <p:cNvGrpSpPr/>
+        <p:nvPr/>
+      </p:nvGrpSpPr>
+      <p:grpSpPr>
+        <a:xfrm>
+          <a:off x="0" y="0"/>
+          <a:ext cx="0" cy="0"/>
+          <a:chOff x="0" y="0"/>
+          <a:chExt cx="0" cy="0"/>
+        </a:xfrm>
+      </p:grpSpPr>
+      <p:sp>
+        <p:nvSpPr>
+          <p:cNvPr id="2" name="Заголовок 1"/>
+          <p:cNvSpPr>
+            <a:spLocks noGrp="1"/>
+          </p:cNvSpPr>
+          <p:nvPr>
+            <p:ph type="title"/>
+          </p:nvPr>
+        </p:nvSpPr>
+        <p:spPr/>
+        <p:txBody>
+          <a:bodyPr/>
+          <a:lstStyle/>
+          <a:p>
+            <a:r>
+              <a:rPr lang="ru-RU" dirty="0" smtClean="0"/>
+              <a:t>Сравнение с сайтом колледжа</a:t>
+            </a:r>
+            <a:endParaRPr lang="ru-RU" dirty="0"/>
+          </a:p>
+        </p:txBody>
+      </p:sp>
+      <p:sp>
+        <p:nvSpPr>
+          <p:cNvPr id="4" name="Дата 3"/>
+          <p:cNvSpPr>
+            <a:spLocks noGrp="1"/>
+          </p:cNvSpPr>
+          <p:nvPr>
+            <p:ph type="dt" sz="half" idx="10"/>
+          </p:nvPr>
+        </p:nvSpPr>
+        <p:spPr/>
+        <p:txBody>
+          <a:bodyPr/>
+          <a:lstStyle/>
+          <a:p>
+            <a:fld id="{89748951-148D-4321-9A66-4EAB41DA11D7}" type="datetime1">
+              <a:rPr lang="ru-RU" smtClean="0"/>
+              <a:t>16.06.18</a:t>
+            </a:fld>
+            <a:endParaRPr lang="ru-RU"/>
+          </a:p>
+        </p:txBody>
+      </p:sp>
+      <p:sp>
+        <p:nvSpPr>
+          <p:cNvPr id="5" name="Номер слайда 4"/>
+          <p:cNvSpPr>
+            <a:spLocks noGrp="1"/>
+          </p:cNvSpPr>
+          <p:nvPr>
+            <p:ph type="sldNum" sz="quarter" idx="12"/>
+          </p:nvPr>
+        </p:nvSpPr>
+        <p:spPr/>
+        <p:txBody>
+          <a:bodyPr/>
+          <a:lstStyle/>
+          <a:p>
+            <a:fld id="{3A087E35-5216-4F41-90F2-2BFC9943FF68}" type="slidenum">
+              <a:rPr lang="ru-RU" smtClean="0"/>
+              <a:t>18</a:t>
+            </a:fld>
+            <a:endParaRPr lang="ru-RU"/>
+          </a:p>
+        </p:txBody>
+      </p:sp>
+      <p:graphicFrame>
+        <p:nvGraphicFramePr>
+          <p:cNvPr id="7" name="Объект 6"/>
+          <p:cNvGraphicFramePr>
+            <a:graphicFrameLocks noGrp="1"/>
+          </p:cNvGraphicFramePr>
+          <p:nvPr>
+            <p:ph idx="1"/>
+            <p:extLst>
+              <p:ext uri="{D42A27DB-BD31-4B8C-83A1-F6EECF244321}">
+                <p14:modId xmlns:p14="http://schemas.microsoft.com/office/powerpoint/2010/main" val="4030513861"/>
+              </p:ext>
+            </p:extLst>
+          </p:nvPr>
+        </p:nvGraphicFramePr>
+        <p:xfrm>
+          <a:off x="1064525" y="1978925"/>
+          <a:ext cx="10099344" cy="4152639"/>
+        </p:xfrm>
+        <a:graphic>
+          <a:graphicData uri="http://schemas.openxmlformats.org/drawingml/2006/table">
+            <a:tbl>
+              <a:tblPr firstRow="1" bandRow="1">
+                <a:tableStyleId>{5940675A-B579-460E-94D1-54222C63F5DA}</a:tableStyleId>
+              </a:tblPr>
+              <a:tblGrid>
+                <a:gridCol w="4961674"/>
+                <a:gridCol w="2306760"/>
+                <a:gridCol w="2830910"/>
+              </a:tblGrid>
+              <a:tr h="697152">
+                <a:tc>
+                  <a:txBody>
+                    <a:bodyPr/>
+                    <a:lstStyle/>
+                    <a:p>
+                      <a:pPr algn="ctr"/>
+                      <a:endParaRPr lang="ru-RU" dirty="0"/>
+                    </a:p>
+                  </a:txBody>
+                  <a:tcPr/>
+                </a:tc>
+                <a:tc>
+                  <a:txBody>
+                    <a:bodyPr/>
+                    <a:lstStyle/>
+                    <a:p>
+                      <a:pPr algn="ctr"/>
+                      <a:r>
+                        <a:rPr lang="en-US" sz="2400" baseline="0" dirty="0" smtClean="0"/>
+                        <a:t>EDUKIT</a:t>
+                      </a:r>
+                      <a:endParaRPr lang="ru-RU" sz="2400" dirty="0"/>
+                    </a:p>
+                  </a:txBody>
+                  <a:tcPr anchor="ctr"/>
+                </a:tc>
+                <a:tc>
+                  <a:txBody>
+                    <a:bodyPr/>
+                    <a:lstStyle/>
+                    <a:p>
+                      <a:pPr algn="ctr"/>
+                      <a:r>
+                        <a:rPr lang="ru-RU" sz="2400" dirty="0" smtClean="0"/>
+                        <a:t>Сайт</a:t>
+                      </a:r>
+                      <a:r>
+                        <a:rPr lang="ru-RU" sz="2400" baseline="0" dirty="0" smtClean="0"/>
+                        <a:t> колледжа</a:t>
+                      </a:r>
+                      <a:endParaRPr lang="ru-RU" sz="2400" dirty="0"/>
+                    </a:p>
+                  </a:txBody>
+                  <a:tcPr anchor="ctr"/>
+                </a:tc>
+              </a:tr>
+              <a:tr h="542229">
+                <a:tc>
+                  <a:txBody>
+                    <a:bodyPr/>
+                    <a:lstStyle/>
+                    <a:p>
+                      <a:r>
+                        <a:rPr lang="ru-RU" sz="1800" kern="1200" dirty="0" smtClean="0">
+                          <a:solidFill>
+                            <a:schemeClr val="tx1"/>
+                          </a:solidFill>
+                          <a:effectLst/>
+                          <a:latin typeface="+mn-lt"/>
+                          <a:ea typeface="+mn-ea"/>
+                          <a:cs typeface="+mn-cs"/>
+                        </a:rPr>
+                        <a:t>Регистрация/аутентификация </a:t>
+                      </a:r>
+                      <a:endParaRPr lang="ru-RU" dirty="0"/>
+                    </a:p>
+                  </a:txBody>
+                  <a:tcPr anchor="ctr"/>
+                </a:tc>
+                <a:tc>
+                  <a:txBody>
+                    <a:bodyPr/>
+                    <a:lstStyle/>
+                    <a:p>
+                      <a:pPr algn="ctr"/>
+                      <a:r>
+                        <a:rPr lang="ru-RU" sz="2400" dirty="0" smtClean="0"/>
+                        <a:t>+</a:t>
+                      </a:r>
+                      <a:endParaRPr lang="ru-RU" sz="2400" dirty="0"/>
+                    </a:p>
+                  </a:txBody>
+                  <a:tcPr anchor="ctr">
+                    <a:noFill/>
+                  </a:tcPr>
+                </a:tc>
+                <a:tc>
+                  <a:txBody>
+                    <a:bodyPr/>
+                    <a:lstStyle/>
+                    <a:p>
+                      <a:pPr algn="ctr"/>
+                      <a:r>
+                        <a:rPr lang="ru-RU" sz="2400" dirty="0" smtClean="0"/>
+                        <a:t>-</a:t>
+                      </a:r>
+                      <a:endParaRPr lang="ru-RU" sz="2400" dirty="0"/>
+                    </a:p>
+                  </a:txBody>
+                  <a:tcPr anchor="ctr">
+                    <a:noFill/>
+                  </a:tcPr>
+                </a:tc>
+              </a:tr>
+              <a:tr h="442623">
+                <a:tc>
+                  <a:txBody>
+                    <a:bodyPr/>
+                    <a:lstStyle/>
+                    <a:p>
+                      <a:r>
+                        <a:rPr lang="ru-RU" sz="1800" kern="1200" dirty="0" smtClean="0">
+                          <a:solidFill>
+                            <a:schemeClr val="tx1"/>
+                          </a:solidFill>
+                          <a:effectLst/>
+                          <a:latin typeface="+mn-lt"/>
+                          <a:ea typeface="+mn-ea"/>
+                          <a:cs typeface="+mn-cs"/>
+                        </a:rPr>
+                        <a:t>Публикация новостей</a:t>
+                      </a:r>
+                      <a:endParaRPr lang="ru-RU" dirty="0"/>
+                    </a:p>
+                  </a:txBody>
+                  <a:tcPr anchor="ctr"/>
+                </a:tc>
+                <a:tc>
+                  <a:txBody>
+                    <a:bodyPr/>
+                    <a:lstStyle/>
+                    <a:p>
+                      <a:pPr algn="ctr"/>
+                      <a:r>
+                        <a:rPr lang="ru-RU" sz="2400" dirty="0" smtClean="0"/>
+                        <a:t>+</a:t>
+                      </a:r>
+                      <a:endParaRPr lang="ru-RU" sz="2400" dirty="0"/>
+                    </a:p>
+                  </a:txBody>
+                  <a:tcPr anchor="ctr">
+                    <a:noFill/>
+                  </a:tcPr>
+                </a:tc>
+                <a:tc>
+                  <a:txBody>
+                    <a:bodyPr/>
+                    <a:lstStyle/>
+                    <a:p>
+                      <a:pPr algn="ctr"/>
+                      <a:r>
+                        <a:rPr lang="ru-RU" sz="2400" dirty="0" smtClean="0"/>
+                        <a:t>+</a:t>
+                      </a:r>
+                      <a:endParaRPr lang="ru-RU" sz="2400" dirty="0"/>
+                    </a:p>
+                  </a:txBody>
+                  <a:tcPr anchor="ctr">
+                    <a:noFill/>
+                  </a:tcPr>
+                </a:tc>
+              </a:tr>
+              <a:tr h="442623">
+                <a:tc>
+                  <a:txBody>
+                    <a:bodyPr/>
+                    <a:lstStyle/>
+                    <a:p>
+                      <a:r>
+                        <a:rPr lang="ru-RU" sz="1800" kern="1200" dirty="0" smtClean="0">
+                          <a:solidFill>
+                            <a:schemeClr val="tx1"/>
+                          </a:solidFill>
+                          <a:effectLst/>
+                          <a:latin typeface="+mn-lt"/>
+                          <a:ea typeface="+mn-ea"/>
+                          <a:cs typeface="+mn-cs"/>
+                        </a:rPr>
+                        <a:t>Публикация расписания </a:t>
+                      </a:r>
+                      <a:endParaRPr lang="ru-RU" dirty="0"/>
+                    </a:p>
+                  </a:txBody>
+                  <a:tcPr anchor="ctr"/>
+                </a:tc>
+                <a:tc>
+                  <a:txBody>
+                    <a:bodyPr/>
+                    <a:lstStyle/>
+                    <a:p>
+                      <a:pPr algn="ctr"/>
+                      <a:r>
+                        <a:rPr lang="ru-RU" sz="2400" dirty="0" smtClean="0"/>
+                        <a:t>+</a:t>
+                      </a:r>
+                      <a:endParaRPr lang="ru-RU" sz="2400" dirty="0"/>
+                    </a:p>
+                  </a:txBody>
+                  <a:tcPr anchor="ctr">
+                    <a:noFill/>
+                  </a:tcPr>
+                </a:tc>
+                <a:tc>
+                  <a:txBody>
+                    <a:bodyPr/>
+                    <a:lstStyle/>
+                    <a:p>
+                      <a:pPr algn="ctr"/>
+                      <a:r>
+                        <a:rPr lang="ru-RU" sz="2400" dirty="0" smtClean="0"/>
+                        <a:t>+</a:t>
+                      </a:r>
+                      <a:endParaRPr lang="ru-RU" sz="2400" dirty="0"/>
+                    </a:p>
+                  </a:txBody>
+                  <a:tcPr anchor="ctr">
+                    <a:noFill/>
+                  </a:tcPr>
+                </a:tc>
+              </a:tr>
+              <a:tr h="542229">
+                <a:tc>
+                  <a:txBody>
+                    <a:bodyPr/>
+                    <a:lstStyle/>
+                    <a:p>
+                      <a:r>
+                        <a:rPr lang="ru-RU" sz="1800" kern="1200" dirty="0" smtClean="0">
+                          <a:solidFill>
+                            <a:schemeClr val="tx1"/>
+                          </a:solidFill>
+                          <a:effectLst/>
+                          <a:latin typeface="+mn-lt"/>
+                          <a:ea typeface="+mn-ea"/>
+                          <a:cs typeface="+mn-cs"/>
+                        </a:rPr>
+                        <a:t>Формирование тестовых заданий </a:t>
+                      </a:r>
+                      <a:endParaRPr lang="ru-RU" dirty="0"/>
+                    </a:p>
+                  </a:txBody>
+                  <a:tcPr anchor="ctr"/>
+                </a:tc>
+                <a:tc>
+                  <a:txBody>
+                    <a:bodyPr/>
+                    <a:lstStyle/>
+                    <a:p>
+                      <a:pPr algn="ctr"/>
+                      <a:r>
+                        <a:rPr lang="ru-RU" sz="2400" dirty="0" smtClean="0"/>
+                        <a:t>+</a:t>
+                      </a:r>
+                      <a:endParaRPr lang="ru-RU" sz="2400" dirty="0"/>
+                    </a:p>
+                  </a:txBody>
+                  <a:tcPr anchor="ctr">
+                    <a:noFill/>
+                  </a:tcPr>
+                </a:tc>
+                <a:tc>
+                  <a:txBody>
+                    <a:bodyPr/>
+                    <a:lstStyle/>
+                    <a:p>
+                      <a:pPr algn="ctr"/>
+                      <a:r>
+                        <a:rPr lang="ru-RU" sz="2400" dirty="0" smtClean="0"/>
+                        <a:t>-</a:t>
+                      </a:r>
+                      <a:endParaRPr lang="ru-RU" sz="2400" dirty="0"/>
+                    </a:p>
+                  </a:txBody>
+                  <a:tcPr anchor="ctr">
+                    <a:noFill/>
+                  </a:tcPr>
+                </a:tc>
+              </a:tr>
+              <a:tr h="542229">
+                <a:tc>
+                  <a:txBody>
+                    <a:bodyPr/>
+                    <a:lstStyle/>
+                    <a:p>
+                      <a:r>
+                        <a:rPr lang="ru-RU" sz="1800" kern="1200" dirty="0" smtClean="0">
+                          <a:solidFill>
+                            <a:schemeClr val="tx1"/>
+                          </a:solidFill>
+                          <a:effectLst/>
+                          <a:latin typeface="+mn-lt"/>
+                          <a:ea typeface="+mn-ea"/>
+                          <a:cs typeface="+mn-cs"/>
+                        </a:rPr>
+                        <a:t>Размещение учебных материалов</a:t>
+                      </a:r>
+                      <a:endParaRPr lang="ru-RU" dirty="0"/>
+                    </a:p>
+                  </a:txBody>
+                  <a:tcPr anchor="ctr"/>
+                </a:tc>
+                <a:tc>
+                  <a:txBody>
+                    <a:bodyPr/>
+                    <a:lstStyle/>
+                    <a:p>
+                      <a:pPr algn="ctr"/>
+                      <a:r>
+                        <a:rPr lang="ru-RU" sz="2400" dirty="0" smtClean="0"/>
+                        <a:t>+</a:t>
+                      </a:r>
+                      <a:endParaRPr lang="ru-RU" sz="2400" dirty="0"/>
+                    </a:p>
+                  </a:txBody>
+                  <a:tcPr anchor="ctr">
+                    <a:noFill/>
+                  </a:tcPr>
+                </a:tc>
+                <a:tc>
+                  <a:txBody>
+                    <a:bodyPr/>
+                    <a:lstStyle/>
+                    <a:p>
+                      <a:pPr algn="ctr"/>
+                      <a:r>
+                        <a:rPr lang="ru-RU" sz="2400" dirty="0" smtClean="0"/>
+                        <a:t>-</a:t>
+                      </a:r>
+                      <a:endParaRPr lang="ru-RU" sz="2400" dirty="0"/>
+                    </a:p>
+                  </a:txBody>
+                  <a:tcPr anchor="ctr">
+                    <a:noFill/>
+                  </a:tcPr>
+                </a:tc>
+              </a:tr>
+              <a:tr h="442623">
+                <a:tc>
+                  <a:txBody>
+                    <a:bodyPr/>
+                    <a:lstStyle/>
+                    <a:p>
+                      <a:r>
+                        <a:rPr lang="ru-RU" sz="1800" kern="1200" dirty="0" smtClean="0">
+                          <a:solidFill>
+                            <a:schemeClr val="tx1"/>
+                          </a:solidFill>
+                          <a:effectLst/>
+                          <a:latin typeface="+mn-lt"/>
+                          <a:ea typeface="+mn-ea"/>
+                          <a:cs typeface="+mn-cs"/>
+                        </a:rPr>
+                        <a:t>Оповещения по</a:t>
+                      </a:r>
+                      <a:r>
+                        <a:rPr lang="en-US" sz="1800" kern="1200" baseline="0" dirty="0" smtClean="0">
+                          <a:solidFill>
+                            <a:schemeClr val="tx1"/>
+                          </a:solidFill>
+                          <a:effectLst/>
+                          <a:latin typeface="+mn-lt"/>
+                          <a:ea typeface="+mn-ea"/>
+                          <a:cs typeface="+mn-cs"/>
+                        </a:rPr>
+                        <a:t> E-Mail</a:t>
+                      </a:r>
+                      <a:endParaRPr lang="ru-RU" dirty="0"/>
+                    </a:p>
+                  </a:txBody>
+                  <a:tcPr anchor="ctr"/>
+                </a:tc>
+                <a:tc>
+                  <a:txBody>
+                    <a:bodyPr/>
+                    <a:lstStyle/>
+                    <a:p>
+                      <a:pPr algn="ctr"/>
+                      <a:r>
+                        <a:rPr lang="ru-RU" sz="2400" dirty="0" smtClean="0"/>
+                        <a:t>+</a:t>
+                      </a:r>
+                      <a:endParaRPr lang="ru-RU" sz="2400" dirty="0"/>
+                    </a:p>
+                  </a:txBody>
+                  <a:tcPr anchor="ctr">
+                    <a:noFill/>
+                  </a:tcPr>
+                </a:tc>
+                <a:tc>
+                  <a:txBody>
+                    <a:bodyPr/>
+                    <a:lstStyle/>
+                    <a:p>
+                      <a:pPr algn="ctr"/>
+                      <a:r>
+                        <a:rPr lang="ru-RU" sz="2400" dirty="0" smtClean="0"/>
+                        <a:t>-</a:t>
+                      </a:r>
+                      <a:endParaRPr lang="ru-RU" sz="2400" dirty="0"/>
+                    </a:p>
+                  </a:txBody>
+                  <a:tcPr anchor="ctr">
+                    <a:noFill/>
+                  </a:tcPr>
+                </a:tc>
+              </a:tr>
+              <a:tr h="442623">
+                <a:tc>
+                  <a:txBody>
+                    <a:bodyPr/>
+                    <a:lstStyle/>
+                    <a:p>
+                      <a:r>
+                        <a:rPr lang="ru-RU" dirty="0" smtClean="0"/>
+                        <a:t>Родительский</a:t>
+                      </a:r>
+                      <a:r>
+                        <a:rPr lang="ru-RU" baseline="0" dirty="0" smtClean="0"/>
+                        <a:t> контроль</a:t>
+                      </a:r>
+                      <a:endParaRPr lang="ru-RU" dirty="0"/>
+                    </a:p>
+                  </a:txBody>
+                  <a:tcPr anchor="ctr"/>
+                </a:tc>
+                <a:tc>
+                  <a:txBody>
+                    <a:bodyPr/>
+                    <a:lstStyle/>
+                    <a:p>
+                      <a:pPr algn="ctr"/>
+                      <a:r>
+                        <a:rPr lang="ru-RU" sz="2400" dirty="0" smtClean="0"/>
+                        <a:t>+</a:t>
+                      </a:r>
+                      <a:endParaRPr lang="ru-RU" sz="2400" dirty="0"/>
+                    </a:p>
+                  </a:txBody>
+                  <a:tcPr anchor="ctr">
+                    <a:noFill/>
+                  </a:tcPr>
+                </a:tc>
+                <a:tc>
+                  <a:txBody>
+                    <a:bodyPr/>
+                    <a:lstStyle/>
+                    <a:p>
+                      <a:pPr algn="ctr"/>
+                      <a:r>
+                        <a:rPr lang="ru-RU" sz="2400" dirty="0" smtClean="0"/>
+                        <a:t>-</a:t>
+                      </a:r>
+                      <a:endParaRPr lang="ru-RU" sz="2400" dirty="0"/>
+                    </a:p>
+                  </a:txBody>
+                  <a:tcPr anchor="ctr">
+                    <a:noFill/>
+                  </a:tcPr>
+                </a:tc>
+              </a:tr>
+            </a:tbl>
+          </a:graphicData>
+        </a:graphic>
+      </p:graphicFrame>
+    </p:spTree>
+    <p:extLst>
+      <p:ext uri="{BB962C8B-B14F-4D97-AF65-F5344CB8AC3E}">
+        <p14:creationId xmlns:p14="http://schemas.microsoft.com/office/powerpoint/2010/main" val="3305216894"/>
+      </p:ext>
+    </p:extLst>
+  </p:cSld>
+  <p:clrMapOvr>
+    <a:masterClrMapping/>
+  </p:clrMapOvr>
+  <p:timing>
+    <p:tnLst>
+      <p:par>
+        <p:cTn id="1" dur="indefinite" restart="never" nodeType="tmRoot">
+          <p:childTnLst>
+            <p:seq concurrent="1" nextAc="seek">
+              <p:cTn id="2" dur="indefinite" nodeType="mainSeq">
+                <p:childTnLst>
+                  <p:par>
+                    <p:cTn id="3" fill="hold">
+                      <p:stCondLst>
+                        <p:cond delay="indefinite"/>
+                        <p:cond evt="onBegin" delay="0">
+                          <p:tn val="2"/>
+                        </p:cond>
+                      </p:stCondLst>
+                      <p:childTnLst>
+                        <p:par>
+                          <p:cTn id="4" fill="hold">
+                            <p:stCondLst>
+                              <p:cond delay="0"/>
+                            </p:stCondLst>
+                            <p:childTnLst>
+                              <p:par>
+                                <p:cTn id="5" presetID="53" presetClass="entr" presetSubtype="16" fill="hold" nodeType="afterEffect">
+                                  <p:stCondLst>
+                                    <p:cond delay="0"/>
+                                  </p:stCondLst>
+                                  <p:childTnLst>
+                                    <p:set>
+                                      <p:cBhvr>
+                                        <p:cTn id="6" dur="1" fill="hold">
+                                          <p:stCondLst>
+                                            <p:cond delay="0"/>
+                                          </p:stCondLst>
+                                        </p:cTn>
+                                        <p:tgtEl>
+                                          <p:spTgt spid="7"/>
+                                        </p:tgtEl>
+                                        <p:attrNameLst>
+                                          <p:attrName>style.visibility</p:attrName>
+                                        </p:attrNameLst>
+                                      </p:cBhvr>
+                                      <p:to>
+                                        <p:strVal val="visible"/>
+                                      </p:to>
+                                    </p:set>
+                                    <p:anim calcmode="lin" valueType="num">
+                                      <p:cBhvr>
+                                        <p:cTn id="7" dur="500" fill="hold"/>
+                                        <p:tgtEl>
+                                          <p:spTgt spid="7"/>
+                                        </p:tgtEl>
+                                        <p:attrNameLst>
+                                          <p:attrName>ppt_w</p:attrName>
+                                        </p:attrNameLst>
+                                      </p:cBhvr>
+                                      <p:tavLst>
+                                        <p:tav tm="0">
+                                          <p:val>
+                                            <p:fltVal val="0"/>
+                                          </p:val>
+                                        </p:tav>
+                                        <p:tav tm="100000">
+                                          <p:val>
+                                            <p:strVal val="#ppt_w"/>
+                                          </p:val>
+                                        </p:tav>
+                                      </p:tavLst>
+                                    </p:anim>
+                                    <p:anim calcmode="lin" valueType="num">
+                                      <p:cBhvr>
+                                        <p:cTn id="8" dur="500" fill="hold"/>
+                                        <p:tgtEl>
+                                          <p:spTgt spid="7"/>
+                                        </p:tgtEl>
+                                        <p:attrNameLst>
+                                          <p:attrName>ppt_h</p:attrName>
+                                        </p:attrNameLst>
+                                      </p:cBhvr>
+                                      <p:tavLst>
+                                        <p:tav tm="0">
+                                          <p:val>
+                                            <p:fltVal val="0"/>
+                                          </p:val>
+                                        </p:tav>
+                                        <p:tav tm="100000">
+                                          <p:val>
+                                            <p:strVal val="#ppt_h"/>
+                                          </p:val>
+                                        </p:tav>
+                                      </p:tavLst>
+                                    </p:anim>
+                                    <p:animEffect transition="in" filter="fade">
+                                      <p:cBhvr>
+                                        <p:cTn id="9" dur="500"/>
+                                        <p:tgtEl>
+                                          <p:spTgt spid="7"/>
+                                        </p:tgtEl>
+                                      </p:cBhvr>
+                                    </p:animEffect>
+                                  </p:childTnLst>
+                                </p:cTn>
+                              </p:par>
+                            </p:childTnLst>
+                          </p:cTn>
+                        </p:par>
+                      </p:childTnLst>
+                    </p:cTn>
+                  </p:par>
+                </p:childTnLst>
+              </p:cTn>
+              <p:prevCondLst>
+                <p:cond evt="onPrev" delay="0">
+                  <p:tgtEl>
+                    <p:sldTgt/>
+                  </p:tgtEl>
+                </p:cond>
+              </p:prevCondLst>
+              <p:nextCondLst>
+                <p:cond evt="onNext" delay="0">
+                  <p:tgtEl>
+                    <p:sldTgt/>
+                  </p:tgtEl>
+                </p:cond>
+              </p:nextCondLst>
+            </p:seq>
+          </p:childTnLst>
+        </p:cTn>
+      </p:par>
+    </p:tnLst>
+  </p:timing>
+</p:sld>
+</file>
+
+<file path=ppt/slides/slide19.xml><?xml version="1.0" encoding="utf-8"?>
+<p:sld xmlns:a="http://schemas.openxmlformats.org/drawingml/2006/main" xmlns:r="http://schemas.openxmlformats.org/officeDocument/2006/relationships" xmlns:p="http://schemas.openxmlformats.org/presentationml/2006/main">
+  <p:cSld>
+    <p:spTree>
+      <p:nvGrpSpPr>
+        <p:cNvPr id="1" name=""/>
+        <p:cNvGrpSpPr/>
+        <p:nvPr/>
+      </p:nvGrpSpPr>
+      <p:grpSpPr>
+        <a:xfrm>
+          <a:off x="0" y="0"/>
+          <a:ext cx="0" cy="0"/>
+          <a:chOff x="0" y="0"/>
+          <a:chExt cx="0" cy="0"/>
+        </a:xfrm>
+      </p:grpSpPr>
+      <p:sp>
+        <p:nvSpPr>
+          <p:cNvPr id="7" name="Заголовок 6"/>
+          <p:cNvSpPr>
+            <a:spLocks noGrp="1"/>
+          </p:cNvSpPr>
+          <p:nvPr>
+            <p:ph type="title"/>
+          </p:nvPr>
+        </p:nvSpPr>
+        <p:spPr/>
+        <p:txBody>
+          <a:bodyPr/>
+          <a:lstStyle/>
+          <a:p>
+            <a:pPr algn="ctr"/>
+            <a:r>
+              <a:rPr lang="ru-RU" dirty="0"/>
+              <a:t>Сайт </a:t>
+            </a:r>
+            <a:br>
+              <a:rPr lang="ru-RU" dirty="0"/>
+            </a:br>
+            <a:r>
+              <a:rPr lang="ru-RU" dirty="0" smtClean="0"/>
+              <a:t>колледжа</a:t>
+            </a:r>
+            <a:endParaRPr lang="ru-RU" dirty="0"/>
+          </a:p>
+        </p:txBody>
+      </p:sp>
+      <p:sp>
+        <p:nvSpPr>
+          <p:cNvPr id="9" name="Текст 8"/>
+          <p:cNvSpPr>
+            <a:spLocks noGrp="1"/>
+          </p:cNvSpPr>
+          <p:nvPr>
+            <p:ph type="body" sz="half" idx="2"/>
+          </p:nvPr>
+        </p:nvSpPr>
+        <p:spPr/>
+        <p:txBody>
+          <a:bodyPr anchor="ctr">
+            <a:normAutofit/>
+          </a:bodyPr>
+          <a:lstStyle/>
+          <a:p>
+            <a:pPr algn="ctr"/>
+            <a:r>
+              <a:rPr lang="ru-RU" sz="4400" dirty="0" smtClean="0"/>
+              <a:t>2002 год</a:t>
+            </a:r>
+            <a:endParaRPr lang="ru-RU" sz="4400" dirty="0"/>
+          </a:p>
+        </p:txBody>
+      </p:sp>
+      <p:sp>
+        <p:nvSpPr>
+          <p:cNvPr id="4" name="Дата 3"/>
+          <p:cNvSpPr>
+            <a:spLocks noGrp="1"/>
+          </p:cNvSpPr>
+          <p:nvPr>
+            <p:ph type="dt" sz="half" idx="10"/>
+          </p:nvPr>
+        </p:nvSpPr>
+        <p:spPr/>
+        <p:txBody>
+          <a:bodyPr/>
+          <a:lstStyle/>
+          <a:p>
+            <a:fld id="{89748951-148D-4321-9A66-4EAB41DA11D7}" type="datetime1">
+              <a:rPr lang="ru-RU" smtClean="0"/>
+              <a:t>16.06.18</a:t>
+            </a:fld>
+            <a:endParaRPr lang="ru-RU"/>
+          </a:p>
+        </p:txBody>
+      </p:sp>
+      <p:sp>
+        <p:nvSpPr>
+          <p:cNvPr id="5" name="Номер слайда 4"/>
+          <p:cNvSpPr>
+            <a:spLocks noGrp="1"/>
+          </p:cNvSpPr>
+          <p:nvPr>
+            <p:ph type="sldNum" sz="quarter" idx="12"/>
+          </p:nvPr>
+        </p:nvSpPr>
+        <p:spPr/>
+        <p:txBody>
+          <a:bodyPr/>
+          <a:lstStyle/>
+          <a:p>
+            <a:fld id="{3A087E35-5216-4F41-90F2-2BFC9943FF68}" type="slidenum">
+              <a:rPr lang="ru-RU" smtClean="0"/>
+              <a:t>19</a:t>
+            </a:fld>
+            <a:endParaRPr lang="ru-RU"/>
+          </a:p>
+        </p:txBody>
+      </p:sp>
+      <p:pic>
+        <p:nvPicPr>
+          <p:cNvPr id="1027" name="Picture 3" descr="C:\OpenServer\domains\EDUKIT\docs\Используемые источники\Презентация\Сайт МГКИТ. 27.11.2002.png"/>
+          <p:cNvPicPr>
+            <a:picLocks noChangeAspect="1" noChangeArrowheads="1"/>
+          </p:cNvPicPr>
+          <p:nvPr/>
+        </p:nvPicPr>
+        <p:blipFill rotWithShape="1">
+          <a:blip r:embed="rId2">
+            <a:extLst>
+              <a:ext uri="{28A0092B-C50C-407E-A947-70E740481C1C}">
+                <a14:useLocalDpi xmlns:a14="http://schemas.microsoft.com/office/drawing/2010/main" val="0"/>
+              </a:ext>
+            </a:extLst>
+          </a:blip>
+          <a:srcRect r="2153"/>
+          <a:stretch/>
+        </p:blipFill>
+        <p:spPr bwMode="auto">
+          <a:xfrm>
+            <a:off x="4735773" y="109181"/>
+            <a:ext cx="7028597" cy="6318913"/>
+          </a:xfrm>
+          <a:prstGeom prst="rect">
+            <a:avLst/>
+          </a:prstGeom>
+          <a:noFill/>
+          <a:extLst>
+            <a:ext uri="{909E8E84-426E-40DD-AFC4-6F175D3DCCD1}">
+              <a14:hiddenFill xmlns:a14="http://schemas.microsoft.com/office/drawing/2010/main">
+                <a:solidFill>
+                  <a:srgbClr val="FFFFFF"/>
+                </a:solidFill>
+              </a14:hiddenFill>
+            </a:ext>
+          </a:extLst>
+        </p:spPr>
+      </p:pic>
+    </p:spTree>
+    <p:extLst>
+      <p:ext uri="{BB962C8B-B14F-4D97-AF65-F5344CB8AC3E}">
+        <p14:creationId xmlns:p14="http://schemas.microsoft.com/office/powerpoint/2010/main" val="1685028751"/>
+      </p:ext>
+    </p:extLst>
+  </p:cSld>
+  <p:clrMapOvr>
+    <a:masterClrMapping/>
+  </p:clrMapOvr>
+  <p:timing>
+    <p:tnLst>
+      <p:par>
+        <p:cTn id="1" dur="indefinite" restart="never" nodeType="tmRoot"/>
+      </p:par>
+    </p:tnLst>
+  </p:timing>
+</p:sld>
+</file>
+
+<file path=ppt/slides/slide2.xml><?xml version="1.0" encoding="utf-8"?>
+<p:sld xmlns:a="http://schemas.openxmlformats.org/drawingml/2006/main" xmlns:r="http://schemas.openxmlformats.org/officeDocument/2006/relationships" xmlns:p="http://schemas.openxmlformats.org/presentationml/2006/main">
+  <p:cSld>
+    <p:spTree>
+      <p:nvGrpSpPr>
+        <p:cNvPr id="1" name=""/>
+        <p:cNvGrpSpPr/>
+        <p:nvPr/>
+      </p:nvGrpSpPr>
+      <p:grpSpPr>
+        <a:xfrm>
+          <a:off x="0" y="0"/>
+          <a:ext cx="0" cy="0"/>
+          <a:chOff x="0" y="0"/>
+          <a:chExt cx="0" cy="0"/>
+        </a:xfrm>
+      </p:grpSpPr>
+      <p:sp>
+        <p:nvSpPr>
+          <p:cNvPr id="2" name="Заголовок 1"/>
+          <p:cNvSpPr>
+            <a:spLocks noGrp="1"/>
+          </p:cNvSpPr>
+          <p:nvPr>
+            <p:ph type="title"/>
+          </p:nvPr>
+        </p:nvSpPr>
+        <p:spPr/>
+        <p:txBody>
+          <a:bodyPr/>
+          <a:lstStyle/>
+          <a:p>
+            <a:r>
+              <a:rPr lang="ru-RU" dirty="0" smtClean="0"/>
+              <a:t>Цель</a:t>
+            </a:r>
+            <a:endParaRPr lang="ru-RU" dirty="0"/>
+          </a:p>
+        </p:txBody>
+      </p:sp>
+      <p:sp>
+        <p:nvSpPr>
+          <p:cNvPr id="3" name="Объект 2"/>
+          <p:cNvSpPr>
+            <a:spLocks noGrp="1"/>
+          </p:cNvSpPr>
+          <p:nvPr>
+            <p:ph idx="1"/>
+          </p:nvPr>
+        </p:nvSpPr>
+        <p:spPr/>
+        <p:txBody>
+          <a:bodyPr anchor="ctr">
+            <a:normAutofit/>
+          </a:bodyPr>
+          <a:lstStyle/>
+          <a:p>
+            <a:pPr algn="ctr"/>
+            <a:r>
+              <a:rPr lang="ru-RU" sz="3200" dirty="0" smtClean="0"/>
+              <a:t>Создание </a:t>
+            </a:r>
+            <a:r>
+              <a:rPr lang="ru-RU" sz="3200" dirty="0"/>
+              <a:t>единой информационной системы </a:t>
+            </a:r>
+            <a:r>
+              <a:rPr lang="ru-RU" sz="3200" dirty="0" smtClean="0"/>
+              <a:t>для</a:t>
+            </a:r>
+          </a:p>
+          <a:p>
+            <a:pPr algn="ctr"/>
+            <a:r>
+              <a:rPr lang="ru-RU" sz="3200" dirty="0" smtClean="0"/>
+              <a:t>ФГБОУ </a:t>
+            </a:r>
+            <a:r>
+              <a:rPr lang="ru-RU" sz="3200" dirty="0"/>
+              <a:t>ВО «МГУТУ им. К.Г. Разумовского (ПКУ)» УНИКИТ</a:t>
+            </a:r>
+          </a:p>
+        </p:txBody>
+      </p:sp>
+      <p:sp>
+        <p:nvSpPr>
+          <p:cNvPr id="4" name="Дата 3"/>
+          <p:cNvSpPr>
+            <a:spLocks noGrp="1"/>
+          </p:cNvSpPr>
+          <p:nvPr>
+            <p:ph type="dt" sz="half" idx="10"/>
+          </p:nvPr>
+        </p:nvSpPr>
+        <p:spPr/>
+        <p:txBody>
+          <a:bodyPr/>
+          <a:lstStyle/>
+          <a:p>
+            <a:fld id="{187D58E7-61B0-47C4-BA99-17966DE34546}" type="datetime1">
+              <a:rPr lang="ru-RU" smtClean="0"/>
+              <a:t>16.06.18</a:t>
+            </a:fld>
+            <a:endParaRPr lang="ru-RU"/>
+          </a:p>
+        </p:txBody>
+      </p:sp>
+      <p:sp>
+        <p:nvSpPr>
+          <p:cNvPr id="5" name="Номер слайда 4"/>
+          <p:cNvSpPr>
+            <a:spLocks noGrp="1"/>
+          </p:cNvSpPr>
+          <p:nvPr>
+            <p:ph type="sldNum" sz="quarter" idx="12"/>
+          </p:nvPr>
+        </p:nvSpPr>
+        <p:spPr/>
+        <p:txBody>
+          <a:bodyPr/>
+          <a:lstStyle/>
+          <a:p>
+            <a:fld id="{3A087E35-5216-4F41-90F2-2BFC9943FF68}" type="slidenum">
+              <a:rPr lang="ru-RU" smtClean="0"/>
+              <a:t>2</a:t>
+            </a:fld>
+            <a:endParaRPr lang="ru-RU"/>
+          </a:p>
+        </p:txBody>
+      </p:sp>
+    </p:spTree>
+    <p:extLst>
+      <p:ext uri="{BB962C8B-B14F-4D97-AF65-F5344CB8AC3E}">
+        <p14:creationId xmlns:p14="http://schemas.microsoft.com/office/powerpoint/2010/main" val="2838149280"/>
+      </p:ext>
+    </p:extLst>
+  </p:cSld>
+  <p:clrMapOvr>
+    <a:masterClrMapping/>
+  </p:clrMapOvr>
+  <p:timing>
+    <p:tnLst>
+      <p:par>
+        <p:cTn id="1" dur="indefinite" restart="never" nodeType="tmRoot"/>
+      </p:par>
+    </p:tnLst>
+  </p:timing>
+</p:sld>
+</file>
+
+<file path=ppt/slides/slide20.xml><?xml version="1.0" encoding="utf-8"?>
+<p:sld xmlns:a="http://schemas.openxmlformats.org/drawingml/2006/main" xmlns:r="http://schemas.openxmlformats.org/officeDocument/2006/relationships" xmlns:p="http://schemas.openxmlformats.org/presentationml/2006/main">
+  <p:cSld>
+    <p:spTree>
+      <p:nvGrpSpPr>
+        <p:cNvPr id="1" name=""/>
+        <p:cNvGrpSpPr/>
+        <p:nvPr/>
+      </p:nvGrpSpPr>
+      <p:grpSpPr>
+        <a:xfrm>
+          <a:off x="0" y="0"/>
+          <a:ext cx="0" cy="0"/>
+          <a:chOff x="0" y="0"/>
+          <a:chExt cx="0" cy="0"/>
+        </a:xfrm>
+      </p:grpSpPr>
+      <p:sp>
+        <p:nvSpPr>
+          <p:cNvPr id="7" name="Заголовок 6"/>
+          <p:cNvSpPr>
+            <a:spLocks noGrp="1"/>
+          </p:cNvSpPr>
+          <p:nvPr>
+            <p:ph type="title"/>
+          </p:nvPr>
+        </p:nvSpPr>
+        <p:spPr/>
+        <p:txBody>
+          <a:bodyPr/>
+          <a:lstStyle/>
+          <a:p>
+            <a:pPr algn="ctr"/>
+            <a:r>
+              <a:rPr lang="ru-RU" dirty="0"/>
+              <a:t>Сайт </a:t>
+            </a:r>
+            <a:br>
+              <a:rPr lang="ru-RU" dirty="0"/>
+            </a:br>
+            <a:r>
+              <a:rPr lang="ru-RU" dirty="0"/>
+              <a:t>колледжа</a:t>
+            </a:r>
+          </a:p>
+        </p:txBody>
+      </p:sp>
+      <p:sp>
+        <p:nvSpPr>
+          <p:cNvPr id="9" name="Текст 8"/>
+          <p:cNvSpPr>
+            <a:spLocks noGrp="1"/>
+          </p:cNvSpPr>
+          <p:nvPr>
+            <p:ph type="body" sz="half" idx="2"/>
+          </p:nvPr>
+        </p:nvSpPr>
+        <p:spPr/>
+        <p:txBody>
+          <a:bodyPr anchor="ctr">
+            <a:normAutofit/>
+          </a:bodyPr>
+          <a:lstStyle/>
+          <a:p>
+            <a:pPr algn="ctr"/>
+            <a:r>
+              <a:rPr lang="ru-RU" sz="4400" dirty="0" smtClean="0"/>
+              <a:t>2004 год</a:t>
+            </a:r>
+            <a:endParaRPr lang="ru-RU" sz="4400" dirty="0"/>
+          </a:p>
+        </p:txBody>
+      </p:sp>
+      <p:sp>
+        <p:nvSpPr>
+          <p:cNvPr id="4" name="Дата 3"/>
+          <p:cNvSpPr>
+            <a:spLocks noGrp="1"/>
+          </p:cNvSpPr>
+          <p:nvPr>
+            <p:ph type="dt" sz="half" idx="10"/>
+          </p:nvPr>
+        </p:nvSpPr>
+        <p:spPr/>
+        <p:txBody>
+          <a:bodyPr/>
+          <a:lstStyle/>
+          <a:p>
+            <a:fld id="{89748951-148D-4321-9A66-4EAB41DA11D7}" type="datetime1">
+              <a:rPr lang="ru-RU" smtClean="0"/>
+              <a:t>16.06.18</a:t>
+            </a:fld>
+            <a:endParaRPr lang="ru-RU"/>
+          </a:p>
+        </p:txBody>
+      </p:sp>
+      <p:sp>
+        <p:nvSpPr>
+          <p:cNvPr id="5" name="Номер слайда 4"/>
+          <p:cNvSpPr>
+            <a:spLocks noGrp="1"/>
+          </p:cNvSpPr>
+          <p:nvPr>
+            <p:ph type="sldNum" sz="quarter" idx="12"/>
+          </p:nvPr>
+        </p:nvSpPr>
+        <p:spPr/>
+        <p:txBody>
+          <a:bodyPr/>
+          <a:lstStyle/>
+          <a:p>
+            <a:fld id="{3A087E35-5216-4F41-90F2-2BFC9943FF68}" type="slidenum">
+              <a:rPr lang="ru-RU" smtClean="0"/>
+              <a:t>20</a:t>
+            </a:fld>
+            <a:endParaRPr lang="ru-RU"/>
+          </a:p>
+        </p:txBody>
+      </p:sp>
+      <p:pic>
+        <p:nvPicPr>
+          <p:cNvPr id="4098" name="Picture 2" descr="C:\OpenServer\domains\EDUKIT\docs\Используемые источники\Презентация\Сайт МГКИТ. 26.03.2004 .png"/>
+          <p:cNvPicPr>
+            <a:picLocks noChangeAspect="1" noChangeArrowheads="1"/>
+          </p:cNvPicPr>
+          <p:nvPr/>
+        </p:nvPicPr>
+        <p:blipFill>
+          <a:blip r:embed="rId2">
+            <a:extLst>
+              <a:ext uri="{28A0092B-C50C-407E-A947-70E740481C1C}">
+                <a14:useLocalDpi xmlns:a14="http://schemas.microsoft.com/office/drawing/2010/main" val="0"/>
+              </a:ext>
+            </a:extLst>
+          </a:blip>
+          <a:srcRect/>
+          <a:stretch>
+            <a:fillRect/>
+          </a:stretch>
+        </p:blipFill>
+        <p:spPr bwMode="auto">
+          <a:xfrm>
+            <a:off x="4196826" y="859807"/>
+            <a:ext cx="7872345" cy="5199799"/>
+          </a:xfrm>
+          <a:prstGeom prst="rect">
+            <a:avLst/>
+          </a:prstGeom>
+          <a:solidFill>
+            <a:srgbClr val="FFFFFF">
+              <a:shade val="85000"/>
+            </a:srgbClr>
+          </a:solidFill>
+          <a:ln w="88900" cap="sq">
+            <a:solidFill>
+              <a:srgbClr val="FFFFFF"/>
+            </a:solidFill>
+            <a:miter lim="800000"/>
+          </a:ln>
+          <a:effectLst>
+            <a:outerShdw blurRad="55000" dist="18000" dir="5400000" algn="tl" rotWithShape="0">
+              <a:srgbClr val="000000">
+                <a:alpha val="40000"/>
+              </a:srgbClr>
+            </a:outerShdw>
+          </a:effectLst>
+          <a:scene3d>
+            <a:camera prst="orthographicFront"/>
+            <a:lightRig rig="twoPt" dir="t">
+              <a:rot lat="0" lon="0" rev="7200000"/>
+            </a:lightRig>
+          </a:scene3d>
+          <a:sp3d>
+            <a:bevelT w="25400" h="19050"/>
+            <a:contourClr>
+              <a:srgbClr val="FFFFFF"/>
+            </a:contourClr>
+          </a:sp3d>
+          <a:extLst>
+            <a:ext uri="{909E8E84-426E-40DD-AFC4-6F175D3DCCD1}">
+              <a14:hiddenFill xmlns:a14="http://schemas.microsoft.com/office/drawing/2010/main">
+                <a:solidFill>
+                  <a:srgbClr val="FFFFFF"/>
+                </a:solidFill>
+              </a14:hiddenFill>
+            </a:ext>
+          </a:extLst>
+        </p:spPr>
+      </p:pic>
+    </p:spTree>
+    <p:extLst>
+      <p:ext uri="{BB962C8B-B14F-4D97-AF65-F5344CB8AC3E}">
+        <p14:creationId xmlns:p14="http://schemas.microsoft.com/office/powerpoint/2010/main" val="987137068"/>
+      </p:ext>
+    </p:extLst>
+  </p:cSld>
+  <p:clrMapOvr>
+    <a:masterClrMapping/>
+  </p:clrMapOvr>
+  <p:timing>
+    <p:tnLst>
+      <p:par>
+        <p:cTn id="1" dur="indefinite" restart="never" nodeType="tmRoot"/>
+      </p:par>
+    </p:tnLst>
+  </p:timing>
+</p:sld>
+</file>
+
+<file path=ppt/slides/slide21.xml><?xml version="1.0" encoding="utf-8"?>
+<p:sld xmlns:a="http://schemas.openxmlformats.org/drawingml/2006/main" xmlns:r="http://schemas.openxmlformats.org/officeDocument/2006/relationships" xmlns:p="http://schemas.openxmlformats.org/presentationml/2006/main">
+  <p:cSld>
+    <p:spTree>
+      <p:nvGrpSpPr>
+        <p:cNvPr id="1" name=""/>
+        <p:cNvGrpSpPr/>
+        <p:nvPr/>
+      </p:nvGrpSpPr>
+      <p:grpSpPr>
+        <a:xfrm>
+          <a:off x="0" y="0"/>
+          <a:ext cx="0" cy="0"/>
+          <a:chOff x="0" y="0"/>
+          <a:chExt cx="0" cy="0"/>
+        </a:xfrm>
+      </p:grpSpPr>
+      <p:sp>
+        <p:nvSpPr>
+          <p:cNvPr id="2" name="Заголовок 1"/>
+          <p:cNvSpPr>
+            <a:spLocks noGrp="1"/>
+          </p:cNvSpPr>
+          <p:nvPr>
+            <p:ph type="title"/>
+          </p:nvPr>
+        </p:nvSpPr>
+        <p:spPr/>
+        <p:txBody>
+          <a:bodyPr/>
+          <a:lstStyle/>
+          <a:p>
+            <a:pPr algn="ctr"/>
+            <a:r>
+              <a:rPr lang="ru-RU" dirty="0"/>
+              <a:t>Сайт </a:t>
+            </a:r>
+            <a:br>
+              <a:rPr lang="ru-RU" dirty="0"/>
+            </a:br>
+            <a:r>
+              <a:rPr lang="ru-RU" dirty="0"/>
+              <a:t>колледжа</a:t>
+            </a:r>
+          </a:p>
+        </p:txBody>
+      </p:sp>
+      <p:sp>
+        <p:nvSpPr>
+          <p:cNvPr id="4" name="Текст 3"/>
+          <p:cNvSpPr>
+            <a:spLocks noGrp="1"/>
+          </p:cNvSpPr>
+          <p:nvPr>
+            <p:ph type="body" sz="half" idx="2"/>
+          </p:nvPr>
+        </p:nvSpPr>
+        <p:spPr/>
+        <p:txBody>
+          <a:bodyPr anchor="ctr">
+            <a:normAutofit/>
+          </a:bodyPr>
+          <a:lstStyle/>
+          <a:p>
+            <a:pPr algn="ctr"/>
+            <a:r>
+              <a:rPr lang="ru-RU" sz="4400" dirty="0" smtClean="0"/>
+              <a:t>2011 год</a:t>
+            </a:r>
+            <a:endParaRPr lang="ru-RU" sz="4400" dirty="0"/>
+          </a:p>
+        </p:txBody>
+      </p:sp>
+      <p:sp>
+        <p:nvSpPr>
+          <p:cNvPr id="5" name="Дата 4"/>
+          <p:cNvSpPr>
+            <a:spLocks noGrp="1"/>
+          </p:cNvSpPr>
+          <p:nvPr>
+            <p:ph type="dt" sz="half" idx="10"/>
+          </p:nvPr>
+        </p:nvSpPr>
+        <p:spPr/>
+        <p:txBody>
+          <a:bodyPr/>
+          <a:lstStyle/>
+          <a:p>
+            <a:fld id="{A2860288-5F89-489D-87AA-9A25591AA6B9}" type="datetime1">
+              <a:rPr lang="ru-RU" smtClean="0"/>
+              <a:t>16.06.18</a:t>
+            </a:fld>
+            <a:endParaRPr lang="ru-RU"/>
+          </a:p>
+        </p:txBody>
+      </p:sp>
+      <p:sp>
+        <p:nvSpPr>
+          <p:cNvPr id="6" name="Номер слайда 5"/>
+          <p:cNvSpPr>
+            <a:spLocks noGrp="1"/>
+          </p:cNvSpPr>
+          <p:nvPr>
+            <p:ph type="sldNum" sz="quarter" idx="12"/>
+          </p:nvPr>
+        </p:nvSpPr>
+        <p:spPr/>
+        <p:txBody>
+          <a:bodyPr/>
+          <a:lstStyle/>
+          <a:p>
+            <a:fld id="{3A087E35-5216-4F41-90F2-2BFC9943FF68}" type="slidenum">
+              <a:rPr lang="ru-RU" smtClean="0"/>
+              <a:t>21</a:t>
+            </a:fld>
+            <a:endParaRPr lang="ru-RU"/>
+          </a:p>
+        </p:txBody>
+      </p:sp>
+      <p:pic>
+        <p:nvPicPr>
+          <p:cNvPr id="2050" name="Picture 2" descr="C:\OpenServer\domains\EDUKIT\docs\Используемые источники\Презентация\Сайт МГКИТ. 20.10.2011.png"/>
+          <p:cNvPicPr>
+            <a:picLocks noChangeAspect="1" noChangeArrowheads="1"/>
+          </p:cNvPicPr>
+          <p:nvPr/>
+        </p:nvPicPr>
+        <p:blipFill rotWithShape="1">
+          <a:blip r:embed="rId2" cstate="print">
+            <a:extLst>
+              <a:ext uri="{28A0092B-C50C-407E-A947-70E740481C1C}">
+                <a14:useLocalDpi xmlns:a14="http://schemas.microsoft.com/office/drawing/2010/main" val="0"/>
+              </a:ext>
+            </a:extLst>
+          </a:blip>
+          <a:srcRect r="1479" b="14233"/>
+          <a:stretch/>
+        </p:blipFill>
+        <p:spPr bwMode="auto">
+          <a:xfrm>
+            <a:off x="4995887" y="125309"/>
+            <a:ext cx="6290812" cy="6331639"/>
+          </a:xfrm>
+          <a:prstGeom prst="rect">
+            <a:avLst/>
+          </a:prstGeom>
+          <a:solidFill>
+            <a:srgbClr val="FFFFFF">
+              <a:shade val="85000"/>
+            </a:srgbClr>
+          </a:solidFill>
+          <a:ln w="88900" cap="sq">
+            <a:solidFill>
+              <a:srgbClr val="FFFFFF"/>
+            </a:solidFill>
+            <a:miter lim="800000"/>
+          </a:ln>
+          <a:effectLst>
+            <a:outerShdw blurRad="55000" dist="18000" dir="5400000" algn="tl" rotWithShape="0">
+              <a:srgbClr val="000000">
+                <a:alpha val="40000"/>
+              </a:srgbClr>
+            </a:outerShdw>
+          </a:effectLst>
+          <a:scene3d>
+            <a:camera prst="orthographicFront"/>
+            <a:lightRig rig="twoPt" dir="t">
+              <a:rot lat="0" lon="0" rev="7200000"/>
+            </a:lightRig>
+          </a:scene3d>
+          <a:sp3d>
+            <a:bevelT w="25400" h="19050"/>
+            <a:contourClr>
+              <a:srgbClr val="FFFFFF"/>
+            </a:contourClr>
+          </a:sp3d>
+          <a:extLst>
+            <a:ext uri="{909E8E84-426E-40DD-AFC4-6F175D3DCCD1}">
+              <a14:hiddenFill xmlns:a14="http://schemas.microsoft.com/office/drawing/2010/main">
+                <a:solidFill>
+                  <a:srgbClr val="FFFFFF"/>
+                </a:solidFill>
+              </a14:hiddenFill>
+            </a:ext>
+          </a:extLst>
+        </p:spPr>
+      </p:pic>
+    </p:spTree>
+    <p:extLst>
+      <p:ext uri="{BB962C8B-B14F-4D97-AF65-F5344CB8AC3E}">
+        <p14:creationId xmlns:p14="http://schemas.microsoft.com/office/powerpoint/2010/main" val="3410832135"/>
+      </p:ext>
+    </p:extLst>
+  </p:cSld>
+  <p:clrMapOvr>
+    <a:masterClrMapping/>
+  </p:clrMapOvr>
+  <p:timing>
+    <p:tnLst>
+      <p:par>
+        <p:cTn id="1" dur="indefinite" restart="never" nodeType="tmRoot"/>
+      </p:par>
+    </p:tnLst>
+  </p:timing>
+</p:sld>
+</file>
+
+<file path=ppt/slides/slide22.xml><?xml version="1.0" encoding="utf-8"?>
+<p:sld xmlns:a="http://schemas.openxmlformats.org/drawingml/2006/main" xmlns:r="http://schemas.openxmlformats.org/officeDocument/2006/relationships" xmlns:p="http://schemas.openxmlformats.org/presentationml/2006/main">
+  <p:cSld>
+    <p:spTree>
+      <p:nvGrpSpPr>
+        <p:cNvPr id="1" name=""/>
+        <p:cNvGrpSpPr/>
+        <p:nvPr/>
+      </p:nvGrpSpPr>
+      <p:grpSpPr>
+        <a:xfrm>
+          <a:off x="0" y="0"/>
+          <a:ext cx="0" cy="0"/>
+          <a:chOff x="0" y="0"/>
+          <a:chExt cx="0" cy="0"/>
+        </a:xfrm>
+      </p:grpSpPr>
+      <p:sp>
+        <p:nvSpPr>
+          <p:cNvPr id="2" name="Заголовок 1"/>
+          <p:cNvSpPr>
+            <a:spLocks noGrp="1"/>
+          </p:cNvSpPr>
+          <p:nvPr>
+            <p:ph type="title"/>
+          </p:nvPr>
+        </p:nvSpPr>
+        <p:spPr/>
+        <p:txBody>
+          <a:bodyPr/>
+          <a:lstStyle/>
+          <a:p>
+            <a:pPr algn="ctr"/>
+            <a:r>
+              <a:rPr lang="ru-RU" dirty="0"/>
+              <a:t>Сайт </a:t>
+            </a:r>
+            <a:br>
+              <a:rPr lang="ru-RU" dirty="0"/>
+            </a:br>
+            <a:r>
+              <a:rPr lang="ru-RU" dirty="0"/>
+              <a:t>колледжа</a:t>
+            </a:r>
+          </a:p>
+        </p:txBody>
+      </p:sp>
+      <p:sp>
+        <p:nvSpPr>
+          <p:cNvPr id="4" name="Текст 3"/>
+          <p:cNvSpPr>
+            <a:spLocks noGrp="1"/>
+          </p:cNvSpPr>
+          <p:nvPr>
+            <p:ph type="body" sz="half" idx="2"/>
+          </p:nvPr>
+        </p:nvSpPr>
+        <p:spPr/>
+        <p:txBody>
+          <a:bodyPr anchor="ctr">
+            <a:normAutofit/>
+          </a:bodyPr>
+          <a:lstStyle/>
+          <a:p>
+            <a:pPr algn="ctr"/>
+            <a:r>
+              <a:rPr lang="ru-RU" sz="4400" dirty="0" smtClean="0"/>
+              <a:t>2014 год</a:t>
+            </a:r>
+            <a:endParaRPr lang="ru-RU" sz="4400" dirty="0"/>
+          </a:p>
+        </p:txBody>
+      </p:sp>
+      <p:sp>
+        <p:nvSpPr>
+          <p:cNvPr id="5" name="Дата 4"/>
+          <p:cNvSpPr>
+            <a:spLocks noGrp="1"/>
+          </p:cNvSpPr>
+          <p:nvPr>
+            <p:ph type="dt" sz="half" idx="10"/>
+          </p:nvPr>
+        </p:nvSpPr>
+        <p:spPr/>
+        <p:txBody>
+          <a:bodyPr/>
+          <a:lstStyle/>
+          <a:p>
+            <a:fld id="{A2860288-5F89-489D-87AA-9A25591AA6B9}" type="datetime1">
+              <a:rPr lang="ru-RU" smtClean="0"/>
+              <a:t>16.06.18</a:t>
+            </a:fld>
+            <a:endParaRPr lang="ru-RU"/>
+          </a:p>
+        </p:txBody>
+      </p:sp>
+      <p:sp>
+        <p:nvSpPr>
+          <p:cNvPr id="6" name="Номер слайда 5"/>
+          <p:cNvSpPr>
+            <a:spLocks noGrp="1"/>
+          </p:cNvSpPr>
+          <p:nvPr>
+            <p:ph type="sldNum" sz="quarter" idx="12"/>
+          </p:nvPr>
+        </p:nvSpPr>
+        <p:spPr/>
+        <p:txBody>
+          <a:bodyPr/>
+          <a:lstStyle/>
+          <a:p>
+            <a:fld id="{3A087E35-5216-4F41-90F2-2BFC9943FF68}" type="slidenum">
+              <a:rPr lang="ru-RU" smtClean="0"/>
+              <a:t>22</a:t>
+            </a:fld>
+            <a:endParaRPr lang="ru-RU"/>
+          </a:p>
+        </p:txBody>
+      </p:sp>
+      <p:pic>
+        <p:nvPicPr>
+          <p:cNvPr id="3075" name="Picture 3" descr="C:\OpenServer\domains\EDUKIT\docs\Используемые источники\Презентация\Сайт МГКИТ. 19.08.2014.png"/>
+          <p:cNvPicPr>
+            <a:picLocks noChangeAspect="1" noChangeArrowheads="1"/>
+          </p:cNvPicPr>
+          <p:nvPr/>
+        </p:nvPicPr>
+        <p:blipFill rotWithShape="1">
+          <a:blip r:embed="rId2" cstate="print">
+            <a:extLst>
+              <a:ext uri="{28A0092B-C50C-407E-A947-70E740481C1C}">
+                <a14:useLocalDpi xmlns:a14="http://schemas.microsoft.com/office/drawing/2010/main" val="0"/>
+              </a:ext>
+            </a:extLst>
+          </a:blip>
+          <a:srcRect b="62823"/>
+          <a:stretch/>
+        </p:blipFill>
+        <p:spPr bwMode="auto">
+          <a:xfrm>
+            <a:off x="4330885" y="409433"/>
+            <a:ext cx="7724990" cy="5663820"/>
+          </a:xfrm>
+          <a:prstGeom prst="rect">
+            <a:avLst/>
+          </a:prstGeom>
+          <a:solidFill>
+            <a:srgbClr val="FFFFFF">
+              <a:shade val="85000"/>
+            </a:srgbClr>
+          </a:solidFill>
+          <a:ln w="88900" cap="sq">
+            <a:solidFill>
+              <a:srgbClr val="FFFFFF"/>
+            </a:solidFill>
+            <a:miter lim="800000"/>
+          </a:ln>
+          <a:effectLst>
+            <a:outerShdw blurRad="55000" dist="18000" dir="5400000" algn="tl" rotWithShape="0">
+              <a:srgbClr val="000000">
+                <a:alpha val="40000"/>
+              </a:srgbClr>
+            </a:outerShdw>
+          </a:effectLst>
+          <a:scene3d>
+            <a:camera prst="orthographicFront"/>
+            <a:lightRig rig="twoPt" dir="t">
+              <a:rot lat="0" lon="0" rev="7200000"/>
+            </a:lightRig>
+          </a:scene3d>
+          <a:sp3d>
+            <a:bevelT w="25400" h="19050"/>
+            <a:contourClr>
+              <a:srgbClr val="FFFFFF"/>
+            </a:contourClr>
+          </a:sp3d>
+          <a:extLst>
+            <a:ext uri="{909E8E84-426E-40DD-AFC4-6F175D3DCCD1}">
+              <a14:hiddenFill xmlns:a14="http://schemas.microsoft.com/office/drawing/2010/main">
+                <a:solidFill>
+                  <a:srgbClr val="FFFFFF"/>
+                </a:solidFill>
+              </a14:hiddenFill>
+            </a:ext>
+          </a:extLst>
+        </p:spPr>
+      </p:pic>
+    </p:spTree>
+    <p:extLst>
+      <p:ext uri="{BB962C8B-B14F-4D97-AF65-F5344CB8AC3E}">
+        <p14:creationId xmlns:p14="http://schemas.microsoft.com/office/powerpoint/2010/main" val="4274792014"/>
+      </p:ext>
+    </p:extLst>
+  </p:cSld>
+  <p:clrMapOvr>
+    <a:masterClrMapping/>
+  </p:clrMapOvr>
+  <p:timing>
+    <p:tnLst>
+      <p:par>
+        <p:cTn id="1" dur="indefinite" restart="never" nodeType="tmRoot"/>
+      </p:par>
+    </p:tnLst>
+  </p:timing>
+</p:sld>
+</file>
+
+<file path=ppt/slides/slide23.xml><?xml version="1.0" encoding="utf-8"?>
+<p:sld xmlns:a="http://schemas.openxmlformats.org/drawingml/2006/main" xmlns:r="http://schemas.openxmlformats.org/officeDocument/2006/relationships" xmlns:p="http://schemas.openxmlformats.org/presentationml/2006/main">
+  <p:cSld>
+    <p:spTree>
+      <p:nvGrpSpPr>
+        <p:cNvPr id="1" name=""/>
+        <p:cNvGrpSpPr/>
+        <p:nvPr/>
+      </p:nvGrpSpPr>
+      <p:grpSpPr>
+        <a:xfrm>
+          <a:off x="0" y="0"/>
+          <a:ext cx="0" cy="0"/>
+          <a:chOff x="0" y="0"/>
+          <a:chExt cx="0" cy="0"/>
+        </a:xfrm>
+      </p:grpSpPr>
+      <p:sp>
+        <p:nvSpPr>
+          <p:cNvPr id="2" name="Заголовок 1"/>
+          <p:cNvSpPr>
+            <a:spLocks noGrp="1"/>
+          </p:cNvSpPr>
+          <p:nvPr>
+            <p:ph type="title"/>
+          </p:nvPr>
+        </p:nvSpPr>
+        <p:spPr/>
+        <p:txBody>
+          <a:bodyPr/>
+          <a:lstStyle/>
+          <a:p>
+            <a:pPr algn="ctr"/>
+            <a:r>
+              <a:rPr lang="ru-RU" dirty="0" smtClean="0"/>
+              <a:t>Сайт </a:t>
+            </a:r>
+            <a:br>
+              <a:rPr lang="ru-RU" dirty="0" smtClean="0"/>
+            </a:br>
+            <a:r>
+              <a:rPr lang="ru-RU" dirty="0" smtClean="0"/>
+              <a:t>колледжа</a:t>
+            </a:r>
+            <a:endParaRPr lang="ru-RU" dirty="0"/>
+          </a:p>
+        </p:txBody>
+      </p:sp>
+      <p:sp>
+        <p:nvSpPr>
+          <p:cNvPr id="4" name="Текст 3"/>
+          <p:cNvSpPr>
+            <a:spLocks noGrp="1"/>
+          </p:cNvSpPr>
+          <p:nvPr>
+            <p:ph type="body" sz="half" idx="2"/>
+          </p:nvPr>
+        </p:nvSpPr>
+        <p:spPr/>
+        <p:txBody>
+          <a:bodyPr anchor="ctr">
+            <a:normAutofit/>
+          </a:bodyPr>
+          <a:lstStyle/>
+          <a:p>
+            <a:pPr algn="ctr"/>
+            <a:r>
+              <a:rPr lang="ru-RU" sz="4400" dirty="0" smtClean="0"/>
+              <a:t>2017 год</a:t>
+            </a:r>
+            <a:endParaRPr lang="ru-RU" sz="4400" dirty="0"/>
+          </a:p>
+        </p:txBody>
+      </p:sp>
+      <p:sp>
+        <p:nvSpPr>
+          <p:cNvPr id="5" name="Дата 4"/>
+          <p:cNvSpPr>
+            <a:spLocks noGrp="1"/>
+          </p:cNvSpPr>
+          <p:nvPr>
+            <p:ph type="dt" sz="half" idx="10"/>
+          </p:nvPr>
+        </p:nvSpPr>
+        <p:spPr/>
+        <p:txBody>
+          <a:bodyPr/>
+          <a:lstStyle/>
+          <a:p>
+            <a:fld id="{A2860288-5F89-489D-87AA-9A25591AA6B9}" type="datetime1">
+              <a:rPr lang="ru-RU" smtClean="0"/>
+              <a:t>16.06.18</a:t>
+            </a:fld>
+            <a:endParaRPr lang="ru-RU"/>
+          </a:p>
+        </p:txBody>
+      </p:sp>
+      <p:sp>
+        <p:nvSpPr>
+          <p:cNvPr id="6" name="Номер слайда 5"/>
+          <p:cNvSpPr>
+            <a:spLocks noGrp="1"/>
+          </p:cNvSpPr>
+          <p:nvPr>
+            <p:ph type="sldNum" sz="quarter" idx="12"/>
+          </p:nvPr>
+        </p:nvSpPr>
+        <p:spPr/>
+        <p:txBody>
+          <a:bodyPr/>
+          <a:lstStyle/>
+          <a:p>
+            <a:fld id="{3A087E35-5216-4F41-90F2-2BFC9943FF68}" type="slidenum">
+              <a:rPr lang="ru-RU" smtClean="0"/>
+              <a:t>23</a:t>
+            </a:fld>
+            <a:endParaRPr lang="ru-RU"/>
+          </a:p>
+        </p:txBody>
+      </p:sp>
+      <p:pic>
+        <p:nvPicPr>
+          <p:cNvPr id="5122" name="Picture 2" descr="C:\OpenServer\domains\EDUKIT\docs\Используемые источники\Презентация\Сайт МГКИТ. 16.06.2018.png"/>
+          <p:cNvPicPr>
+            <a:picLocks noChangeAspect="1" noChangeArrowheads="1"/>
+          </p:cNvPicPr>
+          <p:nvPr/>
+        </p:nvPicPr>
+        <p:blipFill rotWithShape="1">
+          <a:blip r:embed="rId2">
+            <a:extLst>
+              <a:ext uri="{28A0092B-C50C-407E-A947-70E740481C1C}">
+                <a14:useLocalDpi xmlns:a14="http://schemas.microsoft.com/office/drawing/2010/main" val="0"/>
+              </a:ext>
+            </a:extLst>
+          </a:blip>
+          <a:srcRect r="6834"/>
+          <a:stretch/>
+        </p:blipFill>
+        <p:spPr bwMode="auto">
+          <a:xfrm>
+            <a:off x="5445457" y="218364"/>
+            <a:ext cx="5193968" cy="6198220"/>
+          </a:xfrm>
+          <a:prstGeom prst="rect">
+            <a:avLst/>
+          </a:prstGeom>
+          <a:solidFill>
+            <a:srgbClr val="FFFFFF">
+              <a:shade val="85000"/>
+            </a:srgbClr>
+          </a:solidFill>
+          <a:ln w="88900" cap="sq">
+            <a:solidFill>
+              <a:srgbClr val="FFFFFF"/>
+            </a:solidFill>
+            <a:miter lim="800000"/>
+          </a:ln>
+          <a:effectLst>
+            <a:outerShdw blurRad="55000" dist="18000" dir="5400000" algn="tl" rotWithShape="0">
+              <a:srgbClr val="000000">
+                <a:alpha val="40000"/>
+              </a:srgbClr>
+            </a:outerShdw>
+          </a:effectLst>
+          <a:scene3d>
+            <a:camera prst="orthographicFront"/>
+            <a:lightRig rig="twoPt" dir="t">
+              <a:rot lat="0" lon="0" rev="7200000"/>
+            </a:lightRig>
+          </a:scene3d>
+          <a:sp3d>
+            <a:bevelT w="25400" h="19050"/>
+            <a:contourClr>
+              <a:srgbClr val="FFFFFF"/>
+            </a:contourClr>
+          </a:sp3d>
+          <a:extLst>
+            <a:ext uri="{909E8E84-426E-40DD-AFC4-6F175D3DCCD1}">
+              <a14:hiddenFill xmlns:a14="http://schemas.microsoft.com/office/drawing/2010/main">
+                <a:solidFill>
+                  <a:srgbClr val="FFFFFF"/>
+                </a:solidFill>
+              </a14:hiddenFill>
+            </a:ext>
+          </a:extLst>
+        </p:spPr>
+      </p:pic>
+    </p:spTree>
+    <p:extLst>
+      <p:ext uri="{BB962C8B-B14F-4D97-AF65-F5344CB8AC3E}">
+        <p14:creationId xmlns:p14="http://schemas.microsoft.com/office/powerpoint/2010/main" val="3451611326"/>
+      </p:ext>
+    </p:extLst>
+  </p:cSld>
+  <p:clrMapOvr>
+    <a:masterClrMapping/>
+  </p:clrMapOvr>
+  <p:timing>
+    <p:tnLst>
+      <p:par>
+        <p:cTn id="1" dur="indefinite" restart="never" nodeType="tmRoot"/>
+      </p:par>
+    </p:tnLst>
+  </p:timing>
+</p:sld>
+</file>
+
+<file path=ppt/slides/slide24.xml><?xml version="1.0" encoding="utf-8"?>
 <p:sld xmlns:a="http://schemas.openxmlformats.org/drawingml/2006/main" xmlns:r="http://schemas.openxmlformats.org/officeDocument/2006/relationships" xmlns:p="http://schemas.openxmlformats.org/presentationml/2006/main">
   <p:cSld>
     <p:spTree>
@@ -16728,7 +23593,7 @@
             <p:ph idx="1"/>
             <p:extLst>
               <p:ext uri="{D42A27DB-BD31-4B8C-83A1-F6EECF244321}">
-                <p14:modId xmlns:p14="http://schemas.microsoft.com/office/powerpoint/2010/main" val="843347975"/>
+                <p14:modId xmlns:p14="http://schemas.microsoft.com/office/powerpoint/2010/main" val="500902703"/>
               </p:ext>
             </p:extLst>
           </p:nvPr>
@@ -16923,7 +23788,7 @@
                       <a:pPr algn="ctr"/>
                       <a:r>
                         <a:rPr lang="ru-RU" dirty="0" smtClean="0"/>
-                        <a:t>1 год</a:t>
+                        <a:t>2 года</a:t>
                       </a:r>
                       <a:endParaRPr lang="ru-RU" dirty="0"/>
                     </a:p>
@@ -16952,7 +23817,7 @@
           <a:p>
             <a:fld id="{89748951-148D-4321-9A66-4EAB41DA11D7}" type="datetime1">
               <a:rPr lang="ru-RU" smtClean="0"/>
-              <a:t>14.06.18</a:t>
+              <a:t>16.06.18</a:t>
             </a:fld>
             <a:endParaRPr lang="ru-RU"/>
           </a:p>
@@ -16975,7 +23840,7 @@
           <a:p>
             <a:fld id="{3A087E35-5216-4F41-90F2-2BFC9943FF68}" type="slidenum">
               <a:rPr lang="ru-RU" smtClean="0"/>
-              <a:t>14</a:t>
+              <a:t>24</a:t>
             </a:fld>
             <a:endParaRPr lang="ru-RU"/>
           </a:p>
@@ -16991,10 +23856,17 @@
   <p:clrMapOvr>
     <a:masterClrMapping/>
   </p:clrMapOvr>
+  <p:timing>
+    <p:tnLst>
+      <p:par>
+        <p:cTn id="1" dur="indefinite" restart="never" nodeType="tmRoot"/>
+      </p:par>
+    </p:tnLst>
+  </p:timing>
 </p:sld>
 </file>
 
-<file path=ppt/slides/slide15.xml><?xml version="1.0" encoding="utf-8"?>
+<file path=ppt/slides/slide25.xml><?xml version="1.0" encoding="utf-8"?>
 <p:sld xmlns:a="http://schemas.openxmlformats.org/drawingml/2006/main" xmlns:r="http://schemas.openxmlformats.org/officeDocument/2006/relationships" xmlns:p="http://schemas.openxmlformats.org/presentationml/2006/main">
   <p:cSld>
     <p:spTree>
@@ -17082,7 +23954,7 @@
           <a:p>
             <a:fld id="{6537E4BD-7422-4D03-8205-150202B1087A}" type="datetime1">
               <a:rPr lang="ru-RU" smtClean="0"/>
-              <a:t>14.06.18</a:t>
+              <a:t>16.06.18</a:t>
             </a:fld>
             <a:endParaRPr lang="ru-RU"/>
           </a:p>
@@ -17105,7 +23977,7 @@
           <a:p>
             <a:fld id="{3A087E35-5216-4F41-90F2-2BFC9943FF68}" type="slidenum">
               <a:rPr lang="ru-RU" smtClean="0"/>
-              <a:t>15</a:t>
+              <a:t>25</a:t>
             </a:fld>
             <a:endParaRPr lang="ru-RU"/>
           </a:p>
@@ -17115,149 +23987,6 @@
     <p:extLst>
       <p:ext uri="{BB962C8B-B14F-4D97-AF65-F5344CB8AC3E}">
         <p14:creationId xmlns:p14="http://schemas.microsoft.com/office/powerpoint/2010/main" val="708515992"/>
-      </p:ext>
-    </p:extLst>
-  </p:cSld>
-  <p:clrMapOvr>
-    <a:masterClrMapping/>
-  </p:clrMapOvr>
-</p:sld>
-</file>
-
-<file path=ppt/slides/slide2.xml><?xml version="1.0" encoding="utf-8"?>
-<p:sld xmlns:a="http://schemas.openxmlformats.org/drawingml/2006/main" xmlns:r="http://schemas.openxmlformats.org/officeDocument/2006/relationships" xmlns:p="http://schemas.openxmlformats.org/presentationml/2006/main">
-  <p:cSld>
-    <p:spTree>
-      <p:nvGrpSpPr>
-        <p:cNvPr id="1" name=""/>
-        <p:cNvGrpSpPr/>
-        <p:nvPr/>
-      </p:nvGrpSpPr>
-      <p:grpSpPr>
-        <a:xfrm>
-          <a:off x="0" y="0"/>
-          <a:ext cx="0" cy="0"/>
-          <a:chOff x="0" y="0"/>
-          <a:chExt cx="0" cy="0"/>
-        </a:xfrm>
-      </p:grpSpPr>
-      <p:sp>
-        <p:nvSpPr>
-          <p:cNvPr id="2" name="Заголовок 1"/>
-          <p:cNvSpPr>
-            <a:spLocks noGrp="1"/>
-          </p:cNvSpPr>
-          <p:nvPr>
-            <p:ph type="title"/>
-          </p:nvPr>
-        </p:nvSpPr>
-        <p:spPr/>
-        <p:txBody>
-          <a:bodyPr/>
-          <a:lstStyle/>
-          <a:p>
-            <a:r>
-              <a:rPr lang="ru-RU" dirty="0" smtClean="0"/>
-              <a:t>Цель</a:t>
-            </a:r>
-            <a:endParaRPr lang="ru-RU" dirty="0"/>
-          </a:p>
-        </p:txBody>
-      </p:sp>
-      <p:sp>
-        <p:nvSpPr>
-          <p:cNvPr id="3" name="Объект 2"/>
-          <p:cNvSpPr>
-            <a:spLocks noGrp="1"/>
-          </p:cNvSpPr>
-          <p:nvPr>
-            <p:ph idx="1"/>
-          </p:nvPr>
-        </p:nvSpPr>
-        <p:spPr/>
-        <p:txBody>
-          <a:bodyPr anchor="ctr">
-            <a:normAutofit/>
-          </a:bodyPr>
-          <a:lstStyle/>
-          <a:p>
-            <a:pPr algn="ctr"/>
-            <a:r>
-              <a:rPr lang="ru-RU" sz="3200" dirty="0" smtClean="0"/>
-              <a:t>Создание </a:t>
-            </a:r>
-            <a:r>
-              <a:rPr lang="ru-RU" sz="3200" dirty="0"/>
-              <a:t>единой информационной системы </a:t>
-            </a:r>
-            <a:r>
-              <a:rPr lang="ru-RU" sz="3200" dirty="0" smtClean="0"/>
-              <a:t>для</a:t>
-            </a:r>
-          </a:p>
-          <a:p>
-            <a:pPr algn="ctr"/>
-            <a:r>
-              <a:rPr lang="ru-RU" sz="3200" dirty="0" smtClean="0"/>
-              <a:t>ФГБОУ </a:t>
-            </a:r>
-            <a:r>
-              <a:rPr lang="ru-RU" sz="3200" dirty="0"/>
-              <a:t>ВО «МГУТУ им. К.Г. Разумовского (ПКУ)» УНИКИТ</a:t>
-            </a:r>
-          </a:p>
-        </p:txBody>
-      </p:sp>
-      <p:sp>
-        <p:nvSpPr>
-          <p:cNvPr id="4" name="Дата 3"/>
-          <p:cNvSpPr>
-            <a:spLocks noGrp="1"/>
-          </p:cNvSpPr>
-          <p:nvPr>
-            <p:ph type="dt" sz="half" idx="10"/>
-          </p:nvPr>
-        </p:nvSpPr>
-        <p:spPr/>
-        <p:txBody>
-          <a:bodyPr/>
-          <a:lstStyle/>
-          <a:p>
-            <a:fld id="{187D58E7-61B0-47C4-BA99-17966DE34546}" type="datetime1">
-              <a:rPr lang="ru-RU" smtClean="0"/>
-              <a:t>14.06.18</a:t>
-            </a:fld>
-            <a:endParaRPr lang="ru-RU"/>
-          </a:p>
-        </p:txBody>
-      </p:sp>
-      <p:sp>
-        <p:nvSpPr>
-          <p:cNvPr id="5" name="Номер слайда 4"/>
-          <p:cNvSpPr>
-            <a:spLocks noGrp="1"/>
-          </p:cNvSpPr>
-          <p:nvPr>
-            <p:ph type="sldNum" sz="quarter" idx="12"/>
-          </p:nvPr>
-        </p:nvSpPr>
-        <p:spPr/>
-        <p:txBody>
-          <a:bodyPr/>
-          <a:lstStyle/>
-          <a:p>
-            <a:fld id="{3A087E35-5216-4F41-90F2-2BFC9943FF68}" type="slidenum">
-              <a:rPr lang="ru-RU" smtClean="0"/>
-              <a:t>2</a:t>
-            </a:fld>
-            <a:endParaRPr lang="ru-RU"/>
-          </a:p>
-        </p:txBody>
-      </p:sp>
-    </p:spTree>
-    <p:extLst>
-      <p:ext uri="{BB962C8B-B14F-4D97-AF65-F5344CB8AC3E}">
-        <p14:creationId xmlns:p14="http://schemas.microsoft.com/office/powerpoint/2010/main" val="2838149280"/>
       </p:ext>
     </p:extLst>
   </p:cSld>
@@ -17326,10 +24055,29 @@
         </p:nvSpPr>
         <p:spPr/>
         <p:txBody>
-          <a:bodyPr/>
+          <a:bodyPr anchor="ctr">
+            <a:normAutofit/>
+          </a:bodyPr>
           <a:lstStyle/>
           <a:p>
-            <a:endParaRPr lang="ru-RU" dirty="0"/>
+            <a:pPr algn="ctr"/>
+            <a:r>
+              <a:rPr lang="ru-RU" sz="3200" dirty="0" smtClean="0"/>
+              <a:t>Существующий </a:t>
+            </a:r>
+            <a:r>
+              <a:rPr lang="ru-RU" sz="3200" dirty="0"/>
+              <a:t>сайт колледжа не обеспечивает обратную связь и </a:t>
+            </a:r>
+            <a:r>
+              <a:rPr lang="ru-RU" sz="3200" dirty="0" smtClean="0"/>
+              <a:t>поддержку организационной составляющей </a:t>
+            </a:r>
+            <a:r>
+              <a:rPr lang="ru-RU" sz="3200" dirty="0"/>
+              <a:t>учебного процесса</a:t>
+            </a:r>
+            <a:endParaRPr lang="ru-RU" sz="3200" dirty="0"/>
           </a:p>
         </p:txBody>
       </p:sp>
@@ -17350,7 +24098,7 @@
           <a:p>
             <a:fld id="{187D58E7-61B0-47C4-BA99-17966DE34546}" type="datetime1">
               <a:rPr lang="ru-RU" smtClean="0"/>
-              <a:t>14.06.18</a:t>
+              <a:t>16.06.18</a:t>
             </a:fld>
             <a:endParaRPr lang="ru-RU"/>
           </a:p>
@@ -17456,7 +24204,7 @@
           <a:p>
             <a:fld id="{89748951-148D-4321-9A66-4EAB41DA11D7}" type="datetime1">
               <a:rPr lang="ru-RU" smtClean="0"/>
-              <a:t>14.06.18</a:t>
+              <a:t>16.06.18</a:t>
             </a:fld>
             <a:endParaRPr lang="ru-RU"/>
           </a:p>
@@ -17581,7 +24329,7 @@
           <a:p>
             <a:fld id="{8630057C-EE49-4A43-A806-F98C81E11D1E}" type="datetime1">
               <a:rPr lang="ru-RU" smtClean="0"/>
-              <a:t>14.06.18</a:t>
+              <a:t>16.06.18</a:t>
             </a:fld>
             <a:endParaRPr lang="ru-RU"/>
           </a:p>
@@ -17746,7 +24494,7 @@
           <a:p>
             <a:fld id="{E618C9E1-D56A-4DDA-A394-DD3730D43AE8}" type="datetime1">
               <a:rPr lang="ru-RU" smtClean="0"/>
-              <a:t>14.06.18</a:t>
+              <a:t>16.06.18</a:t>
             </a:fld>
             <a:endParaRPr lang="ru-RU"/>
           </a:p>
@@ -19154,7 +25902,7 @@
           <a:p>
             <a:fld id="{48A2849B-3087-4CD6-8DD9-86318559ADAA}" type="datetime1">
               <a:rPr lang="ru-RU" smtClean="0"/>
-              <a:t>14.06.18</a:t>
+              <a:t>16.06.18</a:t>
             </a:fld>
             <a:endParaRPr lang="ru-RU"/>
           </a:p>
@@ -19193,6 +25941,13 @@
   <p:clrMapOvr>
     <a:masterClrMapping/>
   </p:clrMapOvr>
+  <p:timing>
+    <p:tnLst>
+      <p:par>
+        <p:cTn id="1" dur="indefinite" restart="never" nodeType="tmRoot"/>
+      </p:par>
+    </p:tnLst>
+  </p:timing>
 </p:sld>
 </file>
 
@@ -19332,7 +26087,7 @@
           <a:p>
             <a:fld id="{471C3EE8-6881-43F3-BF9B-878DD07EBF13}" type="datetime1">
               <a:rPr lang="ru-RU" smtClean="0"/>
-              <a:t>14.06.18</a:t>
+              <a:t>16.06.18</a:t>
             </a:fld>
             <a:endParaRPr lang="ru-RU"/>
           </a:p>
@@ -21005,7 +27760,7 @@
           <a:p>
             <a:fld id="{B390AA64-2D5B-4383-9CEC-C278F0F06FB0}" type="datetime1">
               <a:rPr lang="ru-RU" smtClean="0"/>
-              <a:t>14.06.18</a:t>
+              <a:t>16.06.18</a:t>
             </a:fld>
             <a:endParaRPr lang="ru-RU"/>
           </a:p>
@@ -21044,6 +27799,13 @@
   <p:clrMapOvr>
     <a:masterClrMapping/>
   </p:clrMapOvr>
+  <p:timing>
+    <p:tnLst>
+      <p:par>
+        <p:cTn id="1" dur="indefinite" restart="never" nodeType="tmRoot"/>
+      </p:par>
+    </p:tnLst>
+  </p:timing>
 </p:sld>
 </file>
 
@@ -21324,7 +28086,7 @@
   <a:extraClrSchemeLst/>
   <a:extLst>
     <a:ext uri="{05A4C25C-085E-4340-85A3-A5531E510DB2}">
-      <thm15:themeFamily xmlns="" xmlns:thm15="http://schemas.microsoft.com/office/thememl/2012/main" name="Retrospect" id="{5F128B03-DCCA-4EEB-AB3B-CF2899314A46}" vid="{3F1AAB62-24C6-49D2-8E01-B56FAC9A3DCD}"/>
+      <thm15:themeFamily xmlns:thm15="http://schemas.microsoft.com/office/thememl/2012/main" xmlns="" name="Retrospect" id="{5F128B03-DCCA-4EEB-AB3B-CF2899314A46}" vid="{3F1AAB62-24C6-49D2-8E01-B56FAC9A3DCD}"/>
     </a:ext>
   </a:extLst>
 </a:theme>
@@ -21585,7 +28347,7 @@
   <a:extraClrSchemeLst/>
   <a:extLst>
     <a:ext uri="{05A4C25C-085E-4340-85A3-A5531E510DB2}">
-      <thm15:themeFamily xmlns="" xmlns:thm15="http://schemas.microsoft.com/office/thememl/2012/main" name="Office Theme" id="{62F939B6-93AF-4DB8-9C6B-D6C7DFDC589F}" vid="{4A3C46E8-61CC-4603-A589-7422A47A8E4A}"/>
+      <thm15:themeFamily xmlns:thm15="http://schemas.microsoft.com/office/thememl/2012/main" xmlns="" name="Office Theme" id="{62F939B6-93AF-4DB8-9C6B-D6C7DFDC589F}" vid="{4A3C46E8-61CC-4603-A589-7422A47A8E4A}"/>
     </a:ext>
   </a:extLst>
 </a:theme>
